--- a/cuongttc.pptx
+++ b/cuongttc.pptx
@@ -6,10 +6,10 @@
     <p:sldMasterId id="2147484001" r:id="rId2"/>
   </p:sldMasterIdLst>
   <p:notesMasterIdLst>
-    <p:notesMasterId r:id="rId12"/>
+    <p:notesMasterId r:id="rId13"/>
   </p:notesMasterIdLst>
   <p:handoutMasterIdLst>
-    <p:handoutMasterId r:id="rId13"/>
+    <p:handoutMasterId r:id="rId14"/>
   </p:handoutMasterIdLst>
   <p:sldIdLst>
     <p:sldId id="256" r:id="rId3"/>
@@ -21,6 +21,7 @@
     <p:sldId id="263" r:id="rId9"/>
     <p:sldId id="266" r:id="rId10"/>
     <p:sldId id="268" r:id="rId11"/>
+    <p:sldId id="269" r:id="rId12"/>
   </p:sldIdLst>
   <p:sldSz cx="24377650" cy="13716000"/>
   <p:notesSz cx="6858000" cy="9144000"/>
@@ -137,6 +138,7 @@
             <p14:sldId id="263"/>
             <p14:sldId id="266"/>
             <p14:sldId id="268"/>
+            <p14:sldId id="269"/>
           </p14:sldIdLst>
         </p14:section>
       </p14:sectionLst>
@@ -5437,7 +5439,6 @@
     </c:plotArea>
     <c:legend>
       <c:legendPos val="b"/>
-      <c:layout/>
       <c:overlay val="0"/>
       <c:spPr>
         <a:noFill/>
@@ -6132,7 +6133,7 @@
           <a:p>
             <a:fld id="{476EB1C3-FA83-4F5C-BD11-4B61B9BFEDFE}" type="datetimeFigureOut">
               <a:rPr lang="en-US" smtClean="0"/>
-              <a:t>7/15/2020</a:t>
+              <a:t>7/21/2020</a:t>
             </a:fld>
             <a:endParaRPr lang="en-US"/>
           </a:p>
@@ -6314,7 +6315,7 @@
             <a:fld id="{EFC10EE1-B198-C942-8235-326C972CBB30}" type="datetimeFigureOut">
               <a:rPr lang="en-US" smtClean="0"/>
               <a:pPr/>
-              <a:t>7/15/2020</a:t>
+              <a:t>7/21/2020</a:t>
             </a:fld>
             <a:endParaRPr lang="en-US"/>
           </a:p>
@@ -9691,6 +9692,216 @@
 </p:sld>
 </file>
 
+<file path=ppt/slides/slide10.xml><?xml version="1.0" encoding="utf-8"?>
+<p:sld xmlns:a="http://schemas.openxmlformats.org/drawingml/2006/main" xmlns:r="http://schemas.openxmlformats.org/officeDocument/2006/relationships" xmlns:p="http://schemas.openxmlformats.org/presentationml/2006/main">
+  <p:cSld>
+    <p:spTree>
+      <p:nvGrpSpPr>
+        <p:cNvPr id="1" name=""/>
+        <p:cNvGrpSpPr/>
+        <p:nvPr/>
+      </p:nvGrpSpPr>
+      <p:grpSpPr>
+        <a:xfrm>
+          <a:off x="0" y="0"/>
+          <a:ext cx="0" cy="0"/>
+          <a:chOff x="0" y="0"/>
+          <a:chExt cx="0" cy="0"/>
+        </a:xfrm>
+      </p:grpSpPr>
+      <p:pic>
+        <p:nvPicPr>
+          <p:cNvPr id="2" name="Picture 1"/>
+          <p:cNvPicPr>
+            <a:picLocks noChangeAspect="1"/>
+          </p:cNvPicPr>
+          <p:nvPr/>
+        </p:nvPicPr>
+        <p:blipFill>
+          <a:blip r:embed="rId2" cstate="email">
+            <a:extLst>
+              <a:ext uri="{28A0092B-C50C-407E-A947-70E740481C1C}">
+                <a14:useLocalDpi xmlns:a14="http://schemas.microsoft.com/office/drawing/2010/main" val="0"/>
+              </a:ext>
+            </a:extLst>
+          </a:blip>
+          <a:stretch>
+            <a:fillRect/>
+          </a:stretch>
+        </p:blipFill>
+        <p:spPr>
+          <a:xfrm>
+            <a:off x="8640953" y="750000"/>
+            <a:ext cx="6705600" cy="10058400"/>
+          </a:xfrm>
+          <a:prstGeom prst="rect">
+            <a:avLst/>
+          </a:prstGeom>
+        </p:spPr>
+      </p:pic>
+      <p:pic>
+        <p:nvPicPr>
+          <p:cNvPr id="3" name="Picture 2"/>
+          <p:cNvPicPr>
+            <a:picLocks noChangeAspect="1"/>
+          </p:cNvPicPr>
+          <p:nvPr/>
+        </p:nvPicPr>
+        <p:blipFill>
+          <a:blip r:embed="rId3" cstate="email">
+            <a:extLst>
+              <a:ext uri="{28A0092B-C50C-407E-A947-70E740481C1C}">
+                <a14:useLocalDpi xmlns:a14="http://schemas.microsoft.com/office/drawing/2010/main" val="0"/>
+              </a:ext>
+            </a:extLst>
+          </a:blip>
+          <a:stretch>
+            <a:fillRect/>
+          </a:stretch>
+        </p:blipFill>
+        <p:spPr>
+          <a:xfrm>
+            <a:off x="8790953" y="900000"/>
+            <a:ext cx="6705600" cy="10058400"/>
+          </a:xfrm>
+          <a:prstGeom prst="rect">
+            <a:avLst/>
+          </a:prstGeom>
+        </p:spPr>
+      </p:pic>
+      <p:pic>
+        <p:nvPicPr>
+          <p:cNvPr id="4" name="Picture 3"/>
+          <p:cNvPicPr>
+            <a:picLocks noChangeAspect="1"/>
+          </p:cNvPicPr>
+          <p:nvPr/>
+        </p:nvPicPr>
+        <p:blipFill>
+          <a:blip r:embed="rId4" cstate="email">
+            <a:extLst>
+              <a:ext uri="{28A0092B-C50C-407E-A947-70E740481C1C}">
+                <a14:useLocalDpi xmlns:a14="http://schemas.microsoft.com/office/drawing/2010/main" val="0"/>
+              </a:ext>
+            </a:extLst>
+          </a:blip>
+          <a:stretch>
+            <a:fillRect/>
+          </a:stretch>
+        </p:blipFill>
+        <p:spPr>
+          <a:xfrm>
+            <a:off x="8940953" y="1050000"/>
+            <a:ext cx="6705600" cy="10058400"/>
+          </a:xfrm>
+          <a:prstGeom prst="rect">
+            <a:avLst/>
+          </a:prstGeom>
+        </p:spPr>
+      </p:pic>
+      <p:pic>
+        <p:nvPicPr>
+          <p:cNvPr id="5" name="Picture 4"/>
+          <p:cNvPicPr>
+            <a:picLocks noChangeAspect="1"/>
+          </p:cNvPicPr>
+          <p:nvPr/>
+        </p:nvPicPr>
+        <p:blipFill>
+          <a:blip r:embed="rId5" cstate="email">
+            <a:extLst>
+              <a:ext uri="{28A0092B-C50C-407E-A947-70E740481C1C}">
+                <a14:useLocalDpi xmlns:a14="http://schemas.microsoft.com/office/drawing/2010/main" val="0"/>
+              </a:ext>
+            </a:extLst>
+          </a:blip>
+          <a:stretch>
+            <a:fillRect/>
+          </a:stretch>
+        </p:blipFill>
+        <p:spPr>
+          <a:xfrm>
+            <a:off x="3375953" y="1200000"/>
+            <a:ext cx="10058400" cy="6705600"/>
+          </a:xfrm>
+          <a:prstGeom prst="rect">
+            <a:avLst/>
+          </a:prstGeom>
+        </p:spPr>
+      </p:pic>
+      <p:pic>
+        <p:nvPicPr>
+          <p:cNvPr id="6" name="Picture 5"/>
+          <p:cNvPicPr>
+            <a:picLocks noChangeAspect="1"/>
+          </p:cNvPicPr>
+          <p:nvPr/>
+        </p:nvPicPr>
+        <p:blipFill>
+          <a:blip r:embed="rId6" cstate="email">
+            <a:extLst>
+              <a:ext uri="{28A0092B-C50C-407E-A947-70E740481C1C}">
+                <a14:useLocalDpi xmlns:a14="http://schemas.microsoft.com/office/drawing/2010/main" val="0"/>
+              </a:ext>
+            </a:extLst>
+          </a:blip>
+          <a:stretch>
+            <a:fillRect/>
+          </a:stretch>
+        </p:blipFill>
+        <p:spPr>
+          <a:xfrm>
+            <a:off x="3525953" y="1350000"/>
+            <a:ext cx="10058400" cy="6705600"/>
+          </a:xfrm>
+          <a:prstGeom prst="rect">
+            <a:avLst/>
+          </a:prstGeom>
+        </p:spPr>
+      </p:pic>
+      <p:pic>
+        <p:nvPicPr>
+          <p:cNvPr id="7" name="Picture 6"/>
+          <p:cNvPicPr>
+            <a:picLocks noChangeAspect="1"/>
+          </p:cNvPicPr>
+          <p:nvPr/>
+        </p:nvPicPr>
+        <p:blipFill>
+          <a:blip r:embed="rId7" cstate="email">
+            <a:extLst>
+              <a:ext uri="{28A0092B-C50C-407E-A947-70E740481C1C}">
+                <a14:useLocalDpi xmlns:a14="http://schemas.microsoft.com/office/drawing/2010/main" val="0"/>
+              </a:ext>
+            </a:extLst>
+          </a:blip>
+          <a:stretch>
+            <a:fillRect/>
+          </a:stretch>
+        </p:blipFill>
+        <p:spPr>
+          <a:xfrm>
+            <a:off x="9390953" y="1500000"/>
+            <a:ext cx="6705600" cy="10058400"/>
+          </a:xfrm>
+          <a:prstGeom prst="rect">
+            <a:avLst/>
+          </a:prstGeom>
+        </p:spPr>
+      </p:pic>
+    </p:spTree>
+    <p:extLst>
+      <p:ext uri="{BB962C8B-B14F-4D97-AF65-F5344CB8AC3E}">
+        <p14:creationId xmlns:p14="http://schemas.microsoft.com/office/powerpoint/2010/main" val="1308584343"/>
+      </p:ext>
+    </p:extLst>
+  </p:cSld>
+  <p:clrMapOvr>
+    <a:masterClrMapping/>
+  </p:clrMapOvr>
+</p:sld>
+</file>
+
 <file path=ppt/slides/slide2.xml><?xml version="1.0" encoding="utf-8"?>
 <p:sld xmlns:a="http://schemas.openxmlformats.org/drawingml/2006/main" xmlns:r="http://schemas.openxmlformats.org/officeDocument/2006/relationships" xmlns:p="http://schemas.openxmlformats.org/presentationml/2006/main">
   <p:cSld>
@@ -10175,14 +10386,7 @@
                 <a:latin typeface="Arial" panose="020B0604020202020204" pitchFamily="34" charset="0"/>
                 <a:cs typeface="Arial" panose="020B0604020202020204" pitchFamily="34" charset="0"/>
               </a:rPr>
-              <a:t>, </a:t>
-            </a:r>
-            <a:r>
-              <a:rPr lang="en-US" dirty="0" smtClean="0">
-                <a:latin typeface="Arial" panose="020B0604020202020204" pitchFamily="34" charset="0"/>
-                <a:cs typeface="Arial" panose="020B0604020202020204" pitchFamily="34" charset="0"/>
-              </a:rPr>
-              <a:t>Du </a:t>
+              <a:t>, Du </a:t>
             </a:r>
             <a:r>
               <a:rPr lang="en-US" dirty="0" err="1" smtClean="0">
@@ -10950,17 +11154,7 @@
                   <a:latin typeface="Arial" panose="020B0604020202020204" pitchFamily="34" charset="0"/>
                   <a:cs typeface="Arial" panose="020B0604020202020204" pitchFamily="34" charset="0"/>
                 </a:rPr>
-                <a:t>, </a:t>
-              </a:r>
-              <a:r>
-                <a:rPr lang="en-US" altLang="en-US" sz="3200" b="0" dirty="0" smtClean="0">
-                  <a:solidFill>
-                    <a:srgbClr val="929292"/>
-                  </a:solidFill>
-                  <a:latin typeface="Arial" panose="020B0604020202020204" pitchFamily="34" charset="0"/>
-                  <a:cs typeface="Arial" panose="020B0604020202020204" pitchFamily="34" charset="0"/>
-                </a:rPr>
-                <a:t>research </a:t>
+                <a:t>, research </a:t>
               </a:r>
               <a:endParaRPr lang="en-US" altLang="en-US" sz="3200" b="0" dirty="0">
                 <a:solidFill>
@@ -16684,10 +16878,6 @@
               </a:rPr>
               <a:t>SQL Server</a:t>
             </a:r>
-            <a:endParaRPr lang="en-US" dirty="0" smtClean="0">
-              <a:latin typeface="Arial" panose="020B0604020202020204" pitchFamily="34" charset="0"/>
-              <a:cs typeface="Arial" panose="020B0604020202020204" pitchFamily="34" charset="0"/>
-            </a:endParaRPr>
           </a:p>
           <a:p>
             <a:pPr lvl="1">

--- a/cuongttc.pptx
+++ b/cuongttc.pptx
@@ -6,22 +6,23 @@
     <p:sldMasterId id="2147484001" r:id="rId2"/>
   </p:sldMasterIdLst>
   <p:notesMasterIdLst>
-    <p:notesMasterId r:id="rId13"/>
+    <p:notesMasterId r:id="rId14"/>
   </p:notesMasterIdLst>
   <p:handoutMasterIdLst>
-    <p:handoutMasterId r:id="rId14"/>
+    <p:handoutMasterId r:id="rId15"/>
   </p:handoutMasterIdLst>
   <p:sldIdLst>
     <p:sldId id="256" r:id="rId3"/>
     <p:sldId id="257" r:id="rId4"/>
     <p:sldId id="258" r:id="rId5"/>
-    <p:sldId id="261" r:id="rId6"/>
+    <p:sldId id="269" r:id="rId6"/>
     <p:sldId id="267" r:id="rId7"/>
     <p:sldId id="262" r:id="rId8"/>
     <p:sldId id="263" r:id="rId9"/>
-    <p:sldId id="266" r:id="rId10"/>
-    <p:sldId id="268" r:id="rId11"/>
-    <p:sldId id="269" r:id="rId12"/>
+    <p:sldId id="261" r:id="rId10"/>
+    <p:sldId id="266" r:id="rId11"/>
+    <p:sldId id="270" r:id="rId12"/>
+    <p:sldId id="268" r:id="rId13"/>
   </p:sldIdLst>
   <p:sldSz cx="24377650" cy="13716000"/>
   <p:notesSz cx="6858000" cy="9144000"/>
@@ -132,13 +133,14 @@
         <p14:section name="Chung" id="{19FF86AF-7EA3-40EC-BFE3-92FE1858D08C}">
           <p14:sldIdLst>
             <p14:sldId id="258"/>
-            <p14:sldId id="261"/>
+            <p14:sldId id="269"/>
             <p14:sldId id="267"/>
             <p14:sldId id="262"/>
             <p14:sldId id="263"/>
+            <p14:sldId id="261"/>
             <p14:sldId id="266"/>
+            <p14:sldId id="270"/>
             <p14:sldId id="268"/>
-            <p14:sldId id="269"/>
           </p14:sldIdLst>
         </p14:section>
       </p14:sectionLst>
@@ -5222,13 +5224,13 @@
                 <c:formatCode>General</c:formatCode>
                 <c:ptCount val="4"/>
                 <c:pt idx="0">
-                  <c:v>2</c:v>
+                  <c:v>3.5</c:v>
                 </c:pt>
                 <c:pt idx="1">
                   <c:v>0</c:v>
                 </c:pt>
                 <c:pt idx="2">
-                  <c:v>2</c:v>
+                  <c:v>3</c:v>
                 </c:pt>
                 <c:pt idx="3">
                   <c:v>0</c:v>
@@ -5293,16 +5295,16 @@
                 <c:formatCode>General</c:formatCode>
                 <c:ptCount val="4"/>
                 <c:pt idx="0">
-                  <c:v>3.5</c:v>
+                  <c:v>4.5</c:v>
                 </c:pt>
                 <c:pt idx="1">
-                  <c:v>2</c:v>
+                  <c:v>3</c:v>
                 </c:pt>
                 <c:pt idx="2">
-                  <c:v>4</c:v>
+                  <c:v>4.5</c:v>
                 </c:pt>
                 <c:pt idx="3">
-                  <c:v>2</c:v>
+                  <c:v>3</c:v>
                 </c:pt>
               </c:numCache>
             </c:numRef>
@@ -5379,7 +5381,7 @@
         <c:axId val="1333921471"/>
         <c:scaling>
           <c:orientation val="minMax"/>
-          <c:max val="5"/>
+          <c:max val="7"/>
         </c:scaling>
         <c:delete val="0"/>
         <c:axPos val="l"/>
@@ -5431,7 +5433,7 @@
       </c:valAx>
       <c:spPr>
         <a:noFill/>
-        <a:ln>
+        <a:ln w="25400">
           <a:noFill/>
         </a:ln>
         <a:effectLst/>
@@ -5439,6 +5441,7 @@
     </c:plotArea>
     <c:legend>
       <c:legendPos val="b"/>
+      <c:layout/>
       <c:overlay val="0"/>
       <c:spPr>
         <a:noFill/>
@@ -6738,7 +6741,7 @@
             <a:fld id="{006BE02D-20C0-F840-AFAC-BEA99C74FDC2}" type="slidenum">
               <a:rPr lang="en-US" smtClean="0"/>
               <a:pPr/>
-              <a:t>4</a:t>
+              <a:t>8</a:t>
             </a:fld>
             <a:endParaRPr lang="en-US"/>
           </a:p>
@@ -9709,11 +9712,370 @@
           <a:chExt cx="0" cy="0"/>
         </a:xfrm>
       </p:grpSpPr>
+      <p:sp>
+        <p:nvSpPr>
+          <p:cNvPr id="5" name="Content Placeholder 4"/>
+          <p:cNvSpPr>
+            <a:spLocks noGrp="1"/>
+          </p:cNvSpPr>
+          <p:nvPr>
+            <p:ph idx="1"/>
+          </p:nvPr>
+        </p:nvSpPr>
+        <p:spPr>
+          <a:xfrm>
+            <a:off x="1675964" y="1720877"/>
+            <a:ext cx="12040036" cy="10633049"/>
+          </a:xfrm>
+        </p:spPr>
+        <p:txBody>
+          <a:bodyPr/>
+          <a:lstStyle/>
+          <a:p>
+            <a:pPr lvl="1">
+              <a:buFont typeface="Arial" panose="020B0604020202020204" pitchFamily="34" charset="0"/>
+              <a:buChar char="•"/>
+            </a:pPr>
+            <a:endParaRPr lang="en-US" dirty="0" smtClean="0">
+              <a:latin typeface="Arial" panose="020B0604020202020204" pitchFamily="34" charset="0"/>
+              <a:cs typeface="Arial" panose="020B0604020202020204" pitchFamily="34" charset="0"/>
+            </a:endParaRPr>
+          </a:p>
+          <a:p>
+            <a:pPr lvl="1">
+              <a:buFont typeface="Arial" panose="020B0604020202020204" pitchFamily="34" charset="0"/>
+              <a:buChar char="•"/>
+            </a:pPr>
+            <a:r>
+              <a:rPr lang="en-US" dirty="0" err="1" smtClean="0">
+                <a:latin typeface="Arial" panose="020B0604020202020204" pitchFamily="34" charset="0"/>
+                <a:cs typeface="Arial" panose="020B0604020202020204" pitchFamily="34" charset="0"/>
+              </a:rPr>
+              <a:t>Trở</a:t>
+            </a:r>
+            <a:r>
+              <a:rPr lang="en-US" dirty="0" smtClean="0">
+                <a:latin typeface="Arial" panose="020B0604020202020204" pitchFamily="34" charset="0"/>
+                <a:cs typeface="Arial" panose="020B0604020202020204" pitchFamily="34" charset="0"/>
+              </a:rPr>
+              <a:t> </a:t>
+            </a:r>
+            <a:r>
+              <a:rPr lang="en-US" dirty="0" err="1" smtClean="0">
+                <a:latin typeface="Arial" panose="020B0604020202020204" pitchFamily="34" charset="0"/>
+                <a:cs typeface="Arial" panose="020B0604020202020204" pitchFamily="34" charset="0"/>
+              </a:rPr>
+              <a:t>thành</a:t>
+            </a:r>
+            <a:r>
+              <a:rPr lang="en-US" dirty="0" smtClean="0">
+                <a:latin typeface="Arial" panose="020B0604020202020204" pitchFamily="34" charset="0"/>
+                <a:cs typeface="Arial" panose="020B0604020202020204" pitchFamily="34" charset="0"/>
+              </a:rPr>
+              <a:t> </a:t>
+            </a:r>
+            <a:r>
+              <a:rPr lang="en-US" dirty="0" smtClean="0">
+                <a:latin typeface="Arial" panose="020B0604020202020204" pitchFamily="34" charset="0"/>
+                <a:cs typeface="Arial" panose="020B0604020202020204" pitchFamily="34" charset="0"/>
+              </a:rPr>
+              <a:t>Software </a:t>
+            </a:r>
+            <a:r>
+              <a:rPr lang="en-US" dirty="0" smtClean="0">
+                <a:latin typeface="Arial" panose="020B0604020202020204" pitchFamily="34" charset="0"/>
+                <a:cs typeface="Arial" panose="020B0604020202020204" pitchFamily="34" charset="0"/>
+              </a:rPr>
+              <a:t>Engineer </a:t>
+            </a:r>
+            <a:r>
+              <a:rPr lang="en-US" dirty="0" err="1" smtClean="0">
+                <a:latin typeface="Arial" panose="020B0604020202020204" pitchFamily="34" charset="0"/>
+                <a:cs typeface="Arial" panose="020B0604020202020204" pitchFamily="34" charset="0"/>
+              </a:rPr>
+              <a:t>trong</a:t>
+            </a:r>
+            <a:r>
+              <a:rPr lang="en-US" dirty="0" smtClean="0">
+                <a:latin typeface="Arial" panose="020B0604020202020204" pitchFamily="34" charset="0"/>
+                <a:cs typeface="Arial" panose="020B0604020202020204" pitchFamily="34" charset="0"/>
+              </a:rPr>
+              <a:t>         4 </a:t>
+            </a:r>
+            <a:r>
+              <a:rPr lang="en-US" dirty="0" err="1" smtClean="0">
+                <a:latin typeface="Arial" panose="020B0604020202020204" pitchFamily="34" charset="0"/>
+                <a:cs typeface="Arial" panose="020B0604020202020204" pitchFamily="34" charset="0"/>
+              </a:rPr>
+              <a:t>năm</a:t>
+            </a:r>
+            <a:r>
+              <a:rPr lang="en-US" dirty="0" smtClean="0">
+                <a:latin typeface="Arial" panose="020B0604020202020204" pitchFamily="34" charset="0"/>
+                <a:cs typeface="Arial" panose="020B0604020202020204" pitchFamily="34" charset="0"/>
+              </a:rPr>
+              <a:t> </a:t>
+            </a:r>
+            <a:r>
+              <a:rPr lang="en-US" dirty="0" err="1" smtClean="0">
+                <a:latin typeface="Arial" panose="020B0604020202020204" pitchFamily="34" charset="0"/>
+                <a:cs typeface="Arial" panose="020B0604020202020204" pitchFamily="34" charset="0"/>
+              </a:rPr>
+              <a:t>tới</a:t>
+            </a:r>
+            <a:endParaRPr lang="en-US" dirty="0" smtClean="0">
+              <a:latin typeface="Arial" panose="020B0604020202020204" pitchFamily="34" charset="0"/>
+              <a:cs typeface="Arial" panose="020B0604020202020204" pitchFamily="34" charset="0"/>
+            </a:endParaRPr>
+          </a:p>
+          <a:p>
+            <a:pPr lvl="1">
+              <a:buFont typeface="Arial" panose="020B0604020202020204" pitchFamily="34" charset="0"/>
+              <a:buChar char="•"/>
+            </a:pPr>
+            <a:r>
+              <a:rPr lang="en-US" dirty="0" err="1" smtClean="0">
+                <a:latin typeface="Arial" panose="020B0604020202020204" pitchFamily="34" charset="0"/>
+                <a:cs typeface="Arial" panose="020B0604020202020204" pitchFamily="34" charset="0"/>
+              </a:rPr>
+              <a:t>Tiếng</a:t>
+            </a:r>
+            <a:r>
+              <a:rPr lang="en-US" dirty="0" smtClean="0">
+                <a:latin typeface="Arial" panose="020B0604020202020204" pitchFamily="34" charset="0"/>
+                <a:cs typeface="Arial" panose="020B0604020202020204" pitchFamily="34" charset="0"/>
+              </a:rPr>
+              <a:t> </a:t>
+            </a:r>
+            <a:r>
+              <a:rPr lang="en-US" dirty="0" err="1">
+                <a:latin typeface="Arial" panose="020B0604020202020204" pitchFamily="34" charset="0"/>
+                <a:cs typeface="Arial" panose="020B0604020202020204" pitchFamily="34" charset="0"/>
+              </a:rPr>
+              <a:t>Nhật</a:t>
+            </a:r>
+            <a:r>
+              <a:rPr lang="en-US" dirty="0">
+                <a:latin typeface="Arial" panose="020B0604020202020204" pitchFamily="34" charset="0"/>
+                <a:cs typeface="Arial" panose="020B0604020202020204" pitchFamily="34" charset="0"/>
+              </a:rPr>
+              <a:t> </a:t>
+            </a:r>
+            <a:r>
+              <a:rPr lang="en-US" dirty="0" err="1">
+                <a:latin typeface="Arial" panose="020B0604020202020204" pitchFamily="34" charset="0"/>
+                <a:cs typeface="Arial" panose="020B0604020202020204" pitchFamily="34" charset="0"/>
+              </a:rPr>
+              <a:t>đạt</a:t>
+            </a:r>
+            <a:r>
+              <a:rPr lang="en-US" dirty="0">
+                <a:latin typeface="Arial" panose="020B0604020202020204" pitchFamily="34" charset="0"/>
+                <a:cs typeface="Arial" panose="020B0604020202020204" pitchFamily="34" charset="0"/>
+              </a:rPr>
+              <a:t> </a:t>
+            </a:r>
+            <a:r>
+              <a:rPr lang="en-US" dirty="0" smtClean="0">
+                <a:latin typeface="Arial" panose="020B0604020202020204" pitchFamily="34" charset="0"/>
+                <a:cs typeface="Arial" panose="020B0604020202020204" pitchFamily="34" charset="0"/>
+              </a:rPr>
+              <a:t>N3 </a:t>
+            </a:r>
+            <a:r>
+              <a:rPr lang="en-US" dirty="0" err="1" smtClean="0">
+                <a:latin typeface="Arial" panose="020B0604020202020204" pitchFamily="34" charset="0"/>
+                <a:cs typeface="Arial" panose="020B0604020202020204" pitchFamily="34" charset="0"/>
+              </a:rPr>
+              <a:t>trong</a:t>
+            </a:r>
+            <a:r>
+              <a:rPr lang="en-US" dirty="0" smtClean="0">
+                <a:latin typeface="Arial" panose="020B0604020202020204" pitchFamily="34" charset="0"/>
+                <a:cs typeface="Arial" panose="020B0604020202020204" pitchFamily="34" charset="0"/>
+              </a:rPr>
+              <a:t> </a:t>
+            </a:r>
+            <a:r>
+              <a:rPr lang="en-US" dirty="0" err="1" smtClean="0">
+                <a:latin typeface="Arial" panose="020B0604020202020204" pitchFamily="34" charset="0"/>
+                <a:cs typeface="Arial" panose="020B0604020202020204" pitchFamily="34" charset="0"/>
+              </a:rPr>
+              <a:t>năm</a:t>
+            </a:r>
+            <a:r>
+              <a:rPr lang="en-US" dirty="0" smtClean="0">
+                <a:latin typeface="Arial" panose="020B0604020202020204" pitchFamily="34" charset="0"/>
+                <a:cs typeface="Arial" panose="020B0604020202020204" pitchFamily="34" charset="0"/>
+              </a:rPr>
+              <a:t> 2022</a:t>
+            </a:r>
+          </a:p>
+          <a:p>
+            <a:pPr lvl="1">
+              <a:buFont typeface="Arial" panose="020B0604020202020204" pitchFamily="34" charset="0"/>
+              <a:buChar char="•"/>
+            </a:pPr>
+            <a:r>
+              <a:rPr lang="en-US" dirty="0" err="1" smtClean="0">
+                <a:latin typeface="Arial" panose="020B0604020202020204" pitchFamily="34" charset="0"/>
+                <a:cs typeface="Arial" panose="020B0604020202020204" pitchFamily="34" charset="0"/>
+              </a:rPr>
+              <a:t>Thành</a:t>
+            </a:r>
+            <a:r>
+              <a:rPr lang="en-US" dirty="0" smtClean="0">
+                <a:latin typeface="Arial" panose="020B0604020202020204" pitchFamily="34" charset="0"/>
+                <a:cs typeface="Arial" panose="020B0604020202020204" pitchFamily="34" charset="0"/>
+              </a:rPr>
+              <a:t> </a:t>
+            </a:r>
+            <a:r>
+              <a:rPr lang="en-US" dirty="0" err="1" smtClean="0">
+                <a:latin typeface="Arial" panose="020B0604020202020204" pitchFamily="34" charset="0"/>
+                <a:cs typeface="Arial" panose="020B0604020202020204" pitchFamily="34" charset="0"/>
+              </a:rPr>
+              <a:t>thạo</a:t>
+            </a:r>
+            <a:r>
+              <a:rPr lang="en-US" dirty="0" smtClean="0">
+                <a:latin typeface="Arial" panose="020B0604020202020204" pitchFamily="34" charset="0"/>
+                <a:cs typeface="Arial" panose="020B0604020202020204" pitchFamily="34" charset="0"/>
+              </a:rPr>
+              <a:t> </a:t>
+            </a:r>
+            <a:r>
+              <a:rPr lang="en-US" dirty="0" err="1" smtClean="0">
+                <a:latin typeface="Arial" panose="020B0604020202020204" pitchFamily="34" charset="0"/>
+                <a:cs typeface="Arial" panose="020B0604020202020204" pitchFamily="34" charset="0"/>
+              </a:rPr>
+              <a:t>thêm</a:t>
+            </a:r>
+            <a:r>
+              <a:rPr lang="en-US" dirty="0" smtClean="0">
+                <a:latin typeface="Arial" panose="020B0604020202020204" pitchFamily="34" charset="0"/>
+                <a:cs typeface="Arial" panose="020B0604020202020204" pitchFamily="34" charset="0"/>
+              </a:rPr>
+              <a:t> 1 </a:t>
+            </a:r>
+            <a:r>
+              <a:rPr lang="en-US" dirty="0" err="1" smtClean="0">
+                <a:latin typeface="Arial" panose="020B0604020202020204" pitchFamily="34" charset="0"/>
+                <a:cs typeface="Arial" panose="020B0604020202020204" pitchFamily="34" charset="0"/>
+              </a:rPr>
+              <a:t>hoặc</a:t>
+            </a:r>
+            <a:r>
+              <a:rPr lang="en-US" dirty="0" smtClean="0">
+                <a:latin typeface="Arial" panose="020B0604020202020204" pitchFamily="34" charset="0"/>
+                <a:cs typeface="Arial" panose="020B0604020202020204" pitchFamily="34" charset="0"/>
+              </a:rPr>
+              <a:t> 2 </a:t>
+            </a:r>
+            <a:r>
+              <a:rPr lang="en-US" dirty="0" err="1" smtClean="0">
+                <a:latin typeface="Arial" panose="020B0604020202020204" pitchFamily="34" charset="0"/>
+                <a:cs typeface="Arial" panose="020B0604020202020204" pitchFamily="34" charset="0"/>
+              </a:rPr>
+              <a:t>ngôn</a:t>
+            </a:r>
+            <a:r>
+              <a:rPr lang="en-US" dirty="0" smtClean="0">
+                <a:latin typeface="Arial" panose="020B0604020202020204" pitchFamily="34" charset="0"/>
+                <a:cs typeface="Arial" panose="020B0604020202020204" pitchFamily="34" charset="0"/>
+              </a:rPr>
+              <a:t> </a:t>
+            </a:r>
+            <a:r>
+              <a:rPr lang="en-US" dirty="0" err="1" smtClean="0">
+                <a:latin typeface="Arial" panose="020B0604020202020204" pitchFamily="34" charset="0"/>
+                <a:cs typeface="Arial" panose="020B0604020202020204" pitchFamily="34" charset="0"/>
+              </a:rPr>
+              <a:t>ngữ</a:t>
+            </a:r>
+            <a:r>
+              <a:rPr lang="en-US" dirty="0" smtClean="0">
+                <a:latin typeface="Arial" panose="020B0604020202020204" pitchFamily="34" charset="0"/>
+                <a:cs typeface="Arial" panose="020B0604020202020204" pitchFamily="34" charset="0"/>
+              </a:rPr>
+              <a:t> </a:t>
+            </a:r>
+            <a:r>
+              <a:rPr lang="en-US" dirty="0" err="1" smtClean="0">
+                <a:latin typeface="Arial" panose="020B0604020202020204" pitchFamily="34" charset="0"/>
+                <a:cs typeface="Arial" panose="020B0604020202020204" pitchFamily="34" charset="0"/>
+              </a:rPr>
+              <a:t>trong</a:t>
+            </a:r>
+            <a:r>
+              <a:rPr lang="en-US" dirty="0" smtClean="0">
+                <a:latin typeface="Arial" panose="020B0604020202020204" pitchFamily="34" charset="0"/>
+                <a:cs typeface="Arial" panose="020B0604020202020204" pitchFamily="34" charset="0"/>
+              </a:rPr>
+              <a:t> 4 </a:t>
+            </a:r>
+            <a:r>
+              <a:rPr lang="en-US" dirty="0" err="1" smtClean="0">
+                <a:latin typeface="Arial" panose="020B0604020202020204" pitchFamily="34" charset="0"/>
+                <a:cs typeface="Arial" panose="020B0604020202020204" pitchFamily="34" charset="0"/>
+              </a:rPr>
+              <a:t>năm</a:t>
+            </a:r>
+            <a:r>
+              <a:rPr lang="en-US" dirty="0" smtClean="0">
+                <a:latin typeface="Arial" panose="020B0604020202020204" pitchFamily="34" charset="0"/>
+                <a:cs typeface="Arial" panose="020B0604020202020204" pitchFamily="34" charset="0"/>
+              </a:rPr>
+              <a:t> </a:t>
+            </a:r>
+            <a:r>
+              <a:rPr lang="en-US" dirty="0" err="1" smtClean="0">
+                <a:latin typeface="Arial" panose="020B0604020202020204" pitchFamily="34" charset="0"/>
+                <a:cs typeface="Arial" panose="020B0604020202020204" pitchFamily="34" charset="0"/>
+              </a:rPr>
+              <a:t>tới</a:t>
+            </a:r>
+            <a:endParaRPr lang="en-US" dirty="0">
+              <a:latin typeface="Arial" panose="020B0604020202020204" pitchFamily="34" charset="0"/>
+              <a:cs typeface="Arial" panose="020B0604020202020204" pitchFamily="34" charset="0"/>
+            </a:endParaRPr>
+          </a:p>
+        </p:txBody>
+      </p:sp>
+      <p:sp>
+        <p:nvSpPr>
+          <p:cNvPr id="4" name="Title 3"/>
+          <p:cNvSpPr>
+            <a:spLocks noGrp="1"/>
+          </p:cNvSpPr>
+          <p:nvPr>
+            <p:ph type="title"/>
+          </p:nvPr>
+        </p:nvSpPr>
+        <p:spPr/>
+        <p:txBody>
+          <a:bodyPr/>
+          <a:lstStyle/>
+          <a:p>
+            <a:r>
+              <a:rPr lang="en-US" dirty="0" smtClean="0">
+                <a:latin typeface="Arial" panose="020B0604020202020204" pitchFamily="34" charset="0"/>
+                <a:cs typeface="Arial" panose="020B0604020202020204" pitchFamily="34" charset="0"/>
+              </a:rPr>
+              <a:t>MỤC TIÊU DÀI HẠN</a:t>
+            </a:r>
+            <a:endParaRPr lang="en-US" dirty="0">
+              <a:latin typeface="Arial" panose="020B0604020202020204" pitchFamily="34" charset="0"/>
+              <a:cs typeface="Arial" panose="020B0604020202020204" pitchFamily="34" charset="0"/>
+            </a:endParaRPr>
+          </a:p>
+        </p:txBody>
+      </p:sp>
       <p:pic>
         <p:nvPicPr>
-          <p:cNvPr id="2" name="Picture 1"/>
+          <p:cNvPr id="9" name="Picture 4" descr="https://miro.medium.com/max/10000/1*2f-8Td-WxtiIcDu29nyquw.jpeg"/>
           <p:cNvPicPr>
-            <a:picLocks noChangeAspect="1"/>
+            <a:picLocks noChangeAspect="1" noChangeArrowheads="1"/>
           </p:cNvPicPr>
           <p:nvPr/>
         </p:nvPicPr>
@@ -9725,180 +10087,299 @@
               </a:ext>
             </a:extLst>
           </a:blip>
+          <a:srcRect/>
           <a:stretch>
             <a:fillRect/>
           </a:stretch>
         </p:blipFill>
-        <p:spPr>
+        <p:spPr bwMode="auto">
           <a:xfrm>
-            <a:off x="8640953" y="750000"/>
-            <a:ext cx="6705600" cy="10058400"/>
+            <a:off x="12802093" y="3006969"/>
+            <a:ext cx="9899594" cy="6312876"/>
           </a:xfrm>
           <a:prstGeom prst="rect">
             <a:avLst/>
           </a:prstGeom>
+          <a:noFill/>
+          <a:extLst>
+            <a:ext uri="{909E8E84-426E-40DD-AFC4-6F175D3DCCD1}">
+              <a14:hiddenFill xmlns:a14="http://schemas.microsoft.com/office/drawing/2010/main">
+                <a:solidFill>
+                  <a:srgbClr val="FFFFFF"/>
+                </a:solidFill>
+              </a14:hiddenFill>
+            </a:ext>
+          </a:extLst>
         </p:spPr>
       </p:pic>
+    </p:spTree>
+    <p:extLst>
+      <p:ext uri="{BB962C8B-B14F-4D97-AF65-F5344CB8AC3E}">
+        <p14:creationId xmlns:p14="http://schemas.microsoft.com/office/powerpoint/2010/main" val="1548583367"/>
+      </p:ext>
+    </p:extLst>
+  </p:cSld>
+  <p:clrMapOvr>
+    <a:masterClrMapping/>
+  </p:clrMapOvr>
+  <p:timing>
+    <p:tnLst>
+      <p:par>
+        <p:cTn id="1" dur="indefinite" restart="never" nodeType="tmRoot">
+          <p:childTnLst>
+            <p:seq concurrent="1" nextAc="seek">
+              <p:cTn id="2" dur="indefinite" nodeType="mainSeq">
+                <p:childTnLst>
+                  <p:par>
+                    <p:cTn id="3" fill="hold">
+                      <p:stCondLst>
+                        <p:cond delay="indefinite"/>
+                        <p:cond evt="onBegin" delay="0">
+                          <p:tn val="2"/>
+                        </p:cond>
+                      </p:stCondLst>
+                      <p:childTnLst>
+                        <p:par>
+                          <p:cTn id="4" fill="hold">
+                            <p:stCondLst>
+                              <p:cond delay="0"/>
+                            </p:stCondLst>
+                            <p:childTnLst>
+                              <p:par>
+                                <p:cTn id="5" presetID="10" presetClass="entr" presetSubtype="0" fill="hold" nodeType="withEffect">
+                                  <p:stCondLst>
+                                    <p:cond delay="0"/>
+                                  </p:stCondLst>
+                                  <p:childTnLst>
+                                    <p:set>
+                                      <p:cBhvr>
+                                        <p:cTn id="6" dur="1" fill="hold">
+                                          <p:stCondLst>
+                                            <p:cond delay="0"/>
+                                          </p:stCondLst>
+                                        </p:cTn>
+                                        <p:tgtEl>
+                                          <p:spTgt spid="5">
+                                            <p:txEl>
+                                              <p:pRg st="1" end="1"/>
+                                            </p:txEl>
+                                          </p:spTgt>
+                                        </p:tgtEl>
+                                        <p:attrNameLst>
+                                          <p:attrName>style.visibility</p:attrName>
+                                        </p:attrNameLst>
+                                      </p:cBhvr>
+                                      <p:to>
+                                        <p:strVal val="visible"/>
+                                      </p:to>
+                                    </p:set>
+                                    <p:animEffect transition="in" filter="fade">
+                                      <p:cBhvr>
+                                        <p:cTn id="7" dur="500"/>
+                                        <p:tgtEl>
+                                          <p:spTgt spid="5">
+                                            <p:txEl>
+                                              <p:pRg st="1" end="1"/>
+                                            </p:txEl>
+                                          </p:spTgt>
+                                        </p:tgtEl>
+                                      </p:cBhvr>
+                                    </p:animEffect>
+                                  </p:childTnLst>
+                                </p:cTn>
+                              </p:par>
+                              <p:par>
+                                <p:cTn id="8" presetID="10" presetClass="entr" presetSubtype="0" fill="hold" nodeType="withEffect">
+                                  <p:stCondLst>
+                                    <p:cond delay="0"/>
+                                  </p:stCondLst>
+                                  <p:childTnLst>
+                                    <p:set>
+                                      <p:cBhvr>
+                                        <p:cTn id="9" dur="1" fill="hold">
+                                          <p:stCondLst>
+                                            <p:cond delay="0"/>
+                                          </p:stCondLst>
+                                        </p:cTn>
+                                        <p:tgtEl>
+                                          <p:spTgt spid="5">
+                                            <p:txEl>
+                                              <p:pRg st="2" end="2"/>
+                                            </p:txEl>
+                                          </p:spTgt>
+                                        </p:tgtEl>
+                                        <p:attrNameLst>
+                                          <p:attrName>style.visibility</p:attrName>
+                                        </p:attrNameLst>
+                                      </p:cBhvr>
+                                      <p:to>
+                                        <p:strVal val="visible"/>
+                                      </p:to>
+                                    </p:set>
+                                    <p:animEffect transition="in" filter="fade">
+                                      <p:cBhvr>
+                                        <p:cTn id="10" dur="500"/>
+                                        <p:tgtEl>
+                                          <p:spTgt spid="5">
+                                            <p:txEl>
+                                              <p:pRg st="2" end="2"/>
+                                            </p:txEl>
+                                          </p:spTgt>
+                                        </p:tgtEl>
+                                      </p:cBhvr>
+                                    </p:animEffect>
+                                  </p:childTnLst>
+                                </p:cTn>
+                              </p:par>
+                              <p:par>
+                                <p:cTn id="11" presetID="10" presetClass="entr" presetSubtype="0" fill="hold" nodeType="withEffect">
+                                  <p:stCondLst>
+                                    <p:cond delay="0"/>
+                                  </p:stCondLst>
+                                  <p:childTnLst>
+                                    <p:set>
+                                      <p:cBhvr>
+                                        <p:cTn id="12" dur="1" fill="hold">
+                                          <p:stCondLst>
+                                            <p:cond delay="0"/>
+                                          </p:stCondLst>
+                                        </p:cTn>
+                                        <p:tgtEl>
+                                          <p:spTgt spid="5">
+                                            <p:txEl>
+                                              <p:pRg st="3" end="3"/>
+                                            </p:txEl>
+                                          </p:spTgt>
+                                        </p:tgtEl>
+                                        <p:attrNameLst>
+                                          <p:attrName>style.visibility</p:attrName>
+                                        </p:attrNameLst>
+                                      </p:cBhvr>
+                                      <p:to>
+                                        <p:strVal val="visible"/>
+                                      </p:to>
+                                    </p:set>
+                                    <p:animEffect transition="in" filter="fade">
+                                      <p:cBhvr>
+                                        <p:cTn id="13" dur="500"/>
+                                        <p:tgtEl>
+                                          <p:spTgt spid="5">
+                                            <p:txEl>
+                                              <p:pRg st="3" end="3"/>
+                                            </p:txEl>
+                                          </p:spTgt>
+                                        </p:tgtEl>
+                                      </p:cBhvr>
+                                    </p:animEffect>
+                                  </p:childTnLst>
+                                </p:cTn>
+                              </p:par>
+                            </p:childTnLst>
+                          </p:cTn>
+                        </p:par>
+                      </p:childTnLst>
+                    </p:cTn>
+                  </p:par>
+                </p:childTnLst>
+              </p:cTn>
+              <p:prevCondLst>
+                <p:cond evt="onPrev" delay="0">
+                  <p:tgtEl>
+                    <p:sldTgt/>
+                  </p:tgtEl>
+                </p:cond>
+              </p:prevCondLst>
+              <p:nextCondLst>
+                <p:cond evt="onNext" delay="0">
+                  <p:tgtEl>
+                    <p:sldTgt/>
+                  </p:tgtEl>
+                </p:cond>
+              </p:nextCondLst>
+            </p:seq>
+          </p:childTnLst>
+        </p:cTn>
+      </p:par>
+    </p:tnLst>
+  </p:timing>
+</p:sld>
+</file>
+
+<file path=ppt/slides/slide11.xml><?xml version="1.0" encoding="utf-8"?>
+<p:sld xmlns:a="http://schemas.openxmlformats.org/drawingml/2006/main" xmlns:r="http://schemas.openxmlformats.org/officeDocument/2006/relationships" xmlns:p="http://schemas.openxmlformats.org/presentationml/2006/main">
+  <p:cSld>
+    <p:spTree>
+      <p:nvGrpSpPr>
+        <p:cNvPr id="1" name=""/>
+        <p:cNvGrpSpPr/>
+        <p:nvPr/>
+      </p:nvGrpSpPr>
+      <p:grpSpPr>
+        <a:xfrm>
+          <a:off x="0" y="0"/>
+          <a:ext cx="0" cy="0"/>
+          <a:chOff x="0" y="0"/>
+          <a:chExt cx="0" cy="0"/>
+        </a:xfrm>
+      </p:grpSpPr>
       <p:pic>
         <p:nvPicPr>
-          <p:cNvPr id="3" name="Picture 2"/>
+          <p:cNvPr id="2050" name="Picture 2" descr="https://i.pinimg.com/originals/84/c7/ea/84c7ea2b0f6b4f8c860b69ed447e512a.png"/>
           <p:cNvPicPr>
-            <a:picLocks noChangeAspect="1"/>
+            <a:picLocks noChangeAspect="1" noChangeArrowheads="1"/>
           </p:cNvPicPr>
           <p:nvPr/>
         </p:nvPicPr>
         <p:blipFill>
-          <a:blip r:embed="rId3" cstate="email">
+          <a:blip r:embed="rId2">
             <a:extLst>
               <a:ext uri="{28A0092B-C50C-407E-A947-70E740481C1C}">
                 <a14:useLocalDpi xmlns:a14="http://schemas.microsoft.com/office/drawing/2010/main" val="0"/>
               </a:ext>
             </a:extLst>
           </a:blip>
+          <a:srcRect/>
           <a:stretch>
             <a:fillRect/>
           </a:stretch>
         </p:blipFill>
-        <p:spPr>
+        <p:spPr bwMode="auto">
           <a:xfrm>
-            <a:off x="8790953" y="900000"/>
-            <a:ext cx="6705600" cy="10058400"/>
+            <a:off x="4498976" y="2936629"/>
+            <a:ext cx="15547486" cy="5830307"/>
           </a:xfrm>
           <a:prstGeom prst="rect">
             <a:avLst/>
           </a:prstGeom>
-        </p:spPr>
-      </p:pic>
-      <p:pic>
-        <p:nvPicPr>
-          <p:cNvPr id="4" name="Picture 3"/>
-          <p:cNvPicPr>
-            <a:picLocks noChangeAspect="1"/>
-          </p:cNvPicPr>
-          <p:nvPr/>
-        </p:nvPicPr>
-        <p:blipFill>
-          <a:blip r:embed="rId4" cstate="email">
-            <a:extLst>
-              <a:ext uri="{28A0092B-C50C-407E-A947-70E740481C1C}">
-                <a14:useLocalDpi xmlns:a14="http://schemas.microsoft.com/office/drawing/2010/main" val="0"/>
-              </a:ext>
-            </a:extLst>
-          </a:blip>
-          <a:stretch>
-            <a:fillRect/>
-          </a:stretch>
-        </p:blipFill>
-        <p:spPr>
-          <a:xfrm>
-            <a:off x="8940953" y="1050000"/>
-            <a:ext cx="6705600" cy="10058400"/>
-          </a:xfrm>
-          <a:prstGeom prst="rect">
-            <a:avLst/>
-          </a:prstGeom>
-        </p:spPr>
-      </p:pic>
-      <p:pic>
-        <p:nvPicPr>
-          <p:cNvPr id="5" name="Picture 4"/>
-          <p:cNvPicPr>
-            <a:picLocks noChangeAspect="1"/>
-          </p:cNvPicPr>
-          <p:nvPr/>
-        </p:nvPicPr>
-        <p:blipFill>
-          <a:blip r:embed="rId5" cstate="email">
-            <a:extLst>
-              <a:ext uri="{28A0092B-C50C-407E-A947-70E740481C1C}">
-                <a14:useLocalDpi xmlns:a14="http://schemas.microsoft.com/office/drawing/2010/main" val="0"/>
-              </a:ext>
-            </a:extLst>
-          </a:blip>
-          <a:stretch>
-            <a:fillRect/>
-          </a:stretch>
-        </p:blipFill>
-        <p:spPr>
-          <a:xfrm>
-            <a:off x="3375953" y="1200000"/>
-            <a:ext cx="10058400" cy="6705600"/>
-          </a:xfrm>
-          <a:prstGeom prst="rect">
-            <a:avLst/>
-          </a:prstGeom>
-        </p:spPr>
-      </p:pic>
-      <p:pic>
-        <p:nvPicPr>
-          <p:cNvPr id="6" name="Picture 5"/>
-          <p:cNvPicPr>
-            <a:picLocks noChangeAspect="1"/>
-          </p:cNvPicPr>
-          <p:nvPr/>
-        </p:nvPicPr>
-        <p:blipFill>
-          <a:blip r:embed="rId6" cstate="email">
-            <a:extLst>
-              <a:ext uri="{28A0092B-C50C-407E-A947-70E740481C1C}">
-                <a14:useLocalDpi xmlns:a14="http://schemas.microsoft.com/office/drawing/2010/main" val="0"/>
-              </a:ext>
-            </a:extLst>
-          </a:blip>
-          <a:stretch>
-            <a:fillRect/>
-          </a:stretch>
-        </p:blipFill>
-        <p:spPr>
-          <a:xfrm>
-            <a:off x="3525953" y="1350000"/>
-            <a:ext cx="10058400" cy="6705600"/>
-          </a:xfrm>
-          <a:prstGeom prst="rect">
-            <a:avLst/>
-          </a:prstGeom>
-        </p:spPr>
-      </p:pic>
-      <p:pic>
-        <p:nvPicPr>
-          <p:cNvPr id="7" name="Picture 6"/>
-          <p:cNvPicPr>
-            <a:picLocks noChangeAspect="1"/>
-          </p:cNvPicPr>
-          <p:nvPr/>
-        </p:nvPicPr>
-        <p:blipFill>
-          <a:blip r:embed="rId7" cstate="email">
-            <a:extLst>
-              <a:ext uri="{28A0092B-C50C-407E-A947-70E740481C1C}">
-                <a14:useLocalDpi xmlns:a14="http://schemas.microsoft.com/office/drawing/2010/main" val="0"/>
-              </a:ext>
-            </a:extLst>
-          </a:blip>
-          <a:stretch>
-            <a:fillRect/>
-          </a:stretch>
-        </p:blipFill>
-        <p:spPr>
-          <a:xfrm>
-            <a:off x="9390953" y="1500000"/>
-            <a:ext cx="6705600" cy="10058400"/>
-          </a:xfrm>
-          <a:prstGeom prst="rect">
-            <a:avLst/>
-          </a:prstGeom>
+          <a:noFill/>
+          <a:extLst>
+            <a:ext uri="{909E8E84-426E-40DD-AFC4-6F175D3DCCD1}">
+              <a14:hiddenFill xmlns:a14="http://schemas.microsoft.com/office/drawing/2010/main">
+                <a:solidFill>
+                  <a:srgbClr val="FFFFFF"/>
+                </a:solidFill>
+              </a14:hiddenFill>
+            </a:ext>
+          </a:extLst>
         </p:spPr>
       </p:pic>
     </p:spTree>
     <p:extLst>
       <p:ext uri="{BB962C8B-B14F-4D97-AF65-F5344CB8AC3E}">
-        <p14:creationId xmlns:p14="http://schemas.microsoft.com/office/powerpoint/2010/main" val="1308584343"/>
+        <p14:creationId xmlns:p14="http://schemas.microsoft.com/office/powerpoint/2010/main" val="4164381806"/>
       </p:ext>
     </p:extLst>
   </p:cSld>
   <p:clrMapOvr>
     <a:masterClrMapping/>
   </p:clrMapOvr>
+  <p:timing>
+    <p:tnLst>
+      <p:par>
+        <p:cTn id="1" dur="indefinite" restart="never" nodeType="tmRoot"/>
+      </p:par>
+    </p:tnLst>
+  </p:timing>
 </p:sld>
 </file>
 
@@ -10012,104 +10493,34 @@
               </a:rPr>
               <a:t>thân</a:t>
             </a:r>
-            <a:endParaRPr lang="en-US" dirty="0">
+            <a:endParaRPr lang="en-US" dirty="0" smtClean="0">
               <a:latin typeface="Arial" panose="020B0604020202020204" pitchFamily="34" charset="0"/>
               <a:cs typeface="Arial" panose="020B0604020202020204" pitchFamily="34" charset="0"/>
             </a:endParaRPr>
           </a:p>
           <a:p>
             <a:r>
+              <a:rPr lang="en-US" dirty="0" err="1" smtClean="0">
+                <a:latin typeface="Arial" panose="020B0604020202020204" pitchFamily="34" charset="0"/>
+                <a:cs typeface="Arial" panose="020B0604020202020204" pitchFamily="34" charset="0"/>
+              </a:rPr>
+              <a:t>Khóa</a:t>
+            </a:r>
+            <a:r>
               <a:rPr lang="en-US" dirty="0" smtClean="0">
                 <a:latin typeface="Arial" panose="020B0604020202020204" pitchFamily="34" charset="0"/>
                 <a:cs typeface="Arial" panose="020B0604020202020204" pitchFamily="34" charset="0"/>
               </a:rPr>
-              <a:t>SWOT</a:t>
+              <a:t> Fresher K03</a:t>
             </a:r>
           </a:p>
           <a:p>
             <a:r>
-              <a:rPr lang="en-US" dirty="0" err="1" smtClean="0">
-                <a:latin typeface="Arial" panose="020B0604020202020204" pitchFamily="34" charset="0"/>
-                <a:cs typeface="Arial" panose="020B0604020202020204" pitchFamily="34" charset="0"/>
-              </a:rPr>
-              <a:t>Kết</a:t>
-            </a:r>
-            <a:r>
               <a:rPr lang="en-US" dirty="0" smtClean="0">
                 <a:latin typeface="Arial" panose="020B0604020202020204" pitchFamily="34" charset="0"/>
                 <a:cs typeface="Arial" panose="020B0604020202020204" pitchFamily="34" charset="0"/>
               </a:rPr>
-              <a:t> </a:t>
-            </a:r>
-            <a:r>
-              <a:rPr lang="en-US" dirty="0" err="1" smtClean="0">
-                <a:latin typeface="Arial" panose="020B0604020202020204" pitchFamily="34" charset="0"/>
-                <a:cs typeface="Arial" panose="020B0604020202020204" pitchFamily="34" charset="0"/>
-              </a:rPr>
-              <a:t>quả</a:t>
-            </a:r>
-            <a:r>
-              <a:rPr lang="en-US" dirty="0" smtClean="0">
-                <a:latin typeface="Arial" panose="020B0604020202020204" pitchFamily="34" charset="0"/>
-                <a:cs typeface="Arial" panose="020B0604020202020204" pitchFamily="34" charset="0"/>
-              </a:rPr>
-              <a:t> </a:t>
-            </a:r>
-            <a:r>
-              <a:rPr lang="en-US" dirty="0" err="1" smtClean="0">
-                <a:latin typeface="Arial" panose="020B0604020202020204" pitchFamily="34" charset="0"/>
-                <a:cs typeface="Arial" panose="020B0604020202020204" pitchFamily="34" charset="0"/>
-              </a:rPr>
-              <a:t>đạt</a:t>
-            </a:r>
-            <a:r>
-              <a:rPr lang="en-US" dirty="0" smtClean="0">
-                <a:latin typeface="Arial" panose="020B0604020202020204" pitchFamily="34" charset="0"/>
-                <a:cs typeface="Arial" panose="020B0604020202020204" pitchFamily="34" charset="0"/>
-              </a:rPr>
-              <a:t> </a:t>
-            </a:r>
-            <a:r>
-              <a:rPr lang="en-US" dirty="0" err="1" smtClean="0">
-                <a:latin typeface="Arial" panose="020B0604020202020204" pitchFamily="34" charset="0"/>
-                <a:cs typeface="Arial" panose="020B0604020202020204" pitchFamily="34" charset="0"/>
-              </a:rPr>
-              <a:t>được</a:t>
-            </a:r>
-            <a:r>
-              <a:rPr lang="en-US" dirty="0" smtClean="0">
-                <a:latin typeface="Arial" panose="020B0604020202020204" pitchFamily="34" charset="0"/>
-                <a:cs typeface="Arial" panose="020B0604020202020204" pitchFamily="34" charset="0"/>
-              </a:rPr>
-              <a:t> </a:t>
-            </a:r>
-            <a:r>
-              <a:rPr lang="en-US" dirty="0" err="1" smtClean="0">
-                <a:latin typeface="Arial" panose="020B0604020202020204" pitchFamily="34" charset="0"/>
-                <a:cs typeface="Arial" panose="020B0604020202020204" pitchFamily="34" charset="0"/>
-              </a:rPr>
-              <a:t>sau</a:t>
-            </a:r>
-            <a:r>
-              <a:rPr lang="en-US" dirty="0" smtClean="0">
-                <a:latin typeface="Arial" panose="020B0604020202020204" pitchFamily="34" charset="0"/>
-                <a:cs typeface="Arial" panose="020B0604020202020204" pitchFamily="34" charset="0"/>
-              </a:rPr>
-              <a:t> </a:t>
-            </a:r>
-            <a:r>
-              <a:rPr lang="en-US" dirty="0" err="1" smtClean="0">
-                <a:latin typeface="Arial" panose="020B0604020202020204" pitchFamily="34" charset="0"/>
-                <a:cs typeface="Arial" panose="020B0604020202020204" pitchFamily="34" charset="0"/>
-              </a:rPr>
-              <a:t>khóa</a:t>
-            </a:r>
-            <a:r>
-              <a:rPr lang="en-US" dirty="0" smtClean="0">
-                <a:latin typeface="Arial" panose="020B0604020202020204" pitchFamily="34" charset="0"/>
-                <a:cs typeface="Arial" panose="020B0604020202020204" pitchFamily="34" charset="0"/>
-              </a:rPr>
-              <a:t> Fresher K03</a:t>
+              <a:t>SWOT</a:t>
             </a:r>
           </a:p>
           <a:p>
@@ -10194,236 +10605,441 @@
             <p:ph idx="1"/>
           </p:nvPr>
         </p:nvSpPr>
-        <p:spPr/>
+        <p:spPr>
+          <a:xfrm>
+            <a:off x="10906297" y="2261062"/>
+            <a:ext cx="9883462" cy="9193877"/>
+          </a:xfrm>
+        </p:spPr>
         <p:txBody>
-          <a:bodyPr/>
+          <a:bodyPr>
+            <a:normAutofit/>
+          </a:bodyPr>
           <a:lstStyle/>
           <a:p>
-            <a:r>
-              <a:rPr lang="en-US" dirty="0" err="1" smtClean="0">
+            <a:pPr marL="0" indent="0">
+              <a:buNone/>
+            </a:pPr>
+            <a:r>
+              <a:rPr lang="en-US" sz="5000" b="1" dirty="0" err="1">
                 <a:latin typeface="Arial" panose="020B0604020202020204" pitchFamily="34" charset="0"/>
                 <a:cs typeface="Arial" panose="020B0604020202020204" pitchFamily="34" charset="0"/>
               </a:rPr>
               <a:t>Tôn</a:t>
             </a:r>
             <a:r>
-              <a:rPr lang="en-US" dirty="0" smtClean="0">
+              <a:rPr lang="en-US" sz="5000" b="1" dirty="0">
                 <a:latin typeface="Arial" panose="020B0604020202020204" pitchFamily="34" charset="0"/>
                 <a:cs typeface="Arial" panose="020B0604020202020204" pitchFamily="34" charset="0"/>
               </a:rPr>
               <a:t> </a:t>
             </a:r>
             <a:r>
-              <a:rPr lang="en-US" dirty="0" err="1" smtClean="0">
+              <a:rPr lang="en-US" sz="5000" b="1" dirty="0" err="1">
                 <a:latin typeface="Arial" panose="020B0604020202020204" pitchFamily="34" charset="0"/>
                 <a:cs typeface="Arial" panose="020B0604020202020204" pitchFamily="34" charset="0"/>
               </a:rPr>
               <a:t>Thất</a:t>
             </a:r>
             <a:r>
-              <a:rPr lang="en-US" dirty="0" smtClean="0">
+              <a:rPr lang="en-US" sz="5000" b="1" dirty="0">
                 <a:latin typeface="Arial" panose="020B0604020202020204" pitchFamily="34" charset="0"/>
                 <a:cs typeface="Arial" panose="020B0604020202020204" pitchFamily="34" charset="0"/>
               </a:rPr>
               <a:t> Cao </a:t>
             </a:r>
             <a:r>
-              <a:rPr lang="en-US" dirty="0" err="1" smtClean="0">
+              <a:rPr lang="en-US" sz="5000" b="1" dirty="0" err="1" smtClean="0">
                 <a:latin typeface="Arial" panose="020B0604020202020204" pitchFamily="34" charset="0"/>
                 <a:cs typeface="Arial" panose="020B0604020202020204" pitchFamily="34" charset="0"/>
               </a:rPr>
               <a:t>Cường</a:t>
             </a:r>
-            <a:endParaRPr lang="en-US" dirty="0" smtClean="0">
+            <a:endParaRPr lang="en-US" sz="5000" b="1" dirty="0" smtClean="0">
               <a:latin typeface="Arial" panose="020B0604020202020204" pitchFamily="34" charset="0"/>
               <a:cs typeface="Arial" panose="020B0604020202020204" pitchFamily="34" charset="0"/>
             </a:endParaRPr>
           </a:p>
           <a:p>
-            <a:r>
-              <a:rPr lang="en-US" dirty="0" smtClean="0">
-                <a:latin typeface="Arial" panose="020B0604020202020204" pitchFamily="34" charset="0"/>
-                <a:cs typeface="Arial" panose="020B0604020202020204" pitchFamily="34" charset="0"/>
-              </a:rPr>
-              <a:t>01-07-1995</a:t>
+            <a:pPr lvl="1">
+              <a:buFont typeface="Wingdings" panose="05000000000000000000" pitchFamily="2" charset="2"/>
+              <a:buChar char="v"/>
+            </a:pPr>
+            <a:r>
+              <a:rPr lang="en-US" sz="4000" dirty="0" err="1" smtClean="0">
+                <a:latin typeface="Arial" panose="020B0604020202020204" pitchFamily="34" charset="0"/>
+                <a:cs typeface="Arial" panose="020B0604020202020204" pitchFamily="34" charset="0"/>
+              </a:rPr>
+              <a:t>Ngày</a:t>
+            </a:r>
+            <a:r>
+              <a:rPr lang="en-US" sz="4000" dirty="0" smtClean="0">
+                <a:latin typeface="Arial" panose="020B0604020202020204" pitchFamily="34" charset="0"/>
+                <a:cs typeface="Arial" panose="020B0604020202020204" pitchFamily="34" charset="0"/>
+              </a:rPr>
+              <a:t> </a:t>
+            </a:r>
+            <a:r>
+              <a:rPr lang="en-US" sz="4000" dirty="0" err="1" smtClean="0">
+                <a:latin typeface="Arial" panose="020B0604020202020204" pitchFamily="34" charset="0"/>
+                <a:cs typeface="Arial" panose="020B0604020202020204" pitchFamily="34" charset="0"/>
+              </a:rPr>
+              <a:t>sinh</a:t>
+            </a:r>
+            <a:r>
+              <a:rPr lang="en-US" sz="4000" dirty="0" smtClean="0">
+                <a:latin typeface="Arial" panose="020B0604020202020204" pitchFamily="34" charset="0"/>
+                <a:cs typeface="Arial" panose="020B0604020202020204" pitchFamily="34" charset="0"/>
+              </a:rPr>
+              <a:t>: 01-07-1995</a:t>
             </a:r>
           </a:p>
           <a:p>
-            <a:r>
-              <a:rPr lang="en-US" dirty="0" err="1" smtClean="0">
-                <a:latin typeface="Arial" panose="020B0604020202020204" pitchFamily="34" charset="0"/>
-                <a:cs typeface="Arial" panose="020B0604020202020204" pitchFamily="34" charset="0"/>
-              </a:rPr>
-              <a:t>Điện</a:t>
-            </a:r>
-            <a:r>
-              <a:rPr lang="en-US" dirty="0" smtClean="0">
+            <a:pPr lvl="1">
+              <a:buFont typeface="Wingdings" panose="05000000000000000000" pitchFamily="2" charset="2"/>
+              <a:buChar char="v"/>
+            </a:pPr>
+            <a:r>
+              <a:rPr lang="en-US" sz="4000" dirty="0" err="1" smtClean="0">
+                <a:latin typeface="Arial" panose="020B0604020202020204" pitchFamily="34" charset="0"/>
+                <a:cs typeface="Arial" panose="020B0604020202020204" pitchFamily="34" charset="0"/>
+              </a:rPr>
+              <a:t>Quê</a:t>
+            </a:r>
+            <a:r>
+              <a:rPr lang="en-US" sz="4000" dirty="0" smtClean="0">
                 <a:latin typeface="Arial" panose="020B0604020202020204" pitchFamily="34" charset="0"/>
                 <a:cs typeface="Arial" panose="020B0604020202020204" pitchFamily="34" charset="0"/>
               </a:rPr>
               <a:t> </a:t>
             </a:r>
             <a:r>
-              <a:rPr lang="en-US" dirty="0" err="1" smtClean="0">
-                <a:latin typeface="Arial" panose="020B0604020202020204" pitchFamily="34" charset="0"/>
-                <a:cs typeface="Arial" panose="020B0604020202020204" pitchFamily="34" charset="0"/>
-              </a:rPr>
-              <a:t>tử</a:t>
-            </a:r>
-            <a:r>
-              <a:rPr lang="en-US" dirty="0" smtClean="0">
+              <a:rPr lang="en-US" sz="4000" dirty="0" err="1" smtClean="0">
+                <a:latin typeface="Arial" panose="020B0604020202020204" pitchFamily="34" charset="0"/>
+                <a:cs typeface="Arial" panose="020B0604020202020204" pitchFamily="34" charset="0"/>
+              </a:rPr>
+              <a:t>quán</a:t>
+            </a:r>
+            <a:r>
+              <a:rPr lang="en-US" sz="4000" dirty="0" smtClean="0">
+                <a:latin typeface="Arial" panose="020B0604020202020204" pitchFamily="34" charset="0"/>
+                <a:cs typeface="Arial" panose="020B0604020202020204" pitchFamily="34" charset="0"/>
+              </a:rPr>
+              <a:t>: </a:t>
+            </a:r>
+            <a:r>
+              <a:rPr lang="en-US" sz="4000" dirty="0" err="1" smtClean="0">
+                <a:latin typeface="Arial" panose="020B0604020202020204" pitchFamily="34" charset="0"/>
+                <a:cs typeface="Arial" panose="020B0604020202020204" pitchFamily="34" charset="0"/>
+              </a:rPr>
+              <a:t>Thừa</a:t>
+            </a:r>
+            <a:r>
+              <a:rPr lang="en-US" sz="4000" dirty="0" smtClean="0">
                 <a:latin typeface="Arial" panose="020B0604020202020204" pitchFamily="34" charset="0"/>
                 <a:cs typeface="Arial" panose="020B0604020202020204" pitchFamily="34" charset="0"/>
               </a:rPr>
               <a:t> </a:t>
             </a:r>
             <a:r>
-              <a:rPr lang="en-US" dirty="0" err="1" smtClean="0">
-                <a:latin typeface="Arial" panose="020B0604020202020204" pitchFamily="34" charset="0"/>
-                <a:cs typeface="Arial" panose="020B0604020202020204" pitchFamily="34" charset="0"/>
-              </a:rPr>
-              <a:t>viễn</a:t>
-            </a:r>
-            <a:r>
-              <a:rPr lang="en-US" dirty="0" smtClean="0">
+              <a:rPr lang="en-US" sz="4000" dirty="0" err="1" smtClean="0">
+                <a:latin typeface="Arial" panose="020B0604020202020204" pitchFamily="34" charset="0"/>
+                <a:cs typeface="Arial" panose="020B0604020202020204" pitchFamily="34" charset="0"/>
+              </a:rPr>
+              <a:t>Thiên</a:t>
+            </a:r>
+            <a:r>
+              <a:rPr lang="en-US" sz="4000" dirty="0" smtClean="0">
                 <a:latin typeface="Arial" panose="020B0604020202020204" pitchFamily="34" charset="0"/>
                 <a:cs typeface="Arial" panose="020B0604020202020204" pitchFamily="34" charset="0"/>
               </a:rPr>
               <a:t> </a:t>
             </a:r>
             <a:r>
-              <a:rPr lang="en-US" dirty="0" err="1" smtClean="0">
-                <a:latin typeface="Arial" panose="020B0604020202020204" pitchFamily="34" charset="0"/>
-                <a:cs typeface="Arial" panose="020B0604020202020204" pitchFamily="34" charset="0"/>
-              </a:rPr>
-              <a:t>thông</a:t>
-            </a:r>
-            <a:r>
-              <a:rPr lang="en-US" dirty="0" smtClean="0">
-                <a:latin typeface="Arial" panose="020B0604020202020204" pitchFamily="34" charset="0"/>
-                <a:cs typeface="Arial" panose="020B0604020202020204" pitchFamily="34" charset="0"/>
-              </a:rPr>
-              <a:t> – </a:t>
-            </a:r>
-            <a:r>
-              <a:rPr lang="en-US" dirty="0" err="1" smtClean="0">
-                <a:latin typeface="Arial" panose="020B0604020202020204" pitchFamily="34" charset="0"/>
-                <a:cs typeface="Arial" panose="020B0604020202020204" pitchFamily="34" charset="0"/>
-              </a:rPr>
-              <a:t>Đại</a:t>
-            </a:r>
-            <a:r>
-              <a:rPr lang="en-US" dirty="0" smtClean="0">
-                <a:latin typeface="Arial" panose="020B0604020202020204" pitchFamily="34" charset="0"/>
-                <a:cs typeface="Arial" panose="020B0604020202020204" pitchFamily="34" charset="0"/>
-              </a:rPr>
-              <a:t> </a:t>
-            </a:r>
-            <a:r>
-              <a:rPr lang="en-US" dirty="0" err="1" smtClean="0">
-                <a:latin typeface="Arial" panose="020B0604020202020204" pitchFamily="34" charset="0"/>
-                <a:cs typeface="Arial" panose="020B0604020202020204" pitchFamily="34" charset="0"/>
-              </a:rPr>
-              <a:t>Học</a:t>
-            </a:r>
-            <a:r>
-              <a:rPr lang="en-US" dirty="0" smtClean="0">
-                <a:latin typeface="Arial" panose="020B0604020202020204" pitchFamily="34" charset="0"/>
-                <a:cs typeface="Arial" panose="020B0604020202020204" pitchFamily="34" charset="0"/>
-              </a:rPr>
-              <a:t> </a:t>
-            </a:r>
-            <a:r>
-              <a:rPr lang="en-US" dirty="0" err="1" smtClean="0">
-                <a:latin typeface="Arial" panose="020B0604020202020204" pitchFamily="34" charset="0"/>
-                <a:cs typeface="Arial" panose="020B0604020202020204" pitchFamily="34" charset="0"/>
-              </a:rPr>
-              <a:t>Khoa</a:t>
-            </a:r>
-            <a:r>
-              <a:rPr lang="en-US" dirty="0" smtClean="0">
-                <a:latin typeface="Arial" panose="020B0604020202020204" pitchFamily="34" charset="0"/>
-                <a:cs typeface="Arial" panose="020B0604020202020204" pitchFamily="34" charset="0"/>
-              </a:rPr>
-              <a:t> </a:t>
-            </a:r>
-            <a:r>
-              <a:rPr lang="en-US" dirty="0" err="1" smtClean="0">
-                <a:latin typeface="Arial" panose="020B0604020202020204" pitchFamily="34" charset="0"/>
-                <a:cs typeface="Arial" panose="020B0604020202020204" pitchFamily="34" charset="0"/>
-              </a:rPr>
-              <a:t>Học</a:t>
-            </a:r>
-            <a:endParaRPr lang="en-US" dirty="0" smtClean="0">
+              <a:rPr lang="en-US" sz="4000" dirty="0" err="1" smtClean="0">
+                <a:latin typeface="Arial" panose="020B0604020202020204" pitchFamily="34" charset="0"/>
+                <a:cs typeface="Arial" panose="020B0604020202020204" pitchFamily="34" charset="0"/>
+              </a:rPr>
+              <a:t>Huế</a:t>
+            </a:r>
+            <a:endParaRPr lang="en-US" sz="4000" dirty="0" smtClean="0">
               <a:latin typeface="Arial" panose="020B0604020202020204" pitchFamily="34" charset="0"/>
               <a:cs typeface="Arial" panose="020B0604020202020204" pitchFamily="34" charset="0"/>
             </a:endParaRPr>
           </a:p>
           <a:p>
-            <a:r>
-              <a:rPr lang="en-US" dirty="0" err="1" smtClean="0">
+            <a:pPr lvl="1">
+              <a:buFont typeface="Wingdings" panose="05000000000000000000" pitchFamily="2" charset="2"/>
+              <a:buChar char="v"/>
+            </a:pPr>
+            <a:r>
+              <a:rPr lang="en-US" sz="4000" dirty="0" err="1" smtClean="0">
+                <a:latin typeface="Arial" panose="020B0604020202020204" pitchFamily="34" charset="0"/>
+                <a:cs typeface="Arial" panose="020B0604020202020204" pitchFamily="34" charset="0"/>
+              </a:rPr>
+              <a:t>Học</a:t>
+            </a:r>
+            <a:r>
+              <a:rPr lang="en-US" sz="4000" dirty="0" smtClean="0">
+                <a:latin typeface="Arial" panose="020B0604020202020204" pitchFamily="34" charset="0"/>
+                <a:cs typeface="Arial" panose="020B0604020202020204" pitchFamily="34" charset="0"/>
+              </a:rPr>
+              <a:t> </a:t>
+            </a:r>
+            <a:r>
+              <a:rPr lang="en-US" sz="4000" dirty="0" err="1" smtClean="0">
+                <a:latin typeface="Arial" panose="020B0604020202020204" pitchFamily="34" charset="0"/>
+                <a:cs typeface="Arial" panose="020B0604020202020204" pitchFamily="34" charset="0"/>
+              </a:rPr>
+              <a:t>vấn</a:t>
+            </a:r>
+            <a:r>
+              <a:rPr lang="en-US" sz="4000" dirty="0" smtClean="0">
+                <a:latin typeface="Arial" panose="020B0604020202020204" pitchFamily="34" charset="0"/>
+                <a:cs typeface="Arial" panose="020B0604020202020204" pitchFamily="34" charset="0"/>
+              </a:rPr>
+              <a:t>: </a:t>
+            </a:r>
+            <a:r>
+              <a:rPr lang="en-US" sz="4000" dirty="0" err="1" smtClean="0">
+                <a:latin typeface="Arial" panose="020B0604020202020204" pitchFamily="34" charset="0"/>
+                <a:cs typeface="Arial" panose="020B0604020202020204" pitchFamily="34" charset="0"/>
+              </a:rPr>
+              <a:t>Ngành</a:t>
+            </a:r>
+            <a:r>
+              <a:rPr lang="en-US" sz="4000" dirty="0" smtClean="0">
+                <a:latin typeface="Arial" panose="020B0604020202020204" pitchFamily="34" charset="0"/>
+                <a:cs typeface="Arial" panose="020B0604020202020204" pitchFamily="34" charset="0"/>
+              </a:rPr>
+              <a:t> </a:t>
+            </a:r>
+            <a:r>
+              <a:rPr lang="en-US" sz="4000" dirty="0" err="1" smtClean="0">
+                <a:latin typeface="Arial" panose="020B0604020202020204" pitchFamily="34" charset="0"/>
+                <a:cs typeface="Arial" panose="020B0604020202020204" pitchFamily="34" charset="0"/>
+              </a:rPr>
+              <a:t>Điện</a:t>
+            </a:r>
+            <a:r>
+              <a:rPr lang="en-US" sz="4000" dirty="0" smtClean="0">
+                <a:latin typeface="Arial" panose="020B0604020202020204" pitchFamily="34" charset="0"/>
+                <a:cs typeface="Arial" panose="020B0604020202020204" pitchFamily="34" charset="0"/>
+              </a:rPr>
+              <a:t> </a:t>
+            </a:r>
+            <a:r>
+              <a:rPr lang="en-US" sz="4000" dirty="0" err="1" smtClean="0">
+                <a:latin typeface="Arial" panose="020B0604020202020204" pitchFamily="34" charset="0"/>
+                <a:cs typeface="Arial" panose="020B0604020202020204" pitchFamily="34" charset="0"/>
+              </a:rPr>
+              <a:t>tử</a:t>
+            </a:r>
+            <a:r>
+              <a:rPr lang="en-US" sz="4000" dirty="0" smtClean="0">
+                <a:latin typeface="Arial" panose="020B0604020202020204" pitchFamily="34" charset="0"/>
+                <a:cs typeface="Arial" panose="020B0604020202020204" pitchFamily="34" charset="0"/>
+              </a:rPr>
+              <a:t> </a:t>
+            </a:r>
+            <a:r>
+              <a:rPr lang="en-US" sz="4000" dirty="0" err="1" smtClean="0">
+                <a:latin typeface="Arial" panose="020B0604020202020204" pitchFamily="34" charset="0"/>
+                <a:cs typeface="Arial" panose="020B0604020202020204" pitchFamily="34" charset="0"/>
+              </a:rPr>
+              <a:t>viễn</a:t>
+            </a:r>
+            <a:r>
+              <a:rPr lang="en-US" sz="4000" dirty="0" smtClean="0">
+                <a:latin typeface="Arial" panose="020B0604020202020204" pitchFamily="34" charset="0"/>
+                <a:cs typeface="Arial" panose="020B0604020202020204" pitchFamily="34" charset="0"/>
+              </a:rPr>
+              <a:t> </a:t>
+            </a:r>
+            <a:r>
+              <a:rPr lang="en-US" sz="4000" dirty="0" err="1" smtClean="0">
+                <a:latin typeface="Arial" panose="020B0604020202020204" pitchFamily="34" charset="0"/>
+                <a:cs typeface="Arial" panose="020B0604020202020204" pitchFamily="34" charset="0"/>
+              </a:rPr>
+              <a:t>thông</a:t>
+            </a:r>
+            <a:r>
+              <a:rPr lang="en-US" sz="4000" dirty="0" smtClean="0">
+                <a:latin typeface="Arial" panose="020B0604020202020204" pitchFamily="34" charset="0"/>
+                <a:cs typeface="Arial" panose="020B0604020202020204" pitchFamily="34" charset="0"/>
+              </a:rPr>
+              <a:t> 		</a:t>
+            </a:r>
+            <a:r>
+              <a:rPr lang="en-US" sz="4000" dirty="0" err="1" smtClean="0">
+                <a:latin typeface="Arial" panose="020B0604020202020204" pitchFamily="34" charset="0"/>
+                <a:cs typeface="Arial" panose="020B0604020202020204" pitchFamily="34" charset="0"/>
+              </a:rPr>
+              <a:t>Đại</a:t>
+            </a:r>
+            <a:r>
+              <a:rPr lang="en-US" sz="4000" dirty="0" smtClean="0">
+                <a:latin typeface="Arial" panose="020B0604020202020204" pitchFamily="34" charset="0"/>
+                <a:cs typeface="Arial" panose="020B0604020202020204" pitchFamily="34" charset="0"/>
+              </a:rPr>
+              <a:t> </a:t>
+            </a:r>
+            <a:r>
+              <a:rPr lang="en-US" sz="4000" dirty="0" err="1" smtClean="0">
+                <a:latin typeface="Arial" panose="020B0604020202020204" pitchFamily="34" charset="0"/>
+                <a:cs typeface="Arial" panose="020B0604020202020204" pitchFamily="34" charset="0"/>
+              </a:rPr>
+              <a:t>Học</a:t>
+            </a:r>
+            <a:r>
+              <a:rPr lang="en-US" sz="4000" dirty="0" smtClean="0">
+                <a:latin typeface="Arial" panose="020B0604020202020204" pitchFamily="34" charset="0"/>
+                <a:cs typeface="Arial" panose="020B0604020202020204" pitchFamily="34" charset="0"/>
+              </a:rPr>
+              <a:t> </a:t>
+            </a:r>
+            <a:r>
+              <a:rPr lang="en-US" sz="4000" dirty="0" err="1" smtClean="0">
+                <a:latin typeface="Arial" panose="020B0604020202020204" pitchFamily="34" charset="0"/>
+                <a:cs typeface="Arial" panose="020B0604020202020204" pitchFamily="34" charset="0"/>
+              </a:rPr>
+              <a:t>Khoa</a:t>
+            </a:r>
+            <a:r>
+              <a:rPr lang="en-US" sz="4000" dirty="0" smtClean="0">
+                <a:latin typeface="Arial" panose="020B0604020202020204" pitchFamily="34" charset="0"/>
+                <a:cs typeface="Arial" panose="020B0604020202020204" pitchFamily="34" charset="0"/>
+              </a:rPr>
+              <a:t> </a:t>
+            </a:r>
+            <a:r>
+              <a:rPr lang="en-US" sz="4000" dirty="0" err="1" smtClean="0">
+                <a:latin typeface="Arial" panose="020B0604020202020204" pitchFamily="34" charset="0"/>
+                <a:cs typeface="Arial" panose="020B0604020202020204" pitchFamily="34" charset="0"/>
+              </a:rPr>
+              <a:t>Học</a:t>
+            </a:r>
+            <a:endParaRPr lang="en-US" sz="4000" dirty="0" smtClean="0">
+              <a:latin typeface="Arial" panose="020B0604020202020204" pitchFamily="34" charset="0"/>
+              <a:cs typeface="Arial" panose="020B0604020202020204" pitchFamily="34" charset="0"/>
+            </a:endParaRPr>
+          </a:p>
+          <a:p>
+            <a:pPr lvl="1">
+              <a:buFont typeface="Wingdings" panose="05000000000000000000" pitchFamily="2" charset="2"/>
+              <a:buChar char="v"/>
+            </a:pPr>
+            <a:r>
+              <a:rPr lang="en-US" sz="4000" dirty="0" err="1" smtClean="0">
+                <a:latin typeface="Arial" panose="020B0604020202020204" pitchFamily="34" charset="0"/>
+                <a:cs typeface="Arial" panose="020B0604020202020204" pitchFamily="34" charset="0"/>
+              </a:rPr>
+              <a:t>Sở</a:t>
+            </a:r>
+            <a:r>
+              <a:rPr lang="en-US" sz="4000" dirty="0" smtClean="0">
+                <a:latin typeface="Arial" panose="020B0604020202020204" pitchFamily="34" charset="0"/>
+                <a:cs typeface="Arial" panose="020B0604020202020204" pitchFamily="34" charset="0"/>
+              </a:rPr>
+              <a:t> </a:t>
+            </a:r>
+            <a:r>
+              <a:rPr lang="en-US" sz="4000" dirty="0" err="1" smtClean="0">
+                <a:latin typeface="Arial" panose="020B0604020202020204" pitchFamily="34" charset="0"/>
+                <a:cs typeface="Arial" panose="020B0604020202020204" pitchFamily="34" charset="0"/>
+              </a:rPr>
+              <a:t>thích</a:t>
+            </a:r>
+            <a:r>
+              <a:rPr lang="en-US" sz="4000" dirty="0" smtClean="0">
+                <a:latin typeface="Arial" panose="020B0604020202020204" pitchFamily="34" charset="0"/>
+                <a:cs typeface="Arial" panose="020B0604020202020204" pitchFamily="34" charset="0"/>
+              </a:rPr>
+              <a:t>:</a:t>
+            </a:r>
+          </a:p>
+          <a:p>
+            <a:pPr lvl="2">
+              <a:buFont typeface="Wingdings" panose="05000000000000000000" pitchFamily="2" charset="2"/>
+              <a:buChar char="v"/>
+            </a:pPr>
+            <a:r>
+              <a:rPr lang="en-US" sz="3200" dirty="0" err="1">
+                <a:latin typeface="Arial" panose="020B0604020202020204" pitchFamily="34" charset="0"/>
+                <a:cs typeface="Arial" panose="020B0604020202020204" pitchFamily="34" charset="0"/>
+              </a:rPr>
+              <a:t>Đọc</a:t>
+            </a:r>
+            <a:r>
+              <a:rPr lang="en-US" sz="3200" dirty="0">
+                <a:latin typeface="Arial" panose="020B0604020202020204" pitchFamily="34" charset="0"/>
+                <a:cs typeface="Arial" panose="020B0604020202020204" pitchFamily="34" charset="0"/>
+              </a:rPr>
+              <a:t> </a:t>
+            </a:r>
+            <a:r>
+              <a:rPr lang="en-US" sz="3200" dirty="0" err="1" smtClean="0">
+                <a:latin typeface="Arial" panose="020B0604020202020204" pitchFamily="34" charset="0"/>
+                <a:cs typeface="Arial" panose="020B0604020202020204" pitchFamily="34" charset="0"/>
+              </a:rPr>
+              <a:t>sách</a:t>
+            </a:r>
+            <a:endParaRPr lang="en-US" sz="3200" dirty="0" smtClean="0">
+              <a:latin typeface="Arial" panose="020B0604020202020204" pitchFamily="34" charset="0"/>
+              <a:cs typeface="Arial" panose="020B0604020202020204" pitchFamily="34" charset="0"/>
+            </a:endParaRPr>
+          </a:p>
+          <a:p>
+            <a:pPr lvl="2">
+              <a:buFont typeface="Wingdings" panose="05000000000000000000" pitchFamily="2" charset="2"/>
+              <a:buChar char="v"/>
+            </a:pPr>
+            <a:r>
+              <a:rPr lang="en-US" sz="3200" dirty="0" err="1" smtClean="0">
                 <a:latin typeface="Arial" panose="020B0604020202020204" pitchFamily="34" charset="0"/>
                 <a:cs typeface="Arial" panose="020B0604020202020204" pitchFamily="34" charset="0"/>
               </a:rPr>
               <a:t>Bóng</a:t>
             </a:r>
             <a:r>
-              <a:rPr lang="en-US" dirty="0" smtClean="0">
+              <a:rPr lang="en-US" sz="3200" dirty="0" smtClean="0">
                 <a:latin typeface="Arial" panose="020B0604020202020204" pitchFamily="34" charset="0"/>
                 <a:cs typeface="Arial" panose="020B0604020202020204" pitchFamily="34" charset="0"/>
               </a:rPr>
               <a:t> </a:t>
             </a:r>
             <a:r>
-              <a:rPr lang="en-US" dirty="0" err="1" smtClean="0">
+              <a:rPr lang="en-US" sz="3200" dirty="0" err="1" smtClean="0">
                 <a:latin typeface="Arial" panose="020B0604020202020204" pitchFamily="34" charset="0"/>
                 <a:cs typeface="Arial" panose="020B0604020202020204" pitchFamily="34" charset="0"/>
               </a:rPr>
               <a:t>đá</a:t>
             </a:r>
-            <a:r>
-              <a:rPr lang="en-US" dirty="0" smtClean="0">
-                <a:latin typeface="Arial" panose="020B0604020202020204" pitchFamily="34" charset="0"/>
-                <a:cs typeface="Arial" panose="020B0604020202020204" pitchFamily="34" charset="0"/>
-              </a:rPr>
-              <a:t>, Du </a:t>
-            </a:r>
-            <a:r>
-              <a:rPr lang="en-US" dirty="0" err="1" smtClean="0">
+            <a:endParaRPr lang="en-US" sz="3200" dirty="0" smtClean="0">
+              <a:latin typeface="Arial" panose="020B0604020202020204" pitchFamily="34" charset="0"/>
+              <a:cs typeface="Arial" panose="020B0604020202020204" pitchFamily="34" charset="0"/>
+            </a:endParaRPr>
+          </a:p>
+          <a:p>
+            <a:pPr lvl="2">
+              <a:buFont typeface="Wingdings" panose="05000000000000000000" pitchFamily="2" charset="2"/>
+              <a:buChar char="v"/>
+            </a:pPr>
+            <a:r>
+              <a:rPr lang="en-US" sz="3200" dirty="0" smtClean="0">
+                <a:latin typeface="Arial" panose="020B0604020202020204" pitchFamily="34" charset="0"/>
+                <a:cs typeface="Arial" panose="020B0604020202020204" pitchFamily="34" charset="0"/>
+              </a:rPr>
+              <a:t>Du </a:t>
+            </a:r>
+            <a:r>
+              <a:rPr lang="en-US" sz="3200" dirty="0" err="1" smtClean="0">
                 <a:latin typeface="Arial" panose="020B0604020202020204" pitchFamily="34" charset="0"/>
                 <a:cs typeface="Arial" panose="020B0604020202020204" pitchFamily="34" charset="0"/>
               </a:rPr>
               <a:t>lịch</a:t>
             </a:r>
-            <a:r>
-              <a:rPr lang="en-US" dirty="0" smtClean="0">
-                <a:latin typeface="Arial" panose="020B0604020202020204" pitchFamily="34" charset="0"/>
-                <a:cs typeface="Arial" panose="020B0604020202020204" pitchFamily="34" charset="0"/>
-              </a:rPr>
-              <a:t>, </a:t>
-            </a:r>
-            <a:r>
-              <a:rPr lang="en-US" dirty="0" err="1" smtClean="0">
-                <a:latin typeface="Arial" panose="020B0604020202020204" pitchFamily="34" charset="0"/>
-                <a:cs typeface="Arial" panose="020B0604020202020204" pitchFamily="34" charset="0"/>
-              </a:rPr>
-              <a:t>đọc</a:t>
-            </a:r>
-            <a:r>
-              <a:rPr lang="en-US" dirty="0" smtClean="0">
-                <a:latin typeface="Arial" panose="020B0604020202020204" pitchFamily="34" charset="0"/>
-                <a:cs typeface="Arial" panose="020B0604020202020204" pitchFamily="34" charset="0"/>
-              </a:rPr>
-              <a:t> </a:t>
-            </a:r>
-            <a:r>
-              <a:rPr lang="en-US" dirty="0" err="1" smtClean="0">
-                <a:latin typeface="Arial" panose="020B0604020202020204" pitchFamily="34" charset="0"/>
-                <a:cs typeface="Arial" panose="020B0604020202020204" pitchFamily="34" charset="0"/>
-              </a:rPr>
-              <a:t>sách</a:t>
-            </a:r>
-            <a:endParaRPr lang="en-US" dirty="0" smtClean="0">
+            <a:endParaRPr lang="en-US" sz="3200" dirty="0" smtClean="0">
               <a:latin typeface="Arial" panose="020B0604020202020204" pitchFamily="34" charset="0"/>
               <a:cs typeface="Arial" panose="020B0604020202020204" pitchFamily="34" charset="0"/>
             </a:endParaRPr>
@@ -10459,6 +11075,36 @@
           </a:p>
         </p:txBody>
       </p:sp>
+      <p:pic>
+        <p:nvPicPr>
+          <p:cNvPr id="4" name="Picture 3"/>
+          <p:cNvPicPr>
+            <a:picLocks noChangeAspect="1"/>
+          </p:cNvPicPr>
+          <p:nvPr/>
+        </p:nvPicPr>
+        <p:blipFill>
+          <a:blip r:embed="rId2" cstate="email">
+            <a:extLst>
+              <a:ext uri="{28A0092B-C50C-407E-A947-70E740481C1C}">
+                <a14:useLocalDpi xmlns:a14="http://schemas.microsoft.com/office/drawing/2010/main" val="0"/>
+              </a:ext>
+            </a:extLst>
+          </a:blip>
+          <a:stretch>
+            <a:fillRect/>
+          </a:stretch>
+        </p:blipFill>
+        <p:spPr>
+          <a:xfrm>
+            <a:off x="2638425" y="1828800"/>
+            <a:ext cx="6705600" cy="10058400"/>
+          </a:xfrm>
+          <a:prstGeom prst="rect">
+            <a:avLst/>
+          </a:prstGeom>
+        </p:spPr>
+      </p:pic>
     </p:spTree>
     <p:extLst>
       <p:ext uri="{BB962C8B-B14F-4D97-AF65-F5344CB8AC3E}">
@@ -10480,6 +11126,2373 @@
 </file>
 
 <file path=ppt/slides/slide4.xml><?xml version="1.0" encoding="utf-8"?>
+<p:sld xmlns:a="http://schemas.openxmlformats.org/drawingml/2006/main" xmlns:r="http://schemas.openxmlformats.org/officeDocument/2006/relationships" xmlns:p="http://schemas.openxmlformats.org/presentationml/2006/main">
+  <p:cSld>
+    <p:spTree>
+      <p:nvGrpSpPr>
+        <p:cNvPr id="1" name=""/>
+        <p:cNvGrpSpPr/>
+        <p:nvPr/>
+      </p:nvGrpSpPr>
+      <p:grpSpPr>
+        <a:xfrm>
+          <a:off x="0" y="0"/>
+          <a:ext cx="0" cy="0"/>
+          <a:chOff x="0" y="0"/>
+          <a:chExt cx="0" cy="0"/>
+        </a:xfrm>
+      </p:grpSpPr>
+      <p:pic>
+        <p:nvPicPr>
+          <p:cNvPr id="6" name="Content Placeholder 5"/>
+          <p:cNvPicPr>
+            <a:picLocks noGrp="1" noChangeAspect="1"/>
+          </p:cNvPicPr>
+          <p:nvPr>
+            <p:ph idx="1"/>
+          </p:nvPr>
+        </p:nvPicPr>
+        <p:blipFill>
+          <a:blip r:embed="rId2" cstate="email">
+            <a:extLst>
+              <a:ext uri="{28A0092B-C50C-407E-A947-70E740481C1C}">
+                <a14:useLocalDpi xmlns:a14="http://schemas.microsoft.com/office/drawing/2010/main" val="0"/>
+              </a:ext>
+            </a:extLst>
+          </a:blip>
+          <a:stretch>
+            <a:fillRect/>
+          </a:stretch>
+        </p:blipFill>
+        <p:spPr>
+          <a:xfrm>
+            <a:off x="17273642" y="4137693"/>
+            <a:ext cx="5561048" cy="4548937"/>
+          </a:xfrm>
+        </p:spPr>
+      </p:pic>
+      <p:sp>
+        <p:nvSpPr>
+          <p:cNvPr id="4" name="Title 3"/>
+          <p:cNvSpPr>
+            <a:spLocks noGrp="1"/>
+          </p:cNvSpPr>
+          <p:nvPr>
+            <p:ph type="title"/>
+          </p:nvPr>
+        </p:nvSpPr>
+        <p:spPr/>
+        <p:txBody>
+          <a:bodyPr/>
+          <a:lstStyle/>
+          <a:p>
+            <a:r>
+              <a:rPr lang="en-US" dirty="0" smtClean="0">
+                <a:latin typeface="Arial" panose="020B0604020202020204" pitchFamily="34" charset="0"/>
+                <a:cs typeface="Arial" panose="020B0604020202020204" pitchFamily="34" charset="0"/>
+              </a:rPr>
+              <a:t>SƠ LƯỢC BẢN THÂN</a:t>
+            </a:r>
+            <a:endParaRPr lang="en-US" dirty="0">
+              <a:latin typeface="Arial" panose="020B0604020202020204" pitchFamily="34" charset="0"/>
+              <a:cs typeface="Arial" panose="020B0604020202020204" pitchFamily="34" charset="0"/>
+            </a:endParaRPr>
+          </a:p>
+        </p:txBody>
+      </p:sp>
+      <p:pic>
+        <p:nvPicPr>
+          <p:cNvPr id="7" name="Picture 4" descr="Kết quả hình ảnh cho html5 css3 bootstrap logo"/>
+          <p:cNvPicPr>
+            <a:picLocks noChangeAspect="1" noChangeArrowheads="1"/>
+          </p:cNvPicPr>
+          <p:nvPr/>
+        </p:nvPicPr>
+        <p:blipFill>
+          <a:blip r:embed="rId3" cstate="email">
+            <a:extLst>
+              <a:ext uri="{28A0092B-C50C-407E-A947-70E740481C1C}">
+                <a14:useLocalDpi xmlns:a14="http://schemas.microsoft.com/office/drawing/2010/main" val="0"/>
+              </a:ext>
+            </a:extLst>
+          </a:blip>
+          <a:srcRect/>
+          <a:stretch>
+            <a:fillRect/>
+          </a:stretch>
+        </p:blipFill>
+        <p:spPr bwMode="auto">
+          <a:xfrm>
+            <a:off x="10422199" y="3548926"/>
+            <a:ext cx="4124328" cy="2532164"/>
+          </a:xfrm>
+          <a:prstGeom prst="rect">
+            <a:avLst/>
+          </a:prstGeom>
+          <a:noFill/>
+          <a:extLst>
+            <a:ext uri="{909E8E84-426E-40DD-AFC4-6F175D3DCCD1}">
+              <a14:hiddenFill xmlns:a14="http://schemas.microsoft.com/office/drawing/2010/main">
+                <a:solidFill>
+                  <a:srgbClr val="FFFFFF"/>
+                </a:solidFill>
+              </a14:hiddenFill>
+            </a:ext>
+          </a:extLst>
+        </p:spPr>
+      </p:pic>
+      <p:pic>
+        <p:nvPicPr>
+          <p:cNvPr id="11" name="Picture 10"/>
+          <p:cNvPicPr>
+            <a:picLocks noChangeAspect="1"/>
+          </p:cNvPicPr>
+          <p:nvPr/>
+        </p:nvPicPr>
+        <p:blipFill>
+          <a:blip r:embed="rId4" cstate="email">
+            <a:extLst>
+              <a:ext uri="{28A0092B-C50C-407E-A947-70E740481C1C}">
+                <a14:useLocalDpi xmlns:a14="http://schemas.microsoft.com/office/drawing/2010/main" val="0"/>
+              </a:ext>
+            </a:extLst>
+          </a:blip>
+          <a:stretch>
+            <a:fillRect/>
+          </a:stretch>
+        </p:blipFill>
+        <p:spPr>
+          <a:xfrm>
+            <a:off x="3499995" y="3129032"/>
+            <a:ext cx="3530248" cy="6566261"/>
+          </a:xfrm>
+          <a:prstGeom prst="rect">
+            <a:avLst/>
+          </a:prstGeom>
+        </p:spPr>
+      </p:pic>
+      <p:pic>
+        <p:nvPicPr>
+          <p:cNvPr id="1026" name="Picture 2" descr="https://techtalk.vn/wp-content/uploads/2018/09/git-logo-1.png"/>
+          <p:cNvPicPr>
+            <a:picLocks noChangeAspect="1" noChangeArrowheads="1"/>
+          </p:cNvPicPr>
+          <p:nvPr/>
+        </p:nvPicPr>
+        <p:blipFill>
+          <a:blip r:embed="rId5">
+            <a:extLst>
+              <a:ext uri="{28A0092B-C50C-407E-A947-70E740481C1C}">
+                <a14:useLocalDpi xmlns:a14="http://schemas.microsoft.com/office/drawing/2010/main" val="0"/>
+              </a:ext>
+            </a:extLst>
+          </a:blip>
+          <a:srcRect/>
+          <a:stretch>
+            <a:fillRect/>
+          </a:stretch>
+        </p:blipFill>
+        <p:spPr bwMode="auto">
+          <a:xfrm>
+            <a:off x="8800812" y="7790293"/>
+            <a:ext cx="7620000" cy="3810000"/>
+          </a:xfrm>
+          <a:prstGeom prst="rect">
+            <a:avLst/>
+          </a:prstGeom>
+          <a:noFill/>
+          <a:extLst>
+            <a:ext uri="{909E8E84-426E-40DD-AFC4-6F175D3DCCD1}">
+              <a14:hiddenFill xmlns:a14="http://schemas.microsoft.com/office/drawing/2010/main">
+                <a:solidFill>
+                  <a:srgbClr val="FFFFFF"/>
+                </a:solidFill>
+              </a14:hiddenFill>
+            </a:ext>
+          </a:extLst>
+        </p:spPr>
+      </p:pic>
+    </p:spTree>
+    <p:extLst>
+      <p:ext uri="{BB962C8B-B14F-4D97-AF65-F5344CB8AC3E}">
+        <p14:creationId xmlns:p14="http://schemas.microsoft.com/office/powerpoint/2010/main" val="1460634013"/>
+      </p:ext>
+    </p:extLst>
+  </p:cSld>
+  <p:clrMapOvr>
+    <a:masterClrMapping/>
+  </p:clrMapOvr>
+  <p:timing>
+    <p:tnLst>
+      <p:par>
+        <p:cTn id="1" dur="indefinite" restart="never" nodeType="tmRoot"/>
+      </p:par>
+    </p:tnLst>
+  </p:timing>
+</p:sld>
+</file>
+
+<file path=ppt/slides/slide5.xml><?xml version="1.0" encoding="utf-8"?>
+<p:sld xmlns:a="http://schemas.openxmlformats.org/drawingml/2006/main" xmlns:r="http://schemas.openxmlformats.org/officeDocument/2006/relationships" xmlns:p="http://schemas.openxmlformats.org/presentationml/2006/main">
+  <p:cSld>
+    <p:spTree>
+      <p:nvGrpSpPr>
+        <p:cNvPr id="1" name=""/>
+        <p:cNvGrpSpPr/>
+        <p:nvPr/>
+      </p:nvGrpSpPr>
+      <p:grpSpPr>
+        <a:xfrm>
+          <a:off x="0" y="0"/>
+          <a:ext cx="0" cy="0"/>
+          <a:chOff x="0" y="0"/>
+          <a:chExt cx="0" cy="0"/>
+        </a:xfrm>
+      </p:grpSpPr>
+      <p:sp>
+        <p:nvSpPr>
+          <p:cNvPr id="5" name="Content Placeholder 4"/>
+          <p:cNvSpPr>
+            <a:spLocks noGrp="1"/>
+          </p:cNvSpPr>
+          <p:nvPr>
+            <p:ph idx="1"/>
+          </p:nvPr>
+        </p:nvSpPr>
+        <p:spPr/>
+        <p:txBody>
+          <a:bodyPr>
+            <a:normAutofit lnSpcReduction="10000"/>
+          </a:bodyPr>
+          <a:lstStyle/>
+          <a:p>
+            <a:pPr>
+              <a:buFont typeface="Wingdings" panose="05000000000000000000" pitchFamily="2" charset="2"/>
+              <a:buChar char="v"/>
+            </a:pPr>
+            <a:r>
+              <a:rPr lang="en-US" dirty="0" smtClean="0">
+                <a:latin typeface="Arial" panose="020B0604020202020204" pitchFamily="34" charset="0"/>
+                <a:cs typeface="Arial" panose="020B0604020202020204" pitchFamily="34" charset="0"/>
+              </a:rPr>
+              <a:t>Mini Project : </a:t>
+            </a:r>
+            <a:r>
+              <a:rPr lang="en-US" dirty="0" err="1" smtClean="0">
+                <a:latin typeface="Arial" panose="020B0604020202020204" pitchFamily="34" charset="0"/>
+                <a:cs typeface="Arial" panose="020B0604020202020204" pitchFamily="34" charset="0"/>
+              </a:rPr>
+              <a:t>Quản</a:t>
+            </a:r>
+            <a:r>
+              <a:rPr lang="en-US" dirty="0" smtClean="0">
+                <a:latin typeface="Arial" panose="020B0604020202020204" pitchFamily="34" charset="0"/>
+                <a:cs typeface="Arial" panose="020B0604020202020204" pitchFamily="34" charset="0"/>
+              </a:rPr>
+              <a:t> </a:t>
+            </a:r>
+            <a:r>
+              <a:rPr lang="en-US" dirty="0" err="1" smtClean="0">
+                <a:latin typeface="Arial" panose="020B0604020202020204" pitchFamily="34" charset="0"/>
+                <a:cs typeface="Arial" panose="020B0604020202020204" pitchFamily="34" charset="0"/>
+              </a:rPr>
+              <a:t>Lý</a:t>
+            </a:r>
+            <a:r>
+              <a:rPr lang="en-US" dirty="0" smtClean="0">
+                <a:latin typeface="Arial" panose="020B0604020202020204" pitchFamily="34" charset="0"/>
+                <a:cs typeface="Arial" panose="020B0604020202020204" pitchFamily="34" charset="0"/>
+              </a:rPr>
+              <a:t> Kho </a:t>
+            </a:r>
+            <a:r>
+              <a:rPr lang="en-US" dirty="0" err="1" smtClean="0">
+                <a:latin typeface="Arial" panose="020B0604020202020204" pitchFamily="34" charset="0"/>
+                <a:cs typeface="Arial" panose="020B0604020202020204" pitchFamily="34" charset="0"/>
+              </a:rPr>
+              <a:t>Hàng</a:t>
+            </a:r>
+            <a:endParaRPr lang="en-US" dirty="0">
+              <a:latin typeface="Arial" panose="020B0604020202020204" pitchFamily="34" charset="0"/>
+              <a:cs typeface="Arial" panose="020B0604020202020204" pitchFamily="34" charset="0"/>
+            </a:endParaRPr>
+          </a:p>
+          <a:p>
+            <a:pPr lvl="1">
+              <a:buFont typeface="Arial" panose="020B0604020202020204" pitchFamily="34" charset="0"/>
+              <a:buChar char="•"/>
+            </a:pPr>
+            <a:r>
+              <a:rPr lang="en-US" dirty="0" err="1" smtClean="0">
+                <a:latin typeface="Arial" panose="020B0604020202020204" pitchFamily="34" charset="0"/>
+                <a:cs typeface="Arial" panose="020B0604020202020204" pitchFamily="34" charset="0"/>
+              </a:rPr>
+              <a:t>Mô</a:t>
+            </a:r>
+            <a:r>
+              <a:rPr lang="en-US" dirty="0" smtClean="0">
+                <a:latin typeface="Arial" panose="020B0604020202020204" pitchFamily="34" charset="0"/>
+                <a:cs typeface="Arial" panose="020B0604020202020204" pitchFamily="34" charset="0"/>
+              </a:rPr>
+              <a:t> </a:t>
+            </a:r>
+            <a:r>
+              <a:rPr lang="en-US" dirty="0" err="1" smtClean="0">
+                <a:latin typeface="Arial" panose="020B0604020202020204" pitchFamily="34" charset="0"/>
+                <a:cs typeface="Arial" panose="020B0604020202020204" pitchFamily="34" charset="0"/>
+              </a:rPr>
+              <a:t>hình</a:t>
+            </a:r>
+            <a:r>
+              <a:rPr lang="en-US" dirty="0" smtClean="0">
+                <a:latin typeface="Arial" panose="020B0604020202020204" pitchFamily="34" charset="0"/>
+                <a:cs typeface="Arial" panose="020B0604020202020204" pitchFamily="34" charset="0"/>
+              </a:rPr>
+              <a:t> Web API</a:t>
+            </a:r>
+          </a:p>
+          <a:p>
+            <a:pPr lvl="1">
+              <a:buFont typeface="Arial" panose="020B0604020202020204" pitchFamily="34" charset="0"/>
+              <a:buChar char="•"/>
+            </a:pPr>
+            <a:r>
+              <a:rPr lang="en-US" dirty="0" smtClean="0">
+                <a:latin typeface="Arial" panose="020B0604020202020204" pitchFamily="34" charset="0"/>
+                <a:cs typeface="Arial" panose="020B0604020202020204" pitchFamily="34" charset="0"/>
+              </a:rPr>
+              <a:t>Java </a:t>
+            </a:r>
+            <a:r>
+              <a:rPr lang="en-US" dirty="0">
+                <a:latin typeface="Arial" panose="020B0604020202020204" pitchFamily="34" charset="0"/>
+                <a:cs typeface="Arial" panose="020B0604020202020204" pitchFamily="34" charset="0"/>
+              </a:rPr>
+              <a:t>Spring Boot + Angular 8 + SQL </a:t>
+            </a:r>
+            <a:r>
+              <a:rPr lang="en-US" dirty="0" smtClean="0">
+                <a:latin typeface="Arial" panose="020B0604020202020204" pitchFamily="34" charset="0"/>
+                <a:cs typeface="Arial" panose="020B0604020202020204" pitchFamily="34" charset="0"/>
+              </a:rPr>
+              <a:t>Server</a:t>
+            </a:r>
+          </a:p>
+          <a:p>
+            <a:pPr>
+              <a:buFont typeface="Wingdings" panose="05000000000000000000" pitchFamily="2" charset="2"/>
+              <a:buChar char="v"/>
+            </a:pPr>
+            <a:r>
+              <a:rPr lang="en-US" dirty="0" smtClean="0">
+                <a:latin typeface="Arial" panose="020B0604020202020204" pitchFamily="34" charset="0"/>
+                <a:cs typeface="Arial" panose="020B0604020202020204" pitchFamily="34" charset="0"/>
+              </a:rPr>
+              <a:t>Research </a:t>
+            </a:r>
+            <a:r>
+              <a:rPr lang="en-US" dirty="0" err="1" smtClean="0">
+                <a:latin typeface="Arial" panose="020B0604020202020204" pitchFamily="34" charset="0"/>
+                <a:cs typeface="Arial" panose="020B0604020202020204" pitchFamily="34" charset="0"/>
+              </a:rPr>
+              <a:t>Công</a:t>
+            </a:r>
+            <a:r>
+              <a:rPr lang="en-US" dirty="0" smtClean="0">
+                <a:latin typeface="Arial" panose="020B0604020202020204" pitchFamily="34" charset="0"/>
+                <a:cs typeface="Arial" panose="020B0604020202020204" pitchFamily="34" charset="0"/>
+              </a:rPr>
+              <a:t> </a:t>
+            </a:r>
+            <a:r>
+              <a:rPr lang="en-US" dirty="0" err="1" smtClean="0">
+                <a:latin typeface="Arial" panose="020B0604020202020204" pitchFamily="34" charset="0"/>
+                <a:cs typeface="Arial" panose="020B0604020202020204" pitchFamily="34" charset="0"/>
+              </a:rPr>
+              <a:t>nghệ</a:t>
+            </a:r>
+            <a:r>
+              <a:rPr lang="en-US" dirty="0" smtClean="0">
+                <a:latin typeface="Arial" panose="020B0604020202020204" pitchFamily="34" charset="0"/>
+                <a:cs typeface="Arial" panose="020B0604020202020204" pitchFamily="34" charset="0"/>
+              </a:rPr>
+              <a:t> </a:t>
+            </a:r>
+            <a:r>
+              <a:rPr lang="en-US" dirty="0" err="1" smtClean="0">
+                <a:latin typeface="Arial" panose="020B0604020202020204" pitchFamily="34" charset="0"/>
+                <a:cs typeface="Arial" panose="020B0604020202020204" pitchFamily="34" charset="0"/>
+              </a:rPr>
+              <a:t>mới</a:t>
+            </a:r>
+            <a:r>
+              <a:rPr lang="en-US" dirty="0" smtClean="0">
+                <a:latin typeface="Arial" panose="020B0604020202020204" pitchFamily="34" charset="0"/>
+                <a:cs typeface="Arial" panose="020B0604020202020204" pitchFamily="34" charset="0"/>
+              </a:rPr>
+              <a:t> </a:t>
+            </a:r>
+          </a:p>
+          <a:p>
+            <a:pPr lvl="1">
+              <a:buFont typeface="Wingdings" panose="05000000000000000000" pitchFamily="2" charset="2"/>
+              <a:buChar char="v"/>
+            </a:pPr>
+            <a:r>
+              <a:rPr lang="en-US" dirty="0">
+                <a:latin typeface="Arial" panose="020B0604020202020204" pitchFamily="34" charset="0"/>
+                <a:cs typeface="Arial" panose="020B0604020202020204" pitchFamily="34" charset="0"/>
+              </a:rPr>
+              <a:t>Python - Django</a:t>
+            </a:r>
+          </a:p>
+          <a:p>
+            <a:pPr lvl="1">
+              <a:buFont typeface="Wingdings" panose="05000000000000000000" pitchFamily="2" charset="2"/>
+              <a:buChar char="v"/>
+            </a:pPr>
+            <a:r>
+              <a:rPr lang="en-US" dirty="0">
+                <a:latin typeface="Arial" panose="020B0604020202020204" pitchFamily="34" charset="0"/>
+                <a:cs typeface="Arial" panose="020B0604020202020204" pitchFamily="34" charset="0"/>
+              </a:rPr>
+              <a:t>App </a:t>
+            </a:r>
+            <a:r>
+              <a:rPr lang="en-US" dirty="0" err="1" smtClean="0">
+                <a:latin typeface="Arial" panose="020B0604020202020204" pitchFamily="34" charset="0"/>
+                <a:cs typeface="Arial" panose="020B0604020202020204" pitchFamily="34" charset="0"/>
+              </a:rPr>
+              <a:t>todo</a:t>
+            </a:r>
+            <a:r>
+              <a:rPr lang="en-US" dirty="0" smtClean="0">
+                <a:latin typeface="Arial" panose="020B0604020202020204" pitchFamily="34" charset="0"/>
+                <a:cs typeface="Arial" panose="020B0604020202020204" pitchFamily="34" charset="0"/>
+              </a:rPr>
+              <a:t> </a:t>
+            </a:r>
+          </a:p>
+          <a:p>
+            <a:pPr>
+              <a:buFont typeface="Wingdings" panose="05000000000000000000" pitchFamily="2" charset="2"/>
+              <a:buChar char="v"/>
+            </a:pPr>
+            <a:r>
+              <a:rPr lang="en-US" dirty="0" smtClean="0">
+                <a:latin typeface="Arial" panose="020B0604020202020204" pitchFamily="34" charset="0"/>
+                <a:cs typeface="Arial" panose="020B0604020202020204" pitchFamily="34" charset="0"/>
+              </a:rPr>
+              <a:t>Power Egg</a:t>
+            </a:r>
+          </a:p>
+          <a:p>
+            <a:pPr lvl="1">
+              <a:buFont typeface="Wingdings" panose="05000000000000000000" pitchFamily="2" charset="2"/>
+              <a:buChar char="v"/>
+            </a:pPr>
+            <a:r>
+              <a:rPr lang="en-US" dirty="0" smtClean="0">
+                <a:latin typeface="Arial" panose="020B0604020202020204" pitchFamily="34" charset="0"/>
+                <a:cs typeface="Arial" panose="020B0604020202020204" pitchFamily="34" charset="0"/>
+              </a:rPr>
+              <a:t>J2EE</a:t>
+            </a:r>
+          </a:p>
+          <a:p>
+            <a:pPr lvl="1">
+              <a:buFont typeface="Wingdings" panose="05000000000000000000" pitchFamily="2" charset="2"/>
+              <a:buChar char="v"/>
+            </a:pPr>
+            <a:r>
+              <a:rPr lang="en-US" dirty="0" err="1" smtClean="0">
+                <a:latin typeface="Arial" panose="020B0604020202020204" pitchFamily="34" charset="0"/>
+                <a:cs typeface="Arial" panose="020B0604020202020204" pitchFamily="34" charset="0"/>
+              </a:rPr>
+              <a:t>Addon</a:t>
+            </a:r>
+            <a:r>
+              <a:rPr lang="en-US" dirty="0" smtClean="0">
+                <a:latin typeface="Arial" panose="020B0604020202020204" pitchFamily="34" charset="0"/>
+                <a:cs typeface="Arial" panose="020B0604020202020204" pitchFamily="34" charset="0"/>
+              </a:rPr>
+              <a:t> PE </a:t>
+            </a:r>
+          </a:p>
+          <a:p>
+            <a:pPr marL="914171" lvl="1" indent="0">
+              <a:buNone/>
+            </a:pPr>
+            <a:endParaRPr lang="en-US" dirty="0" smtClean="0">
+              <a:latin typeface="Arial" panose="020B0604020202020204" pitchFamily="34" charset="0"/>
+              <a:cs typeface="Arial" panose="020B0604020202020204" pitchFamily="34" charset="0"/>
+            </a:endParaRPr>
+          </a:p>
+        </p:txBody>
+      </p:sp>
+      <p:sp>
+        <p:nvSpPr>
+          <p:cNvPr id="4" name="Title 3"/>
+          <p:cNvSpPr>
+            <a:spLocks noGrp="1"/>
+          </p:cNvSpPr>
+          <p:nvPr>
+            <p:ph type="title"/>
+          </p:nvPr>
+        </p:nvSpPr>
+        <p:spPr/>
+        <p:txBody>
+          <a:bodyPr/>
+          <a:lstStyle/>
+          <a:p>
+            <a:r>
+              <a:rPr lang="en-US" dirty="0" smtClean="0">
+                <a:latin typeface="Arial" panose="020B0604020202020204" pitchFamily="34" charset="0"/>
+                <a:cs typeface="Arial" panose="020B0604020202020204" pitchFamily="34" charset="0"/>
+              </a:rPr>
+              <a:t>KHÓA FRESHER K03</a:t>
+            </a:r>
+            <a:endParaRPr lang="en-US" dirty="0">
+              <a:latin typeface="Arial" panose="020B0604020202020204" pitchFamily="34" charset="0"/>
+              <a:cs typeface="Arial" panose="020B0604020202020204" pitchFamily="34" charset="0"/>
+            </a:endParaRPr>
+          </a:p>
+        </p:txBody>
+      </p:sp>
+      <p:pic>
+        <p:nvPicPr>
+          <p:cNvPr id="6" name="Picture 5"/>
+          <p:cNvPicPr>
+            <a:picLocks noChangeAspect="1"/>
+          </p:cNvPicPr>
+          <p:nvPr/>
+        </p:nvPicPr>
+        <p:blipFill>
+          <a:blip r:embed="rId2"/>
+          <a:stretch>
+            <a:fillRect/>
+          </a:stretch>
+        </p:blipFill>
+        <p:spPr>
+          <a:xfrm>
+            <a:off x="14687920" y="2694301"/>
+            <a:ext cx="2667812" cy="2440652"/>
+          </a:xfrm>
+          <a:prstGeom prst="rect">
+            <a:avLst/>
+          </a:prstGeom>
+        </p:spPr>
+      </p:pic>
+      <p:pic>
+        <p:nvPicPr>
+          <p:cNvPr id="2054" name="Picture 6" descr="https://ih1.redbubble.net/image.453958487.1770/pp,840x830-pad,1000x1000,f8f8f8.u3.jpg"/>
+          <p:cNvPicPr>
+            <a:picLocks noChangeAspect="1" noChangeArrowheads="1"/>
+          </p:cNvPicPr>
+          <p:nvPr/>
+        </p:nvPicPr>
+        <p:blipFill>
+          <a:blip r:embed="rId3" cstate="email">
+            <a:extLst>
+              <a:ext uri="{28A0092B-C50C-407E-A947-70E740481C1C}">
+                <a14:useLocalDpi xmlns:a14="http://schemas.microsoft.com/office/drawing/2010/main" val="0"/>
+              </a:ext>
+            </a:extLst>
+          </a:blip>
+          <a:srcRect/>
+          <a:stretch>
+            <a:fillRect/>
+          </a:stretch>
+        </p:blipFill>
+        <p:spPr bwMode="auto">
+          <a:xfrm>
+            <a:off x="17820382" y="2694301"/>
+            <a:ext cx="2440652" cy="2440652"/>
+          </a:xfrm>
+          <a:prstGeom prst="rect">
+            <a:avLst/>
+          </a:prstGeom>
+          <a:noFill/>
+          <a:extLst>
+            <a:ext uri="{909E8E84-426E-40DD-AFC4-6F175D3DCCD1}">
+              <a14:hiddenFill xmlns:a14="http://schemas.microsoft.com/office/drawing/2010/main">
+                <a:solidFill>
+                  <a:srgbClr val="FFFFFF"/>
+                </a:solidFill>
+              </a14:hiddenFill>
+            </a:ext>
+          </a:extLst>
+        </p:spPr>
+      </p:pic>
+      <p:pic>
+        <p:nvPicPr>
+          <p:cNvPr id="9" name="Picture 8"/>
+          <p:cNvPicPr>
+            <a:picLocks noChangeAspect="1"/>
+          </p:cNvPicPr>
+          <p:nvPr/>
+        </p:nvPicPr>
+        <p:blipFill>
+          <a:blip r:embed="rId4" cstate="email">
+            <a:extLst>
+              <a:ext uri="{28A0092B-C50C-407E-A947-70E740481C1C}">
+                <a14:useLocalDpi xmlns:a14="http://schemas.microsoft.com/office/drawing/2010/main" val="0"/>
+              </a:ext>
+            </a:extLst>
+          </a:blip>
+          <a:stretch>
+            <a:fillRect/>
+          </a:stretch>
+        </p:blipFill>
+        <p:spPr>
+          <a:xfrm>
+            <a:off x="20577557" y="2694301"/>
+            <a:ext cx="2983682" cy="2440652"/>
+          </a:xfrm>
+          <a:prstGeom prst="rect">
+            <a:avLst/>
+          </a:prstGeom>
+        </p:spPr>
+      </p:pic>
+      <p:pic>
+        <p:nvPicPr>
+          <p:cNvPr id="10" name="Picture 9"/>
+          <p:cNvPicPr>
+            <a:picLocks noChangeAspect="1"/>
+          </p:cNvPicPr>
+          <p:nvPr/>
+        </p:nvPicPr>
+        <p:blipFill>
+          <a:blip r:embed="rId5" cstate="email">
+            <a:extLst>
+              <a:ext uri="{28A0092B-C50C-407E-A947-70E740481C1C}">
+                <a14:useLocalDpi xmlns:a14="http://schemas.microsoft.com/office/drawing/2010/main" val="0"/>
+              </a:ext>
+            </a:extLst>
+          </a:blip>
+          <a:stretch>
+            <a:fillRect/>
+          </a:stretch>
+        </p:blipFill>
+        <p:spPr>
+          <a:xfrm>
+            <a:off x="11032113" y="6570116"/>
+            <a:ext cx="2629947" cy="1972460"/>
+          </a:xfrm>
+          <a:prstGeom prst="rect">
+            <a:avLst/>
+          </a:prstGeom>
+        </p:spPr>
+      </p:pic>
+      <p:pic>
+        <p:nvPicPr>
+          <p:cNvPr id="2058" name="Picture 10" descr="https://static.djangoproject.com/img/logos/django-logo-negative.png"/>
+          <p:cNvPicPr>
+            <a:picLocks noChangeAspect="1" noChangeArrowheads="1"/>
+          </p:cNvPicPr>
+          <p:nvPr/>
+        </p:nvPicPr>
+        <p:blipFill>
+          <a:blip r:embed="rId6" cstate="email">
+            <a:extLst>
+              <a:ext uri="{28A0092B-C50C-407E-A947-70E740481C1C}">
+                <a14:useLocalDpi xmlns:a14="http://schemas.microsoft.com/office/drawing/2010/main" val="0"/>
+              </a:ext>
+            </a:extLst>
+          </a:blip>
+          <a:srcRect/>
+          <a:stretch>
+            <a:fillRect/>
+          </a:stretch>
+        </p:blipFill>
+        <p:spPr bwMode="auto">
+          <a:xfrm>
+            <a:off x="15808668" y="6570116"/>
+            <a:ext cx="4358298" cy="1983026"/>
+          </a:xfrm>
+          <a:prstGeom prst="rect">
+            <a:avLst/>
+          </a:prstGeom>
+          <a:noFill/>
+          <a:extLst>
+            <a:ext uri="{909E8E84-426E-40DD-AFC4-6F175D3DCCD1}">
+              <a14:hiddenFill xmlns:a14="http://schemas.microsoft.com/office/drawing/2010/main">
+                <a:solidFill>
+                  <a:srgbClr val="FFFFFF"/>
+                </a:solidFill>
+              </a14:hiddenFill>
+            </a:ext>
+          </a:extLst>
+        </p:spPr>
+      </p:pic>
+    </p:spTree>
+    <p:extLst>
+      <p:ext uri="{BB962C8B-B14F-4D97-AF65-F5344CB8AC3E}">
+        <p14:creationId xmlns:p14="http://schemas.microsoft.com/office/powerpoint/2010/main" val="3520600863"/>
+      </p:ext>
+    </p:extLst>
+  </p:cSld>
+  <p:clrMapOvr>
+    <a:masterClrMapping/>
+  </p:clrMapOvr>
+  <p:timing>
+    <p:tnLst>
+      <p:par>
+        <p:cTn id="1" dur="indefinite" restart="never" nodeType="tmRoot">
+          <p:childTnLst>
+            <p:seq concurrent="1" nextAc="seek">
+              <p:cTn id="2" dur="indefinite" nodeType="mainSeq">
+                <p:childTnLst>
+                  <p:par>
+                    <p:cTn id="3" fill="hold">
+                      <p:stCondLst>
+                        <p:cond delay="indefinite"/>
+                      </p:stCondLst>
+                      <p:childTnLst>
+                        <p:par>
+                          <p:cTn id="4" fill="hold">
+                            <p:stCondLst>
+                              <p:cond delay="0"/>
+                            </p:stCondLst>
+                            <p:childTnLst>
+                              <p:par>
+                                <p:cTn id="5" presetID="10" presetClass="entr" presetSubtype="0" fill="hold" nodeType="clickEffect">
+                                  <p:stCondLst>
+                                    <p:cond delay="0"/>
+                                  </p:stCondLst>
+                                  <p:childTnLst>
+                                    <p:set>
+                                      <p:cBhvr>
+                                        <p:cTn id="6" dur="1" fill="hold">
+                                          <p:stCondLst>
+                                            <p:cond delay="0"/>
+                                          </p:stCondLst>
+                                        </p:cTn>
+                                        <p:tgtEl>
+                                          <p:spTgt spid="5">
+                                            <p:txEl>
+                                              <p:pRg st="0" end="0"/>
+                                            </p:txEl>
+                                          </p:spTgt>
+                                        </p:tgtEl>
+                                        <p:attrNameLst>
+                                          <p:attrName>style.visibility</p:attrName>
+                                        </p:attrNameLst>
+                                      </p:cBhvr>
+                                      <p:to>
+                                        <p:strVal val="visible"/>
+                                      </p:to>
+                                    </p:set>
+                                    <p:animEffect transition="in" filter="fade">
+                                      <p:cBhvr>
+                                        <p:cTn id="7" dur="500"/>
+                                        <p:tgtEl>
+                                          <p:spTgt spid="5">
+                                            <p:txEl>
+                                              <p:pRg st="0" end="0"/>
+                                            </p:txEl>
+                                          </p:spTgt>
+                                        </p:tgtEl>
+                                      </p:cBhvr>
+                                    </p:animEffect>
+                                  </p:childTnLst>
+                                </p:cTn>
+                              </p:par>
+                              <p:par>
+                                <p:cTn id="8" presetID="10" presetClass="entr" presetSubtype="0" fill="hold" nodeType="withEffect">
+                                  <p:stCondLst>
+                                    <p:cond delay="0"/>
+                                  </p:stCondLst>
+                                  <p:childTnLst>
+                                    <p:set>
+                                      <p:cBhvr>
+                                        <p:cTn id="9" dur="1" fill="hold">
+                                          <p:stCondLst>
+                                            <p:cond delay="0"/>
+                                          </p:stCondLst>
+                                        </p:cTn>
+                                        <p:tgtEl>
+                                          <p:spTgt spid="5">
+                                            <p:txEl>
+                                              <p:pRg st="1" end="1"/>
+                                            </p:txEl>
+                                          </p:spTgt>
+                                        </p:tgtEl>
+                                        <p:attrNameLst>
+                                          <p:attrName>style.visibility</p:attrName>
+                                        </p:attrNameLst>
+                                      </p:cBhvr>
+                                      <p:to>
+                                        <p:strVal val="visible"/>
+                                      </p:to>
+                                    </p:set>
+                                    <p:animEffect transition="in" filter="fade">
+                                      <p:cBhvr>
+                                        <p:cTn id="10" dur="500"/>
+                                        <p:tgtEl>
+                                          <p:spTgt spid="5">
+                                            <p:txEl>
+                                              <p:pRg st="1" end="1"/>
+                                            </p:txEl>
+                                          </p:spTgt>
+                                        </p:tgtEl>
+                                      </p:cBhvr>
+                                    </p:animEffect>
+                                  </p:childTnLst>
+                                </p:cTn>
+                              </p:par>
+                              <p:par>
+                                <p:cTn id="11" presetID="10" presetClass="entr" presetSubtype="0" fill="hold" nodeType="withEffect">
+                                  <p:stCondLst>
+                                    <p:cond delay="0"/>
+                                  </p:stCondLst>
+                                  <p:childTnLst>
+                                    <p:set>
+                                      <p:cBhvr>
+                                        <p:cTn id="12" dur="1" fill="hold">
+                                          <p:stCondLst>
+                                            <p:cond delay="0"/>
+                                          </p:stCondLst>
+                                        </p:cTn>
+                                        <p:tgtEl>
+                                          <p:spTgt spid="5">
+                                            <p:txEl>
+                                              <p:pRg st="2" end="2"/>
+                                            </p:txEl>
+                                          </p:spTgt>
+                                        </p:tgtEl>
+                                        <p:attrNameLst>
+                                          <p:attrName>style.visibility</p:attrName>
+                                        </p:attrNameLst>
+                                      </p:cBhvr>
+                                      <p:to>
+                                        <p:strVal val="visible"/>
+                                      </p:to>
+                                    </p:set>
+                                    <p:animEffect transition="in" filter="fade">
+                                      <p:cBhvr>
+                                        <p:cTn id="13" dur="500"/>
+                                        <p:tgtEl>
+                                          <p:spTgt spid="5">
+                                            <p:txEl>
+                                              <p:pRg st="2" end="2"/>
+                                            </p:txEl>
+                                          </p:spTgt>
+                                        </p:tgtEl>
+                                      </p:cBhvr>
+                                    </p:animEffect>
+                                  </p:childTnLst>
+                                </p:cTn>
+                              </p:par>
+                            </p:childTnLst>
+                          </p:cTn>
+                        </p:par>
+                      </p:childTnLst>
+                    </p:cTn>
+                  </p:par>
+                  <p:par>
+                    <p:cTn id="14" fill="hold">
+                      <p:stCondLst>
+                        <p:cond delay="indefinite"/>
+                      </p:stCondLst>
+                      <p:childTnLst>
+                        <p:par>
+                          <p:cTn id="15" fill="hold">
+                            <p:stCondLst>
+                              <p:cond delay="0"/>
+                            </p:stCondLst>
+                            <p:childTnLst>
+                              <p:par>
+                                <p:cTn id="16" presetID="10" presetClass="entr" presetSubtype="0" fill="hold" nodeType="clickEffect">
+                                  <p:stCondLst>
+                                    <p:cond delay="0"/>
+                                  </p:stCondLst>
+                                  <p:childTnLst>
+                                    <p:set>
+                                      <p:cBhvr>
+                                        <p:cTn id="17" dur="1" fill="hold">
+                                          <p:stCondLst>
+                                            <p:cond delay="0"/>
+                                          </p:stCondLst>
+                                        </p:cTn>
+                                        <p:tgtEl>
+                                          <p:spTgt spid="6"/>
+                                        </p:tgtEl>
+                                        <p:attrNameLst>
+                                          <p:attrName>style.visibility</p:attrName>
+                                        </p:attrNameLst>
+                                      </p:cBhvr>
+                                      <p:to>
+                                        <p:strVal val="visible"/>
+                                      </p:to>
+                                    </p:set>
+                                    <p:animEffect transition="in" filter="fade">
+                                      <p:cBhvr>
+                                        <p:cTn id="18" dur="500"/>
+                                        <p:tgtEl>
+                                          <p:spTgt spid="6"/>
+                                        </p:tgtEl>
+                                      </p:cBhvr>
+                                    </p:animEffect>
+                                  </p:childTnLst>
+                                </p:cTn>
+                              </p:par>
+                              <p:par>
+                                <p:cTn id="19" presetID="10" presetClass="entr" presetSubtype="0" fill="hold" nodeType="withEffect">
+                                  <p:stCondLst>
+                                    <p:cond delay="0"/>
+                                  </p:stCondLst>
+                                  <p:childTnLst>
+                                    <p:set>
+                                      <p:cBhvr>
+                                        <p:cTn id="20" dur="1" fill="hold">
+                                          <p:stCondLst>
+                                            <p:cond delay="0"/>
+                                          </p:stCondLst>
+                                        </p:cTn>
+                                        <p:tgtEl>
+                                          <p:spTgt spid="2054"/>
+                                        </p:tgtEl>
+                                        <p:attrNameLst>
+                                          <p:attrName>style.visibility</p:attrName>
+                                        </p:attrNameLst>
+                                      </p:cBhvr>
+                                      <p:to>
+                                        <p:strVal val="visible"/>
+                                      </p:to>
+                                    </p:set>
+                                    <p:animEffect transition="in" filter="fade">
+                                      <p:cBhvr>
+                                        <p:cTn id="21" dur="500"/>
+                                        <p:tgtEl>
+                                          <p:spTgt spid="2054"/>
+                                        </p:tgtEl>
+                                      </p:cBhvr>
+                                    </p:animEffect>
+                                  </p:childTnLst>
+                                </p:cTn>
+                              </p:par>
+                              <p:par>
+                                <p:cTn id="22" presetID="10" presetClass="entr" presetSubtype="0" fill="hold" nodeType="withEffect">
+                                  <p:stCondLst>
+                                    <p:cond delay="0"/>
+                                  </p:stCondLst>
+                                  <p:childTnLst>
+                                    <p:set>
+                                      <p:cBhvr>
+                                        <p:cTn id="23" dur="1" fill="hold">
+                                          <p:stCondLst>
+                                            <p:cond delay="0"/>
+                                          </p:stCondLst>
+                                        </p:cTn>
+                                        <p:tgtEl>
+                                          <p:spTgt spid="9"/>
+                                        </p:tgtEl>
+                                        <p:attrNameLst>
+                                          <p:attrName>style.visibility</p:attrName>
+                                        </p:attrNameLst>
+                                      </p:cBhvr>
+                                      <p:to>
+                                        <p:strVal val="visible"/>
+                                      </p:to>
+                                    </p:set>
+                                    <p:animEffect transition="in" filter="fade">
+                                      <p:cBhvr>
+                                        <p:cTn id="24" dur="500"/>
+                                        <p:tgtEl>
+                                          <p:spTgt spid="9"/>
+                                        </p:tgtEl>
+                                      </p:cBhvr>
+                                    </p:animEffect>
+                                  </p:childTnLst>
+                                </p:cTn>
+                              </p:par>
+                            </p:childTnLst>
+                          </p:cTn>
+                        </p:par>
+                      </p:childTnLst>
+                    </p:cTn>
+                  </p:par>
+                  <p:par>
+                    <p:cTn id="25" fill="hold">
+                      <p:stCondLst>
+                        <p:cond delay="indefinite"/>
+                      </p:stCondLst>
+                      <p:childTnLst>
+                        <p:par>
+                          <p:cTn id="26" fill="hold">
+                            <p:stCondLst>
+                              <p:cond delay="0"/>
+                            </p:stCondLst>
+                            <p:childTnLst>
+                              <p:par>
+                                <p:cTn id="27" presetID="10" presetClass="entr" presetSubtype="0" fill="hold" nodeType="clickEffect">
+                                  <p:stCondLst>
+                                    <p:cond delay="0"/>
+                                  </p:stCondLst>
+                                  <p:childTnLst>
+                                    <p:set>
+                                      <p:cBhvr>
+                                        <p:cTn id="28" dur="1" fill="hold">
+                                          <p:stCondLst>
+                                            <p:cond delay="0"/>
+                                          </p:stCondLst>
+                                        </p:cTn>
+                                        <p:tgtEl>
+                                          <p:spTgt spid="5">
+                                            <p:txEl>
+                                              <p:pRg st="3" end="3"/>
+                                            </p:txEl>
+                                          </p:spTgt>
+                                        </p:tgtEl>
+                                        <p:attrNameLst>
+                                          <p:attrName>style.visibility</p:attrName>
+                                        </p:attrNameLst>
+                                      </p:cBhvr>
+                                      <p:to>
+                                        <p:strVal val="visible"/>
+                                      </p:to>
+                                    </p:set>
+                                    <p:animEffect transition="in" filter="fade">
+                                      <p:cBhvr>
+                                        <p:cTn id="29" dur="500"/>
+                                        <p:tgtEl>
+                                          <p:spTgt spid="5">
+                                            <p:txEl>
+                                              <p:pRg st="3" end="3"/>
+                                            </p:txEl>
+                                          </p:spTgt>
+                                        </p:tgtEl>
+                                      </p:cBhvr>
+                                    </p:animEffect>
+                                  </p:childTnLst>
+                                </p:cTn>
+                              </p:par>
+                              <p:par>
+                                <p:cTn id="30" presetID="10" presetClass="entr" presetSubtype="0" fill="hold" nodeType="withEffect">
+                                  <p:stCondLst>
+                                    <p:cond delay="0"/>
+                                  </p:stCondLst>
+                                  <p:childTnLst>
+                                    <p:set>
+                                      <p:cBhvr>
+                                        <p:cTn id="31" dur="1" fill="hold">
+                                          <p:stCondLst>
+                                            <p:cond delay="0"/>
+                                          </p:stCondLst>
+                                        </p:cTn>
+                                        <p:tgtEl>
+                                          <p:spTgt spid="5">
+                                            <p:txEl>
+                                              <p:pRg st="4" end="4"/>
+                                            </p:txEl>
+                                          </p:spTgt>
+                                        </p:tgtEl>
+                                        <p:attrNameLst>
+                                          <p:attrName>style.visibility</p:attrName>
+                                        </p:attrNameLst>
+                                      </p:cBhvr>
+                                      <p:to>
+                                        <p:strVal val="visible"/>
+                                      </p:to>
+                                    </p:set>
+                                    <p:animEffect transition="in" filter="fade">
+                                      <p:cBhvr>
+                                        <p:cTn id="32" dur="500"/>
+                                        <p:tgtEl>
+                                          <p:spTgt spid="5">
+                                            <p:txEl>
+                                              <p:pRg st="4" end="4"/>
+                                            </p:txEl>
+                                          </p:spTgt>
+                                        </p:tgtEl>
+                                      </p:cBhvr>
+                                    </p:animEffect>
+                                  </p:childTnLst>
+                                </p:cTn>
+                              </p:par>
+                              <p:par>
+                                <p:cTn id="33" presetID="10" presetClass="entr" presetSubtype="0" fill="hold" nodeType="withEffect">
+                                  <p:stCondLst>
+                                    <p:cond delay="0"/>
+                                  </p:stCondLst>
+                                  <p:childTnLst>
+                                    <p:set>
+                                      <p:cBhvr>
+                                        <p:cTn id="34" dur="1" fill="hold">
+                                          <p:stCondLst>
+                                            <p:cond delay="0"/>
+                                          </p:stCondLst>
+                                        </p:cTn>
+                                        <p:tgtEl>
+                                          <p:spTgt spid="5">
+                                            <p:txEl>
+                                              <p:pRg st="5" end="5"/>
+                                            </p:txEl>
+                                          </p:spTgt>
+                                        </p:tgtEl>
+                                        <p:attrNameLst>
+                                          <p:attrName>style.visibility</p:attrName>
+                                        </p:attrNameLst>
+                                      </p:cBhvr>
+                                      <p:to>
+                                        <p:strVal val="visible"/>
+                                      </p:to>
+                                    </p:set>
+                                    <p:animEffect transition="in" filter="fade">
+                                      <p:cBhvr>
+                                        <p:cTn id="35" dur="500"/>
+                                        <p:tgtEl>
+                                          <p:spTgt spid="5">
+                                            <p:txEl>
+                                              <p:pRg st="5" end="5"/>
+                                            </p:txEl>
+                                          </p:spTgt>
+                                        </p:tgtEl>
+                                      </p:cBhvr>
+                                    </p:animEffect>
+                                  </p:childTnLst>
+                                </p:cTn>
+                              </p:par>
+                            </p:childTnLst>
+                          </p:cTn>
+                        </p:par>
+                      </p:childTnLst>
+                    </p:cTn>
+                  </p:par>
+                  <p:par>
+                    <p:cTn id="36" fill="hold">
+                      <p:stCondLst>
+                        <p:cond delay="indefinite"/>
+                      </p:stCondLst>
+                      <p:childTnLst>
+                        <p:par>
+                          <p:cTn id="37" fill="hold">
+                            <p:stCondLst>
+                              <p:cond delay="0"/>
+                            </p:stCondLst>
+                            <p:childTnLst>
+                              <p:par>
+                                <p:cTn id="38" presetID="10" presetClass="entr" presetSubtype="0" fill="hold" nodeType="clickEffect">
+                                  <p:stCondLst>
+                                    <p:cond delay="0"/>
+                                  </p:stCondLst>
+                                  <p:childTnLst>
+                                    <p:set>
+                                      <p:cBhvr>
+                                        <p:cTn id="39" dur="1" fill="hold">
+                                          <p:stCondLst>
+                                            <p:cond delay="0"/>
+                                          </p:stCondLst>
+                                        </p:cTn>
+                                        <p:tgtEl>
+                                          <p:spTgt spid="10"/>
+                                        </p:tgtEl>
+                                        <p:attrNameLst>
+                                          <p:attrName>style.visibility</p:attrName>
+                                        </p:attrNameLst>
+                                      </p:cBhvr>
+                                      <p:to>
+                                        <p:strVal val="visible"/>
+                                      </p:to>
+                                    </p:set>
+                                    <p:animEffect transition="in" filter="fade">
+                                      <p:cBhvr>
+                                        <p:cTn id="40" dur="500"/>
+                                        <p:tgtEl>
+                                          <p:spTgt spid="10"/>
+                                        </p:tgtEl>
+                                      </p:cBhvr>
+                                    </p:animEffect>
+                                  </p:childTnLst>
+                                </p:cTn>
+                              </p:par>
+                              <p:par>
+                                <p:cTn id="41" presetID="10" presetClass="entr" presetSubtype="0" fill="hold" nodeType="withEffect">
+                                  <p:stCondLst>
+                                    <p:cond delay="0"/>
+                                  </p:stCondLst>
+                                  <p:childTnLst>
+                                    <p:set>
+                                      <p:cBhvr>
+                                        <p:cTn id="42" dur="1" fill="hold">
+                                          <p:stCondLst>
+                                            <p:cond delay="0"/>
+                                          </p:stCondLst>
+                                        </p:cTn>
+                                        <p:tgtEl>
+                                          <p:spTgt spid="2058"/>
+                                        </p:tgtEl>
+                                        <p:attrNameLst>
+                                          <p:attrName>style.visibility</p:attrName>
+                                        </p:attrNameLst>
+                                      </p:cBhvr>
+                                      <p:to>
+                                        <p:strVal val="visible"/>
+                                      </p:to>
+                                    </p:set>
+                                    <p:animEffect transition="in" filter="fade">
+                                      <p:cBhvr>
+                                        <p:cTn id="43" dur="500"/>
+                                        <p:tgtEl>
+                                          <p:spTgt spid="2058"/>
+                                        </p:tgtEl>
+                                      </p:cBhvr>
+                                    </p:animEffect>
+                                  </p:childTnLst>
+                                </p:cTn>
+                              </p:par>
+                            </p:childTnLst>
+                          </p:cTn>
+                        </p:par>
+                      </p:childTnLst>
+                    </p:cTn>
+                  </p:par>
+                  <p:par>
+                    <p:cTn id="44" fill="hold">
+                      <p:stCondLst>
+                        <p:cond delay="indefinite"/>
+                      </p:stCondLst>
+                      <p:childTnLst>
+                        <p:par>
+                          <p:cTn id="45" fill="hold">
+                            <p:stCondLst>
+                              <p:cond delay="0"/>
+                            </p:stCondLst>
+                            <p:childTnLst>
+                              <p:par>
+                                <p:cTn id="46" presetID="10" presetClass="entr" presetSubtype="0" fill="hold" nodeType="clickEffect">
+                                  <p:stCondLst>
+                                    <p:cond delay="0"/>
+                                  </p:stCondLst>
+                                  <p:childTnLst>
+                                    <p:set>
+                                      <p:cBhvr>
+                                        <p:cTn id="47" dur="1" fill="hold">
+                                          <p:stCondLst>
+                                            <p:cond delay="0"/>
+                                          </p:stCondLst>
+                                        </p:cTn>
+                                        <p:tgtEl>
+                                          <p:spTgt spid="5">
+                                            <p:txEl>
+                                              <p:pRg st="6" end="6"/>
+                                            </p:txEl>
+                                          </p:spTgt>
+                                        </p:tgtEl>
+                                        <p:attrNameLst>
+                                          <p:attrName>style.visibility</p:attrName>
+                                        </p:attrNameLst>
+                                      </p:cBhvr>
+                                      <p:to>
+                                        <p:strVal val="visible"/>
+                                      </p:to>
+                                    </p:set>
+                                    <p:animEffect transition="in" filter="fade">
+                                      <p:cBhvr>
+                                        <p:cTn id="48" dur="500"/>
+                                        <p:tgtEl>
+                                          <p:spTgt spid="5">
+                                            <p:txEl>
+                                              <p:pRg st="6" end="6"/>
+                                            </p:txEl>
+                                          </p:spTgt>
+                                        </p:tgtEl>
+                                      </p:cBhvr>
+                                    </p:animEffect>
+                                  </p:childTnLst>
+                                </p:cTn>
+                              </p:par>
+                              <p:par>
+                                <p:cTn id="49" presetID="10" presetClass="entr" presetSubtype="0" fill="hold" nodeType="withEffect">
+                                  <p:stCondLst>
+                                    <p:cond delay="0"/>
+                                  </p:stCondLst>
+                                  <p:childTnLst>
+                                    <p:set>
+                                      <p:cBhvr>
+                                        <p:cTn id="50" dur="1" fill="hold">
+                                          <p:stCondLst>
+                                            <p:cond delay="0"/>
+                                          </p:stCondLst>
+                                        </p:cTn>
+                                        <p:tgtEl>
+                                          <p:spTgt spid="5">
+                                            <p:txEl>
+                                              <p:pRg st="7" end="7"/>
+                                            </p:txEl>
+                                          </p:spTgt>
+                                        </p:tgtEl>
+                                        <p:attrNameLst>
+                                          <p:attrName>style.visibility</p:attrName>
+                                        </p:attrNameLst>
+                                      </p:cBhvr>
+                                      <p:to>
+                                        <p:strVal val="visible"/>
+                                      </p:to>
+                                    </p:set>
+                                    <p:animEffect transition="in" filter="fade">
+                                      <p:cBhvr>
+                                        <p:cTn id="51" dur="500"/>
+                                        <p:tgtEl>
+                                          <p:spTgt spid="5">
+                                            <p:txEl>
+                                              <p:pRg st="7" end="7"/>
+                                            </p:txEl>
+                                          </p:spTgt>
+                                        </p:tgtEl>
+                                      </p:cBhvr>
+                                    </p:animEffect>
+                                  </p:childTnLst>
+                                </p:cTn>
+                              </p:par>
+                              <p:par>
+                                <p:cTn id="52" presetID="10" presetClass="entr" presetSubtype="0" fill="hold" nodeType="withEffect">
+                                  <p:stCondLst>
+                                    <p:cond delay="0"/>
+                                  </p:stCondLst>
+                                  <p:childTnLst>
+                                    <p:set>
+                                      <p:cBhvr>
+                                        <p:cTn id="53" dur="1" fill="hold">
+                                          <p:stCondLst>
+                                            <p:cond delay="0"/>
+                                          </p:stCondLst>
+                                        </p:cTn>
+                                        <p:tgtEl>
+                                          <p:spTgt spid="5">
+                                            <p:txEl>
+                                              <p:pRg st="8" end="8"/>
+                                            </p:txEl>
+                                          </p:spTgt>
+                                        </p:tgtEl>
+                                        <p:attrNameLst>
+                                          <p:attrName>style.visibility</p:attrName>
+                                        </p:attrNameLst>
+                                      </p:cBhvr>
+                                      <p:to>
+                                        <p:strVal val="visible"/>
+                                      </p:to>
+                                    </p:set>
+                                    <p:animEffect transition="in" filter="fade">
+                                      <p:cBhvr>
+                                        <p:cTn id="54" dur="500"/>
+                                        <p:tgtEl>
+                                          <p:spTgt spid="5">
+                                            <p:txEl>
+                                              <p:pRg st="8" end="8"/>
+                                            </p:txEl>
+                                          </p:spTgt>
+                                        </p:tgtEl>
+                                      </p:cBhvr>
+                                    </p:animEffect>
+                                  </p:childTnLst>
+                                </p:cTn>
+                              </p:par>
+                            </p:childTnLst>
+                          </p:cTn>
+                        </p:par>
+                      </p:childTnLst>
+                    </p:cTn>
+                  </p:par>
+                </p:childTnLst>
+              </p:cTn>
+              <p:prevCondLst>
+                <p:cond evt="onPrev" delay="0">
+                  <p:tgtEl>
+                    <p:sldTgt/>
+                  </p:tgtEl>
+                </p:cond>
+              </p:prevCondLst>
+              <p:nextCondLst>
+                <p:cond evt="onNext" delay="0">
+                  <p:tgtEl>
+                    <p:sldTgt/>
+                  </p:tgtEl>
+                </p:cond>
+              </p:nextCondLst>
+            </p:seq>
+          </p:childTnLst>
+        </p:cTn>
+      </p:par>
+    </p:tnLst>
+  </p:timing>
+</p:sld>
+</file>
+
+<file path=ppt/slides/slide6.xml><?xml version="1.0" encoding="utf-8"?>
+<p:sld xmlns:a="http://schemas.openxmlformats.org/drawingml/2006/main" xmlns:r="http://schemas.openxmlformats.org/officeDocument/2006/relationships" xmlns:p="http://schemas.openxmlformats.org/presentationml/2006/main">
+  <p:cSld>
+    <p:spTree>
+      <p:nvGrpSpPr>
+        <p:cNvPr id="1" name=""/>
+        <p:cNvGrpSpPr/>
+        <p:nvPr/>
+      </p:nvGrpSpPr>
+      <p:grpSpPr>
+        <a:xfrm>
+          <a:off x="0" y="0"/>
+          <a:ext cx="0" cy="0"/>
+          <a:chOff x="0" y="0"/>
+          <a:chExt cx="0" cy="0"/>
+        </a:xfrm>
+      </p:grpSpPr>
+      <p:sp>
+        <p:nvSpPr>
+          <p:cNvPr id="4" name="Title 3"/>
+          <p:cNvSpPr>
+            <a:spLocks noGrp="1"/>
+          </p:cNvSpPr>
+          <p:nvPr>
+            <p:ph type="title"/>
+          </p:nvPr>
+        </p:nvSpPr>
+        <p:spPr/>
+        <p:txBody>
+          <a:bodyPr/>
+          <a:lstStyle/>
+          <a:p>
+            <a:r>
+              <a:rPr lang="en-US" dirty="0" smtClean="0">
+                <a:latin typeface="Arial" panose="020B0604020202020204" pitchFamily="34" charset="0"/>
+                <a:cs typeface="Arial" panose="020B0604020202020204" pitchFamily="34" charset="0"/>
+              </a:rPr>
+              <a:t>KỸ NĂNG CHUYÊN MÔN</a:t>
+            </a:r>
+            <a:endParaRPr lang="en-US" dirty="0">
+              <a:latin typeface="Arial" panose="020B0604020202020204" pitchFamily="34" charset="0"/>
+              <a:cs typeface="Arial" panose="020B0604020202020204" pitchFamily="34" charset="0"/>
+            </a:endParaRPr>
+          </a:p>
+        </p:txBody>
+      </p:sp>
+      <p:sp>
+        <p:nvSpPr>
+          <p:cNvPr id="9" name="Content Placeholder 8"/>
+          <p:cNvSpPr>
+            <a:spLocks noGrp="1"/>
+          </p:cNvSpPr>
+          <p:nvPr>
+            <p:ph idx="1"/>
+          </p:nvPr>
+        </p:nvSpPr>
+        <p:spPr/>
+        <p:txBody>
+          <a:bodyPr/>
+          <a:lstStyle/>
+          <a:p>
+            <a:pPr marL="0" indent="0">
+              <a:buNone/>
+            </a:pPr>
+            <a:endParaRPr lang="en-US" dirty="0">
+              <a:latin typeface="Arial" panose="020B0604020202020204" pitchFamily="34" charset="0"/>
+              <a:cs typeface="Arial" panose="020B0604020202020204" pitchFamily="34" charset="0"/>
+            </a:endParaRPr>
+          </a:p>
+          <a:p>
+            <a:pPr lvl="1">
+              <a:buFont typeface="Wingdings" panose="05000000000000000000" pitchFamily="2" charset="2"/>
+              <a:buChar char="v"/>
+            </a:pPr>
+            <a:r>
+              <a:rPr lang="en-US" dirty="0" smtClean="0">
+                <a:latin typeface="Arial" panose="020B0604020202020204" pitchFamily="34" charset="0"/>
+                <a:cs typeface="Arial" panose="020B0604020202020204" pitchFamily="34" charset="0"/>
+              </a:rPr>
+              <a:t>Java</a:t>
+            </a:r>
+          </a:p>
+          <a:p>
+            <a:pPr lvl="1">
+              <a:buFont typeface="Wingdings" panose="05000000000000000000" pitchFamily="2" charset="2"/>
+              <a:buChar char="v"/>
+            </a:pPr>
+            <a:r>
+              <a:rPr lang="en-US" dirty="0" smtClean="0">
+                <a:latin typeface="Arial" panose="020B0604020202020204" pitchFamily="34" charset="0"/>
+                <a:cs typeface="Arial" panose="020B0604020202020204" pitchFamily="34" charset="0"/>
+              </a:rPr>
+              <a:t>Angular</a:t>
+            </a:r>
+          </a:p>
+          <a:p>
+            <a:pPr lvl="1">
+              <a:buFont typeface="Wingdings" panose="05000000000000000000" pitchFamily="2" charset="2"/>
+              <a:buChar char="v"/>
+            </a:pPr>
+            <a:r>
+              <a:rPr lang="en-US" dirty="0" smtClean="0">
+                <a:latin typeface="Arial" panose="020B0604020202020204" pitchFamily="34" charset="0"/>
+                <a:cs typeface="Arial" panose="020B0604020202020204" pitchFamily="34" charset="0"/>
+              </a:rPr>
+              <a:t>J2EE</a:t>
+            </a:r>
+          </a:p>
+          <a:p>
+            <a:pPr lvl="1">
+              <a:buFont typeface="Wingdings" panose="05000000000000000000" pitchFamily="2" charset="2"/>
+              <a:buChar char="v"/>
+            </a:pPr>
+            <a:r>
+              <a:rPr lang="en-US" dirty="0" smtClean="0">
+                <a:latin typeface="Arial" panose="020B0604020202020204" pitchFamily="34" charset="0"/>
+                <a:cs typeface="Arial" panose="020B0604020202020204" pitchFamily="34" charset="0"/>
+              </a:rPr>
+              <a:t>SQL Server</a:t>
+            </a:r>
+          </a:p>
+          <a:p>
+            <a:pPr lvl="1">
+              <a:buFont typeface="Wingdings" panose="05000000000000000000" pitchFamily="2" charset="2"/>
+              <a:buChar char="v"/>
+            </a:pPr>
+            <a:r>
+              <a:rPr lang="en-US" dirty="0" err="1" smtClean="0">
+                <a:latin typeface="Arial" panose="020B0604020202020204" pitchFamily="34" charset="0"/>
+                <a:cs typeface="Arial" panose="020B0604020202020204" pitchFamily="34" charset="0"/>
+              </a:rPr>
+              <a:t>Git</a:t>
+            </a:r>
+            <a:r>
+              <a:rPr lang="en-US" dirty="0" smtClean="0">
+                <a:latin typeface="Arial" panose="020B0604020202020204" pitchFamily="34" charset="0"/>
+                <a:cs typeface="Arial" panose="020B0604020202020204" pitchFamily="34" charset="0"/>
+              </a:rPr>
+              <a:t> </a:t>
+            </a:r>
+          </a:p>
+          <a:p>
+            <a:pPr lvl="1">
+              <a:buFont typeface="Wingdings" panose="05000000000000000000" pitchFamily="2" charset="2"/>
+              <a:buChar char="v"/>
+            </a:pPr>
+            <a:r>
+              <a:rPr lang="en-US" dirty="0" smtClean="0">
+                <a:latin typeface="Arial" panose="020B0604020202020204" pitchFamily="34" charset="0"/>
+                <a:cs typeface="Arial" panose="020B0604020202020204" pitchFamily="34" charset="0"/>
+              </a:rPr>
+              <a:t>Python</a:t>
+            </a:r>
+          </a:p>
+          <a:p>
+            <a:pPr lvl="1">
+              <a:buFont typeface="Wingdings" panose="05000000000000000000" pitchFamily="2" charset="2"/>
+              <a:buChar char="v"/>
+            </a:pPr>
+            <a:endParaRPr lang="en-US" dirty="0" smtClean="0">
+              <a:latin typeface="Arial" panose="020B0604020202020204" pitchFamily="34" charset="0"/>
+              <a:cs typeface="Arial" panose="020B0604020202020204" pitchFamily="34" charset="0"/>
+            </a:endParaRPr>
+          </a:p>
+          <a:p>
+            <a:pPr lvl="1">
+              <a:buFont typeface="Wingdings" panose="05000000000000000000" pitchFamily="2" charset="2"/>
+              <a:buChar char="v"/>
+            </a:pPr>
+            <a:endParaRPr lang="en-US" dirty="0" smtClean="0">
+              <a:latin typeface="Arial" panose="020B0604020202020204" pitchFamily="34" charset="0"/>
+              <a:cs typeface="Arial" panose="020B0604020202020204" pitchFamily="34" charset="0"/>
+            </a:endParaRPr>
+          </a:p>
+          <a:p>
+            <a:pPr marL="914171" lvl="1" indent="0">
+              <a:buNone/>
+            </a:pPr>
+            <a:endParaRPr lang="en-US" dirty="0" smtClean="0">
+              <a:latin typeface="Arial" panose="020B0604020202020204" pitchFamily="34" charset="0"/>
+              <a:cs typeface="Arial" panose="020B0604020202020204" pitchFamily="34" charset="0"/>
+            </a:endParaRPr>
+          </a:p>
+        </p:txBody>
+      </p:sp>
+      <p:graphicFrame>
+        <p:nvGraphicFramePr>
+          <p:cNvPr id="12" name="Chart 11"/>
+          <p:cNvGraphicFramePr/>
+          <p:nvPr>
+            <p:extLst>
+              <p:ext uri="{D42A27DB-BD31-4B8C-83A1-F6EECF244321}">
+                <p14:modId xmlns:p14="http://schemas.microsoft.com/office/powerpoint/2010/main" val="4252903608"/>
+              </p:ext>
+            </p:extLst>
+          </p:nvPr>
+        </p:nvGraphicFramePr>
+        <p:xfrm>
+          <a:off x="7763069" y="1720877"/>
+          <a:ext cx="14938618" cy="10017247"/>
+        </p:xfrm>
+        <a:graphic>
+          <a:graphicData uri="http://schemas.openxmlformats.org/drawingml/2006/chart">
+            <c:chart xmlns:c="http://schemas.openxmlformats.org/drawingml/2006/chart" xmlns:r="http://schemas.openxmlformats.org/officeDocument/2006/relationships" r:id="rId2"/>
+          </a:graphicData>
+        </a:graphic>
+      </p:graphicFrame>
+    </p:spTree>
+    <p:extLst>
+      <p:ext uri="{BB962C8B-B14F-4D97-AF65-F5344CB8AC3E}">
+        <p14:creationId xmlns:p14="http://schemas.microsoft.com/office/powerpoint/2010/main" val="1458255083"/>
+      </p:ext>
+    </p:extLst>
+  </p:cSld>
+  <p:clrMapOvr>
+    <a:masterClrMapping/>
+  </p:clrMapOvr>
+  <p:timing>
+    <p:tnLst>
+      <p:par>
+        <p:cTn id="1" dur="indefinite" restart="never" nodeType="tmRoot"/>
+      </p:par>
+    </p:tnLst>
+  </p:timing>
+</p:sld>
+</file>
+
+<file path=ppt/slides/slide7.xml><?xml version="1.0" encoding="utf-8"?>
+<p:sld xmlns:a="http://schemas.openxmlformats.org/drawingml/2006/main" xmlns:r="http://schemas.openxmlformats.org/officeDocument/2006/relationships" xmlns:p="http://schemas.openxmlformats.org/presentationml/2006/main">
+  <p:cSld>
+    <p:spTree>
+      <p:nvGrpSpPr>
+        <p:cNvPr id="1" name=""/>
+        <p:cNvGrpSpPr/>
+        <p:nvPr/>
+      </p:nvGrpSpPr>
+      <p:grpSpPr>
+        <a:xfrm>
+          <a:off x="0" y="0"/>
+          <a:ext cx="0" cy="0"/>
+          <a:chOff x="0" y="0"/>
+          <a:chExt cx="0" cy="0"/>
+        </a:xfrm>
+      </p:grpSpPr>
+      <p:sp>
+        <p:nvSpPr>
+          <p:cNvPr id="5" name="Content Placeholder 4"/>
+          <p:cNvSpPr>
+            <a:spLocks noGrp="1"/>
+          </p:cNvSpPr>
+          <p:nvPr>
+            <p:ph idx="1"/>
+          </p:nvPr>
+        </p:nvSpPr>
+        <p:spPr>
+          <a:xfrm>
+            <a:off x="1675964" y="1720877"/>
+            <a:ext cx="10294363" cy="10633049"/>
+          </a:xfrm>
+        </p:spPr>
+        <p:txBody>
+          <a:bodyPr/>
+          <a:lstStyle/>
+          <a:p>
+            <a:pPr lvl="1">
+              <a:buFont typeface="Wingdings" panose="05000000000000000000" pitchFamily="2" charset="2"/>
+              <a:buChar char="v"/>
+            </a:pPr>
+            <a:r>
+              <a:rPr lang="en-US" dirty="0" err="1" smtClean="0">
+                <a:latin typeface="Arial" panose="020B0604020202020204" pitchFamily="34" charset="0"/>
+                <a:cs typeface="Arial" panose="020B0604020202020204" pitchFamily="34" charset="0"/>
+              </a:rPr>
+              <a:t>Làm</a:t>
+            </a:r>
+            <a:r>
+              <a:rPr lang="en-US" dirty="0" smtClean="0">
+                <a:latin typeface="Arial" panose="020B0604020202020204" pitchFamily="34" charset="0"/>
+                <a:cs typeface="Arial" panose="020B0604020202020204" pitchFamily="34" charset="0"/>
+              </a:rPr>
+              <a:t> </a:t>
+            </a:r>
+            <a:r>
+              <a:rPr lang="en-US" dirty="0" err="1" smtClean="0">
+                <a:latin typeface="Arial" panose="020B0604020202020204" pitchFamily="34" charset="0"/>
+                <a:cs typeface="Arial" panose="020B0604020202020204" pitchFamily="34" charset="0"/>
+              </a:rPr>
+              <a:t>việc</a:t>
+            </a:r>
+            <a:r>
+              <a:rPr lang="en-US" dirty="0" smtClean="0">
+                <a:latin typeface="Arial" panose="020B0604020202020204" pitchFamily="34" charset="0"/>
+                <a:cs typeface="Arial" panose="020B0604020202020204" pitchFamily="34" charset="0"/>
+              </a:rPr>
+              <a:t> </a:t>
+            </a:r>
+            <a:r>
+              <a:rPr lang="en-US" dirty="0" err="1" smtClean="0">
+                <a:latin typeface="Arial" panose="020B0604020202020204" pitchFamily="34" charset="0"/>
+                <a:cs typeface="Arial" panose="020B0604020202020204" pitchFamily="34" charset="0"/>
+              </a:rPr>
+              <a:t>nhóm</a:t>
+            </a:r>
+            <a:endParaRPr lang="en-US" dirty="0" smtClean="0">
+              <a:latin typeface="Arial" panose="020B0604020202020204" pitchFamily="34" charset="0"/>
+              <a:cs typeface="Arial" panose="020B0604020202020204" pitchFamily="34" charset="0"/>
+            </a:endParaRPr>
+          </a:p>
+          <a:p>
+            <a:pPr lvl="1">
+              <a:buFont typeface="Wingdings" panose="05000000000000000000" pitchFamily="2" charset="2"/>
+              <a:buChar char="v"/>
+            </a:pPr>
+            <a:r>
+              <a:rPr lang="en-US" dirty="0" err="1">
+                <a:latin typeface="Arial" panose="020B0604020202020204" pitchFamily="34" charset="0"/>
+                <a:cs typeface="Arial" panose="020B0604020202020204" pitchFamily="34" charset="0"/>
+              </a:rPr>
+              <a:t>Phân</a:t>
+            </a:r>
+            <a:r>
+              <a:rPr lang="en-US" dirty="0">
+                <a:latin typeface="Arial" panose="020B0604020202020204" pitchFamily="34" charset="0"/>
+                <a:cs typeface="Arial" panose="020B0604020202020204" pitchFamily="34" charset="0"/>
+              </a:rPr>
+              <a:t> </a:t>
+            </a:r>
+            <a:r>
+              <a:rPr lang="en-US" dirty="0" err="1" smtClean="0">
+                <a:latin typeface="Arial" panose="020B0604020202020204" pitchFamily="34" charset="0"/>
+                <a:cs typeface="Arial" panose="020B0604020202020204" pitchFamily="34" charset="0"/>
+              </a:rPr>
+              <a:t>rã</a:t>
+            </a:r>
+            <a:r>
+              <a:rPr lang="en-US" dirty="0" smtClean="0">
+                <a:latin typeface="Arial" panose="020B0604020202020204" pitchFamily="34" charset="0"/>
+                <a:cs typeface="Arial" panose="020B0604020202020204" pitchFamily="34" charset="0"/>
+              </a:rPr>
+              <a:t>, </a:t>
+            </a:r>
+            <a:r>
+              <a:rPr lang="en-US" dirty="0" err="1">
+                <a:latin typeface="Arial" panose="020B0604020202020204" pitchFamily="34" charset="0"/>
+                <a:cs typeface="Arial" panose="020B0604020202020204" pitchFamily="34" charset="0"/>
+              </a:rPr>
+              <a:t>lên</a:t>
+            </a:r>
+            <a:r>
+              <a:rPr lang="en-US" dirty="0">
+                <a:latin typeface="Arial" panose="020B0604020202020204" pitchFamily="34" charset="0"/>
+                <a:cs typeface="Arial" panose="020B0604020202020204" pitchFamily="34" charset="0"/>
+              </a:rPr>
+              <a:t> </a:t>
+            </a:r>
+            <a:r>
+              <a:rPr lang="en-US" dirty="0" err="1">
+                <a:latin typeface="Arial" panose="020B0604020202020204" pitchFamily="34" charset="0"/>
+                <a:cs typeface="Arial" panose="020B0604020202020204" pitchFamily="34" charset="0"/>
+              </a:rPr>
+              <a:t>kế</a:t>
+            </a:r>
+            <a:r>
+              <a:rPr lang="en-US" dirty="0">
+                <a:latin typeface="Arial" panose="020B0604020202020204" pitchFamily="34" charset="0"/>
+                <a:cs typeface="Arial" panose="020B0604020202020204" pitchFamily="34" charset="0"/>
+              </a:rPr>
+              <a:t> </a:t>
+            </a:r>
+            <a:r>
+              <a:rPr lang="en-US" dirty="0" err="1">
+                <a:latin typeface="Arial" panose="020B0604020202020204" pitchFamily="34" charset="0"/>
+                <a:cs typeface="Arial" panose="020B0604020202020204" pitchFamily="34" charset="0"/>
+              </a:rPr>
+              <a:t>hoạch</a:t>
+            </a:r>
+            <a:r>
+              <a:rPr lang="en-US" dirty="0">
+                <a:latin typeface="Arial" panose="020B0604020202020204" pitchFamily="34" charset="0"/>
+                <a:cs typeface="Arial" panose="020B0604020202020204" pitchFamily="34" charset="0"/>
+              </a:rPr>
+              <a:t> </a:t>
+            </a:r>
+            <a:r>
+              <a:rPr lang="en-US" dirty="0" err="1">
+                <a:latin typeface="Arial" panose="020B0604020202020204" pitchFamily="34" charset="0"/>
+                <a:cs typeface="Arial" panose="020B0604020202020204" pitchFamily="34" charset="0"/>
+              </a:rPr>
+              <a:t>công</a:t>
+            </a:r>
+            <a:r>
+              <a:rPr lang="en-US" dirty="0">
+                <a:latin typeface="Arial" panose="020B0604020202020204" pitchFamily="34" charset="0"/>
+                <a:cs typeface="Arial" panose="020B0604020202020204" pitchFamily="34" charset="0"/>
+              </a:rPr>
+              <a:t> </a:t>
+            </a:r>
+            <a:r>
+              <a:rPr lang="en-US" dirty="0" err="1">
+                <a:latin typeface="Arial" panose="020B0604020202020204" pitchFamily="34" charset="0"/>
+                <a:cs typeface="Arial" panose="020B0604020202020204" pitchFamily="34" charset="0"/>
+              </a:rPr>
+              <a:t>việc</a:t>
+            </a:r>
+            <a:endParaRPr lang="en-US" dirty="0">
+              <a:latin typeface="Arial" panose="020B0604020202020204" pitchFamily="34" charset="0"/>
+              <a:cs typeface="Arial" panose="020B0604020202020204" pitchFamily="34" charset="0"/>
+            </a:endParaRPr>
+          </a:p>
+          <a:p>
+            <a:pPr lvl="1">
+              <a:buFont typeface="Wingdings" panose="05000000000000000000" pitchFamily="2" charset="2"/>
+              <a:buChar char="v"/>
+            </a:pPr>
+            <a:r>
+              <a:rPr lang="en-US" dirty="0" err="1">
+                <a:latin typeface="Arial" panose="020B0604020202020204" pitchFamily="34" charset="0"/>
+                <a:cs typeface="Arial" panose="020B0604020202020204" pitchFamily="34" charset="0"/>
+              </a:rPr>
+              <a:t>Môi</a:t>
+            </a:r>
+            <a:r>
+              <a:rPr lang="en-US" dirty="0">
+                <a:latin typeface="Arial" panose="020B0604020202020204" pitchFamily="34" charset="0"/>
+                <a:cs typeface="Arial" panose="020B0604020202020204" pitchFamily="34" charset="0"/>
+              </a:rPr>
+              <a:t> </a:t>
+            </a:r>
+            <a:r>
+              <a:rPr lang="en-US" dirty="0" err="1">
+                <a:latin typeface="Arial" panose="020B0604020202020204" pitchFamily="34" charset="0"/>
+                <a:cs typeface="Arial" panose="020B0604020202020204" pitchFamily="34" charset="0"/>
+              </a:rPr>
+              <a:t>trường</a:t>
+            </a:r>
+            <a:r>
+              <a:rPr lang="en-US" dirty="0">
+                <a:latin typeface="Arial" panose="020B0604020202020204" pitchFamily="34" charset="0"/>
+                <a:cs typeface="Arial" panose="020B0604020202020204" pitchFamily="34" charset="0"/>
+              </a:rPr>
+              <a:t> </a:t>
+            </a:r>
+            <a:r>
+              <a:rPr lang="en-US" dirty="0" err="1">
+                <a:latin typeface="Arial" panose="020B0604020202020204" pitchFamily="34" charset="0"/>
+                <a:cs typeface="Arial" panose="020B0604020202020204" pitchFamily="34" charset="0"/>
+              </a:rPr>
+              <a:t>và</a:t>
+            </a:r>
+            <a:r>
+              <a:rPr lang="en-US" dirty="0">
+                <a:latin typeface="Arial" panose="020B0604020202020204" pitchFamily="34" charset="0"/>
+                <a:cs typeface="Arial" panose="020B0604020202020204" pitchFamily="34" charset="0"/>
+              </a:rPr>
+              <a:t> </a:t>
+            </a:r>
+            <a:r>
+              <a:rPr lang="en-US" dirty="0" err="1">
+                <a:latin typeface="Arial" panose="020B0604020202020204" pitchFamily="34" charset="0"/>
+                <a:cs typeface="Arial" panose="020B0604020202020204" pitchFamily="34" charset="0"/>
+              </a:rPr>
+              <a:t>văn</a:t>
+            </a:r>
+            <a:r>
+              <a:rPr lang="en-US" dirty="0">
+                <a:latin typeface="Arial" panose="020B0604020202020204" pitchFamily="34" charset="0"/>
+                <a:cs typeface="Arial" panose="020B0604020202020204" pitchFamily="34" charset="0"/>
+              </a:rPr>
+              <a:t> </a:t>
+            </a:r>
+            <a:r>
+              <a:rPr lang="en-US" dirty="0" err="1">
+                <a:latin typeface="Arial" panose="020B0604020202020204" pitchFamily="34" charset="0"/>
+                <a:cs typeface="Arial" panose="020B0604020202020204" pitchFamily="34" charset="0"/>
+              </a:rPr>
+              <a:t>hóa</a:t>
+            </a:r>
+            <a:r>
+              <a:rPr lang="en-US" dirty="0">
+                <a:latin typeface="Arial" panose="020B0604020202020204" pitchFamily="34" charset="0"/>
+                <a:cs typeface="Arial" panose="020B0604020202020204" pitchFamily="34" charset="0"/>
+              </a:rPr>
+              <a:t> </a:t>
+            </a:r>
+            <a:r>
+              <a:rPr lang="en-US" dirty="0" err="1">
+                <a:latin typeface="Arial" panose="020B0604020202020204" pitchFamily="34" charset="0"/>
+                <a:cs typeface="Arial" panose="020B0604020202020204" pitchFamily="34" charset="0"/>
+              </a:rPr>
+              <a:t>làm</a:t>
+            </a:r>
+            <a:r>
+              <a:rPr lang="en-US" dirty="0">
+                <a:latin typeface="Arial" panose="020B0604020202020204" pitchFamily="34" charset="0"/>
+                <a:cs typeface="Arial" panose="020B0604020202020204" pitchFamily="34" charset="0"/>
+              </a:rPr>
+              <a:t> </a:t>
+            </a:r>
+            <a:r>
+              <a:rPr lang="en-US" dirty="0" err="1">
+                <a:latin typeface="Arial" panose="020B0604020202020204" pitchFamily="34" charset="0"/>
+                <a:cs typeface="Arial" panose="020B0604020202020204" pitchFamily="34" charset="0"/>
+              </a:rPr>
+              <a:t>việc</a:t>
+            </a:r>
+            <a:r>
+              <a:rPr lang="en-US" dirty="0">
+                <a:latin typeface="Arial" panose="020B0604020202020204" pitchFamily="34" charset="0"/>
+                <a:cs typeface="Arial" panose="020B0604020202020204" pitchFamily="34" charset="0"/>
+              </a:rPr>
+              <a:t> ở</a:t>
+            </a:r>
+            <a:r>
+              <a:rPr lang="en-US" dirty="0" smtClean="0">
+                <a:latin typeface="Arial" panose="020B0604020202020204" pitchFamily="34" charset="0"/>
+                <a:cs typeface="Arial" panose="020B0604020202020204" pitchFamily="34" charset="0"/>
+              </a:rPr>
+              <a:t> </a:t>
+            </a:r>
+            <a:r>
+              <a:rPr lang="en-US" dirty="0" err="1">
+                <a:latin typeface="Arial" panose="020B0604020202020204" pitchFamily="34" charset="0"/>
+                <a:cs typeface="Arial" panose="020B0604020202020204" pitchFamily="34" charset="0"/>
+              </a:rPr>
+              <a:t>công</a:t>
+            </a:r>
+            <a:r>
+              <a:rPr lang="en-US" dirty="0">
+                <a:latin typeface="Arial" panose="020B0604020202020204" pitchFamily="34" charset="0"/>
+                <a:cs typeface="Arial" panose="020B0604020202020204" pitchFamily="34" charset="0"/>
+              </a:rPr>
+              <a:t> ty </a:t>
+            </a:r>
+            <a:r>
+              <a:rPr lang="en-US" dirty="0" err="1" smtClean="0">
+                <a:latin typeface="Arial" panose="020B0604020202020204" pitchFamily="34" charset="0"/>
+                <a:cs typeface="Arial" panose="020B0604020202020204" pitchFamily="34" charset="0"/>
+              </a:rPr>
+              <a:t>Nhật</a:t>
+            </a:r>
+            <a:endParaRPr lang="en-US" dirty="0">
+              <a:latin typeface="Arial" panose="020B0604020202020204" pitchFamily="34" charset="0"/>
+              <a:cs typeface="Arial" panose="020B0604020202020204" pitchFamily="34" charset="0"/>
+            </a:endParaRPr>
+          </a:p>
+          <a:p>
+            <a:pPr lvl="1">
+              <a:buFont typeface="Wingdings" panose="05000000000000000000" pitchFamily="2" charset="2"/>
+              <a:buChar char="v"/>
+            </a:pPr>
+            <a:r>
+              <a:rPr lang="en-US" dirty="0" err="1" smtClean="0">
+                <a:latin typeface="Arial" panose="020B0604020202020204" pitchFamily="34" charset="0"/>
+                <a:cs typeface="Arial" panose="020B0604020202020204" pitchFamily="34" charset="0"/>
+              </a:rPr>
+              <a:t>Giao</a:t>
+            </a:r>
+            <a:r>
+              <a:rPr lang="en-US" dirty="0" smtClean="0">
+                <a:latin typeface="Arial" panose="020B0604020202020204" pitchFamily="34" charset="0"/>
+                <a:cs typeface="Arial" panose="020B0604020202020204" pitchFamily="34" charset="0"/>
+              </a:rPr>
+              <a:t> </a:t>
+            </a:r>
+            <a:r>
+              <a:rPr lang="en-US" dirty="0" err="1" smtClean="0">
+                <a:latin typeface="Arial" panose="020B0604020202020204" pitchFamily="34" charset="0"/>
+                <a:cs typeface="Arial" panose="020B0604020202020204" pitchFamily="34" charset="0"/>
+              </a:rPr>
+              <a:t>tiếp</a:t>
+            </a:r>
+            <a:r>
+              <a:rPr lang="en-US" dirty="0" smtClean="0">
+                <a:latin typeface="Arial" panose="020B0604020202020204" pitchFamily="34" charset="0"/>
+                <a:cs typeface="Arial" panose="020B0604020202020204" pitchFamily="34" charset="0"/>
+              </a:rPr>
+              <a:t>, </a:t>
+            </a:r>
+            <a:r>
+              <a:rPr lang="en-US" dirty="0" err="1" smtClean="0">
+                <a:latin typeface="Arial" panose="020B0604020202020204" pitchFamily="34" charset="0"/>
+                <a:cs typeface="Arial" panose="020B0604020202020204" pitchFamily="34" charset="0"/>
+              </a:rPr>
+              <a:t>ứng</a:t>
+            </a:r>
+            <a:r>
+              <a:rPr lang="en-US" dirty="0" smtClean="0">
+                <a:latin typeface="Arial" panose="020B0604020202020204" pitchFamily="34" charset="0"/>
+                <a:cs typeface="Arial" panose="020B0604020202020204" pitchFamily="34" charset="0"/>
+              </a:rPr>
+              <a:t> </a:t>
+            </a:r>
+            <a:r>
+              <a:rPr lang="en-US" dirty="0" err="1" smtClean="0">
+                <a:latin typeface="Arial" panose="020B0604020202020204" pitchFamily="34" charset="0"/>
+                <a:cs typeface="Arial" panose="020B0604020202020204" pitchFamily="34" charset="0"/>
+              </a:rPr>
+              <a:t>xử</a:t>
+            </a:r>
+            <a:endParaRPr lang="en-US" dirty="0">
+              <a:latin typeface="Arial" panose="020B0604020202020204" pitchFamily="34" charset="0"/>
+              <a:cs typeface="Arial" panose="020B0604020202020204" pitchFamily="34" charset="0"/>
+            </a:endParaRPr>
+          </a:p>
+          <a:p>
+            <a:pPr marL="914171" lvl="1" indent="0">
+              <a:buNone/>
+            </a:pPr>
+            <a:endParaRPr lang="en-US" dirty="0">
+              <a:latin typeface="Arial" panose="020B0604020202020204" pitchFamily="34" charset="0"/>
+              <a:cs typeface="Arial" panose="020B0604020202020204" pitchFamily="34" charset="0"/>
+            </a:endParaRPr>
+          </a:p>
+        </p:txBody>
+      </p:sp>
+      <p:sp>
+        <p:nvSpPr>
+          <p:cNvPr id="4" name="Title 3"/>
+          <p:cNvSpPr>
+            <a:spLocks noGrp="1"/>
+          </p:cNvSpPr>
+          <p:nvPr>
+            <p:ph type="title"/>
+          </p:nvPr>
+        </p:nvSpPr>
+        <p:spPr/>
+        <p:txBody>
+          <a:bodyPr/>
+          <a:lstStyle/>
+          <a:p>
+            <a:r>
+              <a:rPr lang="en-US" dirty="0" smtClean="0">
+                <a:latin typeface="Arial" panose="020B0604020202020204" pitchFamily="34" charset="0"/>
+                <a:cs typeface="Arial" panose="020B0604020202020204" pitchFamily="34" charset="0"/>
+              </a:rPr>
+              <a:t>KỸ NĂNG MỀM</a:t>
+            </a:r>
+            <a:endParaRPr lang="en-US" dirty="0">
+              <a:latin typeface="Arial" panose="020B0604020202020204" pitchFamily="34" charset="0"/>
+              <a:cs typeface="Arial" panose="020B0604020202020204" pitchFamily="34" charset="0"/>
+            </a:endParaRPr>
+          </a:p>
+        </p:txBody>
+      </p:sp>
+      <p:pic>
+        <p:nvPicPr>
+          <p:cNvPr id="1030" name="Picture 6" descr="https://cdn.leverageedu.com/blog/wp-content/uploads/2020/04/13140130/Soft-Skills.png"/>
+          <p:cNvPicPr>
+            <a:picLocks noChangeAspect="1" noChangeArrowheads="1"/>
+          </p:cNvPicPr>
+          <p:nvPr/>
+        </p:nvPicPr>
+        <p:blipFill>
+          <a:blip r:embed="rId2" cstate="email">
+            <a:extLst>
+              <a:ext uri="{28A0092B-C50C-407E-A947-70E740481C1C}">
+                <a14:useLocalDpi xmlns:a14="http://schemas.microsoft.com/office/drawing/2010/main" val="0"/>
+              </a:ext>
+            </a:extLst>
+          </a:blip>
+          <a:srcRect/>
+          <a:stretch>
+            <a:fillRect/>
+          </a:stretch>
+        </p:blipFill>
+        <p:spPr bwMode="auto">
+          <a:xfrm>
+            <a:off x="11970327" y="2022232"/>
+            <a:ext cx="12057912" cy="8423030"/>
+          </a:xfrm>
+          <a:prstGeom prst="rect">
+            <a:avLst/>
+          </a:prstGeom>
+          <a:noFill/>
+          <a:extLst>
+            <a:ext uri="{909E8E84-426E-40DD-AFC4-6F175D3DCCD1}">
+              <a14:hiddenFill xmlns:a14="http://schemas.microsoft.com/office/drawing/2010/main">
+                <a:solidFill>
+                  <a:srgbClr val="FFFFFF"/>
+                </a:solidFill>
+              </a14:hiddenFill>
+            </a:ext>
+          </a:extLst>
+        </p:spPr>
+      </p:pic>
+    </p:spTree>
+    <p:extLst>
+      <p:ext uri="{BB962C8B-B14F-4D97-AF65-F5344CB8AC3E}">
+        <p14:creationId xmlns:p14="http://schemas.microsoft.com/office/powerpoint/2010/main" val="1935003077"/>
+      </p:ext>
+    </p:extLst>
+  </p:cSld>
+  <p:clrMapOvr>
+    <a:masterClrMapping/>
+  </p:clrMapOvr>
+  <p:timing>
+    <p:tnLst>
+      <p:par>
+        <p:cTn id="1" dur="indefinite" restart="never" nodeType="tmRoot">
+          <p:childTnLst>
+            <p:seq concurrent="1" nextAc="seek">
+              <p:cTn id="2" dur="indefinite" nodeType="mainSeq">
+                <p:childTnLst>
+                  <p:par>
+                    <p:cTn id="3" fill="hold">
+                      <p:stCondLst>
+                        <p:cond delay="indefinite"/>
+                      </p:stCondLst>
+                      <p:childTnLst>
+                        <p:par>
+                          <p:cTn id="4" fill="hold">
+                            <p:stCondLst>
+                              <p:cond delay="0"/>
+                            </p:stCondLst>
+                            <p:childTnLst>
+                              <p:par>
+                                <p:cTn id="5" presetID="10" presetClass="entr" presetSubtype="0" fill="hold" nodeType="clickEffect">
+                                  <p:stCondLst>
+                                    <p:cond delay="0"/>
+                                  </p:stCondLst>
+                                  <p:childTnLst>
+                                    <p:set>
+                                      <p:cBhvr>
+                                        <p:cTn id="6" dur="1" fill="hold">
+                                          <p:stCondLst>
+                                            <p:cond delay="0"/>
+                                          </p:stCondLst>
+                                        </p:cTn>
+                                        <p:tgtEl>
+                                          <p:spTgt spid="5">
+                                            <p:txEl>
+                                              <p:pRg st="0" end="0"/>
+                                            </p:txEl>
+                                          </p:spTgt>
+                                        </p:tgtEl>
+                                        <p:attrNameLst>
+                                          <p:attrName>style.visibility</p:attrName>
+                                        </p:attrNameLst>
+                                      </p:cBhvr>
+                                      <p:to>
+                                        <p:strVal val="visible"/>
+                                      </p:to>
+                                    </p:set>
+                                    <p:animEffect transition="in" filter="fade">
+                                      <p:cBhvr>
+                                        <p:cTn id="7" dur="500"/>
+                                        <p:tgtEl>
+                                          <p:spTgt spid="5">
+                                            <p:txEl>
+                                              <p:pRg st="0" end="0"/>
+                                            </p:txEl>
+                                          </p:spTgt>
+                                        </p:tgtEl>
+                                      </p:cBhvr>
+                                    </p:animEffect>
+                                  </p:childTnLst>
+                                </p:cTn>
+                              </p:par>
+                            </p:childTnLst>
+                          </p:cTn>
+                        </p:par>
+                      </p:childTnLst>
+                    </p:cTn>
+                  </p:par>
+                  <p:par>
+                    <p:cTn id="8" fill="hold">
+                      <p:stCondLst>
+                        <p:cond delay="indefinite"/>
+                      </p:stCondLst>
+                      <p:childTnLst>
+                        <p:par>
+                          <p:cTn id="9" fill="hold">
+                            <p:stCondLst>
+                              <p:cond delay="0"/>
+                            </p:stCondLst>
+                            <p:childTnLst>
+                              <p:par>
+                                <p:cTn id="10" presetID="10" presetClass="entr" presetSubtype="0" fill="hold" nodeType="clickEffect">
+                                  <p:stCondLst>
+                                    <p:cond delay="0"/>
+                                  </p:stCondLst>
+                                  <p:childTnLst>
+                                    <p:set>
+                                      <p:cBhvr>
+                                        <p:cTn id="11" dur="1" fill="hold">
+                                          <p:stCondLst>
+                                            <p:cond delay="0"/>
+                                          </p:stCondLst>
+                                        </p:cTn>
+                                        <p:tgtEl>
+                                          <p:spTgt spid="5">
+                                            <p:txEl>
+                                              <p:pRg st="1" end="1"/>
+                                            </p:txEl>
+                                          </p:spTgt>
+                                        </p:tgtEl>
+                                        <p:attrNameLst>
+                                          <p:attrName>style.visibility</p:attrName>
+                                        </p:attrNameLst>
+                                      </p:cBhvr>
+                                      <p:to>
+                                        <p:strVal val="visible"/>
+                                      </p:to>
+                                    </p:set>
+                                    <p:animEffect transition="in" filter="fade">
+                                      <p:cBhvr>
+                                        <p:cTn id="12" dur="500"/>
+                                        <p:tgtEl>
+                                          <p:spTgt spid="5">
+                                            <p:txEl>
+                                              <p:pRg st="1" end="1"/>
+                                            </p:txEl>
+                                          </p:spTgt>
+                                        </p:tgtEl>
+                                      </p:cBhvr>
+                                    </p:animEffect>
+                                  </p:childTnLst>
+                                </p:cTn>
+                              </p:par>
+                            </p:childTnLst>
+                          </p:cTn>
+                        </p:par>
+                      </p:childTnLst>
+                    </p:cTn>
+                  </p:par>
+                  <p:par>
+                    <p:cTn id="13" fill="hold">
+                      <p:stCondLst>
+                        <p:cond delay="indefinite"/>
+                      </p:stCondLst>
+                      <p:childTnLst>
+                        <p:par>
+                          <p:cTn id="14" fill="hold">
+                            <p:stCondLst>
+                              <p:cond delay="0"/>
+                            </p:stCondLst>
+                            <p:childTnLst>
+                              <p:par>
+                                <p:cTn id="15" presetID="10" presetClass="entr" presetSubtype="0" fill="hold" nodeType="clickEffect">
+                                  <p:stCondLst>
+                                    <p:cond delay="0"/>
+                                  </p:stCondLst>
+                                  <p:childTnLst>
+                                    <p:set>
+                                      <p:cBhvr>
+                                        <p:cTn id="16" dur="1" fill="hold">
+                                          <p:stCondLst>
+                                            <p:cond delay="0"/>
+                                          </p:stCondLst>
+                                        </p:cTn>
+                                        <p:tgtEl>
+                                          <p:spTgt spid="5">
+                                            <p:txEl>
+                                              <p:pRg st="2" end="2"/>
+                                            </p:txEl>
+                                          </p:spTgt>
+                                        </p:tgtEl>
+                                        <p:attrNameLst>
+                                          <p:attrName>style.visibility</p:attrName>
+                                        </p:attrNameLst>
+                                      </p:cBhvr>
+                                      <p:to>
+                                        <p:strVal val="visible"/>
+                                      </p:to>
+                                    </p:set>
+                                    <p:animEffect transition="in" filter="fade">
+                                      <p:cBhvr>
+                                        <p:cTn id="17" dur="500"/>
+                                        <p:tgtEl>
+                                          <p:spTgt spid="5">
+                                            <p:txEl>
+                                              <p:pRg st="2" end="2"/>
+                                            </p:txEl>
+                                          </p:spTgt>
+                                        </p:tgtEl>
+                                      </p:cBhvr>
+                                    </p:animEffect>
+                                  </p:childTnLst>
+                                </p:cTn>
+                              </p:par>
+                            </p:childTnLst>
+                          </p:cTn>
+                        </p:par>
+                      </p:childTnLst>
+                    </p:cTn>
+                  </p:par>
+                  <p:par>
+                    <p:cTn id="18" fill="hold">
+                      <p:stCondLst>
+                        <p:cond delay="indefinite"/>
+                      </p:stCondLst>
+                      <p:childTnLst>
+                        <p:par>
+                          <p:cTn id="19" fill="hold">
+                            <p:stCondLst>
+                              <p:cond delay="0"/>
+                            </p:stCondLst>
+                            <p:childTnLst>
+                              <p:par>
+                                <p:cTn id="20" presetID="10" presetClass="entr" presetSubtype="0" fill="hold" nodeType="clickEffect">
+                                  <p:stCondLst>
+                                    <p:cond delay="0"/>
+                                  </p:stCondLst>
+                                  <p:childTnLst>
+                                    <p:set>
+                                      <p:cBhvr>
+                                        <p:cTn id="21" dur="1" fill="hold">
+                                          <p:stCondLst>
+                                            <p:cond delay="0"/>
+                                          </p:stCondLst>
+                                        </p:cTn>
+                                        <p:tgtEl>
+                                          <p:spTgt spid="5">
+                                            <p:txEl>
+                                              <p:pRg st="3" end="3"/>
+                                            </p:txEl>
+                                          </p:spTgt>
+                                        </p:tgtEl>
+                                        <p:attrNameLst>
+                                          <p:attrName>style.visibility</p:attrName>
+                                        </p:attrNameLst>
+                                      </p:cBhvr>
+                                      <p:to>
+                                        <p:strVal val="visible"/>
+                                      </p:to>
+                                    </p:set>
+                                    <p:animEffect transition="in" filter="fade">
+                                      <p:cBhvr>
+                                        <p:cTn id="22" dur="500"/>
+                                        <p:tgtEl>
+                                          <p:spTgt spid="5">
+                                            <p:txEl>
+                                              <p:pRg st="3" end="3"/>
+                                            </p:txEl>
+                                          </p:spTgt>
+                                        </p:tgtEl>
+                                      </p:cBhvr>
+                                    </p:animEffect>
+                                  </p:childTnLst>
+                                </p:cTn>
+                              </p:par>
+                            </p:childTnLst>
+                          </p:cTn>
+                        </p:par>
+                      </p:childTnLst>
+                    </p:cTn>
+                  </p:par>
+                </p:childTnLst>
+              </p:cTn>
+              <p:prevCondLst>
+                <p:cond evt="onPrev" delay="0">
+                  <p:tgtEl>
+                    <p:sldTgt/>
+                  </p:tgtEl>
+                </p:cond>
+              </p:prevCondLst>
+              <p:nextCondLst>
+                <p:cond evt="onNext" delay="0">
+                  <p:tgtEl>
+                    <p:sldTgt/>
+                  </p:tgtEl>
+                </p:cond>
+              </p:nextCondLst>
+            </p:seq>
+          </p:childTnLst>
+        </p:cTn>
+      </p:par>
+    </p:tnLst>
+  </p:timing>
+</p:sld>
+</file>
+
+<file path=ppt/slides/slide8.xml><?xml version="1.0" encoding="utf-8"?>
 <p:sld xmlns:a="http://schemas.openxmlformats.org/drawingml/2006/main" xmlns:r="http://schemas.openxmlformats.org/officeDocument/2006/relationships" xmlns:p="http://schemas.openxmlformats.org/presentationml/2006/main">
   <p:cSld>
     <p:spTree>
@@ -10686,7 +13699,7 @@
               <a:r>
                 <a:rPr lang="en-US" altLang="en-US" sz="4000" dirty="0" err="1" smtClean="0">
                   <a:solidFill>
-                    <a:schemeClr val="tx1"/>
+                    <a:schemeClr val="tx2"/>
                   </a:solidFill>
                   <a:latin typeface="Arial" panose="020B0604020202020204" pitchFamily="34" charset="0"/>
                   <a:ea typeface="Impact" panose="020B0806030902050204" pitchFamily="34" charset="0"/>
@@ -10697,7 +13710,7 @@
               <a:r>
                 <a:rPr lang="en-US" altLang="en-US" sz="4000" dirty="0" smtClean="0">
                   <a:solidFill>
-                    <a:schemeClr val="tx1"/>
+                    <a:schemeClr val="tx2"/>
                   </a:solidFill>
                   <a:latin typeface="Arial" panose="020B0604020202020204" pitchFamily="34" charset="0"/>
                   <a:ea typeface="Impact" panose="020B0806030902050204" pitchFamily="34" charset="0"/>
@@ -10708,7 +13721,7 @@
               <a:r>
                 <a:rPr lang="en-US" altLang="en-US" sz="4000" dirty="0" err="1" smtClean="0">
                   <a:solidFill>
-                    <a:schemeClr val="tx1"/>
+                    <a:schemeClr val="tx2"/>
                   </a:solidFill>
                   <a:latin typeface="Arial" panose="020B0604020202020204" pitchFamily="34" charset="0"/>
                   <a:ea typeface="Impact" panose="020B0806030902050204" pitchFamily="34" charset="0"/>
@@ -10718,7 +13731,7 @@
               </a:r>
               <a:endParaRPr lang="en-US" altLang="en-US" sz="4000" dirty="0">
                 <a:solidFill>
-                  <a:schemeClr val="tx1"/>
+                  <a:schemeClr val="tx2"/>
                 </a:solidFill>
                 <a:latin typeface="Arial" panose="020B0604020202020204" pitchFamily="34" charset="0"/>
                 <a:ea typeface="Impact" panose="020B0806030902050204" pitchFamily="34" charset="0"/>
@@ -10899,16 +13912,13 @@
             </a:lstStyle>
             <a:p>
               <a:pPr marL="457200" indent="-457200" eaLnBrk="1">
-                <a:buClr>
-                  <a:srgbClr val="1883CB"/>
-                </a:buClr>
-                <a:buFontTx/>
-                <a:buChar char="-"/>
+                <a:buFont typeface="Arial" panose="020B0604020202020204" pitchFamily="34" charset="0"/>
+                <a:buChar char="•"/>
               </a:pPr>
               <a:r>
                 <a:rPr lang="en-US" altLang="en-US" sz="3200" b="0" dirty="0" err="1">
                   <a:solidFill>
-                    <a:srgbClr val="929292"/>
+                    <a:schemeClr val="tx2"/>
                   </a:solidFill>
                   <a:latin typeface="Arial" panose="020B0604020202020204" pitchFamily="34" charset="0"/>
                   <a:cs typeface="Arial" panose="020B0604020202020204" pitchFamily="34" charset="0"/>
@@ -10918,7 +13928,7 @@
               <a:r>
                 <a:rPr lang="en-US" altLang="en-US" sz="3200" b="0" dirty="0" err="1" smtClean="0">
                   <a:solidFill>
-                    <a:srgbClr val="929292"/>
+                    <a:schemeClr val="tx2"/>
                   </a:solidFill>
                   <a:latin typeface="Arial" panose="020B0604020202020204" pitchFamily="34" charset="0"/>
                   <a:cs typeface="Arial" panose="020B0604020202020204" pitchFamily="34" charset="0"/>
@@ -10928,7 +13938,7 @@
               <a:r>
                 <a:rPr lang="en-US" altLang="en-US" sz="3200" b="0" dirty="0" smtClean="0">
                   <a:solidFill>
-                    <a:srgbClr val="929292"/>
+                    <a:schemeClr val="tx2"/>
                   </a:solidFill>
                   <a:latin typeface="Arial" panose="020B0604020202020204" pitchFamily="34" charset="0"/>
                   <a:cs typeface="Arial" panose="020B0604020202020204" pitchFamily="34" charset="0"/>
@@ -10938,7 +13948,7 @@
               <a:r>
                 <a:rPr lang="en-US" altLang="en-US" sz="3200" b="0" dirty="0" err="1" smtClean="0">
                   <a:solidFill>
-                    <a:srgbClr val="929292"/>
+                    <a:schemeClr val="tx2"/>
                   </a:solidFill>
                   <a:latin typeface="Arial" panose="020B0604020202020204" pitchFamily="34" charset="0"/>
                   <a:cs typeface="Arial" panose="020B0604020202020204" pitchFamily="34" charset="0"/>
@@ -10948,26 +13958,23 @@
               <a:r>
                 <a:rPr lang="en-US" altLang="en-US" sz="3200" b="0" dirty="0" smtClean="0">
                   <a:solidFill>
-                    <a:srgbClr val="929292"/>
+                    <a:schemeClr val="tx2"/>
                   </a:solidFill>
                   <a:latin typeface="Arial" panose="020B0604020202020204" pitchFamily="34" charset="0"/>
                   <a:cs typeface="Arial" panose="020B0604020202020204" pitchFamily="34" charset="0"/>
                 </a:rPr>
-                <a:t> – logic</a:t>
+                <a:t> logic</a:t>
               </a:r>
             </a:p>
             <a:p>
               <a:pPr marL="457200" indent="-457200" eaLnBrk="1">
-                <a:buClr>
-                  <a:srgbClr val="1883CB"/>
-                </a:buClr>
-                <a:buFontTx/>
-                <a:buChar char="-"/>
+                <a:buFont typeface="Arial" panose="020B0604020202020204" pitchFamily="34" charset="0"/>
+                <a:buChar char="•"/>
               </a:pPr>
               <a:r>
                 <a:rPr lang="en-US" altLang="en-US" sz="3200" b="0" dirty="0" err="1" smtClean="0">
                   <a:solidFill>
-                    <a:srgbClr val="929292"/>
+                    <a:schemeClr val="tx2"/>
                   </a:solidFill>
                   <a:latin typeface="Arial" panose="020B0604020202020204" pitchFamily="34" charset="0"/>
                   <a:cs typeface="Arial" panose="020B0604020202020204" pitchFamily="34" charset="0"/>
@@ -10977,7 +13984,7 @@
               <a:r>
                 <a:rPr lang="en-US" altLang="en-US" sz="3200" b="0" dirty="0" smtClean="0">
                   <a:solidFill>
-                    <a:srgbClr val="929292"/>
+                    <a:schemeClr val="tx2"/>
                   </a:solidFill>
                   <a:latin typeface="Arial" panose="020B0604020202020204" pitchFamily="34" charset="0"/>
                   <a:cs typeface="Arial" panose="020B0604020202020204" pitchFamily="34" charset="0"/>
@@ -10987,7 +13994,7 @@
               <a:r>
                 <a:rPr lang="en-US" altLang="en-US" sz="3200" b="0" dirty="0" err="1" smtClean="0">
                   <a:solidFill>
-                    <a:srgbClr val="929292"/>
+                    <a:schemeClr val="tx2"/>
                   </a:solidFill>
                   <a:latin typeface="Arial" panose="020B0604020202020204" pitchFamily="34" charset="0"/>
                   <a:cs typeface="Arial" panose="020B0604020202020204" pitchFamily="34" charset="0"/>
@@ -10997,7 +14004,7 @@
               <a:r>
                 <a:rPr lang="en-US" altLang="en-US" sz="3200" b="0" dirty="0" smtClean="0">
                   <a:solidFill>
-                    <a:srgbClr val="929292"/>
+                    <a:schemeClr val="tx2"/>
                   </a:solidFill>
                   <a:latin typeface="Arial" panose="020B0604020202020204" pitchFamily="34" charset="0"/>
                   <a:cs typeface="Arial" panose="020B0604020202020204" pitchFamily="34" charset="0"/>
@@ -11007,7 +14014,7 @@
               <a:r>
                 <a:rPr lang="en-US" altLang="en-US" sz="3200" b="0" dirty="0" err="1" smtClean="0">
                   <a:solidFill>
-                    <a:srgbClr val="929292"/>
+                    <a:schemeClr val="tx2"/>
                   </a:solidFill>
                   <a:latin typeface="Arial" panose="020B0604020202020204" pitchFamily="34" charset="0"/>
                   <a:cs typeface="Arial" panose="020B0604020202020204" pitchFamily="34" charset="0"/>
@@ -11017,7 +14024,7 @@
               <a:r>
                 <a:rPr lang="en-US" altLang="en-US" sz="3200" b="0" dirty="0" smtClean="0">
                   <a:solidFill>
-                    <a:srgbClr val="929292"/>
+                    <a:schemeClr val="tx2"/>
                   </a:solidFill>
                   <a:latin typeface="Arial" panose="020B0604020202020204" pitchFamily="34" charset="0"/>
                   <a:cs typeface="Arial" panose="020B0604020202020204" pitchFamily="34" charset="0"/>
@@ -11027,7 +14034,7 @@
               <a:r>
                 <a:rPr lang="en-US" altLang="en-US" sz="3200" b="0" dirty="0" err="1" smtClean="0">
                   <a:solidFill>
-                    <a:srgbClr val="929292"/>
+                    <a:schemeClr val="tx2"/>
                   </a:solidFill>
                   <a:latin typeface="Arial" panose="020B0604020202020204" pitchFamily="34" charset="0"/>
                   <a:cs typeface="Arial" panose="020B0604020202020204" pitchFamily="34" charset="0"/>
@@ -11036,7 +14043,7 @@
               </a:r>
               <a:endParaRPr lang="en-US" altLang="en-US" sz="3200" b="0" dirty="0" smtClean="0">
                 <a:solidFill>
-                  <a:srgbClr val="929292"/>
+                  <a:schemeClr val="tx2"/>
                 </a:solidFill>
                 <a:latin typeface="Arial" panose="020B0604020202020204" pitchFamily="34" charset="0"/>
                 <a:cs typeface="Arial" panose="020B0604020202020204" pitchFamily="34" charset="0"/>
@@ -11044,16 +14051,13 @@
             </a:p>
             <a:p>
               <a:pPr marL="457200" indent="-457200" eaLnBrk="1">
-                <a:buClr>
-                  <a:srgbClr val="1883CB"/>
-                </a:buClr>
-                <a:buFontTx/>
-                <a:buChar char="-"/>
+                <a:buFont typeface="Arial" panose="020B0604020202020204" pitchFamily="34" charset="0"/>
+                <a:buChar char="•"/>
               </a:pPr>
               <a:r>
                 <a:rPr lang="en-US" altLang="en-US" sz="3200" b="0" dirty="0" err="1" smtClean="0">
                   <a:solidFill>
-                    <a:srgbClr val="929292"/>
+                    <a:schemeClr val="tx2"/>
                   </a:solidFill>
                   <a:latin typeface="Arial" panose="020B0604020202020204" pitchFamily="34" charset="0"/>
                   <a:cs typeface="Arial" panose="020B0604020202020204" pitchFamily="34" charset="0"/>
@@ -11063,7 +14067,7 @@
               <a:r>
                 <a:rPr lang="en-US" altLang="en-US" sz="3200" b="0" dirty="0" smtClean="0">
                   <a:solidFill>
-                    <a:srgbClr val="929292"/>
+                    <a:schemeClr val="tx2"/>
                   </a:solidFill>
                   <a:latin typeface="Arial" panose="020B0604020202020204" pitchFamily="34" charset="0"/>
                   <a:cs typeface="Arial" panose="020B0604020202020204" pitchFamily="34" charset="0"/>
@@ -11073,7 +14077,7 @@
               <a:r>
                 <a:rPr lang="en-US" altLang="en-US" sz="3200" b="0" dirty="0" err="1" smtClean="0">
                   <a:solidFill>
-                    <a:srgbClr val="929292"/>
+                    <a:schemeClr val="tx2"/>
                   </a:solidFill>
                   <a:latin typeface="Arial" panose="020B0604020202020204" pitchFamily="34" charset="0"/>
                   <a:cs typeface="Arial" panose="020B0604020202020204" pitchFamily="34" charset="0"/>
@@ -11083,7 +14087,7 @@
               <a:r>
                 <a:rPr lang="en-US" altLang="en-US" sz="3200" b="0" dirty="0" smtClean="0">
                   <a:solidFill>
-                    <a:srgbClr val="929292"/>
+                    <a:schemeClr val="tx2"/>
                   </a:solidFill>
                   <a:latin typeface="Arial" panose="020B0604020202020204" pitchFamily="34" charset="0"/>
                   <a:cs typeface="Arial" panose="020B0604020202020204" pitchFamily="34" charset="0"/>
@@ -11093,7 +14097,7 @@
               <a:r>
                 <a:rPr lang="en-US" altLang="en-US" sz="3200" b="0" dirty="0" err="1" smtClean="0">
                   <a:solidFill>
-                    <a:srgbClr val="929292"/>
+                    <a:schemeClr val="tx2"/>
                   </a:solidFill>
                   <a:latin typeface="Arial" panose="020B0604020202020204" pitchFamily="34" charset="0"/>
                   <a:cs typeface="Arial" panose="020B0604020202020204" pitchFamily="34" charset="0"/>
@@ -11102,7 +14106,7 @@
               </a:r>
               <a:endParaRPr lang="en-US" altLang="en-US" sz="3200" b="0" dirty="0" smtClean="0">
                 <a:solidFill>
-                  <a:srgbClr val="929292"/>
+                  <a:schemeClr val="tx2"/>
                 </a:solidFill>
                 <a:latin typeface="Arial" panose="020B0604020202020204" pitchFamily="34" charset="0"/>
                 <a:cs typeface="Arial" panose="020B0604020202020204" pitchFamily="34" charset="0"/>
@@ -11110,16 +14114,13 @@
             </a:p>
             <a:p>
               <a:pPr marL="457200" indent="-457200" eaLnBrk="1">
-                <a:buClr>
-                  <a:srgbClr val="1883CB"/>
-                </a:buClr>
-                <a:buFontTx/>
-                <a:buChar char="-"/>
+                <a:buFont typeface="Arial" panose="020B0604020202020204" pitchFamily="34" charset="0"/>
+                <a:buChar char="•"/>
               </a:pPr>
               <a:r>
                 <a:rPr lang="en-US" altLang="en-US" sz="3200" b="0" dirty="0" err="1" smtClean="0">
                   <a:solidFill>
-                    <a:srgbClr val="929292"/>
+                    <a:schemeClr val="tx2"/>
                   </a:solidFill>
                   <a:latin typeface="Arial" panose="020B0604020202020204" pitchFamily="34" charset="0"/>
                   <a:cs typeface="Arial" panose="020B0604020202020204" pitchFamily="34" charset="0"/>
@@ -11129,7 +14130,7 @@
               <a:r>
                 <a:rPr lang="en-US" altLang="en-US" sz="3200" b="0" dirty="0" smtClean="0">
                   <a:solidFill>
-                    <a:srgbClr val="929292"/>
+                    <a:schemeClr val="tx2"/>
                   </a:solidFill>
                   <a:latin typeface="Arial" panose="020B0604020202020204" pitchFamily="34" charset="0"/>
                   <a:cs typeface="Arial" panose="020B0604020202020204" pitchFamily="34" charset="0"/>
@@ -11139,7 +14140,7 @@
               <a:r>
                 <a:rPr lang="en-US" altLang="en-US" sz="3200" b="0" dirty="0" err="1" smtClean="0">
                   <a:solidFill>
-                    <a:srgbClr val="929292"/>
+                    <a:schemeClr val="tx2"/>
                   </a:solidFill>
                   <a:latin typeface="Arial" panose="020B0604020202020204" pitchFamily="34" charset="0"/>
                   <a:cs typeface="Arial" panose="020B0604020202020204" pitchFamily="34" charset="0"/>
@@ -11149,7 +14150,7 @@
               <a:r>
                 <a:rPr lang="en-US" altLang="en-US" sz="3200" b="0" dirty="0" smtClean="0">
                   <a:solidFill>
-                    <a:srgbClr val="929292"/>
+                    <a:schemeClr val="tx2"/>
                   </a:solidFill>
                   <a:latin typeface="Arial" panose="020B0604020202020204" pitchFamily="34" charset="0"/>
                   <a:cs typeface="Arial" panose="020B0604020202020204" pitchFamily="34" charset="0"/>
@@ -11158,7 +14159,7 @@
               </a:r>
               <a:endParaRPr lang="en-US" altLang="en-US" sz="3200" b="0" dirty="0">
                 <a:solidFill>
-                  <a:srgbClr val="929292"/>
+                  <a:schemeClr val="tx2"/>
                 </a:solidFill>
                 <a:latin typeface="Arial" panose="020B0604020202020204" pitchFamily="34" charset="0"/>
                 <a:cs typeface="Arial" panose="020B0604020202020204" pitchFamily="34" charset="0"/>
@@ -11340,7 +14341,7 @@
               <a:r>
                 <a:rPr lang="en-US" altLang="en-US" sz="4000" dirty="0" err="1" smtClean="0">
                   <a:solidFill>
-                    <a:schemeClr val="tx1"/>
+                    <a:schemeClr val="tx2"/>
                   </a:solidFill>
                   <a:latin typeface="Arial" panose="020B0604020202020204" pitchFamily="34" charset="0"/>
                   <a:ea typeface="Impact" panose="020B0806030902050204" pitchFamily="34" charset="0"/>
@@ -11351,7 +14352,7 @@
               <a:r>
                 <a:rPr lang="en-US" altLang="en-US" sz="4000" dirty="0" smtClean="0">
                   <a:solidFill>
-                    <a:schemeClr val="tx1"/>
+                    <a:schemeClr val="tx2"/>
                   </a:solidFill>
                   <a:latin typeface="Arial" panose="020B0604020202020204" pitchFamily="34" charset="0"/>
                   <a:ea typeface="Impact" panose="020B0806030902050204" pitchFamily="34" charset="0"/>
@@ -11362,7 +14363,7 @@
               <a:r>
                 <a:rPr lang="en-US" altLang="en-US" sz="4000" dirty="0" err="1" smtClean="0">
                   <a:solidFill>
-                    <a:schemeClr val="tx1"/>
+                    <a:schemeClr val="tx2"/>
                   </a:solidFill>
                   <a:latin typeface="Arial" panose="020B0604020202020204" pitchFamily="34" charset="0"/>
                   <a:ea typeface="Impact" panose="020B0806030902050204" pitchFamily="34" charset="0"/>
@@ -11372,7 +14373,7 @@
               </a:r>
               <a:endParaRPr lang="en-US" altLang="en-US" sz="4000" dirty="0">
                 <a:solidFill>
-                  <a:schemeClr val="tx1"/>
+                  <a:schemeClr val="tx2"/>
                 </a:solidFill>
                 <a:latin typeface="Arial" panose="020B0604020202020204" pitchFamily="34" charset="0"/>
                 <a:ea typeface="Impact" panose="020B0806030902050204" pitchFamily="34" charset="0"/>
@@ -11552,16 +14553,13 @@
             </a:lstStyle>
             <a:p>
               <a:pPr marL="457200" indent="-457200">
-                <a:buClr>
-                  <a:srgbClr val="1883CB"/>
-                </a:buClr>
-                <a:buFontTx/>
-                <a:buChar char="-"/>
+                <a:buFont typeface="Arial" panose="020B0604020202020204" pitchFamily="34" charset="0"/>
+                <a:buChar char="•"/>
               </a:pPr>
               <a:r>
                 <a:rPr lang="en-US" altLang="en-US" sz="3200" b="0" dirty="0" err="1" smtClean="0">
                   <a:solidFill>
-                    <a:srgbClr val="929292"/>
+                    <a:schemeClr val="tx2"/>
                   </a:solidFill>
                   <a:latin typeface="Arial" panose="020B0604020202020204" pitchFamily="34" charset="0"/>
                   <a:cs typeface="Arial" panose="020B0604020202020204" pitchFamily="34" charset="0"/>
@@ -11571,7 +14569,7 @@
               <a:r>
                 <a:rPr lang="en-US" altLang="en-US" sz="3200" b="0" dirty="0" smtClean="0">
                   <a:solidFill>
-                    <a:srgbClr val="929292"/>
+                    <a:schemeClr val="tx2"/>
                   </a:solidFill>
                   <a:latin typeface="Arial" panose="020B0604020202020204" pitchFamily="34" charset="0"/>
                   <a:cs typeface="Arial" panose="020B0604020202020204" pitchFamily="34" charset="0"/>
@@ -11581,7 +14579,7 @@
               <a:r>
                 <a:rPr lang="en-US" altLang="en-US" sz="3200" b="0" dirty="0" err="1">
                   <a:solidFill>
-                    <a:srgbClr val="929292"/>
+                    <a:schemeClr val="tx2"/>
                   </a:solidFill>
                   <a:latin typeface="Arial" panose="020B0604020202020204" pitchFamily="34" charset="0"/>
                   <a:cs typeface="Arial" panose="020B0604020202020204" pitchFamily="34" charset="0"/>
@@ -11591,7 +14589,7 @@
               <a:r>
                 <a:rPr lang="en-US" altLang="en-US" sz="3200" b="0" dirty="0">
                   <a:solidFill>
-                    <a:srgbClr val="929292"/>
+                    <a:schemeClr val="tx2"/>
                   </a:solidFill>
                   <a:latin typeface="Arial" panose="020B0604020202020204" pitchFamily="34" charset="0"/>
                   <a:cs typeface="Arial" panose="020B0604020202020204" pitchFamily="34" charset="0"/>
@@ -11601,7 +14599,7 @@
               <a:r>
                 <a:rPr lang="en-US" altLang="en-US" sz="3200" b="0" dirty="0" err="1">
                   <a:solidFill>
-                    <a:srgbClr val="929292"/>
+                    <a:schemeClr val="tx2"/>
                   </a:solidFill>
                   <a:latin typeface="Arial" panose="020B0604020202020204" pitchFamily="34" charset="0"/>
                   <a:cs typeface="Arial" panose="020B0604020202020204" pitchFamily="34" charset="0"/>
@@ -11611,7 +14609,7 @@
               <a:r>
                 <a:rPr lang="en-US" altLang="en-US" sz="3200" b="0" dirty="0">
                   <a:solidFill>
-                    <a:srgbClr val="929292"/>
+                    <a:schemeClr val="tx2"/>
                   </a:solidFill>
                   <a:latin typeface="Arial" panose="020B0604020202020204" pitchFamily="34" charset="0"/>
                   <a:cs typeface="Arial" panose="020B0604020202020204" pitchFamily="34" charset="0"/>
@@ -11621,7 +14619,7 @@
               <a:r>
                 <a:rPr lang="en-US" altLang="en-US" sz="3200" b="0" dirty="0" err="1">
                   <a:solidFill>
-                    <a:srgbClr val="929292"/>
+                    <a:schemeClr val="tx2"/>
                   </a:solidFill>
                   <a:latin typeface="Arial" panose="020B0604020202020204" pitchFamily="34" charset="0"/>
                   <a:cs typeface="Arial" panose="020B0604020202020204" pitchFamily="34" charset="0"/>
@@ -11631,7 +14629,7 @@
               <a:r>
                 <a:rPr lang="en-US" altLang="en-US" sz="3200" b="0" dirty="0">
                   <a:solidFill>
-                    <a:srgbClr val="929292"/>
+                    <a:schemeClr val="tx2"/>
                   </a:solidFill>
                   <a:latin typeface="Arial" panose="020B0604020202020204" pitchFamily="34" charset="0"/>
                   <a:cs typeface="Arial" panose="020B0604020202020204" pitchFamily="34" charset="0"/>
@@ -11641,7 +14639,7 @@
               <a:r>
                 <a:rPr lang="en-US" altLang="en-US" sz="3200" b="0" dirty="0" err="1">
                   <a:solidFill>
-                    <a:srgbClr val="929292"/>
+                    <a:schemeClr val="tx2"/>
                   </a:solidFill>
                   <a:latin typeface="Arial" panose="020B0604020202020204" pitchFamily="34" charset="0"/>
                   <a:cs typeface="Arial" panose="020B0604020202020204" pitchFamily="34" charset="0"/>
@@ -11651,7 +14649,7 @@
               <a:r>
                 <a:rPr lang="en-US" altLang="en-US" sz="3200" b="0" dirty="0">
                   <a:solidFill>
-                    <a:srgbClr val="929292"/>
+                    <a:schemeClr val="tx2"/>
                   </a:solidFill>
                   <a:latin typeface="Arial" panose="020B0604020202020204" pitchFamily="34" charset="0"/>
                   <a:cs typeface="Arial" panose="020B0604020202020204" pitchFamily="34" charset="0"/>
@@ -11661,7 +14659,7 @@
               <a:r>
                 <a:rPr lang="en-US" altLang="en-US" sz="3200" b="0" dirty="0" err="1">
                   <a:solidFill>
-                    <a:srgbClr val="929292"/>
+                    <a:schemeClr val="tx2"/>
                   </a:solidFill>
                   <a:latin typeface="Arial" panose="020B0604020202020204" pitchFamily="34" charset="0"/>
                   <a:cs typeface="Arial" panose="020B0604020202020204" pitchFamily="34" charset="0"/>
@@ -11671,7 +14669,7 @@
               <a:r>
                 <a:rPr lang="en-US" altLang="en-US" sz="3200" b="0" dirty="0">
                   <a:solidFill>
-                    <a:srgbClr val="929292"/>
+                    <a:schemeClr val="tx2"/>
                   </a:solidFill>
                   <a:latin typeface="Arial" panose="020B0604020202020204" pitchFamily="34" charset="0"/>
                   <a:cs typeface="Arial" panose="020B0604020202020204" pitchFamily="34" charset="0"/>
@@ -11681,7 +14679,7 @@
               <a:r>
                 <a:rPr lang="en-US" altLang="en-US" sz="3200" b="0" dirty="0" err="1" smtClean="0">
                   <a:solidFill>
-                    <a:srgbClr val="929292"/>
+                    <a:schemeClr val="tx2"/>
                   </a:solidFill>
                   <a:latin typeface="Arial" panose="020B0604020202020204" pitchFamily="34" charset="0"/>
                   <a:cs typeface="Arial" panose="020B0604020202020204" pitchFamily="34" charset="0"/>
@@ -11690,7 +14688,7 @@
               </a:r>
               <a:endParaRPr lang="en-US" altLang="en-US" sz="3200" b="0" dirty="0" smtClean="0">
                 <a:solidFill>
-                  <a:srgbClr val="929292"/>
+                  <a:schemeClr val="tx2"/>
                 </a:solidFill>
                 <a:latin typeface="Arial" panose="020B0604020202020204" pitchFamily="34" charset="0"/>
                 <a:cs typeface="Arial" panose="020B0604020202020204" pitchFamily="34" charset="0"/>
@@ -11698,16 +14696,13 @@
             </a:p>
             <a:p>
               <a:pPr marL="457200" indent="-457200" eaLnBrk="1">
-                <a:buClr>
-                  <a:srgbClr val="1883CB"/>
-                </a:buClr>
-                <a:buFontTx/>
-                <a:buChar char="-"/>
+                <a:buFont typeface="Arial" panose="020B0604020202020204" pitchFamily="34" charset="0"/>
+                <a:buChar char="•"/>
               </a:pPr>
               <a:r>
                 <a:rPr lang="en-US" altLang="en-US" sz="3200" b="0" dirty="0" err="1" smtClean="0">
                   <a:solidFill>
-                    <a:srgbClr val="929292"/>
+                    <a:schemeClr val="tx2"/>
                   </a:solidFill>
                   <a:latin typeface="Arial" panose="020B0604020202020204" pitchFamily="34" charset="0"/>
                   <a:cs typeface="Arial" panose="020B0604020202020204" pitchFamily="34" charset="0"/>
@@ -11717,7 +14712,7 @@
               <a:r>
                 <a:rPr lang="en-US" altLang="en-US" sz="3200" b="0" dirty="0" smtClean="0">
                   <a:solidFill>
-                    <a:srgbClr val="929292"/>
+                    <a:schemeClr val="tx2"/>
                   </a:solidFill>
                   <a:latin typeface="Arial" panose="020B0604020202020204" pitchFamily="34" charset="0"/>
                   <a:cs typeface="Arial" panose="020B0604020202020204" pitchFamily="34" charset="0"/>
@@ -11727,7 +14722,7 @@
               <a:r>
                 <a:rPr lang="en-US" altLang="en-US" sz="3200" b="0" dirty="0" err="1" smtClean="0">
                   <a:solidFill>
-                    <a:srgbClr val="929292"/>
+                    <a:schemeClr val="tx2"/>
                   </a:solidFill>
                   <a:latin typeface="Arial" panose="020B0604020202020204" pitchFamily="34" charset="0"/>
                   <a:cs typeface="Arial" panose="020B0604020202020204" pitchFamily="34" charset="0"/>
@@ -11737,7 +14732,7 @@
               <a:r>
                 <a:rPr lang="en-US" altLang="en-US" sz="3200" b="0" dirty="0" smtClean="0">
                   <a:solidFill>
-                    <a:srgbClr val="929292"/>
+                    <a:schemeClr val="tx2"/>
                   </a:solidFill>
                   <a:latin typeface="Arial" panose="020B0604020202020204" pitchFamily="34" charset="0"/>
                   <a:cs typeface="Arial" panose="020B0604020202020204" pitchFamily="34" charset="0"/>
@@ -11747,7 +14742,7 @@
               <a:r>
                 <a:rPr lang="en-US" altLang="en-US" sz="3200" b="0" dirty="0" err="1" smtClean="0">
                   <a:solidFill>
-                    <a:srgbClr val="929292"/>
+                    <a:schemeClr val="tx2"/>
                   </a:solidFill>
                   <a:latin typeface="Arial" panose="020B0604020202020204" pitchFamily="34" charset="0"/>
                   <a:cs typeface="Arial" panose="020B0604020202020204" pitchFamily="34" charset="0"/>
@@ -11757,7 +14752,7 @@
               <a:r>
                 <a:rPr lang="en-US" altLang="en-US" sz="3200" b="0" dirty="0" smtClean="0">
                   <a:solidFill>
-                    <a:srgbClr val="929292"/>
+                    <a:schemeClr val="tx2"/>
                   </a:solidFill>
                   <a:latin typeface="Arial" panose="020B0604020202020204" pitchFamily="34" charset="0"/>
                   <a:cs typeface="Arial" panose="020B0604020202020204" pitchFamily="34" charset="0"/>
@@ -11767,7 +14762,7 @@
               <a:r>
                 <a:rPr lang="en-US" altLang="en-US" sz="3200" b="0" dirty="0" err="1" smtClean="0">
                   <a:solidFill>
-                    <a:srgbClr val="929292"/>
+                    <a:schemeClr val="tx2"/>
                   </a:solidFill>
                   <a:latin typeface="Arial" panose="020B0604020202020204" pitchFamily="34" charset="0"/>
                   <a:cs typeface="Arial" panose="020B0604020202020204" pitchFamily="34" charset="0"/>
@@ -11776,7 +14771,7 @@
               </a:r>
               <a:endParaRPr lang="en-US" altLang="en-US" sz="3200" b="0" dirty="0" smtClean="0">
                 <a:solidFill>
-                  <a:srgbClr val="929292"/>
+                  <a:schemeClr val="tx2"/>
                 </a:solidFill>
                 <a:latin typeface="Arial" panose="020B0604020202020204" pitchFamily="34" charset="0"/>
                 <a:cs typeface="Arial" panose="020B0604020202020204" pitchFamily="34" charset="0"/>
@@ -11784,16 +14779,13 @@
             </a:p>
             <a:p>
               <a:pPr marL="457200" indent="-457200" eaLnBrk="1">
-                <a:buClr>
-                  <a:srgbClr val="1883CB"/>
-                </a:buClr>
-                <a:buFontTx/>
-                <a:buChar char="-"/>
+                <a:buFont typeface="Arial" panose="020B0604020202020204" pitchFamily="34" charset="0"/>
+                <a:buChar char="•"/>
               </a:pPr>
               <a:r>
                 <a:rPr lang="en-US" altLang="en-US" sz="3200" b="0" dirty="0" err="1">
                   <a:solidFill>
-                    <a:srgbClr val="929292"/>
+                    <a:schemeClr val="tx2"/>
                   </a:solidFill>
                   <a:latin typeface="Arial" panose="020B0604020202020204" pitchFamily="34" charset="0"/>
                   <a:cs typeface="Arial" panose="020B0604020202020204" pitchFamily="34" charset="0"/>
@@ -11803,7 +14795,7 @@
               <a:r>
                 <a:rPr lang="en-US" altLang="en-US" sz="3200" b="0" dirty="0" err="1" smtClean="0">
                   <a:solidFill>
-                    <a:srgbClr val="929292"/>
+                    <a:schemeClr val="tx2"/>
                   </a:solidFill>
                   <a:latin typeface="Arial" panose="020B0604020202020204" pitchFamily="34" charset="0"/>
                   <a:cs typeface="Arial" panose="020B0604020202020204" pitchFamily="34" charset="0"/>
@@ -11813,7 +14805,7 @@
               <a:r>
                 <a:rPr lang="en-US" altLang="en-US" sz="3200" b="0" dirty="0" smtClean="0">
                   <a:solidFill>
-                    <a:srgbClr val="929292"/>
+                    <a:schemeClr val="tx2"/>
                   </a:solidFill>
                   <a:latin typeface="Arial" panose="020B0604020202020204" pitchFamily="34" charset="0"/>
                   <a:cs typeface="Arial" panose="020B0604020202020204" pitchFamily="34" charset="0"/>
@@ -11823,7 +14815,7 @@
               <a:r>
                 <a:rPr lang="en-US" altLang="en-US" sz="3200" b="0" dirty="0" err="1" smtClean="0">
                   <a:solidFill>
-                    <a:srgbClr val="929292"/>
+                    <a:schemeClr val="tx2"/>
                   </a:solidFill>
                   <a:latin typeface="Arial" panose="020B0604020202020204" pitchFamily="34" charset="0"/>
                   <a:cs typeface="Arial" panose="020B0604020202020204" pitchFamily="34" charset="0"/>
@@ -11833,7 +14825,7 @@
               <a:r>
                 <a:rPr lang="en-US" altLang="en-US" sz="3200" b="0" dirty="0" smtClean="0">
                   <a:solidFill>
-                    <a:srgbClr val="929292"/>
+                    <a:schemeClr val="tx2"/>
                   </a:solidFill>
                   <a:latin typeface="Arial" panose="020B0604020202020204" pitchFamily="34" charset="0"/>
                   <a:cs typeface="Arial" panose="020B0604020202020204" pitchFamily="34" charset="0"/>
@@ -11843,7 +14835,7 @@
               <a:r>
                 <a:rPr lang="en-US" altLang="en-US" sz="3200" b="0" dirty="0" err="1" smtClean="0">
                   <a:solidFill>
-                    <a:srgbClr val="929292"/>
+                    <a:schemeClr val="tx2"/>
                   </a:solidFill>
                   <a:latin typeface="Arial" panose="020B0604020202020204" pitchFamily="34" charset="0"/>
                   <a:cs typeface="Arial" panose="020B0604020202020204" pitchFamily="34" charset="0"/>
@@ -11853,7 +14845,7 @@
               <a:r>
                 <a:rPr lang="en-US" altLang="en-US" sz="3200" b="0" dirty="0" smtClean="0">
                   <a:solidFill>
-                    <a:srgbClr val="929292"/>
+                    <a:schemeClr val="tx2"/>
                   </a:solidFill>
                   <a:latin typeface="Arial" panose="020B0604020202020204" pitchFamily="34" charset="0"/>
                   <a:cs typeface="Arial" panose="020B0604020202020204" pitchFamily="34" charset="0"/>
@@ -11863,7 +14855,7 @@
               <a:r>
                 <a:rPr lang="en-US" altLang="en-US" sz="3200" b="0" dirty="0" err="1" smtClean="0">
                   <a:solidFill>
-                    <a:srgbClr val="929292"/>
+                    <a:schemeClr val="tx2"/>
                   </a:solidFill>
                   <a:latin typeface="Arial" panose="020B0604020202020204" pitchFamily="34" charset="0"/>
                   <a:cs typeface="Arial" panose="020B0604020202020204" pitchFamily="34" charset="0"/>
@@ -11872,7 +14864,7 @@
               </a:r>
               <a:endParaRPr lang="en-US" altLang="en-US" sz="3200" b="0" dirty="0" smtClean="0">
                 <a:solidFill>
-                  <a:srgbClr val="929292"/>
+                  <a:schemeClr val="tx2"/>
                 </a:solidFill>
                 <a:latin typeface="Arial" panose="020B0604020202020204" pitchFamily="34" charset="0"/>
                 <a:cs typeface="Arial" panose="020B0604020202020204" pitchFamily="34" charset="0"/>
@@ -11880,16 +14872,13 @@
             </a:p>
             <a:p>
               <a:pPr marL="457200" indent="-457200" eaLnBrk="1">
-                <a:buClr>
-                  <a:srgbClr val="1883CB"/>
-                </a:buClr>
-                <a:buFontTx/>
-                <a:buChar char="-"/>
+                <a:buFont typeface="Arial" panose="020B0604020202020204" pitchFamily="34" charset="0"/>
+                <a:buChar char="•"/>
               </a:pPr>
               <a:r>
                 <a:rPr lang="en-US" altLang="en-US" sz="3200" b="0" dirty="0" err="1" smtClean="0">
                   <a:solidFill>
-                    <a:srgbClr val="929292"/>
+                    <a:schemeClr val="tx2"/>
                   </a:solidFill>
                   <a:latin typeface="Arial" panose="020B0604020202020204" pitchFamily="34" charset="0"/>
                   <a:cs typeface="Arial" panose="020B0604020202020204" pitchFamily="34" charset="0"/>
@@ -11899,7 +14888,7 @@
               <a:r>
                 <a:rPr lang="en-US" altLang="en-US" sz="3200" b="0" dirty="0" smtClean="0">
                   <a:solidFill>
-                    <a:srgbClr val="929292"/>
+                    <a:schemeClr val="tx2"/>
                   </a:solidFill>
                   <a:latin typeface="Arial" panose="020B0604020202020204" pitchFamily="34" charset="0"/>
                   <a:cs typeface="Arial" panose="020B0604020202020204" pitchFamily="34" charset="0"/>
@@ -11909,7 +14898,7 @@
               <a:r>
                 <a:rPr lang="en-US" altLang="en-US" sz="3200" b="0" dirty="0" err="1" smtClean="0">
                   <a:solidFill>
-                    <a:srgbClr val="929292"/>
+                    <a:schemeClr val="tx2"/>
                   </a:solidFill>
                   <a:latin typeface="Arial" panose="020B0604020202020204" pitchFamily="34" charset="0"/>
                   <a:cs typeface="Arial" panose="020B0604020202020204" pitchFamily="34" charset="0"/>
@@ -11919,7 +14908,7 @@
               <a:r>
                 <a:rPr lang="en-US" altLang="en-US" sz="3200" b="0" dirty="0" smtClean="0">
                   <a:solidFill>
-                    <a:srgbClr val="929292"/>
+                    <a:schemeClr val="tx2"/>
                   </a:solidFill>
                   <a:latin typeface="Arial" panose="020B0604020202020204" pitchFamily="34" charset="0"/>
                   <a:cs typeface="Arial" panose="020B0604020202020204" pitchFamily="34" charset="0"/>
@@ -11929,7 +14918,7 @@
               <a:r>
                 <a:rPr lang="en-US" altLang="en-US" sz="3200" b="0" dirty="0" err="1" smtClean="0">
                   <a:solidFill>
-                    <a:srgbClr val="929292"/>
+                    <a:schemeClr val="tx2"/>
                   </a:solidFill>
                   <a:latin typeface="Arial" panose="020B0604020202020204" pitchFamily="34" charset="0"/>
                   <a:cs typeface="Arial" panose="020B0604020202020204" pitchFamily="34" charset="0"/>
@@ -11939,7 +14928,7 @@
               <a:r>
                 <a:rPr lang="en-US" altLang="en-US" sz="3200" b="0" dirty="0" smtClean="0">
                   <a:solidFill>
-                    <a:srgbClr val="929292"/>
+                    <a:schemeClr val="tx2"/>
                   </a:solidFill>
                   <a:latin typeface="Arial" panose="020B0604020202020204" pitchFamily="34" charset="0"/>
                   <a:cs typeface="Arial" panose="020B0604020202020204" pitchFamily="34" charset="0"/>
@@ -11949,7 +14938,7 @@
               <a:r>
                 <a:rPr lang="en-US" altLang="en-US" sz="3200" b="0" dirty="0" err="1" smtClean="0">
                   <a:solidFill>
-                    <a:srgbClr val="929292"/>
+                    <a:schemeClr val="tx2"/>
                   </a:solidFill>
                   <a:latin typeface="Arial" panose="020B0604020202020204" pitchFamily="34" charset="0"/>
                   <a:cs typeface="Arial" panose="020B0604020202020204" pitchFamily="34" charset="0"/>
@@ -11959,7 +14948,7 @@
               <a:r>
                 <a:rPr lang="en-US" altLang="en-US" sz="3200" b="0" dirty="0" smtClean="0">
                   <a:solidFill>
-                    <a:srgbClr val="929292"/>
+                    <a:schemeClr val="tx2"/>
                   </a:solidFill>
                   <a:latin typeface="Arial" panose="020B0604020202020204" pitchFamily="34" charset="0"/>
                   <a:cs typeface="Arial" panose="020B0604020202020204" pitchFamily="34" charset="0"/>
@@ -11969,7 +14958,7 @@
               <a:r>
                 <a:rPr lang="en-US" altLang="en-US" sz="3200" b="0" dirty="0" err="1" smtClean="0">
                   <a:solidFill>
-                    <a:srgbClr val="929292"/>
+                    <a:schemeClr val="tx2"/>
                   </a:solidFill>
                   <a:latin typeface="Arial" panose="020B0604020202020204" pitchFamily="34" charset="0"/>
                   <a:cs typeface="Arial" panose="020B0604020202020204" pitchFamily="34" charset="0"/>
@@ -11978,7 +14967,7 @@
               </a:r>
               <a:endParaRPr lang="en-US" altLang="en-US" sz="3200" b="0" dirty="0" smtClean="0">
                 <a:solidFill>
-                  <a:srgbClr val="929292"/>
+                  <a:schemeClr val="tx2"/>
                 </a:solidFill>
                 <a:latin typeface="Arial" panose="020B0604020202020204" pitchFamily="34" charset="0"/>
                 <a:cs typeface="Arial" panose="020B0604020202020204" pitchFamily="34" charset="0"/>
@@ -11994,7 +14983,7 @@
               </a:pPr>
               <a:endParaRPr lang="en-US" altLang="en-US" sz="2799" b="0" dirty="0">
                 <a:solidFill>
-                  <a:srgbClr val="929292"/>
+                  <a:schemeClr val="tx2"/>
                 </a:solidFill>
                 <a:latin typeface="Arial" panose="020B0604020202020204" pitchFamily="34" charset="0"/>
                 <a:cs typeface="Arial" panose="020B0604020202020204" pitchFamily="34" charset="0"/>
@@ -12176,7 +15165,7 @@
               <a:r>
                 <a:rPr lang="en-US" altLang="en-US" sz="4000" dirty="0" err="1" smtClean="0">
                   <a:solidFill>
-                    <a:schemeClr val="tx1"/>
+                    <a:schemeClr val="tx2"/>
                   </a:solidFill>
                   <a:latin typeface="Arial" panose="020B0604020202020204" pitchFamily="34" charset="0"/>
                   <a:ea typeface="Impact" panose="020B0806030902050204" pitchFamily="34" charset="0"/>
@@ -12187,7 +15176,7 @@
               <a:r>
                 <a:rPr lang="en-US" altLang="en-US" sz="4000" dirty="0" smtClean="0">
                   <a:solidFill>
-                    <a:schemeClr val="tx1"/>
+                    <a:schemeClr val="tx2"/>
                   </a:solidFill>
                   <a:latin typeface="Arial" panose="020B0604020202020204" pitchFamily="34" charset="0"/>
                   <a:ea typeface="Impact" panose="020B0806030902050204" pitchFamily="34" charset="0"/>
@@ -12198,7 +15187,7 @@
               <a:r>
                 <a:rPr lang="en-US" altLang="en-US" sz="4000" dirty="0" err="1" smtClean="0">
                   <a:solidFill>
-                    <a:schemeClr val="tx1"/>
+                    <a:schemeClr val="tx2"/>
                   </a:solidFill>
                   <a:latin typeface="Arial" panose="020B0604020202020204" pitchFamily="34" charset="0"/>
                   <a:ea typeface="Impact" panose="020B0806030902050204" pitchFamily="34" charset="0"/>
@@ -12208,7 +15197,7 @@
               </a:r>
               <a:endParaRPr lang="en-US" altLang="en-US" sz="4000" dirty="0">
                 <a:solidFill>
-                  <a:schemeClr val="tx1"/>
+                  <a:schemeClr val="tx2"/>
                 </a:solidFill>
                 <a:latin typeface="Arial" panose="020B0604020202020204" pitchFamily="34" charset="0"/>
                 <a:ea typeface="Impact" panose="020B0806030902050204" pitchFamily="34" charset="0"/>
@@ -12227,8 +15216,8 @@
           </p:nvSpPr>
           <p:spPr bwMode="auto">
             <a:xfrm>
-              <a:off x="17200834" y="5286617"/>
-              <a:ext cx="6598561" cy="1351992"/>
+              <a:off x="16922355" y="5286617"/>
+              <a:ext cx="6877040" cy="1351992"/>
             </a:xfrm>
             <a:prstGeom prst="rect">
               <a:avLst/>
@@ -12387,25 +15376,14 @@
               </a:lvl9pPr>
             </a:lstStyle>
             <a:p>
-              <a:pPr eaLnBrk="1">
-                <a:buClr>
-                  <a:srgbClr val="1883CB"/>
-                </a:buClr>
+              <a:pPr marL="457200" indent="-457200" eaLnBrk="1">
+                <a:buFont typeface="Arial" panose="020B0604020202020204" pitchFamily="34" charset="0"/>
+                <a:buChar char="•"/>
               </a:pPr>
               <a:r>
-                <a:rPr lang="en-US" altLang="en-US" sz="3200" b="0" dirty="0" smtClean="0">
-                  <a:solidFill>
-                    <a:srgbClr val="929292"/>
-                  </a:solidFill>
-                  <a:latin typeface="Arial" panose="020B0604020202020204" pitchFamily="34" charset="0"/>
-                  <a:cs typeface="Arial" panose="020B0604020202020204" pitchFamily="34" charset="0"/>
-                </a:rPr>
-                <a:t>- </a:t>
-              </a:r>
-              <a:r>
                 <a:rPr lang="en-US" altLang="en-US" sz="3200" b="0" dirty="0" err="1" smtClean="0">
                   <a:solidFill>
-                    <a:srgbClr val="929292"/>
+                    <a:schemeClr val="tx2"/>
                   </a:solidFill>
                   <a:latin typeface="Arial" panose="020B0604020202020204" pitchFamily="34" charset="0"/>
                   <a:cs typeface="Arial" panose="020B0604020202020204" pitchFamily="34" charset="0"/>
@@ -12415,7 +15393,7 @@
               <a:r>
                 <a:rPr lang="en-US" altLang="en-US" sz="3200" b="0" dirty="0" smtClean="0">
                   <a:solidFill>
-                    <a:srgbClr val="929292"/>
+                    <a:schemeClr val="tx2"/>
                   </a:solidFill>
                   <a:latin typeface="Arial" panose="020B0604020202020204" pitchFamily="34" charset="0"/>
                   <a:cs typeface="Arial" panose="020B0604020202020204" pitchFamily="34" charset="0"/>
@@ -12425,7 +15403,7 @@
               <a:r>
                 <a:rPr lang="en-US" altLang="en-US" sz="3200" b="0" dirty="0" err="1" smtClean="0">
                   <a:solidFill>
-                    <a:srgbClr val="929292"/>
+                    <a:schemeClr val="tx2"/>
                   </a:solidFill>
                   <a:latin typeface="Arial" panose="020B0604020202020204" pitchFamily="34" charset="0"/>
                   <a:cs typeface="Arial" panose="020B0604020202020204" pitchFamily="34" charset="0"/>
@@ -12435,7 +15413,7 @@
               <a:r>
                 <a:rPr lang="en-US" altLang="en-US" sz="3200" b="0" dirty="0" smtClean="0">
                   <a:solidFill>
-                    <a:srgbClr val="929292"/>
+                    <a:schemeClr val="tx2"/>
                   </a:solidFill>
                   <a:latin typeface="Arial" panose="020B0604020202020204" pitchFamily="34" charset="0"/>
                   <a:cs typeface="Arial" panose="020B0604020202020204" pitchFamily="34" charset="0"/>
@@ -12445,7 +15423,7 @@
               <a:r>
                 <a:rPr lang="en-US" altLang="en-US" sz="3200" b="0" dirty="0" err="1" smtClean="0">
                   <a:solidFill>
-                    <a:srgbClr val="929292"/>
+                    <a:schemeClr val="tx2"/>
                   </a:solidFill>
                   <a:latin typeface="Arial" panose="020B0604020202020204" pitchFamily="34" charset="0"/>
                   <a:cs typeface="Arial" panose="020B0604020202020204" pitchFamily="34" charset="0"/>
@@ -12455,7 +15433,7 @@
               <a:r>
                 <a:rPr lang="en-US" altLang="en-US" sz="3200" b="0" dirty="0" smtClean="0">
                   <a:solidFill>
-                    <a:srgbClr val="929292"/>
+                    <a:schemeClr val="tx2"/>
                   </a:solidFill>
                   <a:latin typeface="Arial" panose="020B0604020202020204" pitchFamily="34" charset="0"/>
                   <a:cs typeface="Arial" panose="020B0604020202020204" pitchFamily="34" charset="0"/>
@@ -12465,7 +15443,7 @@
               <a:r>
                 <a:rPr lang="en-US" altLang="en-US" sz="3200" b="0" dirty="0" err="1" smtClean="0">
                   <a:solidFill>
-                    <a:srgbClr val="929292"/>
+                    <a:schemeClr val="tx2"/>
                   </a:solidFill>
                   <a:latin typeface="Arial" panose="020B0604020202020204" pitchFamily="34" charset="0"/>
                   <a:cs typeface="Arial" panose="020B0604020202020204" pitchFamily="34" charset="0"/>
@@ -12475,7 +15453,7 @@
               <a:r>
                 <a:rPr lang="en-US" altLang="en-US" sz="3200" b="0" dirty="0" smtClean="0">
                   <a:solidFill>
-                    <a:srgbClr val="929292"/>
+                    <a:schemeClr val="tx2"/>
                   </a:solidFill>
                   <a:latin typeface="Arial" panose="020B0604020202020204" pitchFamily="34" charset="0"/>
                   <a:cs typeface="Arial" panose="020B0604020202020204" pitchFamily="34" charset="0"/>
@@ -12485,7 +15463,7 @@
               <a:r>
                 <a:rPr lang="en-US" altLang="en-US" sz="3200" b="0" dirty="0" err="1" smtClean="0">
                   <a:solidFill>
-                    <a:srgbClr val="929292"/>
+                    <a:schemeClr val="tx2"/>
                   </a:solidFill>
                   <a:latin typeface="Arial" panose="020B0604020202020204" pitchFamily="34" charset="0"/>
                   <a:cs typeface="Arial" panose="020B0604020202020204" pitchFamily="34" charset="0"/>
@@ -12495,7 +15473,7 @@
               <a:r>
                 <a:rPr lang="en-US" altLang="en-US" sz="3200" b="0" dirty="0" smtClean="0">
                   <a:solidFill>
-                    <a:srgbClr val="929292"/>
+                    <a:schemeClr val="tx2"/>
                   </a:solidFill>
                   <a:latin typeface="Arial" panose="020B0604020202020204" pitchFamily="34" charset="0"/>
                   <a:cs typeface="Arial" panose="020B0604020202020204" pitchFamily="34" charset="0"/>
@@ -12505,7 +15483,7 @@
               <a:r>
                 <a:rPr lang="en-US" altLang="en-US" sz="3200" b="0" dirty="0" err="1" smtClean="0">
                   <a:solidFill>
-                    <a:srgbClr val="929292"/>
+                    <a:schemeClr val="tx2"/>
                   </a:solidFill>
                   <a:latin typeface="Arial" panose="020B0604020202020204" pitchFamily="34" charset="0"/>
                   <a:cs typeface="Arial" panose="020B0604020202020204" pitchFamily="34" charset="0"/>
@@ -12515,7 +15493,7 @@
               <a:r>
                 <a:rPr lang="en-US" altLang="en-US" sz="3200" b="0" dirty="0" smtClean="0">
                   <a:solidFill>
-                    <a:srgbClr val="929292"/>
+                    <a:schemeClr val="tx2"/>
                   </a:solidFill>
                   <a:latin typeface="Arial" panose="020B0604020202020204" pitchFamily="34" charset="0"/>
                   <a:cs typeface="Arial" panose="020B0604020202020204" pitchFamily="34" charset="0"/>
@@ -12525,7 +15503,7 @@
               <a:r>
                 <a:rPr lang="en-US" altLang="en-US" sz="3200" b="0" dirty="0" err="1" smtClean="0">
                   <a:solidFill>
-                    <a:srgbClr val="929292"/>
+                    <a:schemeClr val="tx2"/>
                   </a:solidFill>
                   <a:latin typeface="Arial" panose="020B0604020202020204" pitchFamily="34" charset="0"/>
                   <a:cs typeface="Arial" panose="020B0604020202020204" pitchFamily="34" charset="0"/>
@@ -12535,7 +15513,7 @@
               <a:r>
                 <a:rPr lang="en-US" altLang="en-US" sz="3200" b="0" dirty="0" smtClean="0">
                   <a:solidFill>
-                    <a:srgbClr val="929292"/>
+                    <a:schemeClr val="tx2"/>
                   </a:solidFill>
                   <a:latin typeface="Arial" panose="020B0604020202020204" pitchFamily="34" charset="0"/>
                   <a:cs typeface="Arial" panose="020B0604020202020204" pitchFamily="34" charset="0"/>
@@ -12545,7 +15523,7 @@
               <a:r>
                 <a:rPr lang="en-US" altLang="en-US" sz="3200" b="0" dirty="0" err="1" smtClean="0">
                   <a:solidFill>
-                    <a:srgbClr val="929292"/>
+                    <a:schemeClr val="tx2"/>
                   </a:solidFill>
                   <a:latin typeface="Arial" panose="020B0604020202020204" pitchFamily="34" charset="0"/>
                   <a:cs typeface="Arial" panose="020B0604020202020204" pitchFamily="34" charset="0"/>
@@ -12554,32 +15532,21 @@
               </a:r>
               <a:endParaRPr lang="en-US" altLang="en-US" sz="3200" b="0" dirty="0" smtClean="0">
                 <a:solidFill>
-                  <a:srgbClr val="929292"/>
+                  <a:schemeClr val="tx2"/>
                 </a:solidFill>
                 <a:latin typeface="Arial" panose="020B0604020202020204" pitchFamily="34" charset="0"/>
                 <a:cs typeface="Arial" panose="020B0604020202020204" pitchFamily="34" charset="0"/>
               </a:endParaRPr>
             </a:p>
             <a:p>
-              <a:pPr eaLnBrk="1">
-                <a:buClr>
-                  <a:srgbClr val="1883CB"/>
-                </a:buClr>
+              <a:pPr marL="457200" indent="-457200" eaLnBrk="1">
+                <a:buFont typeface="Arial" panose="020B0604020202020204" pitchFamily="34" charset="0"/>
+                <a:buChar char="•"/>
               </a:pPr>
               <a:r>
-                <a:rPr lang="en-US" altLang="en-US" sz="3200" b="0" dirty="0" smtClean="0">
-                  <a:solidFill>
-                    <a:srgbClr val="929292"/>
-                  </a:solidFill>
-                  <a:latin typeface="Arial" panose="020B0604020202020204" pitchFamily="34" charset="0"/>
-                  <a:cs typeface="Arial" panose="020B0604020202020204" pitchFamily="34" charset="0"/>
-                </a:rPr>
-                <a:t>- </a:t>
-              </a:r>
-              <a:r>
                 <a:rPr lang="en-US" altLang="en-US" sz="3200" b="0" dirty="0" err="1" smtClean="0">
                   <a:solidFill>
-                    <a:srgbClr val="929292"/>
+                    <a:schemeClr val="tx2"/>
                   </a:solidFill>
                   <a:latin typeface="Arial" panose="020B0604020202020204" pitchFamily="34" charset="0"/>
                   <a:cs typeface="Arial" panose="020B0604020202020204" pitchFamily="34" charset="0"/>
@@ -12589,7 +15556,7 @@
               <a:r>
                 <a:rPr lang="en-US" altLang="en-US" sz="3200" b="0" dirty="0" smtClean="0">
                   <a:solidFill>
-                    <a:srgbClr val="929292"/>
+                    <a:schemeClr val="tx2"/>
                   </a:solidFill>
                   <a:latin typeface="Arial" panose="020B0604020202020204" pitchFamily="34" charset="0"/>
                   <a:cs typeface="Arial" panose="020B0604020202020204" pitchFamily="34" charset="0"/>
@@ -12599,7 +15566,7 @@
               <a:r>
                 <a:rPr lang="en-US" altLang="en-US" sz="3200" b="0" dirty="0" err="1" smtClean="0">
                   <a:solidFill>
-                    <a:srgbClr val="929292"/>
+                    <a:schemeClr val="tx2"/>
                   </a:solidFill>
                   <a:latin typeface="Arial" panose="020B0604020202020204" pitchFamily="34" charset="0"/>
                   <a:cs typeface="Arial" panose="020B0604020202020204" pitchFamily="34" charset="0"/>
@@ -12609,7 +15576,7 @@
               <a:r>
                 <a:rPr lang="en-US" altLang="en-US" sz="3200" b="0" dirty="0" smtClean="0">
                   <a:solidFill>
-                    <a:srgbClr val="929292"/>
+                    <a:schemeClr val="tx2"/>
                   </a:solidFill>
                   <a:latin typeface="Arial" panose="020B0604020202020204" pitchFamily="34" charset="0"/>
                   <a:cs typeface="Arial" panose="020B0604020202020204" pitchFamily="34" charset="0"/>
@@ -12619,7 +15586,7 @@
               <a:r>
                 <a:rPr lang="en-US" altLang="en-US" sz="3200" b="0" dirty="0" err="1" smtClean="0">
                   <a:solidFill>
-                    <a:srgbClr val="929292"/>
+                    <a:schemeClr val="tx2"/>
                   </a:solidFill>
                   <a:latin typeface="Arial" panose="020B0604020202020204" pitchFamily="34" charset="0"/>
                   <a:cs typeface="Arial" panose="020B0604020202020204" pitchFamily="34" charset="0"/>
@@ -12629,7 +15596,7 @@
               <a:r>
                 <a:rPr lang="en-US" altLang="en-US" sz="3200" b="0" dirty="0" smtClean="0">
                   <a:solidFill>
-                    <a:srgbClr val="929292"/>
+                    <a:schemeClr val="tx2"/>
                   </a:solidFill>
                   <a:latin typeface="Arial" panose="020B0604020202020204" pitchFamily="34" charset="0"/>
                   <a:cs typeface="Arial" panose="020B0604020202020204" pitchFamily="34" charset="0"/>
@@ -12639,7 +15606,7 @@
               <a:r>
                 <a:rPr lang="en-US" altLang="en-US" sz="3200" b="0" dirty="0" err="1" smtClean="0">
                   <a:solidFill>
-                    <a:srgbClr val="929292"/>
+                    <a:schemeClr val="tx2"/>
                   </a:solidFill>
                   <a:latin typeface="Arial" panose="020B0604020202020204" pitchFamily="34" charset="0"/>
                   <a:cs typeface="Arial" panose="020B0604020202020204" pitchFamily="34" charset="0"/>
@@ -12649,7 +15616,7 @@
               <a:r>
                 <a:rPr lang="en-US" altLang="en-US" sz="3200" b="0" dirty="0" smtClean="0">
                   <a:solidFill>
-                    <a:srgbClr val="929292"/>
+                    <a:schemeClr val="tx2"/>
                   </a:solidFill>
                   <a:latin typeface="Arial" panose="020B0604020202020204" pitchFamily="34" charset="0"/>
                   <a:cs typeface="Arial" panose="020B0604020202020204" pitchFamily="34" charset="0"/>
@@ -12659,7 +15626,7 @@
               <a:r>
                 <a:rPr lang="en-US" altLang="en-US" sz="3200" b="0" dirty="0" err="1" smtClean="0">
                   <a:solidFill>
-                    <a:srgbClr val="929292"/>
+                    <a:schemeClr val="tx2"/>
                   </a:solidFill>
                   <a:latin typeface="Arial" panose="020B0604020202020204" pitchFamily="34" charset="0"/>
                   <a:cs typeface="Arial" panose="020B0604020202020204" pitchFamily="34" charset="0"/>
@@ -12669,7 +15636,7 @@
               <a:r>
                 <a:rPr lang="en-US" altLang="en-US" sz="3200" b="0" dirty="0" smtClean="0">
                   <a:solidFill>
-                    <a:srgbClr val="929292"/>
+                    <a:schemeClr val="tx2"/>
                   </a:solidFill>
                   <a:latin typeface="Arial" panose="020B0604020202020204" pitchFamily="34" charset="0"/>
                   <a:cs typeface="Arial" panose="020B0604020202020204" pitchFamily="34" charset="0"/>
@@ -12679,7 +15646,7 @@
               <a:r>
                 <a:rPr lang="en-US" altLang="en-US" sz="3200" b="0" dirty="0" err="1" smtClean="0">
                   <a:solidFill>
-                    <a:srgbClr val="929292"/>
+                    <a:schemeClr val="tx2"/>
                   </a:solidFill>
                   <a:latin typeface="Arial" panose="020B0604020202020204" pitchFamily="34" charset="0"/>
                   <a:cs typeface="Arial" panose="020B0604020202020204" pitchFamily="34" charset="0"/>
@@ -12688,32 +15655,21 @@
               </a:r>
               <a:endParaRPr lang="en-US" altLang="en-US" sz="3200" b="0" dirty="0" smtClean="0">
                 <a:solidFill>
-                  <a:srgbClr val="929292"/>
+                  <a:schemeClr val="tx2"/>
                 </a:solidFill>
                 <a:latin typeface="Arial" panose="020B0604020202020204" pitchFamily="34" charset="0"/>
                 <a:cs typeface="Arial" panose="020B0604020202020204" pitchFamily="34" charset="0"/>
               </a:endParaRPr>
             </a:p>
             <a:p>
-              <a:pPr eaLnBrk="1">
-                <a:buClr>
-                  <a:srgbClr val="1883CB"/>
-                </a:buClr>
+              <a:pPr marL="457200" indent="-457200" eaLnBrk="1">
+                <a:buFont typeface="Arial" panose="020B0604020202020204" pitchFamily="34" charset="0"/>
+                <a:buChar char="•"/>
               </a:pPr>
               <a:r>
-                <a:rPr lang="en-US" altLang="en-US" sz="3200" b="0" dirty="0" smtClean="0">
-                  <a:solidFill>
-                    <a:srgbClr val="929292"/>
-                  </a:solidFill>
-                  <a:latin typeface="Arial" panose="020B0604020202020204" pitchFamily="34" charset="0"/>
-                  <a:cs typeface="Arial" panose="020B0604020202020204" pitchFamily="34" charset="0"/>
-                </a:rPr>
-                <a:t>- </a:t>
-              </a:r>
-              <a:r>
                 <a:rPr lang="en-US" altLang="en-US" sz="3200" b="0" dirty="0" err="1" smtClean="0">
                   <a:solidFill>
-                    <a:srgbClr val="929292"/>
+                    <a:schemeClr val="tx2"/>
                   </a:solidFill>
                   <a:latin typeface="Arial" panose="020B0604020202020204" pitchFamily="34" charset="0"/>
                   <a:cs typeface="Arial" panose="020B0604020202020204" pitchFamily="34" charset="0"/>
@@ -12723,7 +15679,7 @@
               <a:r>
                 <a:rPr lang="en-US" altLang="en-US" sz="3200" b="0" dirty="0" smtClean="0">
                   <a:solidFill>
-                    <a:srgbClr val="929292"/>
+                    <a:schemeClr val="tx2"/>
                   </a:solidFill>
                   <a:latin typeface="Arial" panose="020B0604020202020204" pitchFamily="34" charset="0"/>
                   <a:cs typeface="Arial" panose="020B0604020202020204" pitchFamily="34" charset="0"/>
@@ -12733,7 +15689,7 @@
               <a:r>
                 <a:rPr lang="en-US" altLang="en-US" sz="3200" b="0" dirty="0" err="1" smtClean="0">
                   <a:solidFill>
-                    <a:srgbClr val="929292"/>
+                    <a:schemeClr val="tx2"/>
                   </a:solidFill>
                   <a:latin typeface="Arial" panose="020B0604020202020204" pitchFamily="34" charset="0"/>
                   <a:cs typeface="Arial" panose="020B0604020202020204" pitchFamily="34" charset="0"/>
@@ -12742,17 +15698,19 @@
               </a:r>
               <a:endParaRPr lang="en-US" altLang="en-US" sz="3200" b="0" dirty="0" smtClean="0">
                 <a:solidFill>
-                  <a:srgbClr val="929292"/>
+                  <a:schemeClr val="tx2"/>
                 </a:solidFill>
                 <a:latin typeface="Arial" panose="020B0604020202020204" pitchFamily="34" charset="0"/>
                 <a:cs typeface="Arial" panose="020B0604020202020204" pitchFamily="34" charset="0"/>
               </a:endParaRPr>
             </a:p>
             <a:p>
-              <a:pPr eaLnBrk="1">
+              <a:pPr marL="457200" indent="-457200" eaLnBrk="1">
                 <a:buClr>
                   <a:srgbClr val="1883CB"/>
                 </a:buClr>
+                <a:buFont typeface="Arial" panose="020B0604020202020204" pitchFamily="34" charset="0"/>
+                <a:buChar char="•"/>
               </a:pPr>
               <a:endParaRPr lang="en-US" altLang="en-US" sz="2799" b="0" dirty="0">
                 <a:solidFill>
@@ -12938,7 +15896,7 @@
               <a:r>
                 <a:rPr lang="en-US" altLang="en-US" sz="4000" dirty="0" err="1" smtClean="0">
                   <a:solidFill>
-                    <a:schemeClr val="tx1"/>
+                    <a:schemeClr val="tx2"/>
                   </a:solidFill>
                   <a:latin typeface="Arial" panose="020B0604020202020204" pitchFamily="34" charset="0"/>
                   <a:ea typeface="Impact" panose="020B0806030902050204" pitchFamily="34" charset="0"/>
@@ -12949,7 +15907,7 @@
               <a:r>
                 <a:rPr lang="en-US" altLang="en-US" sz="4000" dirty="0" smtClean="0">
                   <a:solidFill>
-                    <a:schemeClr val="tx1"/>
+                    <a:schemeClr val="tx2"/>
                   </a:solidFill>
                   <a:latin typeface="Arial" panose="020B0604020202020204" pitchFamily="34" charset="0"/>
                   <a:ea typeface="Impact" panose="020B0806030902050204" pitchFamily="34" charset="0"/>
@@ -12960,7 +15918,7 @@
               <a:r>
                 <a:rPr lang="en-US" altLang="en-US" sz="4000" dirty="0" err="1" smtClean="0">
                   <a:solidFill>
-                    <a:schemeClr val="tx1"/>
+                    <a:schemeClr val="tx2"/>
                   </a:solidFill>
                   <a:latin typeface="Arial" panose="020B0604020202020204" pitchFamily="34" charset="0"/>
                   <a:ea typeface="Impact" panose="020B0806030902050204" pitchFamily="34" charset="0"/>
@@ -12970,7 +15928,7 @@
               </a:r>
               <a:endParaRPr lang="en-US" altLang="en-US" sz="4000" dirty="0">
                 <a:solidFill>
-                  <a:schemeClr val="tx1"/>
+                  <a:schemeClr val="tx2"/>
                 </a:solidFill>
                 <a:latin typeface="Arial" panose="020B0604020202020204" pitchFamily="34" charset="0"/>
                 <a:ea typeface="Impact" panose="020B0806030902050204" pitchFamily="34" charset="0"/>
@@ -12989,8 +15947,8 @@
           </p:nvSpPr>
           <p:spPr bwMode="auto">
             <a:xfrm>
-              <a:off x="17117505" y="8796516"/>
-              <a:ext cx="6435725" cy="686353"/>
+              <a:off x="17141621" y="8796516"/>
+              <a:ext cx="5688138" cy="1393682"/>
             </a:xfrm>
             <a:prstGeom prst="rect">
               <a:avLst/>
@@ -13020,7 +15978,7 @@
             </a:extLst>
           </p:spPr>
           <p:txBody>
-            <a:bodyPr>
+            <a:bodyPr wrap="square">
               <a:spAutoFit/>
             </a:bodyPr>
             <a:lstStyle>
@@ -13150,16 +16108,13 @@
             </a:lstStyle>
             <a:p>
               <a:pPr marL="457200" indent="-457200" eaLnBrk="1">
-                <a:buClr>
-                  <a:srgbClr val="1883CB"/>
-                </a:buClr>
-                <a:buFontTx/>
-                <a:buChar char="-"/>
+                <a:buFont typeface="Arial" panose="020B0604020202020204" pitchFamily="34" charset="0"/>
+                <a:buChar char="•"/>
               </a:pPr>
               <a:r>
                 <a:rPr lang="en-US" altLang="en-US" sz="3200" b="0" dirty="0" err="1" smtClean="0">
                   <a:solidFill>
-                    <a:srgbClr val="929292"/>
+                    <a:schemeClr val="tx2"/>
                   </a:solidFill>
                   <a:latin typeface="Arial" panose="020B0604020202020204" pitchFamily="34" charset="0"/>
                   <a:cs typeface="Arial" panose="020B0604020202020204" pitchFamily="34" charset="0"/>
@@ -13169,7 +16124,7 @@
               <a:r>
                 <a:rPr lang="en-US" altLang="en-US" sz="3200" b="0" dirty="0" smtClean="0">
                   <a:solidFill>
-                    <a:srgbClr val="929292"/>
+                    <a:schemeClr val="tx2"/>
                   </a:solidFill>
                   <a:latin typeface="Arial" panose="020B0604020202020204" pitchFamily="34" charset="0"/>
                   <a:cs typeface="Arial" panose="020B0604020202020204" pitchFamily="34" charset="0"/>
@@ -13179,7 +16134,7 @@
               <a:r>
                 <a:rPr lang="en-US" altLang="en-US" sz="3200" b="0" dirty="0" err="1" smtClean="0">
                   <a:solidFill>
-                    <a:srgbClr val="929292"/>
+                    <a:schemeClr val="tx2"/>
                   </a:solidFill>
                   <a:latin typeface="Arial" panose="020B0604020202020204" pitchFamily="34" charset="0"/>
                   <a:cs typeface="Arial" panose="020B0604020202020204" pitchFamily="34" charset="0"/>
@@ -13189,7 +16144,7 @@
               <a:r>
                 <a:rPr lang="en-US" altLang="en-US" sz="3200" b="0" dirty="0" smtClean="0">
                   <a:solidFill>
-                    <a:srgbClr val="929292"/>
+                    <a:schemeClr val="tx2"/>
                   </a:solidFill>
                   <a:latin typeface="Arial" panose="020B0604020202020204" pitchFamily="34" charset="0"/>
                   <a:cs typeface="Arial" panose="020B0604020202020204" pitchFamily="34" charset="0"/>
@@ -13199,7 +16154,7 @@
               <a:r>
                 <a:rPr lang="en-US" altLang="en-US" sz="3200" b="0" dirty="0" err="1" smtClean="0">
                   <a:solidFill>
-                    <a:srgbClr val="929292"/>
+                    <a:schemeClr val="tx2"/>
                   </a:solidFill>
                   <a:latin typeface="Arial" panose="020B0604020202020204" pitchFamily="34" charset="0"/>
                   <a:cs typeface="Arial" panose="020B0604020202020204" pitchFamily="34" charset="0"/>
@@ -13209,7 +16164,7 @@
               <a:r>
                 <a:rPr lang="en-US" altLang="en-US" sz="3200" b="0" dirty="0" smtClean="0">
                   <a:solidFill>
-                    <a:srgbClr val="929292"/>
+                    <a:schemeClr val="tx2"/>
                   </a:solidFill>
                   <a:latin typeface="Arial" panose="020B0604020202020204" pitchFamily="34" charset="0"/>
                   <a:cs typeface="Arial" panose="020B0604020202020204" pitchFamily="34" charset="0"/>
@@ -13219,7 +16174,7 @@
               <a:r>
                 <a:rPr lang="en-US" altLang="en-US" sz="3200" b="0" dirty="0" err="1" smtClean="0">
                   <a:solidFill>
-                    <a:srgbClr val="929292"/>
+                    <a:schemeClr val="tx2"/>
                   </a:solidFill>
                   <a:latin typeface="Arial" panose="020B0604020202020204" pitchFamily="34" charset="0"/>
                   <a:cs typeface="Arial" panose="020B0604020202020204" pitchFamily="34" charset="0"/>
@@ -13228,7 +16183,7 @@
               </a:r>
               <a:endParaRPr lang="en-US" altLang="en-US" sz="3200" b="0" dirty="0" smtClean="0">
                 <a:solidFill>
-                  <a:srgbClr val="929292"/>
+                  <a:schemeClr val="tx2"/>
                 </a:solidFill>
                 <a:latin typeface="Arial" panose="020B0604020202020204" pitchFamily="34" charset="0"/>
                 <a:cs typeface="Arial" panose="020B0604020202020204" pitchFamily="34" charset="0"/>
@@ -13236,16 +16191,13 @@
             </a:p>
             <a:p>
               <a:pPr marL="457200" indent="-457200" eaLnBrk="1">
-                <a:buClr>
-                  <a:srgbClr val="1883CB"/>
-                </a:buClr>
-                <a:buFontTx/>
-                <a:buChar char="-"/>
+                <a:buFont typeface="Arial" panose="020B0604020202020204" pitchFamily="34" charset="0"/>
+                <a:buChar char="•"/>
               </a:pPr>
               <a:r>
-                <a:rPr lang="en-US" altLang="en-US" sz="2799" b="0" dirty="0" err="1" smtClean="0">
-                  <a:solidFill>
-                    <a:srgbClr val="929292"/>
+                <a:rPr lang="en-US" altLang="en-US" sz="3200" b="0" dirty="0" err="1" smtClean="0">
+                  <a:solidFill>
+                    <a:schemeClr val="tx2"/>
                   </a:solidFill>
                   <a:latin typeface="Arial" panose="020B0604020202020204" pitchFamily="34" charset="0"/>
                   <a:cs typeface="Arial" panose="020B0604020202020204" pitchFamily="34" charset="0"/>
@@ -13253,9 +16205,9 @@
                 <a:t>Kỹ</a:t>
               </a:r>
               <a:r>
-                <a:rPr lang="en-US" altLang="en-US" sz="2799" b="0" dirty="0" smtClean="0">
-                  <a:solidFill>
-                    <a:srgbClr val="929292"/>
+                <a:rPr lang="en-US" altLang="en-US" sz="3200" b="0" dirty="0" smtClean="0">
+                  <a:solidFill>
+                    <a:schemeClr val="tx2"/>
                   </a:solidFill>
                   <a:latin typeface="Arial" panose="020B0604020202020204" pitchFamily="34" charset="0"/>
                   <a:cs typeface="Arial" panose="020B0604020202020204" pitchFamily="34" charset="0"/>
@@ -13263,9 +16215,9 @@
                 <a:t> </a:t>
               </a:r>
               <a:r>
-                <a:rPr lang="en-US" altLang="en-US" sz="2799" b="0" dirty="0" err="1" smtClean="0">
-                  <a:solidFill>
-                    <a:srgbClr val="929292"/>
+                <a:rPr lang="en-US" altLang="en-US" sz="3200" b="0" dirty="0" err="1" smtClean="0">
+                  <a:solidFill>
+                    <a:schemeClr val="tx2"/>
                   </a:solidFill>
                   <a:latin typeface="Arial" panose="020B0604020202020204" pitchFamily="34" charset="0"/>
                   <a:cs typeface="Arial" panose="020B0604020202020204" pitchFamily="34" charset="0"/>
@@ -13273,9 +16225,9 @@
                 <a:t>thuật</a:t>
               </a:r>
               <a:r>
-                <a:rPr lang="en-US" altLang="en-US" sz="2799" b="0" dirty="0" smtClean="0">
-                  <a:solidFill>
-                    <a:srgbClr val="929292"/>
+                <a:rPr lang="en-US" altLang="en-US" sz="3200" b="0" dirty="0" smtClean="0">
+                  <a:solidFill>
+                    <a:schemeClr val="tx2"/>
                   </a:solidFill>
                   <a:latin typeface="Arial" panose="020B0604020202020204" pitchFamily="34" charset="0"/>
                   <a:cs typeface="Arial" panose="020B0604020202020204" pitchFamily="34" charset="0"/>
@@ -13283,9 +16235,9 @@
                 <a:t> </a:t>
               </a:r>
               <a:r>
-                <a:rPr lang="en-US" altLang="en-US" sz="2799" b="0" dirty="0" err="1" smtClean="0">
-                  <a:solidFill>
-                    <a:srgbClr val="929292"/>
+                <a:rPr lang="en-US" altLang="en-US" sz="3200" b="0" dirty="0" err="1" smtClean="0">
+                  <a:solidFill>
+                    <a:schemeClr val="tx2"/>
                   </a:solidFill>
                   <a:latin typeface="Arial" panose="020B0604020202020204" pitchFamily="34" charset="0"/>
                   <a:cs typeface="Arial" panose="020B0604020202020204" pitchFamily="34" charset="0"/>
@@ -13293,9 +16245,9 @@
                 <a:t>liên</a:t>
               </a:r>
               <a:r>
-                <a:rPr lang="en-US" altLang="en-US" sz="2799" b="0" dirty="0" smtClean="0">
-                  <a:solidFill>
-                    <a:srgbClr val="929292"/>
+                <a:rPr lang="en-US" altLang="en-US" sz="3200" b="0" dirty="0" smtClean="0">
+                  <a:solidFill>
+                    <a:schemeClr val="tx2"/>
                   </a:solidFill>
                   <a:latin typeface="Arial" panose="020B0604020202020204" pitchFamily="34" charset="0"/>
                   <a:cs typeface="Arial" panose="020B0604020202020204" pitchFamily="34" charset="0"/>
@@ -13303,9 +16255,9 @@
                 <a:t> </a:t>
               </a:r>
               <a:r>
-                <a:rPr lang="en-US" altLang="en-US" sz="2799" b="0" dirty="0" err="1" smtClean="0">
-                  <a:solidFill>
-                    <a:srgbClr val="929292"/>
+                <a:rPr lang="en-US" altLang="en-US" sz="3200" b="0" dirty="0" err="1" smtClean="0">
+                  <a:solidFill>
+                    <a:schemeClr val="tx2"/>
                   </a:solidFill>
                   <a:latin typeface="Arial" panose="020B0604020202020204" pitchFamily="34" charset="0"/>
                   <a:cs typeface="Arial" panose="020B0604020202020204" pitchFamily="34" charset="0"/>
@@ -13313,9 +16265,9 @@
                 <a:t>tục</a:t>
               </a:r>
               <a:r>
-                <a:rPr lang="en-US" altLang="en-US" sz="2799" b="0" dirty="0" smtClean="0">
-                  <a:solidFill>
-                    <a:srgbClr val="929292"/>
+                <a:rPr lang="en-US" altLang="en-US" sz="3200" b="0" dirty="0" smtClean="0">
+                  <a:solidFill>
+                    <a:schemeClr val="tx2"/>
                   </a:solidFill>
                   <a:latin typeface="Arial" panose="020B0604020202020204" pitchFamily="34" charset="0"/>
                   <a:cs typeface="Arial" panose="020B0604020202020204" pitchFamily="34" charset="0"/>
@@ -13323,9 +16275,49 @@
                 <a:t> </a:t>
               </a:r>
               <a:r>
-                <a:rPr lang="en-US" altLang="en-US" sz="2799" b="0" dirty="0" err="1" smtClean="0">
-                  <a:solidFill>
-                    <a:srgbClr val="929292"/>
+                <a:rPr lang="en-US" altLang="en-US" sz="3200" b="0" dirty="0" err="1" smtClean="0">
+                  <a:solidFill>
+                    <a:schemeClr val="tx2"/>
+                  </a:solidFill>
+                  <a:latin typeface="Arial" panose="020B0604020202020204" pitchFamily="34" charset="0"/>
+                  <a:cs typeface="Arial" panose="020B0604020202020204" pitchFamily="34" charset="0"/>
+                </a:rPr>
+                <a:t>cập</a:t>
+              </a:r>
+              <a:r>
+                <a:rPr lang="en-US" altLang="en-US" sz="3200" b="0" dirty="0" smtClean="0">
+                  <a:solidFill>
+                    <a:schemeClr val="tx2"/>
+                  </a:solidFill>
+                  <a:latin typeface="Arial" panose="020B0604020202020204" pitchFamily="34" charset="0"/>
+                  <a:cs typeface="Arial" panose="020B0604020202020204" pitchFamily="34" charset="0"/>
+                </a:rPr>
+                <a:t> </a:t>
+              </a:r>
+              <a:r>
+                <a:rPr lang="en-US" altLang="en-US" sz="3200" b="0" dirty="0" err="1" smtClean="0">
+                  <a:solidFill>
+                    <a:schemeClr val="tx2"/>
+                  </a:solidFill>
+                  <a:latin typeface="Arial" panose="020B0604020202020204" pitchFamily="34" charset="0"/>
+                  <a:cs typeface="Arial" panose="020B0604020202020204" pitchFamily="34" charset="0"/>
+                </a:rPr>
+                <a:t>nhật</a:t>
+              </a:r>
+              <a:r>
+                <a:rPr lang="en-US" altLang="en-US" sz="3200" b="0" dirty="0" smtClean="0">
+                  <a:solidFill>
+                    <a:schemeClr val="tx2"/>
+                  </a:solidFill>
+                  <a:latin typeface="Arial" panose="020B0604020202020204" pitchFamily="34" charset="0"/>
+                  <a:cs typeface="Arial" panose="020B0604020202020204" pitchFamily="34" charset="0"/>
+                </a:rPr>
+                <a:t>, </a:t>
+              </a:r>
+              <a:r>
+                <a:rPr lang="en-US" altLang="en-US" sz="3200" b="0" dirty="0" err="1" smtClean="0">
+                  <a:solidFill>
+                    <a:schemeClr val="tx2"/>
                   </a:solidFill>
                   <a:latin typeface="Arial" panose="020B0604020202020204" pitchFamily="34" charset="0"/>
                   <a:cs typeface="Arial" panose="020B0604020202020204" pitchFamily="34" charset="0"/>
@@ -13333,9 +16325,9 @@
                 <a:t>thay</a:t>
               </a:r>
               <a:r>
-                <a:rPr lang="en-US" altLang="en-US" sz="2799" b="0" dirty="0" smtClean="0">
-                  <a:solidFill>
-                    <a:srgbClr val="929292"/>
+                <a:rPr lang="en-US" altLang="en-US" sz="3200" b="0" dirty="0" smtClean="0">
+                  <a:solidFill>
+                    <a:schemeClr val="tx2"/>
                   </a:solidFill>
                   <a:latin typeface="Arial" panose="020B0604020202020204" pitchFamily="34" charset="0"/>
                   <a:cs typeface="Arial" panose="020B0604020202020204" pitchFamily="34" charset="0"/>
@@ -13343,39 +16335,42 @@
                 <a:t> </a:t>
               </a:r>
               <a:r>
-                <a:rPr lang="en-US" altLang="en-US" sz="2799" b="0" dirty="0" err="1" smtClean="0">
-                  <a:solidFill>
-                    <a:srgbClr val="929292"/>
+                <a:rPr lang="en-US" altLang="en-US" sz="3200" b="0" dirty="0" err="1" smtClean="0">
+                  <a:solidFill>
+                    <a:schemeClr val="tx2"/>
                   </a:solidFill>
                   <a:latin typeface="Arial" panose="020B0604020202020204" pitchFamily="34" charset="0"/>
                   <a:cs typeface="Arial" panose="020B0604020202020204" pitchFamily="34" charset="0"/>
                 </a:rPr>
                 <a:t>đổi</a:t>
               </a:r>
+              <a:endParaRPr lang="en-US" altLang="en-US" sz="3200" b="0" dirty="0" smtClean="0">
+                <a:solidFill>
+                  <a:schemeClr val="tx2"/>
+                </a:solidFill>
+                <a:latin typeface="Arial" panose="020B0604020202020204" pitchFamily="34" charset="0"/>
+                <a:cs typeface="Arial" panose="020B0604020202020204" pitchFamily="34" charset="0"/>
+              </a:endParaRPr>
+            </a:p>
+            <a:p>
+              <a:pPr marL="457200" indent="-457200" eaLnBrk="1">
+                <a:buFont typeface="Arial" panose="020B0604020202020204" pitchFamily="34" charset="0"/>
+                <a:buChar char="•"/>
+              </a:pPr>
               <a:r>
-                <a:rPr lang="en-US" altLang="en-US" sz="2799" b="0" dirty="0" smtClean="0">
-                  <a:solidFill>
-                    <a:srgbClr val="929292"/>
+                <a:rPr lang="en-US" altLang="en-US" sz="3200" b="0" dirty="0" err="1" smtClean="0">
+                  <a:solidFill>
+                    <a:schemeClr val="tx2"/>
                   </a:solidFill>
                   <a:latin typeface="Arial" panose="020B0604020202020204" pitchFamily="34" charset="0"/>
                   <a:cs typeface="Arial" panose="020B0604020202020204" pitchFamily="34" charset="0"/>
                 </a:rPr>
-                <a:t>, </a:t>
+                <a:t>Tiếng</a:t>
               </a:r>
               <a:r>
-                <a:rPr lang="en-US" altLang="en-US" sz="2799" b="0" dirty="0" err="1" smtClean="0">
-                  <a:solidFill>
-                    <a:srgbClr val="929292"/>
-                  </a:solidFill>
-                  <a:latin typeface="Arial" panose="020B0604020202020204" pitchFamily="34" charset="0"/>
-                  <a:cs typeface="Arial" panose="020B0604020202020204" pitchFamily="34" charset="0"/>
-                </a:rPr>
-                <a:t>phát</a:t>
-              </a:r>
-              <a:r>
-                <a:rPr lang="en-US" altLang="en-US" sz="2799" b="0" dirty="0" smtClean="0">
-                  <a:solidFill>
-                    <a:srgbClr val="929292"/>
+                <a:rPr lang="en-US" altLang="en-US" sz="3200" b="0" dirty="0" smtClean="0">
+                  <a:solidFill>
+                    <a:schemeClr val="tx2"/>
                   </a:solidFill>
                   <a:latin typeface="Arial" panose="020B0604020202020204" pitchFamily="34" charset="0"/>
                   <a:cs typeface="Arial" panose="020B0604020202020204" pitchFamily="34" charset="0"/>
@@ -13383,18 +16378,18 @@
                 <a:t> </a:t>
               </a:r>
               <a:r>
-                <a:rPr lang="en-US" altLang="en-US" sz="2799" b="0" dirty="0" err="1" smtClean="0">
-                  <a:solidFill>
-                    <a:srgbClr val="929292"/>
+                <a:rPr lang="en-US" altLang="en-US" sz="3200" b="0" dirty="0" err="1" smtClean="0">
+                  <a:solidFill>
+                    <a:schemeClr val="tx2"/>
                   </a:solidFill>
                   <a:latin typeface="Arial" panose="020B0604020202020204" pitchFamily="34" charset="0"/>
                   <a:cs typeface="Arial" panose="020B0604020202020204" pitchFamily="34" charset="0"/>
                 </a:rPr>
-                <a:t>triển</a:t>
+                <a:t>Nhật</a:t>
               </a:r>
-              <a:endParaRPr lang="en-US" altLang="en-US" sz="2799" b="0" dirty="0">
+              <a:endParaRPr lang="en-US" altLang="en-US" sz="3200" b="0" dirty="0">
                 <a:solidFill>
-                  <a:srgbClr val="929292"/>
+                  <a:schemeClr val="tx2"/>
                 </a:solidFill>
                 <a:latin typeface="Arial" panose="020B0604020202020204" pitchFamily="34" charset="0"/>
                 <a:cs typeface="Arial" panose="020B0604020202020204" pitchFamily="34" charset="0"/>
@@ -15482,519 +18477,6 @@
   <p:timing>
     <p:tnLst>
       <p:par>
-        <p:cTn id="1" dur="indefinite" restart="never" nodeType="tmRoot"/>
-      </p:par>
-    </p:tnLst>
-  </p:timing>
-</p:sld>
-</file>
-
-<file path=ppt/slides/slide5.xml><?xml version="1.0" encoding="utf-8"?>
-<p:sld xmlns:a="http://schemas.openxmlformats.org/drawingml/2006/main" xmlns:r="http://schemas.openxmlformats.org/officeDocument/2006/relationships" xmlns:p="http://schemas.openxmlformats.org/presentationml/2006/main">
-  <p:cSld>
-    <p:spTree>
-      <p:nvGrpSpPr>
-        <p:cNvPr id="1" name=""/>
-        <p:cNvGrpSpPr/>
-        <p:nvPr/>
-      </p:nvGrpSpPr>
-      <p:grpSpPr>
-        <a:xfrm>
-          <a:off x="0" y="0"/>
-          <a:ext cx="0" cy="0"/>
-          <a:chOff x="0" y="0"/>
-          <a:chExt cx="0" cy="0"/>
-        </a:xfrm>
-      </p:grpSpPr>
-      <p:sp>
-        <p:nvSpPr>
-          <p:cNvPr id="5" name="Content Placeholder 4"/>
-          <p:cNvSpPr>
-            <a:spLocks noGrp="1"/>
-          </p:cNvSpPr>
-          <p:nvPr>
-            <p:ph idx="1"/>
-          </p:nvPr>
-        </p:nvSpPr>
-        <p:spPr/>
-        <p:txBody>
-          <a:bodyPr>
-            <a:normAutofit lnSpcReduction="10000"/>
-          </a:bodyPr>
-          <a:lstStyle/>
-          <a:p>
-            <a:pPr>
-              <a:buFont typeface="Wingdings" panose="05000000000000000000" pitchFamily="2" charset="2"/>
-              <a:buChar char="v"/>
-            </a:pPr>
-            <a:r>
-              <a:rPr lang="en-US" dirty="0" smtClean="0">
-                <a:latin typeface="Arial" panose="020B0604020202020204" pitchFamily="34" charset="0"/>
-                <a:cs typeface="Arial" panose="020B0604020202020204" pitchFamily="34" charset="0"/>
-              </a:rPr>
-              <a:t>Mini Project : </a:t>
-            </a:r>
-            <a:r>
-              <a:rPr lang="en-US" dirty="0" err="1" smtClean="0">
-                <a:latin typeface="Arial" panose="020B0604020202020204" pitchFamily="34" charset="0"/>
-                <a:cs typeface="Arial" panose="020B0604020202020204" pitchFamily="34" charset="0"/>
-              </a:rPr>
-              <a:t>Quản</a:t>
-            </a:r>
-            <a:r>
-              <a:rPr lang="en-US" dirty="0" smtClean="0">
-                <a:latin typeface="Arial" panose="020B0604020202020204" pitchFamily="34" charset="0"/>
-                <a:cs typeface="Arial" panose="020B0604020202020204" pitchFamily="34" charset="0"/>
-              </a:rPr>
-              <a:t> </a:t>
-            </a:r>
-            <a:r>
-              <a:rPr lang="en-US" dirty="0" err="1" smtClean="0">
-                <a:latin typeface="Arial" panose="020B0604020202020204" pitchFamily="34" charset="0"/>
-                <a:cs typeface="Arial" panose="020B0604020202020204" pitchFamily="34" charset="0"/>
-              </a:rPr>
-              <a:t>Lý</a:t>
-            </a:r>
-            <a:r>
-              <a:rPr lang="en-US" dirty="0" smtClean="0">
-                <a:latin typeface="Arial" panose="020B0604020202020204" pitchFamily="34" charset="0"/>
-                <a:cs typeface="Arial" panose="020B0604020202020204" pitchFamily="34" charset="0"/>
-              </a:rPr>
-              <a:t> Kho </a:t>
-            </a:r>
-            <a:r>
-              <a:rPr lang="en-US" dirty="0" err="1" smtClean="0">
-                <a:latin typeface="Arial" panose="020B0604020202020204" pitchFamily="34" charset="0"/>
-                <a:cs typeface="Arial" panose="020B0604020202020204" pitchFamily="34" charset="0"/>
-              </a:rPr>
-              <a:t>Hàng</a:t>
-            </a:r>
-            <a:endParaRPr lang="en-US" dirty="0">
-              <a:latin typeface="Arial" panose="020B0604020202020204" pitchFamily="34" charset="0"/>
-              <a:cs typeface="Arial" panose="020B0604020202020204" pitchFamily="34" charset="0"/>
-            </a:endParaRPr>
-          </a:p>
-          <a:p>
-            <a:pPr lvl="1">
-              <a:buFont typeface="Arial" panose="020B0604020202020204" pitchFamily="34" charset="0"/>
-              <a:buChar char="•"/>
-            </a:pPr>
-            <a:r>
-              <a:rPr lang="en-US" dirty="0" err="1" smtClean="0">
-                <a:latin typeface="Arial" panose="020B0604020202020204" pitchFamily="34" charset="0"/>
-                <a:cs typeface="Arial" panose="020B0604020202020204" pitchFamily="34" charset="0"/>
-              </a:rPr>
-              <a:t>Mô</a:t>
-            </a:r>
-            <a:r>
-              <a:rPr lang="en-US" dirty="0" smtClean="0">
-                <a:latin typeface="Arial" panose="020B0604020202020204" pitchFamily="34" charset="0"/>
-                <a:cs typeface="Arial" panose="020B0604020202020204" pitchFamily="34" charset="0"/>
-              </a:rPr>
-              <a:t> </a:t>
-            </a:r>
-            <a:r>
-              <a:rPr lang="en-US" dirty="0" err="1" smtClean="0">
-                <a:latin typeface="Arial" panose="020B0604020202020204" pitchFamily="34" charset="0"/>
-                <a:cs typeface="Arial" panose="020B0604020202020204" pitchFamily="34" charset="0"/>
-              </a:rPr>
-              <a:t>hình</a:t>
-            </a:r>
-            <a:r>
-              <a:rPr lang="en-US" dirty="0" smtClean="0">
-                <a:latin typeface="Arial" panose="020B0604020202020204" pitchFamily="34" charset="0"/>
-                <a:cs typeface="Arial" panose="020B0604020202020204" pitchFamily="34" charset="0"/>
-              </a:rPr>
-              <a:t> Web API</a:t>
-            </a:r>
-          </a:p>
-          <a:p>
-            <a:pPr lvl="1">
-              <a:buFont typeface="Arial" panose="020B0604020202020204" pitchFamily="34" charset="0"/>
-              <a:buChar char="•"/>
-            </a:pPr>
-            <a:r>
-              <a:rPr lang="en-US" dirty="0" smtClean="0">
-                <a:latin typeface="Arial" panose="020B0604020202020204" pitchFamily="34" charset="0"/>
-                <a:cs typeface="Arial" panose="020B0604020202020204" pitchFamily="34" charset="0"/>
-              </a:rPr>
-              <a:t>Java </a:t>
-            </a:r>
-            <a:r>
-              <a:rPr lang="en-US" dirty="0">
-                <a:latin typeface="Arial" panose="020B0604020202020204" pitchFamily="34" charset="0"/>
-                <a:cs typeface="Arial" panose="020B0604020202020204" pitchFamily="34" charset="0"/>
-              </a:rPr>
-              <a:t>Spring Boot + Angular 8 + SQL </a:t>
-            </a:r>
-            <a:r>
-              <a:rPr lang="en-US" dirty="0" smtClean="0">
-                <a:latin typeface="Arial" panose="020B0604020202020204" pitchFamily="34" charset="0"/>
-                <a:cs typeface="Arial" panose="020B0604020202020204" pitchFamily="34" charset="0"/>
-              </a:rPr>
-              <a:t>Server</a:t>
-            </a:r>
-          </a:p>
-          <a:p>
-            <a:pPr>
-              <a:buFont typeface="Wingdings" panose="05000000000000000000" pitchFamily="2" charset="2"/>
-              <a:buChar char="v"/>
-            </a:pPr>
-            <a:r>
-              <a:rPr lang="en-US" dirty="0" smtClean="0">
-                <a:latin typeface="Arial" panose="020B0604020202020204" pitchFamily="34" charset="0"/>
-                <a:cs typeface="Arial" panose="020B0604020202020204" pitchFamily="34" charset="0"/>
-              </a:rPr>
-              <a:t>Research </a:t>
-            </a:r>
-            <a:r>
-              <a:rPr lang="en-US" dirty="0" err="1" smtClean="0">
-                <a:latin typeface="Arial" panose="020B0604020202020204" pitchFamily="34" charset="0"/>
-                <a:cs typeface="Arial" panose="020B0604020202020204" pitchFamily="34" charset="0"/>
-              </a:rPr>
-              <a:t>Công</a:t>
-            </a:r>
-            <a:r>
-              <a:rPr lang="en-US" dirty="0" smtClean="0">
-                <a:latin typeface="Arial" panose="020B0604020202020204" pitchFamily="34" charset="0"/>
-                <a:cs typeface="Arial" panose="020B0604020202020204" pitchFamily="34" charset="0"/>
-              </a:rPr>
-              <a:t> </a:t>
-            </a:r>
-            <a:r>
-              <a:rPr lang="en-US" dirty="0" err="1" smtClean="0">
-                <a:latin typeface="Arial" panose="020B0604020202020204" pitchFamily="34" charset="0"/>
-                <a:cs typeface="Arial" panose="020B0604020202020204" pitchFamily="34" charset="0"/>
-              </a:rPr>
-              <a:t>nghệ</a:t>
-            </a:r>
-            <a:r>
-              <a:rPr lang="en-US" dirty="0" smtClean="0">
-                <a:latin typeface="Arial" panose="020B0604020202020204" pitchFamily="34" charset="0"/>
-                <a:cs typeface="Arial" panose="020B0604020202020204" pitchFamily="34" charset="0"/>
-              </a:rPr>
-              <a:t> </a:t>
-            </a:r>
-            <a:r>
-              <a:rPr lang="en-US" dirty="0" err="1" smtClean="0">
-                <a:latin typeface="Arial" panose="020B0604020202020204" pitchFamily="34" charset="0"/>
-                <a:cs typeface="Arial" panose="020B0604020202020204" pitchFamily="34" charset="0"/>
-              </a:rPr>
-              <a:t>mới</a:t>
-            </a:r>
-            <a:r>
-              <a:rPr lang="en-US" dirty="0" smtClean="0">
-                <a:latin typeface="Arial" panose="020B0604020202020204" pitchFamily="34" charset="0"/>
-                <a:cs typeface="Arial" panose="020B0604020202020204" pitchFamily="34" charset="0"/>
-              </a:rPr>
-              <a:t> </a:t>
-            </a:r>
-          </a:p>
-          <a:p>
-            <a:pPr lvl="1">
-              <a:buFont typeface="Wingdings" panose="05000000000000000000" pitchFamily="2" charset="2"/>
-              <a:buChar char="v"/>
-            </a:pPr>
-            <a:r>
-              <a:rPr lang="en-US" dirty="0">
-                <a:latin typeface="Arial" panose="020B0604020202020204" pitchFamily="34" charset="0"/>
-                <a:cs typeface="Arial" panose="020B0604020202020204" pitchFamily="34" charset="0"/>
-              </a:rPr>
-              <a:t>Python - Django</a:t>
-            </a:r>
-          </a:p>
-          <a:p>
-            <a:pPr lvl="1">
-              <a:buFont typeface="Wingdings" panose="05000000000000000000" pitchFamily="2" charset="2"/>
-              <a:buChar char="v"/>
-            </a:pPr>
-            <a:r>
-              <a:rPr lang="en-US" dirty="0">
-                <a:latin typeface="Arial" panose="020B0604020202020204" pitchFamily="34" charset="0"/>
-                <a:cs typeface="Arial" panose="020B0604020202020204" pitchFamily="34" charset="0"/>
-              </a:rPr>
-              <a:t>App </a:t>
-            </a:r>
-            <a:r>
-              <a:rPr lang="en-US" dirty="0" err="1" smtClean="0">
-                <a:latin typeface="Arial" panose="020B0604020202020204" pitchFamily="34" charset="0"/>
-                <a:cs typeface="Arial" panose="020B0604020202020204" pitchFamily="34" charset="0"/>
-              </a:rPr>
-              <a:t>todo</a:t>
-            </a:r>
-            <a:r>
-              <a:rPr lang="en-US" dirty="0" smtClean="0">
-                <a:latin typeface="Arial" panose="020B0604020202020204" pitchFamily="34" charset="0"/>
-                <a:cs typeface="Arial" panose="020B0604020202020204" pitchFamily="34" charset="0"/>
-              </a:rPr>
-              <a:t> </a:t>
-            </a:r>
-          </a:p>
-          <a:p>
-            <a:pPr>
-              <a:buFont typeface="Wingdings" panose="05000000000000000000" pitchFamily="2" charset="2"/>
-              <a:buChar char="v"/>
-            </a:pPr>
-            <a:r>
-              <a:rPr lang="en-US" dirty="0" smtClean="0">
-                <a:latin typeface="Arial" panose="020B0604020202020204" pitchFamily="34" charset="0"/>
-                <a:cs typeface="Arial" panose="020B0604020202020204" pitchFamily="34" charset="0"/>
-              </a:rPr>
-              <a:t>Power Egg</a:t>
-            </a:r>
-          </a:p>
-          <a:p>
-            <a:pPr lvl="1">
-              <a:buFont typeface="Wingdings" panose="05000000000000000000" pitchFamily="2" charset="2"/>
-              <a:buChar char="v"/>
-            </a:pPr>
-            <a:r>
-              <a:rPr lang="en-US" dirty="0" smtClean="0">
-                <a:latin typeface="Arial" panose="020B0604020202020204" pitchFamily="34" charset="0"/>
-                <a:cs typeface="Arial" panose="020B0604020202020204" pitchFamily="34" charset="0"/>
-              </a:rPr>
-              <a:t>J2EE</a:t>
-            </a:r>
-          </a:p>
-          <a:p>
-            <a:pPr lvl="1">
-              <a:buFont typeface="Wingdings" panose="05000000000000000000" pitchFamily="2" charset="2"/>
-              <a:buChar char="v"/>
-            </a:pPr>
-            <a:r>
-              <a:rPr lang="en-US" dirty="0" err="1" smtClean="0">
-                <a:latin typeface="Arial" panose="020B0604020202020204" pitchFamily="34" charset="0"/>
-                <a:cs typeface="Arial" panose="020B0604020202020204" pitchFamily="34" charset="0"/>
-              </a:rPr>
-              <a:t>Addon</a:t>
-            </a:r>
-            <a:r>
-              <a:rPr lang="en-US" dirty="0" smtClean="0">
-                <a:latin typeface="Arial" panose="020B0604020202020204" pitchFamily="34" charset="0"/>
-                <a:cs typeface="Arial" panose="020B0604020202020204" pitchFamily="34" charset="0"/>
-              </a:rPr>
-              <a:t> PE </a:t>
-            </a:r>
-          </a:p>
-          <a:p>
-            <a:pPr marL="914171" lvl="1" indent="0">
-              <a:buNone/>
-            </a:pPr>
-            <a:endParaRPr lang="en-US" dirty="0" smtClean="0">
-              <a:latin typeface="Arial" panose="020B0604020202020204" pitchFamily="34" charset="0"/>
-              <a:cs typeface="Arial" panose="020B0604020202020204" pitchFamily="34" charset="0"/>
-            </a:endParaRPr>
-          </a:p>
-        </p:txBody>
-      </p:sp>
-      <p:sp>
-        <p:nvSpPr>
-          <p:cNvPr id="4" name="Title 3"/>
-          <p:cNvSpPr>
-            <a:spLocks noGrp="1"/>
-          </p:cNvSpPr>
-          <p:nvPr>
-            <p:ph type="title"/>
-          </p:nvPr>
-        </p:nvSpPr>
-        <p:spPr/>
-        <p:txBody>
-          <a:bodyPr/>
-          <a:lstStyle/>
-          <a:p>
-            <a:r>
-              <a:rPr lang="en-US" dirty="0" smtClean="0">
-                <a:latin typeface="Arial" panose="020B0604020202020204" pitchFamily="34" charset="0"/>
-                <a:cs typeface="Arial" panose="020B0604020202020204" pitchFamily="34" charset="0"/>
-              </a:rPr>
-              <a:t>KHÓA FRESHER K03</a:t>
-            </a:r>
-            <a:endParaRPr lang="en-US" dirty="0">
-              <a:latin typeface="Arial" panose="020B0604020202020204" pitchFamily="34" charset="0"/>
-              <a:cs typeface="Arial" panose="020B0604020202020204" pitchFamily="34" charset="0"/>
-            </a:endParaRPr>
-          </a:p>
-        </p:txBody>
-      </p:sp>
-      <p:pic>
-        <p:nvPicPr>
-          <p:cNvPr id="6" name="Picture 5"/>
-          <p:cNvPicPr>
-            <a:picLocks noChangeAspect="1"/>
-          </p:cNvPicPr>
-          <p:nvPr/>
-        </p:nvPicPr>
-        <p:blipFill>
-          <a:blip r:embed="rId2"/>
-          <a:stretch>
-            <a:fillRect/>
-          </a:stretch>
-        </p:blipFill>
-        <p:spPr>
-          <a:xfrm>
-            <a:off x="14687920" y="2694301"/>
-            <a:ext cx="2667812" cy="2440652"/>
-          </a:xfrm>
-          <a:prstGeom prst="rect">
-            <a:avLst/>
-          </a:prstGeom>
-        </p:spPr>
-      </p:pic>
-      <p:pic>
-        <p:nvPicPr>
-          <p:cNvPr id="2054" name="Picture 6" descr="https://ih1.redbubble.net/image.453958487.1770/pp,840x830-pad,1000x1000,f8f8f8.u3.jpg"/>
-          <p:cNvPicPr>
-            <a:picLocks noChangeAspect="1" noChangeArrowheads="1"/>
-          </p:cNvPicPr>
-          <p:nvPr/>
-        </p:nvPicPr>
-        <p:blipFill>
-          <a:blip r:embed="rId3" cstate="email">
-            <a:extLst>
-              <a:ext uri="{28A0092B-C50C-407E-A947-70E740481C1C}">
-                <a14:useLocalDpi xmlns:a14="http://schemas.microsoft.com/office/drawing/2010/main" val="0"/>
-              </a:ext>
-            </a:extLst>
-          </a:blip>
-          <a:srcRect/>
-          <a:stretch>
-            <a:fillRect/>
-          </a:stretch>
-        </p:blipFill>
-        <p:spPr bwMode="auto">
-          <a:xfrm>
-            <a:off x="17820382" y="2694301"/>
-            <a:ext cx="2440652" cy="2440652"/>
-          </a:xfrm>
-          <a:prstGeom prst="rect">
-            <a:avLst/>
-          </a:prstGeom>
-          <a:noFill/>
-          <a:extLst>
-            <a:ext uri="{909E8E84-426E-40DD-AFC4-6F175D3DCCD1}">
-              <a14:hiddenFill xmlns:a14="http://schemas.microsoft.com/office/drawing/2010/main">
-                <a:solidFill>
-                  <a:srgbClr val="FFFFFF"/>
-                </a:solidFill>
-              </a14:hiddenFill>
-            </a:ext>
-          </a:extLst>
-        </p:spPr>
-      </p:pic>
-      <p:pic>
-        <p:nvPicPr>
-          <p:cNvPr id="9" name="Picture 8"/>
-          <p:cNvPicPr>
-            <a:picLocks noChangeAspect="1"/>
-          </p:cNvPicPr>
-          <p:nvPr/>
-        </p:nvPicPr>
-        <p:blipFill>
-          <a:blip r:embed="rId4" cstate="email">
-            <a:extLst>
-              <a:ext uri="{28A0092B-C50C-407E-A947-70E740481C1C}">
-                <a14:useLocalDpi xmlns:a14="http://schemas.microsoft.com/office/drawing/2010/main" val="0"/>
-              </a:ext>
-            </a:extLst>
-          </a:blip>
-          <a:stretch>
-            <a:fillRect/>
-          </a:stretch>
-        </p:blipFill>
-        <p:spPr>
-          <a:xfrm>
-            <a:off x="20577557" y="2694301"/>
-            <a:ext cx="2983682" cy="2440652"/>
-          </a:xfrm>
-          <a:prstGeom prst="rect">
-            <a:avLst/>
-          </a:prstGeom>
-        </p:spPr>
-      </p:pic>
-      <p:pic>
-        <p:nvPicPr>
-          <p:cNvPr id="10" name="Picture 9"/>
-          <p:cNvPicPr>
-            <a:picLocks noChangeAspect="1"/>
-          </p:cNvPicPr>
-          <p:nvPr/>
-        </p:nvPicPr>
-        <p:blipFill>
-          <a:blip r:embed="rId5" cstate="email">
-            <a:extLst>
-              <a:ext uri="{28A0092B-C50C-407E-A947-70E740481C1C}">
-                <a14:useLocalDpi xmlns:a14="http://schemas.microsoft.com/office/drawing/2010/main" val="0"/>
-              </a:ext>
-            </a:extLst>
-          </a:blip>
-          <a:stretch>
-            <a:fillRect/>
-          </a:stretch>
-        </p:blipFill>
-        <p:spPr>
-          <a:xfrm>
-            <a:off x="11032113" y="6570116"/>
-            <a:ext cx="2629947" cy="1972460"/>
-          </a:xfrm>
-          <a:prstGeom prst="rect">
-            <a:avLst/>
-          </a:prstGeom>
-        </p:spPr>
-      </p:pic>
-      <p:pic>
-        <p:nvPicPr>
-          <p:cNvPr id="2058" name="Picture 10" descr="https://static.djangoproject.com/img/logos/django-logo-negative.png"/>
-          <p:cNvPicPr>
-            <a:picLocks noChangeAspect="1" noChangeArrowheads="1"/>
-          </p:cNvPicPr>
-          <p:nvPr/>
-        </p:nvPicPr>
-        <p:blipFill>
-          <a:blip r:embed="rId6" cstate="email">
-            <a:extLst>
-              <a:ext uri="{28A0092B-C50C-407E-A947-70E740481C1C}">
-                <a14:useLocalDpi xmlns:a14="http://schemas.microsoft.com/office/drawing/2010/main" val="0"/>
-              </a:ext>
-            </a:extLst>
-          </a:blip>
-          <a:srcRect/>
-          <a:stretch>
-            <a:fillRect/>
-          </a:stretch>
-        </p:blipFill>
-        <p:spPr bwMode="auto">
-          <a:xfrm>
-            <a:off x="15670049" y="6805735"/>
-            <a:ext cx="4358298" cy="1983026"/>
-          </a:xfrm>
-          <a:prstGeom prst="rect">
-            <a:avLst/>
-          </a:prstGeom>
-          <a:noFill/>
-          <a:extLst>
-            <a:ext uri="{909E8E84-426E-40DD-AFC4-6F175D3DCCD1}">
-              <a14:hiddenFill xmlns:a14="http://schemas.microsoft.com/office/drawing/2010/main">
-                <a:solidFill>
-                  <a:srgbClr val="FFFFFF"/>
-                </a:solidFill>
-              </a14:hiddenFill>
-            </a:ext>
-          </a:extLst>
-        </p:spPr>
-      </p:pic>
-    </p:spTree>
-    <p:extLst>
-      <p:ext uri="{BB962C8B-B14F-4D97-AF65-F5344CB8AC3E}">
-        <p14:creationId xmlns:p14="http://schemas.microsoft.com/office/powerpoint/2010/main" val="3520600863"/>
-      </p:ext>
-    </p:extLst>
-  </p:cSld>
-  <p:clrMapOvr>
-    <a:masterClrMapping/>
-  </p:clrMapOvr>
-  <p:timing>
-    <p:tnLst>
-      <p:par>
         <p:cTn id="1" dur="indefinite" restart="never" nodeType="tmRoot">
           <p:childTnLst>
             <p:seq concurrent="1" nextAc="seek">
@@ -16026,11 +18508,7 @@
                                           </p:stCondLst>
                                         </p:cTn>
                                         <p:tgtEl>
-                                          <p:spTgt spid="5">
-                                            <p:txEl>
-                                              <p:pRg st="0" end="0"/>
-                                            </p:txEl>
-                                          </p:spTgt>
+                                          <p:spTgt spid="15361"/>
                                         </p:tgtEl>
                                         <p:attrNameLst>
                                           <p:attrName>style.visibility</p:attrName>
@@ -16044,3014 +18522,7 @@
                                       <p:cBhvr>
                                         <p:cTn id="7" dur="500"/>
                                         <p:tgtEl>
-                                          <p:spTgt spid="5">
-                                            <p:txEl>
-                                              <p:pRg st="0" end="0"/>
-                                            </p:txEl>
-                                          </p:spTgt>
-                                        </p:tgtEl>
-                                      </p:cBhvr>
-                                    </p:animEffect>
-                                  </p:childTnLst>
-                                </p:cTn>
-                              </p:par>
-                            </p:childTnLst>
-                          </p:cTn>
-                        </p:par>
-                      </p:childTnLst>
-                    </p:cTn>
-                  </p:par>
-                  <p:par>
-                    <p:cTn id="8" fill="hold">
-                      <p:stCondLst>
-                        <p:cond delay="indefinite"/>
-                      </p:stCondLst>
-                      <p:childTnLst>
-                        <p:par>
-                          <p:cTn id="9" fill="hold">
-                            <p:stCondLst>
-                              <p:cond delay="0"/>
-                            </p:stCondLst>
-                            <p:childTnLst>
-                              <p:par>
-                                <p:cTn id="10" presetID="10" presetClass="entr" presetSubtype="0" fill="hold" nodeType="clickEffect">
-                                  <p:stCondLst>
-                                    <p:cond delay="0"/>
-                                  </p:stCondLst>
-                                  <p:childTnLst>
-                                    <p:set>
-                                      <p:cBhvr>
-                                        <p:cTn id="11" dur="1" fill="hold">
-                                          <p:stCondLst>
-                                            <p:cond delay="0"/>
-                                          </p:stCondLst>
-                                        </p:cTn>
-                                        <p:tgtEl>
-                                          <p:spTgt spid="5">
-                                            <p:txEl>
-                                              <p:pRg st="1" end="1"/>
-                                            </p:txEl>
-                                          </p:spTgt>
-                                        </p:tgtEl>
-                                        <p:attrNameLst>
-                                          <p:attrName>style.visibility</p:attrName>
-                                        </p:attrNameLst>
-                                      </p:cBhvr>
-                                      <p:to>
-                                        <p:strVal val="visible"/>
-                                      </p:to>
-                                    </p:set>
-                                    <p:animEffect transition="in" filter="fade">
-                                      <p:cBhvr>
-                                        <p:cTn id="12" dur="500"/>
-                                        <p:tgtEl>
-                                          <p:spTgt spid="5">
-                                            <p:txEl>
-                                              <p:pRg st="1" end="1"/>
-                                            </p:txEl>
-                                          </p:spTgt>
-                                        </p:tgtEl>
-                                      </p:cBhvr>
-                                    </p:animEffect>
-                                  </p:childTnLst>
-                                </p:cTn>
-                              </p:par>
-                            </p:childTnLst>
-                          </p:cTn>
-                        </p:par>
-                      </p:childTnLst>
-                    </p:cTn>
-                  </p:par>
-                  <p:par>
-                    <p:cTn id="13" fill="hold">
-                      <p:stCondLst>
-                        <p:cond delay="indefinite"/>
-                      </p:stCondLst>
-                      <p:childTnLst>
-                        <p:par>
-                          <p:cTn id="14" fill="hold">
-                            <p:stCondLst>
-                              <p:cond delay="0"/>
-                            </p:stCondLst>
-                            <p:childTnLst>
-                              <p:par>
-                                <p:cTn id="15" presetID="10" presetClass="entr" presetSubtype="0" fill="hold" nodeType="clickEffect">
-                                  <p:stCondLst>
-                                    <p:cond delay="0"/>
-                                  </p:stCondLst>
-                                  <p:childTnLst>
-                                    <p:set>
-                                      <p:cBhvr>
-                                        <p:cTn id="16" dur="1" fill="hold">
-                                          <p:stCondLst>
-                                            <p:cond delay="0"/>
-                                          </p:stCondLst>
-                                        </p:cTn>
-                                        <p:tgtEl>
-                                          <p:spTgt spid="5">
-                                            <p:txEl>
-                                              <p:pRg st="2" end="2"/>
-                                            </p:txEl>
-                                          </p:spTgt>
-                                        </p:tgtEl>
-                                        <p:attrNameLst>
-                                          <p:attrName>style.visibility</p:attrName>
-                                        </p:attrNameLst>
-                                      </p:cBhvr>
-                                      <p:to>
-                                        <p:strVal val="visible"/>
-                                      </p:to>
-                                    </p:set>
-                                    <p:animEffect transition="in" filter="fade">
-                                      <p:cBhvr>
-                                        <p:cTn id="17" dur="500"/>
-                                        <p:tgtEl>
-                                          <p:spTgt spid="5">
-                                            <p:txEl>
-                                              <p:pRg st="2" end="2"/>
-                                            </p:txEl>
-                                          </p:spTgt>
-                                        </p:tgtEl>
-                                      </p:cBhvr>
-                                    </p:animEffect>
-                                  </p:childTnLst>
-                                </p:cTn>
-                              </p:par>
-                            </p:childTnLst>
-                          </p:cTn>
-                        </p:par>
-                      </p:childTnLst>
-                    </p:cTn>
-                  </p:par>
-                  <p:par>
-                    <p:cTn id="18" fill="hold">
-                      <p:stCondLst>
-                        <p:cond delay="indefinite"/>
-                      </p:stCondLst>
-                      <p:childTnLst>
-                        <p:par>
-                          <p:cTn id="19" fill="hold">
-                            <p:stCondLst>
-                              <p:cond delay="0"/>
-                            </p:stCondLst>
-                            <p:childTnLst>
-                              <p:par>
-                                <p:cTn id="20" presetID="10" presetClass="entr" presetSubtype="0" fill="hold" nodeType="clickEffect">
-                                  <p:stCondLst>
-                                    <p:cond delay="0"/>
-                                  </p:stCondLst>
-                                  <p:childTnLst>
-                                    <p:set>
-                                      <p:cBhvr>
-                                        <p:cTn id="21" dur="1" fill="hold">
-                                          <p:stCondLst>
-                                            <p:cond delay="0"/>
-                                          </p:stCondLst>
-                                        </p:cTn>
-                                        <p:tgtEl>
-                                          <p:spTgt spid="6"/>
-                                        </p:tgtEl>
-                                        <p:attrNameLst>
-                                          <p:attrName>style.visibility</p:attrName>
-                                        </p:attrNameLst>
-                                      </p:cBhvr>
-                                      <p:to>
-                                        <p:strVal val="visible"/>
-                                      </p:to>
-                                    </p:set>
-                                    <p:animEffect transition="in" filter="fade">
-                                      <p:cBhvr>
-                                        <p:cTn id="22" dur="500"/>
-                                        <p:tgtEl>
-                                          <p:spTgt spid="6"/>
-                                        </p:tgtEl>
-                                      </p:cBhvr>
-                                    </p:animEffect>
-                                  </p:childTnLst>
-                                </p:cTn>
-                              </p:par>
-                              <p:par>
-                                <p:cTn id="23" presetID="10" presetClass="entr" presetSubtype="0" fill="hold" nodeType="withEffect">
-                                  <p:stCondLst>
-                                    <p:cond delay="0"/>
-                                  </p:stCondLst>
-                                  <p:childTnLst>
-                                    <p:set>
-                                      <p:cBhvr>
-                                        <p:cTn id="24" dur="1" fill="hold">
-                                          <p:stCondLst>
-                                            <p:cond delay="0"/>
-                                          </p:stCondLst>
-                                        </p:cTn>
-                                        <p:tgtEl>
-                                          <p:spTgt spid="2054"/>
-                                        </p:tgtEl>
-                                        <p:attrNameLst>
-                                          <p:attrName>style.visibility</p:attrName>
-                                        </p:attrNameLst>
-                                      </p:cBhvr>
-                                      <p:to>
-                                        <p:strVal val="visible"/>
-                                      </p:to>
-                                    </p:set>
-                                    <p:animEffect transition="in" filter="fade">
-                                      <p:cBhvr>
-                                        <p:cTn id="25" dur="500"/>
-                                        <p:tgtEl>
-                                          <p:spTgt spid="2054"/>
-                                        </p:tgtEl>
-                                      </p:cBhvr>
-                                    </p:animEffect>
-                                  </p:childTnLst>
-                                </p:cTn>
-                              </p:par>
-                              <p:par>
-                                <p:cTn id="26" presetID="10" presetClass="entr" presetSubtype="0" fill="hold" nodeType="withEffect">
-                                  <p:stCondLst>
-                                    <p:cond delay="0"/>
-                                  </p:stCondLst>
-                                  <p:childTnLst>
-                                    <p:set>
-                                      <p:cBhvr>
-                                        <p:cTn id="27" dur="1" fill="hold">
-                                          <p:stCondLst>
-                                            <p:cond delay="0"/>
-                                          </p:stCondLst>
-                                        </p:cTn>
-                                        <p:tgtEl>
-                                          <p:spTgt spid="9"/>
-                                        </p:tgtEl>
-                                        <p:attrNameLst>
-                                          <p:attrName>style.visibility</p:attrName>
-                                        </p:attrNameLst>
-                                      </p:cBhvr>
-                                      <p:to>
-                                        <p:strVal val="visible"/>
-                                      </p:to>
-                                    </p:set>
-                                    <p:animEffect transition="in" filter="fade">
-                                      <p:cBhvr>
-                                        <p:cTn id="28" dur="500"/>
-                                        <p:tgtEl>
-                                          <p:spTgt spid="9"/>
-                                        </p:tgtEl>
-                                      </p:cBhvr>
-                                    </p:animEffect>
-                                  </p:childTnLst>
-                                </p:cTn>
-                              </p:par>
-                            </p:childTnLst>
-                          </p:cTn>
-                        </p:par>
-                      </p:childTnLst>
-                    </p:cTn>
-                  </p:par>
-                  <p:par>
-                    <p:cTn id="29" fill="hold">
-                      <p:stCondLst>
-                        <p:cond delay="indefinite"/>
-                      </p:stCondLst>
-                      <p:childTnLst>
-                        <p:par>
-                          <p:cTn id="30" fill="hold">
-                            <p:stCondLst>
-                              <p:cond delay="0"/>
-                            </p:stCondLst>
-                            <p:childTnLst>
-                              <p:par>
-                                <p:cTn id="31" presetID="10" presetClass="entr" presetSubtype="0" fill="hold" nodeType="clickEffect">
-                                  <p:stCondLst>
-                                    <p:cond delay="0"/>
-                                  </p:stCondLst>
-                                  <p:childTnLst>
-                                    <p:set>
-                                      <p:cBhvr>
-                                        <p:cTn id="32" dur="1" fill="hold">
-                                          <p:stCondLst>
-                                            <p:cond delay="0"/>
-                                          </p:stCondLst>
-                                        </p:cTn>
-                                        <p:tgtEl>
-                                          <p:spTgt spid="5">
-                                            <p:txEl>
-                                              <p:pRg st="3" end="3"/>
-                                            </p:txEl>
-                                          </p:spTgt>
-                                        </p:tgtEl>
-                                        <p:attrNameLst>
-                                          <p:attrName>style.visibility</p:attrName>
-                                        </p:attrNameLst>
-                                      </p:cBhvr>
-                                      <p:to>
-                                        <p:strVal val="visible"/>
-                                      </p:to>
-                                    </p:set>
-                                    <p:animEffect transition="in" filter="fade">
-                                      <p:cBhvr>
-                                        <p:cTn id="33" dur="500"/>
-                                        <p:tgtEl>
-                                          <p:spTgt spid="5">
-                                            <p:txEl>
-                                              <p:pRg st="3" end="3"/>
-                                            </p:txEl>
-                                          </p:spTgt>
-                                        </p:tgtEl>
-                                      </p:cBhvr>
-                                    </p:animEffect>
-                                  </p:childTnLst>
-                                </p:cTn>
-                              </p:par>
-                            </p:childTnLst>
-                          </p:cTn>
-                        </p:par>
-                      </p:childTnLst>
-                    </p:cTn>
-                  </p:par>
-                  <p:par>
-                    <p:cTn id="34" fill="hold">
-                      <p:stCondLst>
-                        <p:cond delay="indefinite"/>
-                      </p:stCondLst>
-                      <p:childTnLst>
-                        <p:par>
-                          <p:cTn id="35" fill="hold">
-                            <p:stCondLst>
-                              <p:cond delay="0"/>
-                            </p:stCondLst>
-                            <p:childTnLst>
-                              <p:par>
-                                <p:cTn id="36" presetID="10" presetClass="entr" presetSubtype="0" fill="hold" nodeType="clickEffect">
-                                  <p:stCondLst>
-                                    <p:cond delay="0"/>
-                                  </p:stCondLst>
-                                  <p:childTnLst>
-                                    <p:set>
-                                      <p:cBhvr>
-                                        <p:cTn id="37" dur="1" fill="hold">
-                                          <p:stCondLst>
-                                            <p:cond delay="0"/>
-                                          </p:stCondLst>
-                                        </p:cTn>
-                                        <p:tgtEl>
-                                          <p:spTgt spid="5">
-                                            <p:txEl>
-                                              <p:pRg st="4" end="4"/>
-                                            </p:txEl>
-                                          </p:spTgt>
-                                        </p:tgtEl>
-                                        <p:attrNameLst>
-                                          <p:attrName>style.visibility</p:attrName>
-                                        </p:attrNameLst>
-                                      </p:cBhvr>
-                                      <p:to>
-                                        <p:strVal val="visible"/>
-                                      </p:to>
-                                    </p:set>
-                                    <p:animEffect transition="in" filter="fade">
-                                      <p:cBhvr>
-                                        <p:cTn id="38" dur="500"/>
-                                        <p:tgtEl>
-                                          <p:spTgt spid="5">
-                                            <p:txEl>
-                                              <p:pRg st="4" end="4"/>
-                                            </p:txEl>
-                                          </p:spTgt>
-                                        </p:tgtEl>
-                                      </p:cBhvr>
-                                    </p:animEffect>
-                                  </p:childTnLst>
-                                </p:cTn>
-                              </p:par>
-                            </p:childTnLst>
-                          </p:cTn>
-                        </p:par>
-                      </p:childTnLst>
-                    </p:cTn>
-                  </p:par>
-                  <p:par>
-                    <p:cTn id="39" fill="hold">
-                      <p:stCondLst>
-                        <p:cond delay="indefinite"/>
-                      </p:stCondLst>
-                      <p:childTnLst>
-                        <p:par>
-                          <p:cTn id="40" fill="hold">
-                            <p:stCondLst>
-                              <p:cond delay="0"/>
-                            </p:stCondLst>
-                            <p:childTnLst>
-                              <p:par>
-                                <p:cTn id="41" presetID="10" presetClass="entr" presetSubtype="0" fill="hold" nodeType="clickEffect">
-                                  <p:stCondLst>
-                                    <p:cond delay="0"/>
-                                  </p:stCondLst>
-                                  <p:childTnLst>
-                                    <p:set>
-                                      <p:cBhvr>
-                                        <p:cTn id="42" dur="1" fill="hold">
-                                          <p:stCondLst>
-                                            <p:cond delay="0"/>
-                                          </p:stCondLst>
-                                        </p:cTn>
-                                        <p:tgtEl>
-                                          <p:spTgt spid="10"/>
-                                        </p:tgtEl>
-                                        <p:attrNameLst>
-                                          <p:attrName>style.visibility</p:attrName>
-                                        </p:attrNameLst>
-                                      </p:cBhvr>
-                                      <p:to>
-                                        <p:strVal val="visible"/>
-                                      </p:to>
-                                    </p:set>
-                                    <p:animEffect transition="in" filter="fade">
-                                      <p:cBhvr>
-                                        <p:cTn id="43" dur="500"/>
-                                        <p:tgtEl>
-                                          <p:spTgt spid="10"/>
-                                        </p:tgtEl>
-                                      </p:cBhvr>
-                                    </p:animEffect>
-                                  </p:childTnLst>
-                                </p:cTn>
-                              </p:par>
-                              <p:par>
-                                <p:cTn id="44" presetID="10" presetClass="entr" presetSubtype="0" fill="hold" nodeType="withEffect">
-                                  <p:stCondLst>
-                                    <p:cond delay="0"/>
-                                  </p:stCondLst>
-                                  <p:childTnLst>
-                                    <p:set>
-                                      <p:cBhvr>
-                                        <p:cTn id="45" dur="1" fill="hold">
-                                          <p:stCondLst>
-                                            <p:cond delay="0"/>
-                                          </p:stCondLst>
-                                        </p:cTn>
-                                        <p:tgtEl>
-                                          <p:spTgt spid="2058"/>
-                                        </p:tgtEl>
-                                        <p:attrNameLst>
-                                          <p:attrName>style.visibility</p:attrName>
-                                        </p:attrNameLst>
-                                      </p:cBhvr>
-                                      <p:to>
-                                        <p:strVal val="visible"/>
-                                      </p:to>
-                                    </p:set>
-                                    <p:animEffect transition="in" filter="fade">
-                                      <p:cBhvr>
-                                        <p:cTn id="46" dur="500"/>
-                                        <p:tgtEl>
-                                          <p:spTgt spid="2058"/>
-                                        </p:tgtEl>
-                                      </p:cBhvr>
-                                    </p:animEffect>
-                                  </p:childTnLst>
-                                </p:cTn>
-                              </p:par>
-                            </p:childTnLst>
-                          </p:cTn>
-                        </p:par>
-                      </p:childTnLst>
-                    </p:cTn>
-                  </p:par>
-                  <p:par>
-                    <p:cTn id="47" fill="hold">
-                      <p:stCondLst>
-                        <p:cond delay="indefinite"/>
-                      </p:stCondLst>
-                      <p:childTnLst>
-                        <p:par>
-                          <p:cTn id="48" fill="hold">
-                            <p:stCondLst>
-                              <p:cond delay="0"/>
-                            </p:stCondLst>
-                            <p:childTnLst>
-                              <p:par>
-                                <p:cTn id="49" presetID="10" presetClass="entr" presetSubtype="0" fill="hold" nodeType="clickEffect">
-                                  <p:stCondLst>
-                                    <p:cond delay="0"/>
-                                  </p:stCondLst>
-                                  <p:childTnLst>
-                                    <p:set>
-                                      <p:cBhvr>
-                                        <p:cTn id="50" dur="1" fill="hold">
-                                          <p:stCondLst>
-                                            <p:cond delay="0"/>
-                                          </p:stCondLst>
-                                        </p:cTn>
-                                        <p:tgtEl>
-                                          <p:spTgt spid="5">
-                                            <p:txEl>
-                                              <p:pRg st="5" end="5"/>
-                                            </p:txEl>
-                                          </p:spTgt>
-                                        </p:tgtEl>
-                                        <p:attrNameLst>
-                                          <p:attrName>style.visibility</p:attrName>
-                                        </p:attrNameLst>
-                                      </p:cBhvr>
-                                      <p:to>
-                                        <p:strVal val="visible"/>
-                                      </p:to>
-                                    </p:set>
-                                    <p:animEffect transition="in" filter="fade">
-                                      <p:cBhvr>
-                                        <p:cTn id="51" dur="500"/>
-                                        <p:tgtEl>
-                                          <p:spTgt spid="5">
-                                            <p:txEl>
-                                              <p:pRg st="5" end="5"/>
-                                            </p:txEl>
-                                          </p:spTgt>
-                                        </p:tgtEl>
-                                      </p:cBhvr>
-                                    </p:animEffect>
-                                  </p:childTnLst>
-                                </p:cTn>
-                              </p:par>
-                            </p:childTnLst>
-                          </p:cTn>
-                        </p:par>
-                      </p:childTnLst>
-                    </p:cTn>
-                  </p:par>
-                  <p:par>
-                    <p:cTn id="52" fill="hold">
-                      <p:stCondLst>
-                        <p:cond delay="indefinite"/>
-                      </p:stCondLst>
-                      <p:childTnLst>
-                        <p:par>
-                          <p:cTn id="53" fill="hold">
-                            <p:stCondLst>
-                              <p:cond delay="0"/>
-                            </p:stCondLst>
-                            <p:childTnLst>
-                              <p:par>
-                                <p:cTn id="54" presetID="10" presetClass="entr" presetSubtype="0" fill="hold" nodeType="clickEffect">
-                                  <p:stCondLst>
-                                    <p:cond delay="0"/>
-                                  </p:stCondLst>
-                                  <p:childTnLst>
-                                    <p:set>
-                                      <p:cBhvr>
-                                        <p:cTn id="55" dur="1" fill="hold">
-                                          <p:stCondLst>
-                                            <p:cond delay="0"/>
-                                          </p:stCondLst>
-                                        </p:cTn>
-                                        <p:tgtEl>
-                                          <p:spTgt spid="5">
-                                            <p:txEl>
-                                              <p:pRg st="6" end="6"/>
-                                            </p:txEl>
-                                          </p:spTgt>
-                                        </p:tgtEl>
-                                        <p:attrNameLst>
-                                          <p:attrName>style.visibility</p:attrName>
-                                        </p:attrNameLst>
-                                      </p:cBhvr>
-                                      <p:to>
-                                        <p:strVal val="visible"/>
-                                      </p:to>
-                                    </p:set>
-                                    <p:animEffect transition="in" filter="fade">
-                                      <p:cBhvr>
-                                        <p:cTn id="56" dur="500"/>
-                                        <p:tgtEl>
-                                          <p:spTgt spid="5">
-                                            <p:txEl>
-                                              <p:pRg st="6" end="6"/>
-                                            </p:txEl>
-                                          </p:spTgt>
-                                        </p:tgtEl>
-                                      </p:cBhvr>
-                                    </p:animEffect>
-                                  </p:childTnLst>
-                                </p:cTn>
-                              </p:par>
-                              <p:par>
-                                <p:cTn id="57" presetID="10" presetClass="entr" presetSubtype="0" fill="hold" nodeType="withEffect">
-                                  <p:stCondLst>
-                                    <p:cond delay="0"/>
-                                  </p:stCondLst>
-                                  <p:childTnLst>
-                                    <p:set>
-                                      <p:cBhvr>
-                                        <p:cTn id="58" dur="1" fill="hold">
-                                          <p:stCondLst>
-                                            <p:cond delay="0"/>
-                                          </p:stCondLst>
-                                        </p:cTn>
-                                        <p:tgtEl>
-                                          <p:spTgt spid="5">
-                                            <p:txEl>
-                                              <p:pRg st="7" end="7"/>
-                                            </p:txEl>
-                                          </p:spTgt>
-                                        </p:tgtEl>
-                                        <p:attrNameLst>
-                                          <p:attrName>style.visibility</p:attrName>
-                                        </p:attrNameLst>
-                                      </p:cBhvr>
-                                      <p:to>
-                                        <p:strVal val="visible"/>
-                                      </p:to>
-                                    </p:set>
-                                    <p:animEffect transition="in" filter="fade">
-                                      <p:cBhvr>
-                                        <p:cTn id="59" dur="500"/>
-                                        <p:tgtEl>
-                                          <p:spTgt spid="5">
-                                            <p:txEl>
-                                              <p:pRg st="7" end="7"/>
-                                            </p:txEl>
-                                          </p:spTgt>
-                                        </p:tgtEl>
-                                      </p:cBhvr>
-                                    </p:animEffect>
-                                  </p:childTnLst>
-                                </p:cTn>
-                              </p:par>
-                              <p:par>
-                                <p:cTn id="60" presetID="10" presetClass="entr" presetSubtype="0" fill="hold" nodeType="withEffect">
-                                  <p:stCondLst>
-                                    <p:cond delay="0"/>
-                                  </p:stCondLst>
-                                  <p:childTnLst>
-                                    <p:set>
-                                      <p:cBhvr>
-                                        <p:cTn id="61" dur="1" fill="hold">
-                                          <p:stCondLst>
-                                            <p:cond delay="0"/>
-                                          </p:stCondLst>
-                                        </p:cTn>
-                                        <p:tgtEl>
-                                          <p:spTgt spid="5">
-                                            <p:txEl>
-                                              <p:pRg st="8" end="8"/>
-                                            </p:txEl>
-                                          </p:spTgt>
-                                        </p:tgtEl>
-                                        <p:attrNameLst>
-                                          <p:attrName>style.visibility</p:attrName>
-                                        </p:attrNameLst>
-                                      </p:cBhvr>
-                                      <p:to>
-                                        <p:strVal val="visible"/>
-                                      </p:to>
-                                    </p:set>
-                                    <p:animEffect transition="in" filter="fade">
-                                      <p:cBhvr>
-                                        <p:cTn id="62" dur="500"/>
-                                        <p:tgtEl>
-                                          <p:spTgt spid="5">
-                                            <p:txEl>
-                                              <p:pRg st="8" end="8"/>
-                                            </p:txEl>
-                                          </p:spTgt>
-                                        </p:tgtEl>
-                                      </p:cBhvr>
-                                    </p:animEffect>
-                                  </p:childTnLst>
-                                </p:cTn>
-                              </p:par>
-                            </p:childTnLst>
-                          </p:cTn>
-                        </p:par>
-                      </p:childTnLst>
-                    </p:cTn>
-                  </p:par>
-                </p:childTnLst>
-              </p:cTn>
-              <p:prevCondLst>
-                <p:cond evt="onPrev" delay="0">
-                  <p:tgtEl>
-                    <p:sldTgt/>
-                  </p:tgtEl>
-                </p:cond>
-              </p:prevCondLst>
-              <p:nextCondLst>
-                <p:cond evt="onNext" delay="0">
-                  <p:tgtEl>
-                    <p:sldTgt/>
-                  </p:tgtEl>
-                </p:cond>
-              </p:nextCondLst>
-            </p:seq>
-          </p:childTnLst>
-        </p:cTn>
-      </p:par>
-    </p:tnLst>
-  </p:timing>
-</p:sld>
-</file>
-
-<file path=ppt/slides/slide6.xml><?xml version="1.0" encoding="utf-8"?>
-<p:sld xmlns:a="http://schemas.openxmlformats.org/drawingml/2006/main" xmlns:r="http://schemas.openxmlformats.org/officeDocument/2006/relationships" xmlns:p="http://schemas.openxmlformats.org/presentationml/2006/main">
-  <p:cSld>
-    <p:spTree>
-      <p:nvGrpSpPr>
-        <p:cNvPr id="1" name=""/>
-        <p:cNvGrpSpPr/>
-        <p:nvPr/>
-      </p:nvGrpSpPr>
-      <p:grpSpPr>
-        <a:xfrm>
-          <a:off x="0" y="0"/>
-          <a:ext cx="0" cy="0"/>
-          <a:chOff x="0" y="0"/>
-          <a:chExt cx="0" cy="0"/>
-        </a:xfrm>
-      </p:grpSpPr>
-      <p:sp>
-        <p:nvSpPr>
-          <p:cNvPr id="4" name="Title 3"/>
-          <p:cNvSpPr>
-            <a:spLocks noGrp="1"/>
-          </p:cNvSpPr>
-          <p:nvPr>
-            <p:ph type="title"/>
-          </p:nvPr>
-        </p:nvSpPr>
-        <p:spPr/>
-        <p:txBody>
-          <a:bodyPr/>
-          <a:lstStyle/>
-          <a:p>
-            <a:r>
-              <a:rPr lang="en-US" dirty="0" smtClean="0">
-                <a:latin typeface="Arial" panose="020B0604020202020204" pitchFamily="34" charset="0"/>
-                <a:cs typeface="Arial" panose="020B0604020202020204" pitchFamily="34" charset="0"/>
-              </a:rPr>
-              <a:t>THU HOẠCH TỪ KHÓA FRESHER</a:t>
-            </a:r>
-            <a:endParaRPr lang="en-US" dirty="0">
-              <a:latin typeface="Arial" panose="020B0604020202020204" pitchFamily="34" charset="0"/>
-              <a:cs typeface="Arial" panose="020B0604020202020204" pitchFamily="34" charset="0"/>
-            </a:endParaRPr>
-          </a:p>
-        </p:txBody>
-      </p:sp>
-      <p:sp>
-        <p:nvSpPr>
-          <p:cNvPr id="9" name="Content Placeholder 8"/>
-          <p:cNvSpPr>
-            <a:spLocks noGrp="1"/>
-          </p:cNvSpPr>
-          <p:nvPr>
-            <p:ph idx="1"/>
-          </p:nvPr>
-        </p:nvSpPr>
-        <p:spPr/>
-        <p:txBody>
-          <a:bodyPr/>
-          <a:lstStyle/>
-          <a:p>
-            <a:pPr>
-              <a:buFont typeface="Wingdings" panose="05000000000000000000" pitchFamily="2" charset="2"/>
-              <a:buChar char="v"/>
-            </a:pPr>
-            <a:r>
-              <a:rPr lang="en-US" dirty="0" err="1" smtClean="0">
-                <a:latin typeface="Arial" panose="020B0604020202020204" pitchFamily="34" charset="0"/>
-                <a:cs typeface="Arial" panose="020B0604020202020204" pitchFamily="34" charset="0"/>
-              </a:rPr>
-              <a:t>Kỹ</a:t>
-            </a:r>
-            <a:r>
-              <a:rPr lang="en-US" dirty="0" smtClean="0">
-                <a:latin typeface="Arial" panose="020B0604020202020204" pitchFamily="34" charset="0"/>
-                <a:cs typeface="Arial" panose="020B0604020202020204" pitchFamily="34" charset="0"/>
-              </a:rPr>
-              <a:t> </a:t>
-            </a:r>
-            <a:r>
-              <a:rPr lang="en-US" dirty="0" err="1" smtClean="0">
-                <a:latin typeface="Arial" panose="020B0604020202020204" pitchFamily="34" charset="0"/>
-                <a:cs typeface="Arial" panose="020B0604020202020204" pitchFamily="34" charset="0"/>
-              </a:rPr>
-              <a:t>thuật</a:t>
-            </a:r>
-            <a:endParaRPr lang="en-US" dirty="0">
-              <a:latin typeface="Arial" panose="020B0604020202020204" pitchFamily="34" charset="0"/>
-              <a:cs typeface="Arial" panose="020B0604020202020204" pitchFamily="34" charset="0"/>
-            </a:endParaRPr>
-          </a:p>
-          <a:p>
-            <a:pPr lvl="1">
-              <a:buFont typeface="Wingdings" panose="05000000000000000000" pitchFamily="2" charset="2"/>
-              <a:buChar char="v"/>
-            </a:pPr>
-            <a:r>
-              <a:rPr lang="en-US" dirty="0" smtClean="0">
-                <a:latin typeface="Arial" panose="020B0604020202020204" pitchFamily="34" charset="0"/>
-                <a:cs typeface="Arial" panose="020B0604020202020204" pitchFamily="34" charset="0"/>
-              </a:rPr>
-              <a:t>Angular</a:t>
-            </a:r>
-          </a:p>
-          <a:p>
-            <a:pPr lvl="1">
-              <a:buFont typeface="Wingdings" panose="05000000000000000000" pitchFamily="2" charset="2"/>
-              <a:buChar char="v"/>
-            </a:pPr>
-            <a:r>
-              <a:rPr lang="en-US" dirty="0" smtClean="0">
-                <a:latin typeface="Arial" panose="020B0604020202020204" pitchFamily="34" charset="0"/>
-                <a:cs typeface="Arial" panose="020B0604020202020204" pitchFamily="34" charset="0"/>
-              </a:rPr>
-              <a:t>J2EE</a:t>
-            </a:r>
-          </a:p>
-          <a:p>
-            <a:pPr lvl="1">
-              <a:buFont typeface="Wingdings" panose="05000000000000000000" pitchFamily="2" charset="2"/>
-              <a:buChar char="v"/>
-            </a:pPr>
-            <a:r>
-              <a:rPr lang="en-US" dirty="0" smtClean="0">
-                <a:latin typeface="Arial" panose="020B0604020202020204" pitchFamily="34" charset="0"/>
-                <a:cs typeface="Arial" panose="020B0604020202020204" pitchFamily="34" charset="0"/>
-              </a:rPr>
-              <a:t>SQL Server</a:t>
-            </a:r>
-          </a:p>
-          <a:p>
-            <a:pPr lvl="1">
-              <a:buFont typeface="Wingdings" panose="05000000000000000000" pitchFamily="2" charset="2"/>
-              <a:buChar char="v"/>
-            </a:pPr>
-            <a:r>
-              <a:rPr lang="en-US" dirty="0" err="1" smtClean="0">
-                <a:latin typeface="Arial" panose="020B0604020202020204" pitchFamily="34" charset="0"/>
-                <a:cs typeface="Arial" panose="020B0604020202020204" pitchFamily="34" charset="0"/>
-              </a:rPr>
-              <a:t>Git</a:t>
-            </a:r>
-            <a:r>
-              <a:rPr lang="en-US" dirty="0" smtClean="0">
-                <a:latin typeface="Arial" panose="020B0604020202020204" pitchFamily="34" charset="0"/>
-                <a:cs typeface="Arial" panose="020B0604020202020204" pitchFamily="34" charset="0"/>
-              </a:rPr>
-              <a:t> </a:t>
-            </a:r>
-          </a:p>
-          <a:p>
-            <a:pPr lvl="1">
-              <a:buFont typeface="Wingdings" panose="05000000000000000000" pitchFamily="2" charset="2"/>
-              <a:buChar char="v"/>
-            </a:pPr>
-            <a:r>
-              <a:rPr lang="en-US" dirty="0" smtClean="0">
-                <a:latin typeface="Arial" panose="020B0604020202020204" pitchFamily="34" charset="0"/>
-                <a:cs typeface="Arial" panose="020B0604020202020204" pitchFamily="34" charset="0"/>
-              </a:rPr>
-              <a:t>Python</a:t>
-            </a:r>
-          </a:p>
-          <a:p>
-            <a:pPr lvl="1">
-              <a:buFont typeface="Wingdings" panose="05000000000000000000" pitchFamily="2" charset="2"/>
-              <a:buChar char="v"/>
-            </a:pPr>
-            <a:endParaRPr lang="en-US" dirty="0" smtClean="0">
-              <a:latin typeface="Arial" panose="020B0604020202020204" pitchFamily="34" charset="0"/>
-              <a:cs typeface="Arial" panose="020B0604020202020204" pitchFamily="34" charset="0"/>
-            </a:endParaRPr>
-          </a:p>
-          <a:p>
-            <a:pPr lvl="1">
-              <a:buFont typeface="Wingdings" panose="05000000000000000000" pitchFamily="2" charset="2"/>
-              <a:buChar char="v"/>
-            </a:pPr>
-            <a:endParaRPr lang="en-US" dirty="0" smtClean="0">
-              <a:latin typeface="Arial" panose="020B0604020202020204" pitchFamily="34" charset="0"/>
-              <a:cs typeface="Arial" panose="020B0604020202020204" pitchFamily="34" charset="0"/>
-            </a:endParaRPr>
-          </a:p>
-          <a:p>
-            <a:pPr marL="914171" lvl="1" indent="0">
-              <a:buNone/>
-            </a:pPr>
-            <a:endParaRPr lang="en-US" dirty="0" smtClean="0">
-              <a:latin typeface="Arial" panose="020B0604020202020204" pitchFamily="34" charset="0"/>
-              <a:cs typeface="Arial" panose="020B0604020202020204" pitchFamily="34" charset="0"/>
-            </a:endParaRPr>
-          </a:p>
-        </p:txBody>
-      </p:sp>
-      <p:graphicFrame>
-        <p:nvGraphicFramePr>
-          <p:cNvPr id="12" name="Chart 11"/>
-          <p:cNvGraphicFramePr/>
-          <p:nvPr>
-            <p:extLst>
-              <p:ext uri="{D42A27DB-BD31-4B8C-83A1-F6EECF244321}">
-                <p14:modId xmlns:p14="http://schemas.microsoft.com/office/powerpoint/2010/main" val="2093905835"/>
-              </p:ext>
-            </p:extLst>
-          </p:nvPr>
-        </p:nvGraphicFramePr>
-        <p:xfrm>
-          <a:off x="7763069" y="1720877"/>
-          <a:ext cx="14938618" cy="10017247"/>
-        </p:xfrm>
-        <a:graphic>
-          <a:graphicData uri="http://schemas.openxmlformats.org/drawingml/2006/chart">
-            <c:chart xmlns:c="http://schemas.openxmlformats.org/drawingml/2006/chart" xmlns:r="http://schemas.openxmlformats.org/officeDocument/2006/relationships" r:id="rId2"/>
-          </a:graphicData>
-        </a:graphic>
-      </p:graphicFrame>
-    </p:spTree>
-    <p:extLst>
-      <p:ext uri="{BB962C8B-B14F-4D97-AF65-F5344CB8AC3E}">
-        <p14:creationId xmlns:p14="http://schemas.microsoft.com/office/powerpoint/2010/main" val="1458255083"/>
-      </p:ext>
-    </p:extLst>
-  </p:cSld>
-  <p:clrMapOvr>
-    <a:masterClrMapping/>
-  </p:clrMapOvr>
-  <p:timing>
-    <p:tnLst>
-      <p:par>
-        <p:cTn id="1" dur="indefinite" restart="never" nodeType="tmRoot"/>
-      </p:par>
-    </p:tnLst>
-  </p:timing>
-</p:sld>
-</file>
-
-<file path=ppt/slides/slide7.xml><?xml version="1.0" encoding="utf-8"?>
-<p:sld xmlns:a="http://schemas.openxmlformats.org/drawingml/2006/main" xmlns:r="http://schemas.openxmlformats.org/officeDocument/2006/relationships" xmlns:p="http://schemas.openxmlformats.org/presentationml/2006/main">
-  <p:cSld>
-    <p:spTree>
-      <p:nvGrpSpPr>
-        <p:cNvPr id="1" name=""/>
-        <p:cNvGrpSpPr/>
-        <p:nvPr/>
-      </p:nvGrpSpPr>
-      <p:grpSpPr>
-        <a:xfrm>
-          <a:off x="0" y="0"/>
-          <a:ext cx="0" cy="0"/>
-          <a:chOff x="0" y="0"/>
-          <a:chExt cx="0" cy="0"/>
-        </a:xfrm>
-      </p:grpSpPr>
-      <p:sp>
-        <p:nvSpPr>
-          <p:cNvPr id="5" name="Content Placeholder 4"/>
-          <p:cNvSpPr>
-            <a:spLocks noGrp="1"/>
-          </p:cNvSpPr>
-          <p:nvPr>
-            <p:ph idx="1"/>
-          </p:nvPr>
-        </p:nvSpPr>
-        <p:spPr>
-          <a:xfrm>
-            <a:off x="1675964" y="1720877"/>
-            <a:ext cx="10294363" cy="10633049"/>
-          </a:xfrm>
-        </p:spPr>
-        <p:txBody>
-          <a:bodyPr/>
-          <a:lstStyle/>
-          <a:p>
-            <a:pPr>
-              <a:buFont typeface="Wingdings" panose="05000000000000000000" pitchFamily="2" charset="2"/>
-              <a:buChar char="v"/>
-            </a:pPr>
-            <a:r>
-              <a:rPr lang="en-US" dirty="0" err="1" smtClean="0">
-                <a:latin typeface="Arial" panose="020B0604020202020204" pitchFamily="34" charset="0"/>
-                <a:cs typeface="Arial" panose="020B0604020202020204" pitchFamily="34" charset="0"/>
-              </a:rPr>
-              <a:t>Kỹ</a:t>
-            </a:r>
-            <a:r>
-              <a:rPr lang="en-US" dirty="0" smtClean="0">
-                <a:latin typeface="Arial" panose="020B0604020202020204" pitchFamily="34" charset="0"/>
-                <a:cs typeface="Arial" panose="020B0604020202020204" pitchFamily="34" charset="0"/>
-              </a:rPr>
-              <a:t> </a:t>
-            </a:r>
-            <a:r>
-              <a:rPr lang="en-US" dirty="0" err="1" smtClean="0">
-                <a:latin typeface="Arial" panose="020B0604020202020204" pitchFamily="34" charset="0"/>
-                <a:cs typeface="Arial" panose="020B0604020202020204" pitchFamily="34" charset="0"/>
-              </a:rPr>
-              <a:t>năng</a:t>
-            </a:r>
-            <a:r>
-              <a:rPr lang="en-US" dirty="0" smtClean="0">
-                <a:latin typeface="Arial" panose="020B0604020202020204" pitchFamily="34" charset="0"/>
-                <a:cs typeface="Arial" panose="020B0604020202020204" pitchFamily="34" charset="0"/>
-              </a:rPr>
-              <a:t> </a:t>
-            </a:r>
-            <a:r>
-              <a:rPr lang="en-US" dirty="0" err="1" smtClean="0">
-                <a:latin typeface="Arial" panose="020B0604020202020204" pitchFamily="34" charset="0"/>
-                <a:cs typeface="Arial" panose="020B0604020202020204" pitchFamily="34" charset="0"/>
-              </a:rPr>
-              <a:t>mềm</a:t>
-            </a:r>
-            <a:endParaRPr lang="en-US" dirty="0" smtClean="0">
-              <a:latin typeface="Arial" panose="020B0604020202020204" pitchFamily="34" charset="0"/>
-              <a:cs typeface="Arial" panose="020B0604020202020204" pitchFamily="34" charset="0"/>
-            </a:endParaRPr>
-          </a:p>
-          <a:p>
-            <a:pPr lvl="1">
-              <a:buFont typeface="Wingdings" panose="05000000000000000000" pitchFamily="2" charset="2"/>
-              <a:buChar char="v"/>
-            </a:pPr>
-            <a:r>
-              <a:rPr lang="en-US" dirty="0" err="1" smtClean="0">
-                <a:latin typeface="Arial" panose="020B0604020202020204" pitchFamily="34" charset="0"/>
-                <a:cs typeface="Arial" panose="020B0604020202020204" pitchFamily="34" charset="0"/>
-              </a:rPr>
-              <a:t>Làm</a:t>
-            </a:r>
-            <a:r>
-              <a:rPr lang="en-US" dirty="0" smtClean="0">
-                <a:latin typeface="Arial" panose="020B0604020202020204" pitchFamily="34" charset="0"/>
-                <a:cs typeface="Arial" panose="020B0604020202020204" pitchFamily="34" charset="0"/>
-              </a:rPr>
-              <a:t> </a:t>
-            </a:r>
-            <a:r>
-              <a:rPr lang="en-US" dirty="0" err="1" smtClean="0">
-                <a:latin typeface="Arial" panose="020B0604020202020204" pitchFamily="34" charset="0"/>
-                <a:cs typeface="Arial" panose="020B0604020202020204" pitchFamily="34" charset="0"/>
-              </a:rPr>
-              <a:t>việc</a:t>
-            </a:r>
-            <a:r>
-              <a:rPr lang="en-US" dirty="0" smtClean="0">
-                <a:latin typeface="Arial" panose="020B0604020202020204" pitchFamily="34" charset="0"/>
-                <a:cs typeface="Arial" panose="020B0604020202020204" pitchFamily="34" charset="0"/>
-              </a:rPr>
-              <a:t> </a:t>
-            </a:r>
-            <a:r>
-              <a:rPr lang="en-US" dirty="0" err="1" smtClean="0">
-                <a:latin typeface="Arial" panose="020B0604020202020204" pitchFamily="34" charset="0"/>
-                <a:cs typeface="Arial" panose="020B0604020202020204" pitchFamily="34" charset="0"/>
-              </a:rPr>
-              <a:t>nhóm</a:t>
-            </a:r>
-            <a:endParaRPr lang="en-US" dirty="0" smtClean="0">
-              <a:latin typeface="Arial" panose="020B0604020202020204" pitchFamily="34" charset="0"/>
-              <a:cs typeface="Arial" panose="020B0604020202020204" pitchFamily="34" charset="0"/>
-            </a:endParaRPr>
-          </a:p>
-          <a:p>
-            <a:pPr lvl="1">
-              <a:buFont typeface="Wingdings" panose="05000000000000000000" pitchFamily="2" charset="2"/>
-              <a:buChar char="v"/>
-            </a:pPr>
-            <a:r>
-              <a:rPr lang="en-US" dirty="0" err="1">
-                <a:latin typeface="Arial" panose="020B0604020202020204" pitchFamily="34" charset="0"/>
-                <a:cs typeface="Arial" panose="020B0604020202020204" pitchFamily="34" charset="0"/>
-              </a:rPr>
-              <a:t>Phân</a:t>
-            </a:r>
-            <a:r>
-              <a:rPr lang="en-US" dirty="0">
-                <a:latin typeface="Arial" panose="020B0604020202020204" pitchFamily="34" charset="0"/>
-                <a:cs typeface="Arial" panose="020B0604020202020204" pitchFamily="34" charset="0"/>
-              </a:rPr>
-              <a:t> </a:t>
-            </a:r>
-            <a:r>
-              <a:rPr lang="en-US" dirty="0" err="1">
-                <a:latin typeface="Arial" panose="020B0604020202020204" pitchFamily="34" charset="0"/>
-                <a:cs typeface="Arial" panose="020B0604020202020204" pitchFamily="34" charset="0"/>
-              </a:rPr>
-              <a:t>rã</a:t>
-            </a:r>
-            <a:r>
-              <a:rPr lang="en-US" dirty="0">
-                <a:latin typeface="Arial" panose="020B0604020202020204" pitchFamily="34" charset="0"/>
-                <a:cs typeface="Arial" panose="020B0604020202020204" pitchFamily="34" charset="0"/>
-              </a:rPr>
-              <a:t> , </a:t>
-            </a:r>
-            <a:r>
-              <a:rPr lang="en-US" dirty="0" err="1">
-                <a:latin typeface="Arial" panose="020B0604020202020204" pitchFamily="34" charset="0"/>
-                <a:cs typeface="Arial" panose="020B0604020202020204" pitchFamily="34" charset="0"/>
-              </a:rPr>
-              <a:t>lên</a:t>
-            </a:r>
-            <a:r>
-              <a:rPr lang="en-US" dirty="0">
-                <a:latin typeface="Arial" panose="020B0604020202020204" pitchFamily="34" charset="0"/>
-                <a:cs typeface="Arial" panose="020B0604020202020204" pitchFamily="34" charset="0"/>
-              </a:rPr>
-              <a:t> </a:t>
-            </a:r>
-            <a:r>
-              <a:rPr lang="en-US" dirty="0" err="1">
-                <a:latin typeface="Arial" panose="020B0604020202020204" pitchFamily="34" charset="0"/>
-                <a:cs typeface="Arial" panose="020B0604020202020204" pitchFamily="34" charset="0"/>
-              </a:rPr>
-              <a:t>kế</a:t>
-            </a:r>
-            <a:r>
-              <a:rPr lang="en-US" dirty="0">
-                <a:latin typeface="Arial" panose="020B0604020202020204" pitchFamily="34" charset="0"/>
-                <a:cs typeface="Arial" panose="020B0604020202020204" pitchFamily="34" charset="0"/>
-              </a:rPr>
-              <a:t> </a:t>
-            </a:r>
-            <a:r>
-              <a:rPr lang="en-US" dirty="0" err="1">
-                <a:latin typeface="Arial" panose="020B0604020202020204" pitchFamily="34" charset="0"/>
-                <a:cs typeface="Arial" panose="020B0604020202020204" pitchFamily="34" charset="0"/>
-              </a:rPr>
-              <a:t>hoạch</a:t>
-            </a:r>
-            <a:r>
-              <a:rPr lang="en-US" dirty="0">
-                <a:latin typeface="Arial" panose="020B0604020202020204" pitchFamily="34" charset="0"/>
-                <a:cs typeface="Arial" panose="020B0604020202020204" pitchFamily="34" charset="0"/>
-              </a:rPr>
-              <a:t> </a:t>
-            </a:r>
-            <a:r>
-              <a:rPr lang="en-US" dirty="0" err="1">
-                <a:latin typeface="Arial" panose="020B0604020202020204" pitchFamily="34" charset="0"/>
-                <a:cs typeface="Arial" panose="020B0604020202020204" pitchFamily="34" charset="0"/>
-              </a:rPr>
-              <a:t>công</a:t>
-            </a:r>
-            <a:r>
-              <a:rPr lang="en-US" dirty="0">
-                <a:latin typeface="Arial" panose="020B0604020202020204" pitchFamily="34" charset="0"/>
-                <a:cs typeface="Arial" panose="020B0604020202020204" pitchFamily="34" charset="0"/>
-              </a:rPr>
-              <a:t> </a:t>
-            </a:r>
-            <a:r>
-              <a:rPr lang="en-US" dirty="0" err="1">
-                <a:latin typeface="Arial" panose="020B0604020202020204" pitchFamily="34" charset="0"/>
-                <a:cs typeface="Arial" panose="020B0604020202020204" pitchFamily="34" charset="0"/>
-              </a:rPr>
-              <a:t>việc</a:t>
-            </a:r>
-            <a:endParaRPr lang="en-US" dirty="0">
-              <a:latin typeface="Arial" panose="020B0604020202020204" pitchFamily="34" charset="0"/>
-              <a:cs typeface="Arial" panose="020B0604020202020204" pitchFamily="34" charset="0"/>
-            </a:endParaRPr>
-          </a:p>
-          <a:p>
-            <a:pPr lvl="1">
-              <a:buFont typeface="Wingdings" panose="05000000000000000000" pitchFamily="2" charset="2"/>
-              <a:buChar char="v"/>
-            </a:pPr>
-            <a:r>
-              <a:rPr lang="en-US" dirty="0" err="1">
-                <a:latin typeface="Arial" panose="020B0604020202020204" pitchFamily="34" charset="0"/>
-                <a:cs typeface="Arial" panose="020B0604020202020204" pitchFamily="34" charset="0"/>
-              </a:rPr>
-              <a:t>Môi</a:t>
-            </a:r>
-            <a:r>
-              <a:rPr lang="en-US" dirty="0">
-                <a:latin typeface="Arial" panose="020B0604020202020204" pitchFamily="34" charset="0"/>
-                <a:cs typeface="Arial" panose="020B0604020202020204" pitchFamily="34" charset="0"/>
-              </a:rPr>
-              <a:t> </a:t>
-            </a:r>
-            <a:r>
-              <a:rPr lang="en-US" dirty="0" err="1">
-                <a:latin typeface="Arial" panose="020B0604020202020204" pitchFamily="34" charset="0"/>
-                <a:cs typeface="Arial" panose="020B0604020202020204" pitchFamily="34" charset="0"/>
-              </a:rPr>
-              <a:t>trường</a:t>
-            </a:r>
-            <a:r>
-              <a:rPr lang="en-US" dirty="0">
-                <a:latin typeface="Arial" panose="020B0604020202020204" pitchFamily="34" charset="0"/>
-                <a:cs typeface="Arial" panose="020B0604020202020204" pitchFamily="34" charset="0"/>
-              </a:rPr>
-              <a:t> </a:t>
-            </a:r>
-            <a:r>
-              <a:rPr lang="en-US" dirty="0" err="1">
-                <a:latin typeface="Arial" panose="020B0604020202020204" pitchFamily="34" charset="0"/>
-                <a:cs typeface="Arial" panose="020B0604020202020204" pitchFamily="34" charset="0"/>
-              </a:rPr>
-              <a:t>và</a:t>
-            </a:r>
-            <a:r>
-              <a:rPr lang="en-US" dirty="0">
-                <a:latin typeface="Arial" panose="020B0604020202020204" pitchFamily="34" charset="0"/>
-                <a:cs typeface="Arial" panose="020B0604020202020204" pitchFamily="34" charset="0"/>
-              </a:rPr>
-              <a:t> </a:t>
-            </a:r>
-            <a:r>
-              <a:rPr lang="en-US" dirty="0" err="1">
-                <a:latin typeface="Arial" panose="020B0604020202020204" pitchFamily="34" charset="0"/>
-                <a:cs typeface="Arial" panose="020B0604020202020204" pitchFamily="34" charset="0"/>
-              </a:rPr>
-              <a:t>văn</a:t>
-            </a:r>
-            <a:r>
-              <a:rPr lang="en-US" dirty="0">
-                <a:latin typeface="Arial" panose="020B0604020202020204" pitchFamily="34" charset="0"/>
-                <a:cs typeface="Arial" panose="020B0604020202020204" pitchFamily="34" charset="0"/>
-              </a:rPr>
-              <a:t> </a:t>
-            </a:r>
-            <a:r>
-              <a:rPr lang="en-US" dirty="0" err="1">
-                <a:latin typeface="Arial" panose="020B0604020202020204" pitchFamily="34" charset="0"/>
-                <a:cs typeface="Arial" panose="020B0604020202020204" pitchFamily="34" charset="0"/>
-              </a:rPr>
-              <a:t>hóa</a:t>
-            </a:r>
-            <a:r>
-              <a:rPr lang="en-US" dirty="0">
-                <a:latin typeface="Arial" panose="020B0604020202020204" pitchFamily="34" charset="0"/>
-                <a:cs typeface="Arial" panose="020B0604020202020204" pitchFamily="34" charset="0"/>
-              </a:rPr>
-              <a:t> </a:t>
-            </a:r>
-            <a:r>
-              <a:rPr lang="en-US" dirty="0" err="1">
-                <a:latin typeface="Arial" panose="020B0604020202020204" pitchFamily="34" charset="0"/>
-                <a:cs typeface="Arial" panose="020B0604020202020204" pitchFamily="34" charset="0"/>
-              </a:rPr>
-              <a:t>làm</a:t>
-            </a:r>
-            <a:r>
-              <a:rPr lang="en-US" dirty="0">
-                <a:latin typeface="Arial" panose="020B0604020202020204" pitchFamily="34" charset="0"/>
-                <a:cs typeface="Arial" panose="020B0604020202020204" pitchFamily="34" charset="0"/>
-              </a:rPr>
-              <a:t> </a:t>
-            </a:r>
-            <a:r>
-              <a:rPr lang="en-US" dirty="0" err="1">
-                <a:latin typeface="Arial" panose="020B0604020202020204" pitchFamily="34" charset="0"/>
-                <a:cs typeface="Arial" panose="020B0604020202020204" pitchFamily="34" charset="0"/>
-              </a:rPr>
-              <a:t>việc</a:t>
-            </a:r>
-            <a:r>
-              <a:rPr lang="en-US" dirty="0">
-                <a:latin typeface="Arial" panose="020B0604020202020204" pitchFamily="34" charset="0"/>
-                <a:cs typeface="Arial" panose="020B0604020202020204" pitchFamily="34" charset="0"/>
-              </a:rPr>
-              <a:t> </a:t>
-            </a:r>
-            <a:r>
-              <a:rPr lang="en-US" dirty="0" err="1">
-                <a:latin typeface="Arial" panose="020B0604020202020204" pitchFamily="34" charset="0"/>
-                <a:cs typeface="Arial" panose="020B0604020202020204" pitchFamily="34" charset="0"/>
-              </a:rPr>
-              <a:t>tại</a:t>
-            </a:r>
-            <a:r>
-              <a:rPr lang="en-US" dirty="0">
-                <a:latin typeface="Arial" panose="020B0604020202020204" pitchFamily="34" charset="0"/>
-                <a:cs typeface="Arial" panose="020B0604020202020204" pitchFamily="34" charset="0"/>
-              </a:rPr>
-              <a:t> </a:t>
-            </a:r>
-            <a:r>
-              <a:rPr lang="en-US" dirty="0" err="1">
-                <a:latin typeface="Arial" panose="020B0604020202020204" pitchFamily="34" charset="0"/>
-                <a:cs typeface="Arial" panose="020B0604020202020204" pitchFamily="34" charset="0"/>
-              </a:rPr>
-              <a:t>công</a:t>
-            </a:r>
-            <a:r>
-              <a:rPr lang="en-US" dirty="0">
-                <a:latin typeface="Arial" panose="020B0604020202020204" pitchFamily="34" charset="0"/>
-                <a:cs typeface="Arial" panose="020B0604020202020204" pitchFamily="34" charset="0"/>
-              </a:rPr>
-              <a:t> ty </a:t>
-            </a:r>
-            <a:r>
-              <a:rPr lang="en-US" dirty="0" err="1">
-                <a:latin typeface="Arial" panose="020B0604020202020204" pitchFamily="34" charset="0"/>
-                <a:cs typeface="Arial" panose="020B0604020202020204" pitchFamily="34" charset="0"/>
-              </a:rPr>
-              <a:t>Nhật</a:t>
-            </a:r>
-            <a:endParaRPr lang="en-US" dirty="0">
-              <a:latin typeface="Arial" panose="020B0604020202020204" pitchFamily="34" charset="0"/>
-              <a:cs typeface="Arial" panose="020B0604020202020204" pitchFamily="34" charset="0"/>
-            </a:endParaRPr>
-          </a:p>
-          <a:p>
-            <a:pPr lvl="1">
-              <a:buFont typeface="Wingdings" panose="05000000000000000000" pitchFamily="2" charset="2"/>
-              <a:buChar char="v"/>
-            </a:pPr>
-            <a:r>
-              <a:rPr lang="en-US" dirty="0" err="1">
-                <a:latin typeface="Arial" panose="020B0604020202020204" pitchFamily="34" charset="0"/>
-                <a:cs typeface="Arial" panose="020B0604020202020204" pitchFamily="34" charset="0"/>
-              </a:rPr>
-              <a:t>Làm</a:t>
-            </a:r>
-            <a:r>
-              <a:rPr lang="en-US" dirty="0">
-                <a:latin typeface="Arial" panose="020B0604020202020204" pitchFamily="34" charset="0"/>
-                <a:cs typeface="Arial" panose="020B0604020202020204" pitchFamily="34" charset="0"/>
-              </a:rPr>
-              <a:t> </a:t>
-            </a:r>
-            <a:r>
-              <a:rPr lang="en-US" dirty="0" err="1">
-                <a:latin typeface="Arial" panose="020B0604020202020204" pitchFamily="34" charset="0"/>
-                <a:cs typeface="Arial" panose="020B0604020202020204" pitchFamily="34" charset="0"/>
-              </a:rPr>
-              <a:t>việc</a:t>
-            </a:r>
-            <a:r>
-              <a:rPr lang="en-US" dirty="0">
-                <a:latin typeface="Arial" panose="020B0604020202020204" pitchFamily="34" charset="0"/>
-                <a:cs typeface="Arial" panose="020B0604020202020204" pitchFamily="34" charset="0"/>
-              </a:rPr>
-              <a:t> </a:t>
-            </a:r>
-            <a:r>
-              <a:rPr lang="en-US" dirty="0" err="1">
-                <a:latin typeface="Arial" panose="020B0604020202020204" pitchFamily="34" charset="0"/>
-                <a:cs typeface="Arial" panose="020B0604020202020204" pitchFamily="34" charset="0"/>
-              </a:rPr>
-              <a:t>hiệu</a:t>
-            </a:r>
-            <a:r>
-              <a:rPr lang="en-US" dirty="0">
-                <a:latin typeface="Arial" panose="020B0604020202020204" pitchFamily="34" charset="0"/>
-                <a:cs typeface="Arial" panose="020B0604020202020204" pitchFamily="34" charset="0"/>
-              </a:rPr>
-              <a:t> </a:t>
-            </a:r>
-            <a:r>
-              <a:rPr lang="en-US" dirty="0" err="1">
-                <a:latin typeface="Arial" panose="020B0604020202020204" pitchFamily="34" charset="0"/>
-                <a:cs typeface="Arial" panose="020B0604020202020204" pitchFamily="34" charset="0"/>
-              </a:rPr>
-              <a:t>quả</a:t>
-            </a:r>
-            <a:endParaRPr lang="en-US" dirty="0">
-              <a:latin typeface="Arial" panose="020B0604020202020204" pitchFamily="34" charset="0"/>
-              <a:cs typeface="Arial" panose="020B0604020202020204" pitchFamily="34" charset="0"/>
-            </a:endParaRPr>
-          </a:p>
-          <a:p>
-            <a:pPr lvl="1">
-              <a:buFont typeface="Wingdings" panose="05000000000000000000" pitchFamily="2" charset="2"/>
-              <a:buChar char="v"/>
-            </a:pPr>
-            <a:r>
-              <a:rPr lang="en-US" dirty="0" err="1">
-                <a:latin typeface="Arial" panose="020B0604020202020204" pitchFamily="34" charset="0"/>
-                <a:cs typeface="Arial" panose="020B0604020202020204" pitchFamily="34" charset="0"/>
-              </a:rPr>
-              <a:t>Mục</a:t>
-            </a:r>
-            <a:r>
-              <a:rPr lang="en-US" dirty="0">
-                <a:latin typeface="Arial" panose="020B0604020202020204" pitchFamily="34" charset="0"/>
-                <a:cs typeface="Arial" panose="020B0604020202020204" pitchFamily="34" charset="0"/>
-              </a:rPr>
-              <a:t> </a:t>
-            </a:r>
-            <a:r>
-              <a:rPr lang="en-US" dirty="0" err="1">
-                <a:latin typeface="Arial" panose="020B0604020202020204" pitchFamily="34" charset="0"/>
-                <a:cs typeface="Arial" panose="020B0604020202020204" pitchFamily="34" charset="0"/>
-              </a:rPr>
-              <a:t>tiêu</a:t>
-            </a:r>
-            <a:r>
-              <a:rPr lang="en-US" dirty="0">
-                <a:latin typeface="Arial" panose="020B0604020202020204" pitchFamily="34" charset="0"/>
-                <a:cs typeface="Arial" panose="020B0604020202020204" pitchFamily="34" charset="0"/>
-              </a:rPr>
-              <a:t> </a:t>
-            </a:r>
-            <a:r>
-              <a:rPr lang="en-US" dirty="0" err="1">
-                <a:latin typeface="Arial" panose="020B0604020202020204" pitchFamily="34" charset="0"/>
-                <a:cs typeface="Arial" panose="020B0604020202020204" pitchFamily="34" charset="0"/>
-              </a:rPr>
-              <a:t>cá</a:t>
-            </a:r>
-            <a:r>
-              <a:rPr lang="en-US" dirty="0">
-                <a:latin typeface="Arial" panose="020B0604020202020204" pitchFamily="34" charset="0"/>
-                <a:cs typeface="Arial" panose="020B0604020202020204" pitchFamily="34" charset="0"/>
-              </a:rPr>
-              <a:t> </a:t>
-            </a:r>
-            <a:r>
-              <a:rPr lang="en-US" dirty="0" err="1" smtClean="0">
-                <a:latin typeface="Arial" panose="020B0604020202020204" pitchFamily="34" charset="0"/>
-                <a:cs typeface="Arial" panose="020B0604020202020204" pitchFamily="34" charset="0"/>
-              </a:rPr>
-              <a:t>nhân</a:t>
-            </a:r>
-            <a:r>
-              <a:rPr lang="en-US" dirty="0" smtClean="0">
-                <a:latin typeface="Arial" panose="020B0604020202020204" pitchFamily="34" charset="0"/>
-                <a:cs typeface="Arial" panose="020B0604020202020204" pitchFamily="34" charset="0"/>
-              </a:rPr>
-              <a:t>, </a:t>
-            </a:r>
-            <a:r>
-              <a:rPr lang="en-US" dirty="0" err="1">
-                <a:latin typeface="Arial" panose="020B0604020202020204" pitchFamily="34" charset="0"/>
-                <a:cs typeface="Arial" panose="020B0604020202020204" pitchFamily="34" charset="0"/>
-              </a:rPr>
-              <a:t>nghề</a:t>
-            </a:r>
-            <a:r>
-              <a:rPr lang="en-US" dirty="0">
-                <a:latin typeface="Arial" panose="020B0604020202020204" pitchFamily="34" charset="0"/>
-                <a:cs typeface="Arial" panose="020B0604020202020204" pitchFamily="34" charset="0"/>
-              </a:rPr>
-              <a:t> </a:t>
-            </a:r>
-            <a:r>
-              <a:rPr lang="en-US" dirty="0" err="1" smtClean="0">
-                <a:latin typeface="Arial" panose="020B0604020202020204" pitchFamily="34" charset="0"/>
-                <a:cs typeface="Arial" panose="020B0604020202020204" pitchFamily="34" charset="0"/>
-              </a:rPr>
-              <a:t>nghiệp</a:t>
-            </a:r>
-            <a:endParaRPr lang="en-US" dirty="0" smtClean="0">
-              <a:latin typeface="Arial" panose="020B0604020202020204" pitchFamily="34" charset="0"/>
-              <a:cs typeface="Arial" panose="020B0604020202020204" pitchFamily="34" charset="0"/>
-            </a:endParaRPr>
-          </a:p>
-          <a:p>
-            <a:pPr lvl="1">
-              <a:buFont typeface="Wingdings" panose="05000000000000000000" pitchFamily="2" charset="2"/>
-              <a:buChar char="v"/>
-            </a:pPr>
-            <a:r>
-              <a:rPr lang="en-US" dirty="0" err="1" smtClean="0">
-                <a:latin typeface="Arial" panose="020B0604020202020204" pitchFamily="34" charset="0"/>
-                <a:cs typeface="Arial" panose="020B0604020202020204" pitchFamily="34" charset="0"/>
-              </a:rPr>
-              <a:t>Giao</a:t>
-            </a:r>
-            <a:r>
-              <a:rPr lang="en-US" dirty="0" smtClean="0">
-                <a:latin typeface="Arial" panose="020B0604020202020204" pitchFamily="34" charset="0"/>
-                <a:cs typeface="Arial" panose="020B0604020202020204" pitchFamily="34" charset="0"/>
-              </a:rPr>
-              <a:t> </a:t>
-            </a:r>
-            <a:r>
-              <a:rPr lang="en-US" dirty="0" err="1" smtClean="0">
-                <a:latin typeface="Arial" panose="020B0604020202020204" pitchFamily="34" charset="0"/>
-                <a:cs typeface="Arial" panose="020B0604020202020204" pitchFamily="34" charset="0"/>
-              </a:rPr>
-              <a:t>tiếp</a:t>
-            </a:r>
-            <a:r>
-              <a:rPr lang="en-US" dirty="0" smtClean="0">
-                <a:latin typeface="Arial" panose="020B0604020202020204" pitchFamily="34" charset="0"/>
-                <a:cs typeface="Arial" panose="020B0604020202020204" pitchFamily="34" charset="0"/>
-              </a:rPr>
-              <a:t>, </a:t>
-            </a:r>
-            <a:r>
-              <a:rPr lang="en-US" dirty="0" err="1" smtClean="0">
-                <a:latin typeface="Arial" panose="020B0604020202020204" pitchFamily="34" charset="0"/>
-                <a:cs typeface="Arial" panose="020B0604020202020204" pitchFamily="34" charset="0"/>
-              </a:rPr>
-              <a:t>ứng</a:t>
-            </a:r>
-            <a:r>
-              <a:rPr lang="en-US" dirty="0" smtClean="0">
-                <a:latin typeface="Arial" panose="020B0604020202020204" pitchFamily="34" charset="0"/>
-                <a:cs typeface="Arial" panose="020B0604020202020204" pitchFamily="34" charset="0"/>
-              </a:rPr>
-              <a:t> </a:t>
-            </a:r>
-            <a:r>
-              <a:rPr lang="en-US" dirty="0" err="1" smtClean="0">
-                <a:latin typeface="Arial" panose="020B0604020202020204" pitchFamily="34" charset="0"/>
-                <a:cs typeface="Arial" panose="020B0604020202020204" pitchFamily="34" charset="0"/>
-              </a:rPr>
-              <a:t>xử</a:t>
-            </a:r>
-            <a:endParaRPr lang="en-US" dirty="0">
-              <a:latin typeface="Arial" panose="020B0604020202020204" pitchFamily="34" charset="0"/>
-              <a:cs typeface="Arial" panose="020B0604020202020204" pitchFamily="34" charset="0"/>
-            </a:endParaRPr>
-          </a:p>
-          <a:p>
-            <a:pPr marL="914171" lvl="1" indent="0">
-              <a:buNone/>
-            </a:pPr>
-            <a:endParaRPr lang="en-US" dirty="0">
-              <a:latin typeface="Arial" panose="020B0604020202020204" pitchFamily="34" charset="0"/>
-              <a:cs typeface="Arial" panose="020B0604020202020204" pitchFamily="34" charset="0"/>
-            </a:endParaRPr>
-          </a:p>
-        </p:txBody>
-      </p:sp>
-      <p:sp>
-        <p:nvSpPr>
-          <p:cNvPr id="4" name="Title 3"/>
-          <p:cNvSpPr>
-            <a:spLocks noGrp="1"/>
-          </p:cNvSpPr>
-          <p:nvPr>
-            <p:ph type="title"/>
-          </p:nvPr>
-        </p:nvSpPr>
-        <p:spPr/>
-        <p:txBody>
-          <a:bodyPr/>
-          <a:lstStyle/>
-          <a:p>
-            <a:r>
-              <a:rPr lang="en-US" dirty="0">
-                <a:latin typeface="Arial" panose="020B0604020202020204" pitchFamily="34" charset="0"/>
-                <a:cs typeface="Arial" panose="020B0604020202020204" pitchFamily="34" charset="0"/>
-              </a:rPr>
-              <a:t>THU HOẠCH TỪ KHÓA FRESHER</a:t>
-            </a:r>
-            <a:endParaRPr lang="en-US" dirty="0"/>
-          </a:p>
-        </p:txBody>
-      </p:sp>
-      <p:pic>
-        <p:nvPicPr>
-          <p:cNvPr id="1030" name="Picture 6" descr="https://cdn.leverageedu.com/blog/wp-content/uploads/2020/04/13140130/Soft-Skills.png"/>
-          <p:cNvPicPr>
-            <a:picLocks noChangeAspect="1" noChangeArrowheads="1"/>
-          </p:cNvPicPr>
-          <p:nvPr/>
-        </p:nvPicPr>
-        <p:blipFill>
-          <a:blip r:embed="rId2" cstate="email">
-            <a:extLst>
-              <a:ext uri="{28A0092B-C50C-407E-A947-70E740481C1C}">
-                <a14:useLocalDpi xmlns:a14="http://schemas.microsoft.com/office/drawing/2010/main" val="0"/>
-              </a:ext>
-            </a:extLst>
-          </a:blip>
-          <a:srcRect/>
-          <a:stretch>
-            <a:fillRect/>
-          </a:stretch>
-        </p:blipFill>
-        <p:spPr bwMode="auto">
-          <a:xfrm>
-            <a:off x="11970327" y="2022232"/>
-            <a:ext cx="12057912" cy="8423030"/>
-          </a:xfrm>
-          <a:prstGeom prst="rect">
-            <a:avLst/>
-          </a:prstGeom>
-          <a:noFill/>
-          <a:extLst>
-            <a:ext uri="{909E8E84-426E-40DD-AFC4-6F175D3DCCD1}">
-              <a14:hiddenFill xmlns:a14="http://schemas.microsoft.com/office/drawing/2010/main">
-                <a:solidFill>
-                  <a:srgbClr val="FFFFFF"/>
-                </a:solidFill>
-              </a14:hiddenFill>
-            </a:ext>
-          </a:extLst>
-        </p:spPr>
-      </p:pic>
-    </p:spTree>
-    <p:extLst>
-      <p:ext uri="{BB962C8B-B14F-4D97-AF65-F5344CB8AC3E}">
-        <p14:creationId xmlns:p14="http://schemas.microsoft.com/office/powerpoint/2010/main" val="1935003077"/>
-      </p:ext>
-    </p:extLst>
-  </p:cSld>
-  <p:clrMapOvr>
-    <a:masterClrMapping/>
-  </p:clrMapOvr>
-  <p:timing>
-    <p:tnLst>
-      <p:par>
-        <p:cTn id="1" dur="indefinite" restart="never" nodeType="tmRoot">
-          <p:childTnLst>
-            <p:seq concurrent="1" nextAc="seek">
-              <p:cTn id="2" dur="indefinite" nodeType="mainSeq">
-                <p:childTnLst>
-                  <p:par>
-                    <p:cTn id="3" fill="hold">
-                      <p:stCondLst>
-                        <p:cond delay="indefinite"/>
-                      </p:stCondLst>
-                      <p:childTnLst>
-                        <p:par>
-                          <p:cTn id="4" fill="hold">
-                            <p:stCondLst>
-                              <p:cond delay="0"/>
-                            </p:stCondLst>
-                            <p:childTnLst>
-                              <p:par>
-                                <p:cTn id="5" presetID="10" presetClass="entr" presetSubtype="0" fill="hold" nodeType="clickEffect">
-                                  <p:stCondLst>
-                                    <p:cond delay="0"/>
-                                  </p:stCondLst>
-                                  <p:childTnLst>
-                                    <p:set>
-                                      <p:cBhvr>
-                                        <p:cTn id="6" dur="1" fill="hold">
-                                          <p:stCondLst>
-                                            <p:cond delay="0"/>
-                                          </p:stCondLst>
-                                        </p:cTn>
-                                        <p:tgtEl>
-                                          <p:spTgt spid="5">
-                                            <p:txEl>
-                                              <p:pRg st="1" end="1"/>
-                                            </p:txEl>
-                                          </p:spTgt>
-                                        </p:tgtEl>
-                                        <p:attrNameLst>
-                                          <p:attrName>style.visibility</p:attrName>
-                                        </p:attrNameLst>
-                                      </p:cBhvr>
-                                      <p:to>
-                                        <p:strVal val="visible"/>
-                                      </p:to>
-                                    </p:set>
-                                    <p:animEffect transition="in" filter="fade">
-                                      <p:cBhvr>
-                                        <p:cTn id="7" dur="500"/>
-                                        <p:tgtEl>
-                                          <p:spTgt spid="5">
-                                            <p:txEl>
-                                              <p:pRg st="1" end="1"/>
-                                            </p:txEl>
-                                          </p:spTgt>
-                                        </p:tgtEl>
-                                      </p:cBhvr>
-                                    </p:animEffect>
-                                  </p:childTnLst>
-                                </p:cTn>
-                              </p:par>
-                            </p:childTnLst>
-                          </p:cTn>
-                        </p:par>
-                      </p:childTnLst>
-                    </p:cTn>
-                  </p:par>
-                  <p:par>
-                    <p:cTn id="8" fill="hold">
-                      <p:stCondLst>
-                        <p:cond delay="indefinite"/>
-                      </p:stCondLst>
-                      <p:childTnLst>
-                        <p:par>
-                          <p:cTn id="9" fill="hold">
-                            <p:stCondLst>
-                              <p:cond delay="0"/>
-                            </p:stCondLst>
-                            <p:childTnLst>
-                              <p:par>
-                                <p:cTn id="10" presetID="10" presetClass="entr" presetSubtype="0" fill="hold" nodeType="clickEffect">
-                                  <p:stCondLst>
-                                    <p:cond delay="0"/>
-                                  </p:stCondLst>
-                                  <p:childTnLst>
-                                    <p:set>
-                                      <p:cBhvr>
-                                        <p:cTn id="11" dur="1" fill="hold">
-                                          <p:stCondLst>
-                                            <p:cond delay="0"/>
-                                          </p:stCondLst>
-                                        </p:cTn>
-                                        <p:tgtEl>
-                                          <p:spTgt spid="5">
-                                            <p:txEl>
-                                              <p:pRg st="2" end="2"/>
-                                            </p:txEl>
-                                          </p:spTgt>
-                                        </p:tgtEl>
-                                        <p:attrNameLst>
-                                          <p:attrName>style.visibility</p:attrName>
-                                        </p:attrNameLst>
-                                      </p:cBhvr>
-                                      <p:to>
-                                        <p:strVal val="visible"/>
-                                      </p:to>
-                                    </p:set>
-                                    <p:animEffect transition="in" filter="fade">
-                                      <p:cBhvr>
-                                        <p:cTn id="12" dur="500"/>
-                                        <p:tgtEl>
-                                          <p:spTgt spid="5">
-                                            <p:txEl>
-                                              <p:pRg st="2" end="2"/>
-                                            </p:txEl>
-                                          </p:spTgt>
-                                        </p:tgtEl>
-                                      </p:cBhvr>
-                                    </p:animEffect>
-                                  </p:childTnLst>
-                                </p:cTn>
-                              </p:par>
-                            </p:childTnLst>
-                          </p:cTn>
-                        </p:par>
-                      </p:childTnLst>
-                    </p:cTn>
-                  </p:par>
-                  <p:par>
-                    <p:cTn id="13" fill="hold">
-                      <p:stCondLst>
-                        <p:cond delay="indefinite"/>
-                      </p:stCondLst>
-                      <p:childTnLst>
-                        <p:par>
-                          <p:cTn id="14" fill="hold">
-                            <p:stCondLst>
-                              <p:cond delay="0"/>
-                            </p:stCondLst>
-                            <p:childTnLst>
-                              <p:par>
-                                <p:cTn id="15" presetID="10" presetClass="entr" presetSubtype="0" fill="hold" nodeType="clickEffect">
-                                  <p:stCondLst>
-                                    <p:cond delay="0"/>
-                                  </p:stCondLst>
-                                  <p:childTnLst>
-                                    <p:set>
-                                      <p:cBhvr>
-                                        <p:cTn id="16" dur="1" fill="hold">
-                                          <p:stCondLst>
-                                            <p:cond delay="0"/>
-                                          </p:stCondLst>
-                                        </p:cTn>
-                                        <p:tgtEl>
-                                          <p:spTgt spid="5">
-                                            <p:txEl>
-                                              <p:pRg st="3" end="3"/>
-                                            </p:txEl>
-                                          </p:spTgt>
-                                        </p:tgtEl>
-                                        <p:attrNameLst>
-                                          <p:attrName>style.visibility</p:attrName>
-                                        </p:attrNameLst>
-                                      </p:cBhvr>
-                                      <p:to>
-                                        <p:strVal val="visible"/>
-                                      </p:to>
-                                    </p:set>
-                                    <p:animEffect transition="in" filter="fade">
-                                      <p:cBhvr>
-                                        <p:cTn id="17" dur="500"/>
-                                        <p:tgtEl>
-                                          <p:spTgt spid="5">
-                                            <p:txEl>
-                                              <p:pRg st="3" end="3"/>
-                                            </p:txEl>
-                                          </p:spTgt>
-                                        </p:tgtEl>
-                                      </p:cBhvr>
-                                    </p:animEffect>
-                                  </p:childTnLst>
-                                </p:cTn>
-                              </p:par>
-                            </p:childTnLst>
-                          </p:cTn>
-                        </p:par>
-                      </p:childTnLst>
-                    </p:cTn>
-                  </p:par>
-                  <p:par>
-                    <p:cTn id="18" fill="hold">
-                      <p:stCondLst>
-                        <p:cond delay="indefinite"/>
-                      </p:stCondLst>
-                      <p:childTnLst>
-                        <p:par>
-                          <p:cTn id="19" fill="hold">
-                            <p:stCondLst>
-                              <p:cond delay="0"/>
-                            </p:stCondLst>
-                            <p:childTnLst>
-                              <p:par>
-                                <p:cTn id="20" presetID="10" presetClass="entr" presetSubtype="0" fill="hold" nodeType="clickEffect">
-                                  <p:stCondLst>
-                                    <p:cond delay="0"/>
-                                  </p:stCondLst>
-                                  <p:childTnLst>
-                                    <p:set>
-                                      <p:cBhvr>
-                                        <p:cTn id="21" dur="1" fill="hold">
-                                          <p:stCondLst>
-                                            <p:cond delay="0"/>
-                                          </p:stCondLst>
-                                        </p:cTn>
-                                        <p:tgtEl>
-                                          <p:spTgt spid="5">
-                                            <p:txEl>
-                                              <p:pRg st="4" end="4"/>
-                                            </p:txEl>
-                                          </p:spTgt>
-                                        </p:tgtEl>
-                                        <p:attrNameLst>
-                                          <p:attrName>style.visibility</p:attrName>
-                                        </p:attrNameLst>
-                                      </p:cBhvr>
-                                      <p:to>
-                                        <p:strVal val="visible"/>
-                                      </p:to>
-                                    </p:set>
-                                    <p:animEffect transition="in" filter="fade">
-                                      <p:cBhvr>
-                                        <p:cTn id="22" dur="500"/>
-                                        <p:tgtEl>
-                                          <p:spTgt spid="5">
-                                            <p:txEl>
-                                              <p:pRg st="4" end="4"/>
-                                            </p:txEl>
-                                          </p:spTgt>
-                                        </p:tgtEl>
-                                      </p:cBhvr>
-                                    </p:animEffect>
-                                  </p:childTnLst>
-                                </p:cTn>
-                              </p:par>
-                            </p:childTnLst>
-                          </p:cTn>
-                        </p:par>
-                      </p:childTnLst>
-                    </p:cTn>
-                  </p:par>
-                  <p:par>
-                    <p:cTn id="23" fill="hold">
-                      <p:stCondLst>
-                        <p:cond delay="indefinite"/>
-                      </p:stCondLst>
-                      <p:childTnLst>
-                        <p:par>
-                          <p:cTn id="24" fill="hold">
-                            <p:stCondLst>
-                              <p:cond delay="0"/>
-                            </p:stCondLst>
-                            <p:childTnLst>
-                              <p:par>
-                                <p:cTn id="25" presetID="10" presetClass="entr" presetSubtype="0" fill="hold" nodeType="clickEffect">
-                                  <p:stCondLst>
-                                    <p:cond delay="0"/>
-                                  </p:stCondLst>
-                                  <p:childTnLst>
-                                    <p:set>
-                                      <p:cBhvr>
-                                        <p:cTn id="26" dur="1" fill="hold">
-                                          <p:stCondLst>
-                                            <p:cond delay="0"/>
-                                          </p:stCondLst>
-                                        </p:cTn>
-                                        <p:tgtEl>
-                                          <p:spTgt spid="5">
-                                            <p:txEl>
-                                              <p:pRg st="5" end="5"/>
-                                            </p:txEl>
-                                          </p:spTgt>
-                                        </p:tgtEl>
-                                        <p:attrNameLst>
-                                          <p:attrName>style.visibility</p:attrName>
-                                        </p:attrNameLst>
-                                      </p:cBhvr>
-                                      <p:to>
-                                        <p:strVal val="visible"/>
-                                      </p:to>
-                                    </p:set>
-                                    <p:animEffect transition="in" filter="fade">
-                                      <p:cBhvr>
-                                        <p:cTn id="27" dur="500"/>
-                                        <p:tgtEl>
-                                          <p:spTgt spid="5">
-                                            <p:txEl>
-                                              <p:pRg st="5" end="5"/>
-                                            </p:txEl>
-                                          </p:spTgt>
-                                        </p:tgtEl>
-                                      </p:cBhvr>
-                                    </p:animEffect>
-                                  </p:childTnLst>
-                                </p:cTn>
-                              </p:par>
-                            </p:childTnLst>
-                          </p:cTn>
-                        </p:par>
-                      </p:childTnLst>
-                    </p:cTn>
-                  </p:par>
-                  <p:par>
-                    <p:cTn id="28" fill="hold">
-                      <p:stCondLst>
-                        <p:cond delay="indefinite"/>
-                      </p:stCondLst>
-                      <p:childTnLst>
-                        <p:par>
-                          <p:cTn id="29" fill="hold">
-                            <p:stCondLst>
-                              <p:cond delay="0"/>
-                            </p:stCondLst>
-                            <p:childTnLst>
-                              <p:par>
-                                <p:cTn id="30" presetID="10" presetClass="entr" presetSubtype="0" fill="hold" nodeType="clickEffect">
-                                  <p:stCondLst>
-                                    <p:cond delay="0"/>
-                                  </p:stCondLst>
-                                  <p:childTnLst>
-                                    <p:set>
-                                      <p:cBhvr>
-                                        <p:cTn id="31" dur="1" fill="hold">
-                                          <p:stCondLst>
-                                            <p:cond delay="0"/>
-                                          </p:stCondLst>
-                                        </p:cTn>
-                                        <p:tgtEl>
-                                          <p:spTgt spid="5">
-                                            <p:txEl>
-                                              <p:pRg st="6" end="6"/>
-                                            </p:txEl>
-                                          </p:spTgt>
-                                        </p:tgtEl>
-                                        <p:attrNameLst>
-                                          <p:attrName>style.visibility</p:attrName>
-                                        </p:attrNameLst>
-                                      </p:cBhvr>
-                                      <p:to>
-                                        <p:strVal val="visible"/>
-                                      </p:to>
-                                    </p:set>
-                                    <p:animEffect transition="in" filter="fade">
-                                      <p:cBhvr>
-                                        <p:cTn id="32" dur="500"/>
-                                        <p:tgtEl>
-                                          <p:spTgt spid="5">
-                                            <p:txEl>
-                                              <p:pRg st="6" end="6"/>
-                                            </p:txEl>
-                                          </p:spTgt>
-                                        </p:tgtEl>
-                                      </p:cBhvr>
-                                    </p:animEffect>
-                                  </p:childTnLst>
-                                </p:cTn>
-                              </p:par>
-                            </p:childTnLst>
-                          </p:cTn>
-                        </p:par>
-                      </p:childTnLst>
-                    </p:cTn>
-                  </p:par>
-                </p:childTnLst>
-              </p:cTn>
-              <p:prevCondLst>
-                <p:cond evt="onPrev" delay="0">
-                  <p:tgtEl>
-                    <p:sldTgt/>
-                  </p:tgtEl>
-                </p:cond>
-              </p:prevCondLst>
-              <p:nextCondLst>
-                <p:cond evt="onNext" delay="0">
-                  <p:tgtEl>
-                    <p:sldTgt/>
-                  </p:tgtEl>
-                </p:cond>
-              </p:nextCondLst>
-            </p:seq>
-          </p:childTnLst>
-        </p:cTn>
-      </p:par>
-    </p:tnLst>
-  </p:timing>
-</p:sld>
-</file>
-
-<file path=ppt/slides/slide8.xml><?xml version="1.0" encoding="utf-8"?>
-<p:sld xmlns:a="http://schemas.openxmlformats.org/drawingml/2006/main" xmlns:r="http://schemas.openxmlformats.org/officeDocument/2006/relationships" xmlns:p="http://schemas.openxmlformats.org/presentationml/2006/main">
-  <p:cSld>
-    <p:spTree>
-      <p:nvGrpSpPr>
-        <p:cNvPr id="1" name=""/>
-        <p:cNvGrpSpPr/>
-        <p:nvPr/>
-      </p:nvGrpSpPr>
-      <p:grpSpPr>
-        <a:xfrm>
-          <a:off x="0" y="0"/>
-          <a:ext cx="0" cy="0"/>
-          <a:chOff x="0" y="0"/>
-          <a:chExt cx="0" cy="0"/>
-        </a:xfrm>
-      </p:grpSpPr>
-      <p:sp>
-        <p:nvSpPr>
-          <p:cNvPr id="5" name="Content Placeholder 4"/>
-          <p:cNvSpPr>
-            <a:spLocks noGrp="1"/>
-          </p:cNvSpPr>
-          <p:nvPr>
-            <p:ph idx="1"/>
-          </p:nvPr>
-        </p:nvSpPr>
-        <p:spPr>
-          <a:xfrm>
-            <a:off x="1675964" y="1720877"/>
-            <a:ext cx="10404667" cy="10633049"/>
-          </a:xfrm>
-        </p:spPr>
-        <p:txBody>
-          <a:bodyPr/>
-          <a:lstStyle/>
-          <a:p>
-            <a:pPr>
-              <a:buFont typeface="Wingdings" panose="05000000000000000000" pitchFamily="2" charset="2"/>
-              <a:buChar char="Ø"/>
-            </a:pPr>
-            <a:r>
-              <a:rPr lang="en-US" dirty="0" err="1" smtClean="0">
-                <a:latin typeface="Arial" panose="020B0604020202020204" pitchFamily="34" charset="0"/>
-                <a:cs typeface="Arial" panose="020B0604020202020204" pitchFamily="34" charset="0"/>
-              </a:rPr>
-              <a:t>Ngắn</a:t>
-            </a:r>
-            <a:r>
-              <a:rPr lang="en-US" dirty="0" smtClean="0">
-                <a:latin typeface="Arial" panose="020B0604020202020204" pitchFamily="34" charset="0"/>
-                <a:cs typeface="Arial" panose="020B0604020202020204" pitchFamily="34" charset="0"/>
-              </a:rPr>
-              <a:t> </a:t>
-            </a:r>
-            <a:r>
-              <a:rPr lang="en-US" dirty="0" err="1" smtClean="0">
-                <a:latin typeface="Arial" panose="020B0604020202020204" pitchFamily="34" charset="0"/>
-                <a:cs typeface="Arial" panose="020B0604020202020204" pitchFamily="34" charset="0"/>
-              </a:rPr>
-              <a:t>hạn</a:t>
-            </a:r>
-            <a:endParaRPr lang="en-US" dirty="0" smtClean="0">
-              <a:latin typeface="Arial" panose="020B0604020202020204" pitchFamily="34" charset="0"/>
-              <a:cs typeface="Arial" panose="020B0604020202020204" pitchFamily="34" charset="0"/>
-            </a:endParaRPr>
-          </a:p>
-          <a:p>
-            <a:pPr lvl="1">
-              <a:buFont typeface="Arial" panose="020B0604020202020204" pitchFamily="34" charset="0"/>
-              <a:buChar char="•"/>
-            </a:pPr>
-            <a:r>
-              <a:rPr lang="en-US" dirty="0" err="1" smtClean="0">
-                <a:latin typeface="Arial" panose="020B0604020202020204" pitchFamily="34" charset="0"/>
-                <a:cs typeface="Arial" panose="020B0604020202020204" pitchFamily="34" charset="0"/>
-              </a:rPr>
-              <a:t>Trở</a:t>
-            </a:r>
-            <a:r>
-              <a:rPr lang="en-US" dirty="0" smtClean="0">
-                <a:latin typeface="Arial" panose="020B0604020202020204" pitchFamily="34" charset="0"/>
-                <a:cs typeface="Arial" panose="020B0604020202020204" pitchFamily="34" charset="0"/>
-              </a:rPr>
-              <a:t> </a:t>
-            </a:r>
-            <a:r>
-              <a:rPr lang="en-US" dirty="0" err="1">
-                <a:latin typeface="Arial" panose="020B0604020202020204" pitchFamily="34" charset="0"/>
-                <a:cs typeface="Arial" panose="020B0604020202020204" pitchFamily="34" charset="0"/>
-              </a:rPr>
-              <a:t>thành</a:t>
-            </a:r>
-            <a:r>
-              <a:rPr lang="en-US" dirty="0">
-                <a:latin typeface="Arial" panose="020B0604020202020204" pitchFamily="34" charset="0"/>
-                <a:cs typeface="Arial" panose="020B0604020202020204" pitchFamily="34" charset="0"/>
-              </a:rPr>
-              <a:t> </a:t>
-            </a:r>
-            <a:r>
-              <a:rPr lang="en-US" dirty="0" err="1">
-                <a:latin typeface="Arial" panose="020B0604020202020204" pitchFamily="34" charset="0"/>
-                <a:cs typeface="Arial" panose="020B0604020202020204" pitchFamily="34" charset="0"/>
-              </a:rPr>
-              <a:t>nhân</a:t>
-            </a:r>
-            <a:r>
-              <a:rPr lang="en-US" dirty="0">
-                <a:latin typeface="Arial" panose="020B0604020202020204" pitchFamily="34" charset="0"/>
-                <a:cs typeface="Arial" panose="020B0604020202020204" pitchFamily="34" charset="0"/>
-              </a:rPr>
-              <a:t> </a:t>
-            </a:r>
-            <a:r>
-              <a:rPr lang="en-US" dirty="0" err="1">
-                <a:latin typeface="Arial" panose="020B0604020202020204" pitchFamily="34" charset="0"/>
-                <a:cs typeface="Arial" panose="020B0604020202020204" pitchFamily="34" charset="0"/>
-              </a:rPr>
-              <a:t>viên</a:t>
-            </a:r>
-            <a:r>
-              <a:rPr lang="en-US" dirty="0">
-                <a:latin typeface="Arial" panose="020B0604020202020204" pitchFamily="34" charset="0"/>
-                <a:cs typeface="Arial" panose="020B0604020202020204" pitchFamily="34" charset="0"/>
-              </a:rPr>
-              <a:t> </a:t>
-            </a:r>
-            <a:r>
-              <a:rPr lang="en-US" dirty="0" err="1">
-                <a:latin typeface="Arial" panose="020B0604020202020204" pitchFamily="34" charset="0"/>
-                <a:cs typeface="Arial" panose="020B0604020202020204" pitchFamily="34" charset="0"/>
-              </a:rPr>
-              <a:t>chính</a:t>
-            </a:r>
-            <a:r>
-              <a:rPr lang="en-US" dirty="0">
-                <a:latin typeface="Arial" panose="020B0604020202020204" pitchFamily="34" charset="0"/>
-                <a:cs typeface="Arial" panose="020B0604020202020204" pitchFamily="34" charset="0"/>
-              </a:rPr>
-              <a:t> </a:t>
-            </a:r>
-            <a:r>
-              <a:rPr lang="en-US" dirty="0" err="1">
-                <a:latin typeface="Arial" panose="020B0604020202020204" pitchFamily="34" charset="0"/>
-                <a:cs typeface="Arial" panose="020B0604020202020204" pitchFamily="34" charset="0"/>
-              </a:rPr>
-              <a:t>thức</a:t>
-            </a:r>
-            <a:r>
-              <a:rPr lang="en-US" dirty="0">
-                <a:latin typeface="Arial" panose="020B0604020202020204" pitchFamily="34" charset="0"/>
-                <a:cs typeface="Arial" panose="020B0604020202020204" pitchFamily="34" charset="0"/>
-              </a:rPr>
-              <a:t> </a:t>
-            </a:r>
-            <a:r>
-              <a:rPr lang="en-US" dirty="0" err="1">
-                <a:latin typeface="Arial" panose="020B0604020202020204" pitchFamily="34" charset="0"/>
-                <a:cs typeface="Arial" panose="020B0604020202020204" pitchFamily="34" charset="0"/>
-              </a:rPr>
-              <a:t>của</a:t>
-            </a:r>
-            <a:r>
-              <a:rPr lang="en-US" dirty="0">
-                <a:latin typeface="Arial" panose="020B0604020202020204" pitchFamily="34" charset="0"/>
-                <a:cs typeface="Arial" panose="020B0604020202020204" pitchFamily="34" charset="0"/>
-              </a:rPr>
-              <a:t> </a:t>
-            </a:r>
-            <a:r>
-              <a:rPr lang="en-US" dirty="0" err="1">
-                <a:latin typeface="Arial" panose="020B0604020202020204" pitchFamily="34" charset="0"/>
-                <a:cs typeface="Arial" panose="020B0604020202020204" pitchFamily="34" charset="0"/>
-              </a:rPr>
-              <a:t>công</a:t>
-            </a:r>
-            <a:r>
-              <a:rPr lang="en-US" dirty="0">
-                <a:latin typeface="Arial" panose="020B0604020202020204" pitchFamily="34" charset="0"/>
-                <a:cs typeface="Arial" panose="020B0604020202020204" pitchFamily="34" charset="0"/>
-              </a:rPr>
-              <a:t> ty</a:t>
-            </a:r>
-          </a:p>
-          <a:p>
-            <a:pPr lvl="1">
-              <a:buFont typeface="Arial" panose="020B0604020202020204" pitchFamily="34" charset="0"/>
-              <a:buChar char="•"/>
-            </a:pPr>
-            <a:r>
-              <a:rPr lang="en-US" dirty="0" err="1">
-                <a:latin typeface="Arial" panose="020B0604020202020204" pitchFamily="34" charset="0"/>
-                <a:cs typeface="Arial" panose="020B0604020202020204" pitchFamily="34" charset="0"/>
-              </a:rPr>
-              <a:t>Cải</a:t>
-            </a:r>
-            <a:r>
-              <a:rPr lang="en-US" dirty="0">
-                <a:latin typeface="Arial" panose="020B0604020202020204" pitchFamily="34" charset="0"/>
-                <a:cs typeface="Arial" panose="020B0604020202020204" pitchFamily="34" charset="0"/>
-              </a:rPr>
-              <a:t> </a:t>
-            </a:r>
-            <a:r>
-              <a:rPr lang="en-US" dirty="0" err="1">
-                <a:latin typeface="Arial" panose="020B0604020202020204" pitchFamily="34" charset="0"/>
-                <a:cs typeface="Arial" panose="020B0604020202020204" pitchFamily="34" charset="0"/>
-              </a:rPr>
-              <a:t>thiện</a:t>
-            </a:r>
-            <a:r>
-              <a:rPr lang="en-US" dirty="0">
-                <a:latin typeface="Arial" panose="020B0604020202020204" pitchFamily="34" charset="0"/>
-                <a:cs typeface="Arial" panose="020B0604020202020204" pitchFamily="34" charset="0"/>
-              </a:rPr>
-              <a:t> </a:t>
-            </a:r>
-            <a:r>
-              <a:rPr lang="en-US" dirty="0" err="1">
-                <a:latin typeface="Arial" panose="020B0604020202020204" pitchFamily="34" charset="0"/>
-                <a:cs typeface="Arial" panose="020B0604020202020204" pitchFamily="34" charset="0"/>
-              </a:rPr>
-              <a:t>các</a:t>
-            </a:r>
-            <a:r>
-              <a:rPr lang="en-US" dirty="0">
-                <a:latin typeface="Arial" panose="020B0604020202020204" pitchFamily="34" charset="0"/>
-                <a:cs typeface="Arial" panose="020B0604020202020204" pitchFamily="34" charset="0"/>
-              </a:rPr>
-              <a:t> </a:t>
-            </a:r>
-            <a:r>
-              <a:rPr lang="en-US" dirty="0" err="1">
-                <a:latin typeface="Arial" panose="020B0604020202020204" pitchFamily="34" charset="0"/>
-                <a:cs typeface="Arial" panose="020B0604020202020204" pitchFamily="34" charset="0"/>
-              </a:rPr>
-              <a:t>mặt</a:t>
-            </a:r>
-            <a:r>
-              <a:rPr lang="en-US" dirty="0">
-                <a:latin typeface="Arial" panose="020B0604020202020204" pitchFamily="34" charset="0"/>
-                <a:cs typeface="Arial" panose="020B0604020202020204" pitchFamily="34" charset="0"/>
-              </a:rPr>
-              <a:t> </a:t>
-            </a:r>
-            <a:r>
-              <a:rPr lang="en-US" dirty="0" err="1">
-                <a:latin typeface="Arial" panose="020B0604020202020204" pitchFamily="34" charset="0"/>
-                <a:cs typeface="Arial" panose="020B0604020202020204" pitchFamily="34" charset="0"/>
-              </a:rPr>
-              <a:t>còn</a:t>
-            </a:r>
-            <a:r>
-              <a:rPr lang="en-US" dirty="0">
-                <a:latin typeface="Arial" panose="020B0604020202020204" pitchFamily="34" charset="0"/>
-                <a:cs typeface="Arial" panose="020B0604020202020204" pitchFamily="34" charset="0"/>
-              </a:rPr>
-              <a:t> </a:t>
-            </a:r>
-            <a:r>
-              <a:rPr lang="en-US" dirty="0" err="1" smtClean="0">
-                <a:latin typeface="Arial" panose="020B0604020202020204" pitchFamily="34" charset="0"/>
-                <a:cs typeface="Arial" panose="020B0604020202020204" pitchFamily="34" charset="0"/>
-              </a:rPr>
-              <a:t>yếu</a:t>
-            </a:r>
-            <a:endParaRPr lang="en-US" dirty="0" smtClean="0">
-              <a:latin typeface="Arial" panose="020B0604020202020204" pitchFamily="34" charset="0"/>
-              <a:cs typeface="Arial" panose="020B0604020202020204" pitchFamily="34" charset="0"/>
-            </a:endParaRPr>
-          </a:p>
-          <a:p>
-            <a:pPr>
-              <a:buFont typeface="Wingdings" panose="05000000000000000000" pitchFamily="2" charset="2"/>
-              <a:buChar char="Ø"/>
-            </a:pPr>
-            <a:r>
-              <a:rPr lang="en-US" dirty="0" err="1" smtClean="0">
-                <a:latin typeface="Arial" panose="020B0604020202020204" pitchFamily="34" charset="0"/>
-                <a:cs typeface="Arial" panose="020B0604020202020204" pitchFamily="34" charset="0"/>
-              </a:rPr>
-              <a:t>Dài</a:t>
-            </a:r>
-            <a:r>
-              <a:rPr lang="en-US" dirty="0" smtClean="0">
-                <a:latin typeface="Arial" panose="020B0604020202020204" pitchFamily="34" charset="0"/>
-                <a:cs typeface="Arial" panose="020B0604020202020204" pitchFamily="34" charset="0"/>
-              </a:rPr>
-              <a:t> </a:t>
-            </a:r>
-            <a:r>
-              <a:rPr lang="en-US" dirty="0" err="1" smtClean="0">
-                <a:latin typeface="Arial" panose="020B0604020202020204" pitchFamily="34" charset="0"/>
-                <a:cs typeface="Arial" panose="020B0604020202020204" pitchFamily="34" charset="0"/>
-              </a:rPr>
-              <a:t>hạn</a:t>
-            </a:r>
-            <a:endParaRPr lang="en-US" dirty="0" smtClean="0">
-              <a:latin typeface="Arial" panose="020B0604020202020204" pitchFamily="34" charset="0"/>
-              <a:cs typeface="Arial" panose="020B0604020202020204" pitchFamily="34" charset="0"/>
-            </a:endParaRPr>
-          </a:p>
-          <a:p>
-            <a:pPr lvl="1">
-              <a:buFont typeface="Arial" panose="020B0604020202020204" pitchFamily="34" charset="0"/>
-              <a:buChar char="•"/>
-            </a:pPr>
-            <a:r>
-              <a:rPr lang="en-US" dirty="0" smtClean="0">
-                <a:latin typeface="Arial" panose="020B0604020202020204" pitchFamily="34" charset="0"/>
-                <a:cs typeface="Arial" panose="020B0604020202020204" pitchFamily="34" charset="0"/>
-              </a:rPr>
-              <a:t>Senior DE </a:t>
-            </a:r>
-            <a:r>
-              <a:rPr lang="en-US" dirty="0" err="1" smtClean="0">
-                <a:latin typeface="Arial" panose="020B0604020202020204" pitchFamily="34" charset="0"/>
-                <a:cs typeface="Arial" panose="020B0604020202020204" pitchFamily="34" charset="0"/>
-              </a:rPr>
-              <a:t>trong</a:t>
-            </a:r>
-            <a:r>
-              <a:rPr lang="en-US" dirty="0" smtClean="0">
-                <a:latin typeface="Arial" panose="020B0604020202020204" pitchFamily="34" charset="0"/>
-                <a:cs typeface="Arial" panose="020B0604020202020204" pitchFamily="34" charset="0"/>
-              </a:rPr>
-              <a:t> 4 – 5 </a:t>
-            </a:r>
-            <a:r>
-              <a:rPr lang="en-US" dirty="0" err="1" smtClean="0">
-                <a:latin typeface="Arial" panose="020B0604020202020204" pitchFamily="34" charset="0"/>
-                <a:cs typeface="Arial" panose="020B0604020202020204" pitchFamily="34" charset="0"/>
-              </a:rPr>
-              <a:t>năm</a:t>
-            </a:r>
-            <a:endParaRPr lang="en-US" dirty="0" smtClean="0">
-              <a:latin typeface="Arial" panose="020B0604020202020204" pitchFamily="34" charset="0"/>
-              <a:cs typeface="Arial" panose="020B0604020202020204" pitchFamily="34" charset="0"/>
-            </a:endParaRPr>
-          </a:p>
-          <a:p>
-            <a:pPr lvl="1">
-              <a:buFont typeface="Arial" panose="020B0604020202020204" pitchFamily="34" charset="0"/>
-              <a:buChar char="•"/>
-            </a:pPr>
-            <a:r>
-              <a:rPr lang="en-US" dirty="0" err="1">
-                <a:latin typeface="Arial" panose="020B0604020202020204" pitchFamily="34" charset="0"/>
-                <a:cs typeface="Arial" panose="020B0604020202020204" pitchFamily="34" charset="0"/>
-              </a:rPr>
-              <a:t>Tiếng</a:t>
-            </a:r>
-            <a:r>
-              <a:rPr lang="en-US" dirty="0">
-                <a:latin typeface="Arial" panose="020B0604020202020204" pitchFamily="34" charset="0"/>
-                <a:cs typeface="Arial" panose="020B0604020202020204" pitchFamily="34" charset="0"/>
-              </a:rPr>
-              <a:t> </a:t>
-            </a:r>
-            <a:r>
-              <a:rPr lang="en-US" dirty="0" err="1">
-                <a:latin typeface="Arial" panose="020B0604020202020204" pitchFamily="34" charset="0"/>
-                <a:cs typeface="Arial" panose="020B0604020202020204" pitchFamily="34" charset="0"/>
-              </a:rPr>
-              <a:t>Nhật</a:t>
-            </a:r>
-            <a:r>
-              <a:rPr lang="en-US" dirty="0">
-                <a:latin typeface="Arial" panose="020B0604020202020204" pitchFamily="34" charset="0"/>
-                <a:cs typeface="Arial" panose="020B0604020202020204" pitchFamily="34" charset="0"/>
-              </a:rPr>
-              <a:t> </a:t>
-            </a:r>
-            <a:r>
-              <a:rPr lang="en-US" dirty="0" err="1">
-                <a:latin typeface="Arial" panose="020B0604020202020204" pitchFamily="34" charset="0"/>
-                <a:cs typeface="Arial" panose="020B0604020202020204" pitchFamily="34" charset="0"/>
-              </a:rPr>
-              <a:t>đạt</a:t>
-            </a:r>
-            <a:r>
-              <a:rPr lang="en-US" dirty="0">
-                <a:latin typeface="Arial" panose="020B0604020202020204" pitchFamily="34" charset="0"/>
-                <a:cs typeface="Arial" panose="020B0604020202020204" pitchFamily="34" charset="0"/>
-              </a:rPr>
-              <a:t> N4 </a:t>
-            </a:r>
-            <a:r>
-              <a:rPr lang="en-US" dirty="0" err="1">
-                <a:latin typeface="Arial" panose="020B0604020202020204" pitchFamily="34" charset="0"/>
-                <a:cs typeface="Arial" panose="020B0604020202020204" pitchFamily="34" charset="0"/>
-              </a:rPr>
-              <a:t>trong</a:t>
-            </a:r>
-            <a:r>
-              <a:rPr lang="en-US" dirty="0">
-                <a:latin typeface="Arial" panose="020B0604020202020204" pitchFamily="34" charset="0"/>
-                <a:cs typeface="Arial" panose="020B0604020202020204" pitchFamily="34" charset="0"/>
-              </a:rPr>
-              <a:t> </a:t>
-            </a:r>
-            <a:r>
-              <a:rPr lang="en-US" dirty="0" err="1">
-                <a:latin typeface="Arial" panose="020B0604020202020204" pitchFamily="34" charset="0"/>
-                <a:cs typeface="Arial" panose="020B0604020202020204" pitchFamily="34" charset="0"/>
-              </a:rPr>
-              <a:t>năm</a:t>
-            </a:r>
-            <a:r>
-              <a:rPr lang="en-US" dirty="0">
-                <a:latin typeface="Arial" panose="020B0604020202020204" pitchFamily="34" charset="0"/>
-                <a:cs typeface="Arial" panose="020B0604020202020204" pitchFamily="34" charset="0"/>
-              </a:rPr>
-              <a:t> </a:t>
-            </a:r>
-            <a:r>
-              <a:rPr lang="en-US" dirty="0" smtClean="0">
-                <a:latin typeface="Arial" panose="020B0604020202020204" pitchFamily="34" charset="0"/>
-                <a:cs typeface="Arial" panose="020B0604020202020204" pitchFamily="34" charset="0"/>
-              </a:rPr>
-              <a:t>2021</a:t>
-            </a:r>
-          </a:p>
-          <a:p>
-            <a:pPr lvl="1">
-              <a:buFont typeface="Arial" panose="020B0604020202020204" pitchFamily="34" charset="0"/>
-              <a:buChar char="•"/>
-            </a:pPr>
-            <a:r>
-              <a:rPr lang="en-US" dirty="0" err="1" smtClean="0">
-                <a:latin typeface="Arial" panose="020B0604020202020204" pitchFamily="34" charset="0"/>
-                <a:cs typeface="Arial" panose="020B0604020202020204" pitchFamily="34" charset="0"/>
-              </a:rPr>
-              <a:t>Học</a:t>
-            </a:r>
-            <a:r>
-              <a:rPr lang="en-US" dirty="0" smtClean="0">
-                <a:latin typeface="Arial" panose="020B0604020202020204" pitchFamily="34" charset="0"/>
-                <a:cs typeface="Arial" panose="020B0604020202020204" pitchFamily="34" charset="0"/>
-              </a:rPr>
-              <a:t> </a:t>
-            </a:r>
-            <a:r>
-              <a:rPr lang="en-US" dirty="0" err="1" smtClean="0">
-                <a:latin typeface="Arial" panose="020B0604020202020204" pitchFamily="34" charset="0"/>
-                <a:cs typeface="Arial" panose="020B0604020202020204" pitchFamily="34" charset="0"/>
-              </a:rPr>
-              <a:t>thêm</a:t>
-            </a:r>
-            <a:r>
-              <a:rPr lang="en-US" dirty="0" smtClean="0">
-                <a:latin typeface="Arial" panose="020B0604020202020204" pitchFamily="34" charset="0"/>
-                <a:cs typeface="Arial" panose="020B0604020202020204" pitchFamily="34" charset="0"/>
-              </a:rPr>
-              <a:t> </a:t>
-            </a:r>
-            <a:r>
-              <a:rPr lang="en-US" dirty="0" err="1" smtClean="0">
-                <a:latin typeface="Arial" panose="020B0604020202020204" pitchFamily="34" charset="0"/>
-                <a:cs typeface="Arial" panose="020B0604020202020204" pitchFamily="34" charset="0"/>
-              </a:rPr>
-              <a:t>các</a:t>
-            </a:r>
-            <a:r>
-              <a:rPr lang="en-US" dirty="0" smtClean="0">
-                <a:latin typeface="Arial" panose="020B0604020202020204" pitchFamily="34" charset="0"/>
-                <a:cs typeface="Arial" panose="020B0604020202020204" pitchFamily="34" charset="0"/>
-              </a:rPr>
-              <a:t> </a:t>
-            </a:r>
-            <a:r>
-              <a:rPr lang="en-US" dirty="0" err="1" smtClean="0">
-                <a:latin typeface="Arial" panose="020B0604020202020204" pitchFamily="34" charset="0"/>
-                <a:cs typeface="Arial" panose="020B0604020202020204" pitchFamily="34" charset="0"/>
-              </a:rPr>
-              <a:t>công</a:t>
-            </a:r>
-            <a:r>
-              <a:rPr lang="en-US" dirty="0" smtClean="0">
-                <a:latin typeface="Arial" panose="020B0604020202020204" pitchFamily="34" charset="0"/>
-                <a:cs typeface="Arial" panose="020B0604020202020204" pitchFamily="34" charset="0"/>
-              </a:rPr>
-              <a:t> </a:t>
-            </a:r>
-            <a:r>
-              <a:rPr lang="en-US" dirty="0" err="1" smtClean="0">
-                <a:latin typeface="Arial" panose="020B0604020202020204" pitchFamily="34" charset="0"/>
-                <a:cs typeface="Arial" panose="020B0604020202020204" pitchFamily="34" charset="0"/>
-              </a:rPr>
-              <a:t>nghệ</a:t>
-            </a:r>
-            <a:r>
-              <a:rPr lang="en-US" dirty="0" smtClean="0">
-                <a:latin typeface="Arial" panose="020B0604020202020204" pitchFamily="34" charset="0"/>
-                <a:cs typeface="Arial" panose="020B0604020202020204" pitchFamily="34" charset="0"/>
-              </a:rPr>
-              <a:t>, </a:t>
-            </a:r>
-            <a:r>
-              <a:rPr lang="en-US" dirty="0" err="1" smtClean="0">
-                <a:latin typeface="Arial" panose="020B0604020202020204" pitchFamily="34" charset="0"/>
-                <a:cs typeface="Arial" panose="020B0604020202020204" pitchFamily="34" charset="0"/>
-              </a:rPr>
-              <a:t>ngôn</a:t>
-            </a:r>
-            <a:r>
-              <a:rPr lang="en-US" dirty="0" smtClean="0">
-                <a:latin typeface="Arial" panose="020B0604020202020204" pitchFamily="34" charset="0"/>
-                <a:cs typeface="Arial" panose="020B0604020202020204" pitchFamily="34" charset="0"/>
-              </a:rPr>
-              <a:t> </a:t>
-            </a:r>
-            <a:r>
-              <a:rPr lang="en-US" dirty="0" err="1" smtClean="0">
-                <a:latin typeface="Arial" panose="020B0604020202020204" pitchFamily="34" charset="0"/>
-                <a:cs typeface="Arial" panose="020B0604020202020204" pitchFamily="34" charset="0"/>
-              </a:rPr>
-              <a:t>ngữ</a:t>
-            </a:r>
-            <a:r>
-              <a:rPr lang="en-US" dirty="0" smtClean="0">
-                <a:latin typeface="Arial" panose="020B0604020202020204" pitchFamily="34" charset="0"/>
-                <a:cs typeface="Arial" panose="020B0604020202020204" pitchFamily="34" charset="0"/>
-              </a:rPr>
-              <a:t> </a:t>
-            </a:r>
-            <a:r>
-              <a:rPr lang="en-US" dirty="0" err="1" smtClean="0">
-                <a:latin typeface="Arial" panose="020B0604020202020204" pitchFamily="34" charset="0"/>
-                <a:cs typeface="Arial" panose="020B0604020202020204" pitchFamily="34" charset="0"/>
-              </a:rPr>
-              <a:t>mới</a:t>
-            </a:r>
-            <a:endParaRPr lang="en-US" dirty="0" smtClean="0">
-              <a:latin typeface="Arial" panose="020B0604020202020204" pitchFamily="34" charset="0"/>
-              <a:cs typeface="Arial" panose="020B0604020202020204" pitchFamily="34" charset="0"/>
-            </a:endParaRPr>
-          </a:p>
-          <a:p>
-            <a:pPr lvl="1">
-              <a:buFont typeface="Arial" panose="020B0604020202020204" pitchFamily="34" charset="0"/>
-              <a:buChar char="•"/>
-            </a:pPr>
-            <a:endParaRPr lang="en-US" dirty="0">
-              <a:latin typeface="Arial" panose="020B0604020202020204" pitchFamily="34" charset="0"/>
-              <a:cs typeface="Arial" panose="020B0604020202020204" pitchFamily="34" charset="0"/>
-            </a:endParaRPr>
-          </a:p>
-        </p:txBody>
-      </p:sp>
-      <p:sp>
-        <p:nvSpPr>
-          <p:cNvPr id="4" name="Title 3"/>
-          <p:cNvSpPr>
-            <a:spLocks noGrp="1"/>
-          </p:cNvSpPr>
-          <p:nvPr>
-            <p:ph type="title"/>
-          </p:nvPr>
-        </p:nvSpPr>
-        <p:spPr/>
-        <p:txBody>
-          <a:bodyPr/>
-          <a:lstStyle/>
-          <a:p>
-            <a:r>
-              <a:rPr lang="en-US" dirty="0" smtClean="0">
-                <a:latin typeface="Arial" panose="020B0604020202020204" pitchFamily="34" charset="0"/>
-                <a:cs typeface="Arial" panose="020B0604020202020204" pitchFamily="34" charset="0"/>
-              </a:rPr>
-              <a:t>MỤC TIÊU CÁ NHÂN</a:t>
-            </a:r>
-            <a:endParaRPr lang="en-US" dirty="0">
-              <a:latin typeface="Arial" panose="020B0604020202020204" pitchFamily="34" charset="0"/>
-              <a:cs typeface="Arial" panose="020B0604020202020204" pitchFamily="34" charset="0"/>
-            </a:endParaRPr>
-          </a:p>
-        </p:txBody>
-      </p:sp>
-      <p:pic>
-        <p:nvPicPr>
-          <p:cNvPr id="3076" name="Picture 4" descr="https://miro.medium.com/max/10000/1*2f-8Td-WxtiIcDu29nyquw.jpeg"/>
-          <p:cNvPicPr>
-            <a:picLocks noChangeAspect="1" noChangeArrowheads="1"/>
-          </p:cNvPicPr>
-          <p:nvPr/>
-        </p:nvPicPr>
-        <p:blipFill>
-          <a:blip r:embed="rId2" cstate="email">
-            <a:extLst>
-              <a:ext uri="{28A0092B-C50C-407E-A947-70E740481C1C}">
-                <a14:useLocalDpi xmlns:a14="http://schemas.microsoft.com/office/drawing/2010/main" val="0"/>
-              </a:ext>
-            </a:extLst>
-          </a:blip>
-          <a:srcRect/>
-          <a:stretch>
-            <a:fillRect/>
-          </a:stretch>
-        </p:blipFill>
-        <p:spPr bwMode="auto">
-          <a:xfrm>
-            <a:off x="12851667" y="1380565"/>
-            <a:ext cx="7939055" cy="5305718"/>
-          </a:xfrm>
-          <a:prstGeom prst="rect">
-            <a:avLst/>
-          </a:prstGeom>
-          <a:noFill/>
-          <a:extLst>
-            <a:ext uri="{909E8E84-426E-40DD-AFC4-6F175D3DCCD1}">
-              <a14:hiddenFill xmlns:a14="http://schemas.microsoft.com/office/drawing/2010/main">
-                <a:solidFill>
-                  <a:srgbClr val="FFFFFF"/>
-                </a:solidFill>
-              </a14:hiddenFill>
-            </a:ext>
-          </a:extLst>
-        </p:spPr>
-      </p:pic>
-      <p:pic>
-        <p:nvPicPr>
-          <p:cNvPr id="3078" name="Picture 6" descr="https://encrypted-tbn0.gstatic.com/images?q=tbn%3AANd9GcRn_TFFSx1atXpQ0z7hBaLnH4AFr5vcnNnkmA&amp;usqp=CAU"/>
-          <p:cNvPicPr>
-            <a:picLocks noChangeAspect="1" noChangeArrowheads="1"/>
-          </p:cNvPicPr>
-          <p:nvPr/>
-        </p:nvPicPr>
-        <p:blipFill>
-          <a:blip r:embed="rId3">
-            <a:extLst>
-              <a:ext uri="{28A0092B-C50C-407E-A947-70E740481C1C}">
-                <a14:useLocalDpi xmlns:a14="http://schemas.microsoft.com/office/drawing/2010/main" val="0"/>
-              </a:ext>
-            </a:extLst>
-          </a:blip>
-          <a:srcRect/>
-          <a:stretch>
-            <a:fillRect/>
-          </a:stretch>
-        </p:blipFill>
-        <p:spPr bwMode="auto">
-          <a:xfrm>
-            <a:off x="12851667" y="6817201"/>
-            <a:ext cx="8320210" cy="5536725"/>
-          </a:xfrm>
-          <a:prstGeom prst="rect">
-            <a:avLst/>
-          </a:prstGeom>
-          <a:noFill/>
-          <a:extLst>
-            <a:ext uri="{909E8E84-426E-40DD-AFC4-6F175D3DCCD1}">
-              <a14:hiddenFill xmlns:a14="http://schemas.microsoft.com/office/drawing/2010/main">
-                <a:solidFill>
-                  <a:srgbClr val="FFFFFF"/>
-                </a:solidFill>
-              </a14:hiddenFill>
-            </a:ext>
-          </a:extLst>
-        </p:spPr>
-      </p:pic>
-    </p:spTree>
-    <p:extLst>
-      <p:ext uri="{BB962C8B-B14F-4D97-AF65-F5344CB8AC3E}">
-        <p14:creationId xmlns:p14="http://schemas.microsoft.com/office/powerpoint/2010/main" val="1644050429"/>
-      </p:ext>
-    </p:extLst>
-  </p:cSld>
-  <p:clrMapOvr>
-    <a:masterClrMapping/>
-  </p:clrMapOvr>
-  <p:timing>
-    <p:tnLst>
-      <p:par>
-        <p:cTn id="1" dur="indefinite" restart="never" nodeType="tmRoot">
-          <p:childTnLst>
-            <p:seq concurrent="1" nextAc="seek">
-              <p:cTn id="2" dur="indefinite" nodeType="mainSeq">
-                <p:childTnLst>
-                  <p:par>
-                    <p:cTn id="3" fill="hold">
-                      <p:stCondLst>
-                        <p:cond delay="indefinite"/>
-                      </p:stCondLst>
-                      <p:childTnLst>
-                        <p:par>
-                          <p:cTn id="4" fill="hold">
-                            <p:stCondLst>
-                              <p:cond delay="0"/>
-                            </p:stCondLst>
-                            <p:childTnLst>
-                              <p:par>
-                                <p:cTn id="5" presetID="10" presetClass="entr" presetSubtype="0" fill="hold" nodeType="clickEffect">
-                                  <p:stCondLst>
-                                    <p:cond delay="0"/>
-                                  </p:stCondLst>
-                                  <p:childTnLst>
-                                    <p:set>
-                                      <p:cBhvr>
-                                        <p:cTn id="6" dur="1" fill="hold">
-                                          <p:stCondLst>
-                                            <p:cond delay="0"/>
-                                          </p:stCondLst>
-                                        </p:cTn>
-                                        <p:tgtEl>
-                                          <p:spTgt spid="5">
-                                            <p:txEl>
-                                              <p:pRg st="0" end="0"/>
-                                            </p:txEl>
-                                          </p:spTgt>
-                                        </p:tgtEl>
-                                        <p:attrNameLst>
-                                          <p:attrName>style.visibility</p:attrName>
-                                        </p:attrNameLst>
-                                      </p:cBhvr>
-                                      <p:to>
-                                        <p:strVal val="visible"/>
-                                      </p:to>
-                                    </p:set>
-                                    <p:animEffect transition="in" filter="fade">
-                                      <p:cBhvr>
-                                        <p:cTn id="7" dur="500"/>
-                                        <p:tgtEl>
-                                          <p:spTgt spid="5">
-                                            <p:txEl>
-                                              <p:pRg st="0" end="0"/>
-                                            </p:txEl>
-                                          </p:spTgt>
-                                        </p:tgtEl>
-                                      </p:cBhvr>
-                                    </p:animEffect>
-                                  </p:childTnLst>
-                                </p:cTn>
-                              </p:par>
-                              <p:par>
-                                <p:cTn id="8" presetID="10" presetClass="entr" presetSubtype="0" fill="hold" nodeType="withEffect">
-                                  <p:stCondLst>
-                                    <p:cond delay="0"/>
-                                  </p:stCondLst>
-                                  <p:childTnLst>
-                                    <p:set>
-                                      <p:cBhvr>
-                                        <p:cTn id="9" dur="1" fill="hold">
-                                          <p:stCondLst>
-                                            <p:cond delay="0"/>
-                                          </p:stCondLst>
-                                        </p:cTn>
-                                        <p:tgtEl>
-                                          <p:spTgt spid="5">
-                                            <p:txEl>
-                                              <p:pRg st="1" end="1"/>
-                                            </p:txEl>
-                                          </p:spTgt>
-                                        </p:tgtEl>
-                                        <p:attrNameLst>
-                                          <p:attrName>style.visibility</p:attrName>
-                                        </p:attrNameLst>
-                                      </p:cBhvr>
-                                      <p:to>
-                                        <p:strVal val="visible"/>
-                                      </p:to>
-                                    </p:set>
-                                    <p:animEffect transition="in" filter="fade">
-                                      <p:cBhvr>
-                                        <p:cTn id="10" dur="500"/>
-                                        <p:tgtEl>
-                                          <p:spTgt spid="5">
-                                            <p:txEl>
-                                              <p:pRg st="1" end="1"/>
-                                            </p:txEl>
-                                          </p:spTgt>
-                                        </p:tgtEl>
-                                      </p:cBhvr>
-                                    </p:animEffect>
-                                  </p:childTnLst>
-                                </p:cTn>
-                              </p:par>
-                              <p:par>
-                                <p:cTn id="11" presetID="10" presetClass="entr" presetSubtype="0" fill="hold" nodeType="withEffect">
-                                  <p:stCondLst>
-                                    <p:cond delay="0"/>
-                                  </p:stCondLst>
-                                  <p:childTnLst>
-                                    <p:set>
-                                      <p:cBhvr>
-                                        <p:cTn id="12" dur="1" fill="hold">
-                                          <p:stCondLst>
-                                            <p:cond delay="0"/>
-                                          </p:stCondLst>
-                                        </p:cTn>
-                                        <p:tgtEl>
-                                          <p:spTgt spid="5">
-                                            <p:txEl>
-                                              <p:pRg st="2" end="2"/>
-                                            </p:txEl>
-                                          </p:spTgt>
-                                        </p:tgtEl>
-                                        <p:attrNameLst>
-                                          <p:attrName>style.visibility</p:attrName>
-                                        </p:attrNameLst>
-                                      </p:cBhvr>
-                                      <p:to>
-                                        <p:strVal val="visible"/>
-                                      </p:to>
-                                    </p:set>
-                                    <p:animEffect transition="in" filter="fade">
-                                      <p:cBhvr>
-                                        <p:cTn id="13" dur="500"/>
-                                        <p:tgtEl>
-                                          <p:spTgt spid="5">
-                                            <p:txEl>
-                                              <p:pRg st="2" end="2"/>
-                                            </p:txEl>
-                                          </p:spTgt>
-                                        </p:tgtEl>
-                                      </p:cBhvr>
-                                    </p:animEffect>
-                                  </p:childTnLst>
-                                </p:cTn>
-                              </p:par>
-                            </p:childTnLst>
-                          </p:cTn>
-                        </p:par>
-                      </p:childTnLst>
-                    </p:cTn>
-                  </p:par>
-                  <p:par>
-                    <p:cTn id="14" fill="hold">
-                      <p:stCondLst>
-                        <p:cond delay="indefinite"/>
-                      </p:stCondLst>
-                      <p:childTnLst>
-                        <p:par>
-                          <p:cTn id="15" fill="hold">
-                            <p:stCondLst>
-                              <p:cond delay="0"/>
-                            </p:stCondLst>
-                            <p:childTnLst>
-                              <p:par>
-                                <p:cTn id="16" presetID="10" presetClass="entr" presetSubtype="0" fill="hold" nodeType="clickEffect">
-                                  <p:stCondLst>
-                                    <p:cond delay="0"/>
-                                  </p:stCondLst>
-                                  <p:childTnLst>
-                                    <p:set>
-                                      <p:cBhvr>
-                                        <p:cTn id="17" dur="1" fill="hold">
-                                          <p:stCondLst>
-                                            <p:cond delay="0"/>
-                                          </p:stCondLst>
-                                        </p:cTn>
-                                        <p:tgtEl>
-                                          <p:spTgt spid="5">
-                                            <p:txEl>
-                                              <p:pRg st="3" end="3"/>
-                                            </p:txEl>
-                                          </p:spTgt>
-                                        </p:tgtEl>
-                                        <p:attrNameLst>
-                                          <p:attrName>style.visibility</p:attrName>
-                                        </p:attrNameLst>
-                                      </p:cBhvr>
-                                      <p:to>
-                                        <p:strVal val="visible"/>
-                                      </p:to>
-                                    </p:set>
-                                    <p:animEffect transition="in" filter="fade">
-                                      <p:cBhvr>
-                                        <p:cTn id="18" dur="500"/>
-                                        <p:tgtEl>
-                                          <p:spTgt spid="5">
-                                            <p:txEl>
-                                              <p:pRg st="3" end="3"/>
-                                            </p:txEl>
-                                          </p:spTgt>
-                                        </p:tgtEl>
-                                      </p:cBhvr>
-                                    </p:animEffect>
-                                  </p:childTnLst>
-                                </p:cTn>
-                              </p:par>
-                              <p:par>
-                                <p:cTn id="19" presetID="10" presetClass="entr" presetSubtype="0" fill="hold" nodeType="withEffect">
-                                  <p:stCondLst>
-                                    <p:cond delay="0"/>
-                                  </p:stCondLst>
-                                  <p:childTnLst>
-                                    <p:set>
-                                      <p:cBhvr>
-                                        <p:cTn id="20" dur="1" fill="hold">
-                                          <p:stCondLst>
-                                            <p:cond delay="0"/>
-                                          </p:stCondLst>
-                                        </p:cTn>
-                                        <p:tgtEl>
-                                          <p:spTgt spid="5">
-                                            <p:txEl>
-                                              <p:pRg st="4" end="4"/>
-                                            </p:txEl>
-                                          </p:spTgt>
-                                        </p:tgtEl>
-                                        <p:attrNameLst>
-                                          <p:attrName>style.visibility</p:attrName>
-                                        </p:attrNameLst>
-                                      </p:cBhvr>
-                                      <p:to>
-                                        <p:strVal val="visible"/>
-                                      </p:to>
-                                    </p:set>
-                                    <p:animEffect transition="in" filter="fade">
-                                      <p:cBhvr>
-                                        <p:cTn id="21" dur="500"/>
-                                        <p:tgtEl>
-                                          <p:spTgt spid="5">
-                                            <p:txEl>
-                                              <p:pRg st="4" end="4"/>
-                                            </p:txEl>
-                                          </p:spTgt>
-                                        </p:tgtEl>
-                                      </p:cBhvr>
-                                    </p:animEffect>
-                                  </p:childTnLst>
-                                </p:cTn>
-                              </p:par>
-                              <p:par>
-                                <p:cTn id="22" presetID="10" presetClass="entr" presetSubtype="0" fill="hold" nodeType="withEffect">
-                                  <p:stCondLst>
-                                    <p:cond delay="0"/>
-                                  </p:stCondLst>
-                                  <p:childTnLst>
-                                    <p:set>
-                                      <p:cBhvr>
-                                        <p:cTn id="23" dur="1" fill="hold">
-                                          <p:stCondLst>
-                                            <p:cond delay="0"/>
-                                          </p:stCondLst>
-                                        </p:cTn>
-                                        <p:tgtEl>
-                                          <p:spTgt spid="5">
-                                            <p:txEl>
-                                              <p:pRg st="5" end="5"/>
-                                            </p:txEl>
-                                          </p:spTgt>
-                                        </p:tgtEl>
-                                        <p:attrNameLst>
-                                          <p:attrName>style.visibility</p:attrName>
-                                        </p:attrNameLst>
-                                      </p:cBhvr>
-                                      <p:to>
-                                        <p:strVal val="visible"/>
-                                      </p:to>
-                                    </p:set>
-                                    <p:animEffect transition="in" filter="fade">
-                                      <p:cBhvr>
-                                        <p:cTn id="24" dur="500"/>
-                                        <p:tgtEl>
-                                          <p:spTgt spid="5">
-                                            <p:txEl>
-                                              <p:pRg st="5" end="5"/>
-                                            </p:txEl>
-                                          </p:spTgt>
-                                        </p:tgtEl>
-                                      </p:cBhvr>
-                                    </p:animEffect>
-                                  </p:childTnLst>
-                                </p:cTn>
-                              </p:par>
-                              <p:par>
-                                <p:cTn id="25" presetID="10" presetClass="entr" presetSubtype="0" fill="hold" nodeType="withEffect">
-                                  <p:stCondLst>
-                                    <p:cond delay="0"/>
-                                  </p:stCondLst>
-                                  <p:childTnLst>
-                                    <p:set>
-                                      <p:cBhvr>
-                                        <p:cTn id="26" dur="1" fill="hold">
-                                          <p:stCondLst>
-                                            <p:cond delay="0"/>
-                                          </p:stCondLst>
-                                        </p:cTn>
-                                        <p:tgtEl>
-                                          <p:spTgt spid="5">
-                                            <p:txEl>
-                                              <p:pRg st="6" end="6"/>
-                                            </p:txEl>
-                                          </p:spTgt>
-                                        </p:tgtEl>
-                                        <p:attrNameLst>
-                                          <p:attrName>style.visibility</p:attrName>
-                                        </p:attrNameLst>
-                                      </p:cBhvr>
-                                      <p:to>
-                                        <p:strVal val="visible"/>
-                                      </p:to>
-                                    </p:set>
-                                    <p:animEffect transition="in" filter="fade">
-                                      <p:cBhvr>
-                                        <p:cTn id="27" dur="500"/>
-                                        <p:tgtEl>
-                                          <p:spTgt spid="5">
-                                            <p:txEl>
-                                              <p:pRg st="6" end="6"/>
-                                            </p:txEl>
-                                          </p:spTgt>
+                                          <p:spTgt spid="15361"/>
                                         </p:tgtEl>
                                       </p:cBhvr>
                                     </p:animEffect>
@@ -19108,51 +18579,388 @@
       </p:grpSpPr>
       <p:sp>
         <p:nvSpPr>
-          <p:cNvPr id="4" name="TextBox 3"/>
-          <p:cNvSpPr txBox="1"/>
-          <p:nvPr/>
+          <p:cNvPr id="5" name="Content Placeholder 4"/>
+          <p:cNvSpPr>
+            <a:spLocks noGrp="1"/>
+          </p:cNvSpPr>
+          <p:nvPr>
+            <p:ph idx="1"/>
+          </p:nvPr>
         </p:nvSpPr>
         <p:spPr>
           <a:xfrm>
-            <a:off x="0" y="4413739"/>
-            <a:ext cx="24377650" cy="1569660"/>
+            <a:off x="1675964" y="1720877"/>
+            <a:ext cx="10404667" cy="10633049"/>
           </a:xfrm>
-          <a:prstGeom prst="rect">
-            <a:avLst/>
-          </a:prstGeom>
-          <a:noFill/>
         </p:spPr>
         <p:txBody>
-          <a:bodyPr wrap="square" rtlCol="0">
-            <a:spAutoFit/>
-          </a:bodyPr>
+          <a:bodyPr/>
           <a:lstStyle/>
           <a:p>
-            <a:pPr algn="ctr"/>
-            <a:r>
-              <a:rPr lang="en-US" sz="9600" dirty="0" smtClean="0">
-                <a:solidFill>
-                  <a:schemeClr val="tx2"/>
-                </a:solidFill>
-                <a:latin typeface="Arial" panose="020B0604020202020204" pitchFamily="34" charset="0"/>
-                <a:cs typeface="Arial" panose="020B0604020202020204" pitchFamily="34" charset="0"/>
-              </a:rPr>
-              <a:t>CẢM ƠN MỌI NGƯỜI ĐÃ THEO DÕI!</a:t>
-            </a:r>
-            <a:endParaRPr lang="en-US" sz="9600" dirty="0">
-              <a:solidFill>
-                <a:schemeClr val="tx2"/>
-              </a:solidFill>
+            <a:pPr marL="0" indent="0">
+              <a:buNone/>
+            </a:pPr>
+            <a:endParaRPr lang="en-US" dirty="0" smtClean="0">
+              <a:latin typeface="Arial" panose="020B0604020202020204" pitchFamily="34" charset="0"/>
+              <a:cs typeface="Arial" panose="020B0604020202020204" pitchFamily="34" charset="0"/>
+            </a:endParaRPr>
+          </a:p>
+          <a:p>
+            <a:pPr lvl="1">
+              <a:buFont typeface="Arial" panose="020B0604020202020204" pitchFamily="34" charset="0"/>
+              <a:buChar char="•"/>
+            </a:pPr>
+            <a:r>
+              <a:rPr lang="en-US" dirty="0" err="1" smtClean="0">
+                <a:latin typeface="Arial" panose="020B0604020202020204" pitchFamily="34" charset="0"/>
+                <a:cs typeface="Arial" panose="020B0604020202020204" pitchFamily="34" charset="0"/>
+              </a:rPr>
+              <a:t>Trở</a:t>
+            </a:r>
+            <a:r>
+              <a:rPr lang="en-US" dirty="0" smtClean="0">
+                <a:latin typeface="Arial" panose="020B0604020202020204" pitchFamily="34" charset="0"/>
+                <a:cs typeface="Arial" panose="020B0604020202020204" pitchFamily="34" charset="0"/>
+              </a:rPr>
+              <a:t> </a:t>
+            </a:r>
+            <a:r>
+              <a:rPr lang="en-US" dirty="0" err="1">
+                <a:latin typeface="Arial" panose="020B0604020202020204" pitchFamily="34" charset="0"/>
+                <a:cs typeface="Arial" panose="020B0604020202020204" pitchFamily="34" charset="0"/>
+              </a:rPr>
+              <a:t>thành</a:t>
+            </a:r>
+            <a:r>
+              <a:rPr lang="en-US" dirty="0">
+                <a:latin typeface="Arial" panose="020B0604020202020204" pitchFamily="34" charset="0"/>
+                <a:cs typeface="Arial" panose="020B0604020202020204" pitchFamily="34" charset="0"/>
+              </a:rPr>
+              <a:t> </a:t>
+            </a:r>
+            <a:r>
+              <a:rPr lang="en-US" dirty="0" err="1">
+                <a:latin typeface="Arial" panose="020B0604020202020204" pitchFamily="34" charset="0"/>
+                <a:cs typeface="Arial" panose="020B0604020202020204" pitchFamily="34" charset="0"/>
+              </a:rPr>
+              <a:t>nhân</a:t>
+            </a:r>
+            <a:r>
+              <a:rPr lang="en-US" dirty="0">
+                <a:latin typeface="Arial" panose="020B0604020202020204" pitchFamily="34" charset="0"/>
+                <a:cs typeface="Arial" panose="020B0604020202020204" pitchFamily="34" charset="0"/>
+              </a:rPr>
+              <a:t> </a:t>
+            </a:r>
+            <a:r>
+              <a:rPr lang="en-US" dirty="0" err="1">
+                <a:latin typeface="Arial" panose="020B0604020202020204" pitchFamily="34" charset="0"/>
+                <a:cs typeface="Arial" panose="020B0604020202020204" pitchFamily="34" charset="0"/>
+              </a:rPr>
+              <a:t>viên</a:t>
+            </a:r>
+            <a:r>
+              <a:rPr lang="en-US" dirty="0">
+                <a:latin typeface="Arial" panose="020B0604020202020204" pitchFamily="34" charset="0"/>
+                <a:cs typeface="Arial" panose="020B0604020202020204" pitchFamily="34" charset="0"/>
+              </a:rPr>
+              <a:t> </a:t>
+            </a:r>
+            <a:r>
+              <a:rPr lang="en-US" dirty="0" err="1">
+                <a:latin typeface="Arial" panose="020B0604020202020204" pitchFamily="34" charset="0"/>
+                <a:cs typeface="Arial" panose="020B0604020202020204" pitchFamily="34" charset="0"/>
+              </a:rPr>
+              <a:t>chính</a:t>
+            </a:r>
+            <a:r>
+              <a:rPr lang="en-US" dirty="0">
+                <a:latin typeface="Arial" panose="020B0604020202020204" pitchFamily="34" charset="0"/>
+                <a:cs typeface="Arial" panose="020B0604020202020204" pitchFamily="34" charset="0"/>
+              </a:rPr>
+              <a:t> </a:t>
+            </a:r>
+            <a:r>
+              <a:rPr lang="en-US" dirty="0" err="1">
+                <a:latin typeface="Arial" panose="020B0604020202020204" pitchFamily="34" charset="0"/>
+                <a:cs typeface="Arial" panose="020B0604020202020204" pitchFamily="34" charset="0"/>
+              </a:rPr>
+              <a:t>thức</a:t>
+            </a:r>
+            <a:r>
+              <a:rPr lang="en-US" dirty="0">
+                <a:latin typeface="Arial" panose="020B0604020202020204" pitchFamily="34" charset="0"/>
+                <a:cs typeface="Arial" panose="020B0604020202020204" pitchFamily="34" charset="0"/>
+              </a:rPr>
+              <a:t> </a:t>
+            </a:r>
+            <a:r>
+              <a:rPr lang="en-US" dirty="0" err="1">
+                <a:latin typeface="Arial" panose="020B0604020202020204" pitchFamily="34" charset="0"/>
+                <a:cs typeface="Arial" panose="020B0604020202020204" pitchFamily="34" charset="0"/>
+              </a:rPr>
+              <a:t>của</a:t>
+            </a:r>
+            <a:r>
+              <a:rPr lang="en-US" dirty="0">
+                <a:latin typeface="Arial" panose="020B0604020202020204" pitchFamily="34" charset="0"/>
+                <a:cs typeface="Arial" panose="020B0604020202020204" pitchFamily="34" charset="0"/>
+              </a:rPr>
+              <a:t> </a:t>
+            </a:r>
+            <a:r>
+              <a:rPr lang="en-US" dirty="0" err="1">
+                <a:latin typeface="Arial" panose="020B0604020202020204" pitchFamily="34" charset="0"/>
+                <a:cs typeface="Arial" panose="020B0604020202020204" pitchFamily="34" charset="0"/>
+              </a:rPr>
+              <a:t>công</a:t>
+            </a:r>
+            <a:r>
+              <a:rPr lang="en-US" dirty="0">
+                <a:latin typeface="Arial" panose="020B0604020202020204" pitchFamily="34" charset="0"/>
+                <a:cs typeface="Arial" panose="020B0604020202020204" pitchFamily="34" charset="0"/>
+              </a:rPr>
+              <a:t> ty</a:t>
+            </a:r>
+          </a:p>
+          <a:p>
+            <a:pPr lvl="1">
+              <a:buFont typeface="Arial" panose="020B0604020202020204" pitchFamily="34" charset="0"/>
+              <a:buChar char="•"/>
+            </a:pPr>
+            <a:r>
+              <a:rPr lang="en-US" dirty="0" err="1">
+                <a:latin typeface="Arial" panose="020B0604020202020204" pitchFamily="34" charset="0"/>
+                <a:cs typeface="Arial" panose="020B0604020202020204" pitchFamily="34" charset="0"/>
+              </a:rPr>
+              <a:t>Cải</a:t>
+            </a:r>
+            <a:r>
+              <a:rPr lang="en-US" dirty="0">
+                <a:latin typeface="Arial" panose="020B0604020202020204" pitchFamily="34" charset="0"/>
+                <a:cs typeface="Arial" panose="020B0604020202020204" pitchFamily="34" charset="0"/>
+              </a:rPr>
+              <a:t> </a:t>
+            </a:r>
+            <a:r>
+              <a:rPr lang="en-US" dirty="0" err="1">
+                <a:latin typeface="Arial" panose="020B0604020202020204" pitchFamily="34" charset="0"/>
+                <a:cs typeface="Arial" panose="020B0604020202020204" pitchFamily="34" charset="0"/>
+              </a:rPr>
+              <a:t>thiện</a:t>
+            </a:r>
+            <a:r>
+              <a:rPr lang="en-US" dirty="0">
+                <a:latin typeface="Arial" panose="020B0604020202020204" pitchFamily="34" charset="0"/>
+                <a:cs typeface="Arial" panose="020B0604020202020204" pitchFamily="34" charset="0"/>
+              </a:rPr>
+              <a:t> </a:t>
+            </a:r>
+            <a:r>
+              <a:rPr lang="en-US" dirty="0" err="1" smtClean="0">
+                <a:latin typeface="Arial" panose="020B0604020202020204" pitchFamily="34" charset="0"/>
+                <a:cs typeface="Arial" panose="020B0604020202020204" pitchFamily="34" charset="0"/>
+              </a:rPr>
+              <a:t>tiếng</a:t>
+            </a:r>
+            <a:r>
+              <a:rPr lang="en-US" dirty="0" smtClean="0">
+                <a:latin typeface="Arial" panose="020B0604020202020204" pitchFamily="34" charset="0"/>
+                <a:cs typeface="Arial" panose="020B0604020202020204" pitchFamily="34" charset="0"/>
+              </a:rPr>
+              <a:t> </a:t>
+            </a:r>
+            <a:r>
+              <a:rPr lang="en-US" dirty="0" err="1" smtClean="0">
+                <a:latin typeface="Arial" panose="020B0604020202020204" pitchFamily="34" charset="0"/>
+                <a:cs typeface="Arial" panose="020B0604020202020204" pitchFamily="34" charset="0"/>
+              </a:rPr>
+              <a:t>Nhật</a:t>
+            </a:r>
+            <a:r>
+              <a:rPr lang="en-US" dirty="0" smtClean="0">
+                <a:latin typeface="Arial" panose="020B0604020202020204" pitchFamily="34" charset="0"/>
+                <a:cs typeface="Arial" panose="020B0604020202020204" pitchFamily="34" charset="0"/>
+              </a:rPr>
+              <a:t>, </a:t>
+            </a:r>
+            <a:r>
+              <a:rPr lang="en-US" dirty="0" err="1" smtClean="0">
+                <a:latin typeface="Arial" panose="020B0604020202020204" pitchFamily="34" charset="0"/>
+                <a:cs typeface="Arial" panose="020B0604020202020204" pitchFamily="34" charset="0"/>
+              </a:rPr>
+              <a:t>đạt</a:t>
+            </a:r>
+            <a:r>
+              <a:rPr lang="en-US" dirty="0" smtClean="0">
+                <a:latin typeface="Arial" panose="020B0604020202020204" pitchFamily="34" charset="0"/>
+                <a:cs typeface="Arial" panose="020B0604020202020204" pitchFamily="34" charset="0"/>
+              </a:rPr>
+              <a:t> N5 </a:t>
+            </a:r>
+            <a:r>
+              <a:rPr lang="en-US" dirty="0" err="1" smtClean="0">
+                <a:latin typeface="Arial" panose="020B0604020202020204" pitchFamily="34" charset="0"/>
+                <a:cs typeface="Arial" panose="020B0604020202020204" pitchFamily="34" charset="0"/>
+              </a:rPr>
+              <a:t>vào</a:t>
+            </a:r>
+            <a:r>
+              <a:rPr lang="en-US" dirty="0" smtClean="0">
+                <a:latin typeface="Arial" panose="020B0604020202020204" pitchFamily="34" charset="0"/>
+                <a:cs typeface="Arial" panose="020B0604020202020204" pitchFamily="34" charset="0"/>
+              </a:rPr>
+              <a:t> </a:t>
+            </a:r>
+            <a:r>
+              <a:rPr lang="en-US" dirty="0" smtClean="0">
+                <a:latin typeface="Arial" panose="020B0604020202020204" pitchFamily="34" charset="0"/>
+                <a:cs typeface="Arial" panose="020B0604020202020204" pitchFamily="34" charset="0"/>
+              </a:rPr>
+              <a:t>2020/07</a:t>
+            </a:r>
+            <a:endParaRPr lang="en-US" dirty="0" smtClean="0">
+              <a:latin typeface="Arial" panose="020B0604020202020204" pitchFamily="34" charset="0"/>
+              <a:cs typeface="Arial" panose="020B0604020202020204" pitchFamily="34" charset="0"/>
+            </a:endParaRPr>
+          </a:p>
+          <a:p>
+            <a:pPr lvl="1">
+              <a:buFont typeface="Arial" panose="020B0604020202020204" pitchFamily="34" charset="0"/>
+              <a:buChar char="•"/>
+            </a:pPr>
+            <a:r>
+              <a:rPr lang="en-US" dirty="0" err="1" smtClean="0">
+                <a:latin typeface="Arial" panose="020B0604020202020204" pitchFamily="34" charset="0"/>
+                <a:cs typeface="Arial" panose="020B0604020202020204" pitchFamily="34" charset="0"/>
+              </a:rPr>
+              <a:t>Thành</a:t>
+            </a:r>
+            <a:r>
+              <a:rPr lang="en-US" dirty="0" smtClean="0">
+                <a:latin typeface="Arial" panose="020B0604020202020204" pitchFamily="34" charset="0"/>
+                <a:cs typeface="Arial" panose="020B0604020202020204" pitchFamily="34" charset="0"/>
+              </a:rPr>
+              <a:t> </a:t>
+            </a:r>
+            <a:r>
+              <a:rPr lang="en-US" dirty="0" err="1" smtClean="0">
+                <a:latin typeface="Arial" panose="020B0604020202020204" pitchFamily="34" charset="0"/>
+                <a:cs typeface="Arial" panose="020B0604020202020204" pitchFamily="34" charset="0"/>
+              </a:rPr>
+              <a:t>thạo</a:t>
+            </a:r>
+            <a:r>
+              <a:rPr lang="en-US" dirty="0">
+                <a:latin typeface="Arial" panose="020B0604020202020204" pitchFamily="34" charset="0"/>
+                <a:cs typeface="Arial" panose="020B0604020202020204" pitchFamily="34" charset="0"/>
+              </a:rPr>
+              <a:t> </a:t>
+            </a:r>
+            <a:r>
+              <a:rPr lang="en-US" dirty="0" smtClean="0">
+                <a:latin typeface="Arial" panose="020B0604020202020204" pitchFamily="34" charset="0"/>
+                <a:cs typeface="Arial" panose="020B0604020202020204" pitchFamily="34" charset="0"/>
+              </a:rPr>
+              <a:t>Java</a:t>
+            </a:r>
+          </a:p>
+          <a:p>
+            <a:pPr lvl="1">
+              <a:buFont typeface="Arial" panose="020B0604020202020204" pitchFamily="34" charset="0"/>
+              <a:buChar char="•"/>
+            </a:pPr>
+            <a:endParaRPr lang="en-US" dirty="0" smtClean="0">
+              <a:latin typeface="Arial" panose="020B0604020202020204" pitchFamily="34" charset="0"/>
+              <a:cs typeface="Arial" panose="020B0604020202020204" pitchFamily="34" charset="0"/>
+            </a:endParaRPr>
+          </a:p>
+          <a:p>
+            <a:pPr lvl="1">
+              <a:buFont typeface="Arial" panose="020B0604020202020204" pitchFamily="34" charset="0"/>
+              <a:buChar char="•"/>
+            </a:pPr>
+            <a:endParaRPr lang="en-US" dirty="0">
               <a:latin typeface="Arial" panose="020B0604020202020204" pitchFamily="34" charset="0"/>
               <a:cs typeface="Arial" panose="020B0604020202020204" pitchFamily="34" charset="0"/>
             </a:endParaRPr>
           </a:p>
         </p:txBody>
       </p:sp>
+      <p:sp>
+        <p:nvSpPr>
+          <p:cNvPr id="4" name="Title 3"/>
+          <p:cNvSpPr>
+            <a:spLocks noGrp="1"/>
+          </p:cNvSpPr>
+          <p:nvPr>
+            <p:ph type="title"/>
+          </p:nvPr>
+        </p:nvSpPr>
+        <p:spPr/>
+        <p:txBody>
+          <a:bodyPr/>
+          <a:lstStyle/>
+          <a:p>
+            <a:r>
+              <a:rPr lang="en-US" dirty="0" smtClean="0">
+                <a:latin typeface="Arial" panose="020B0604020202020204" pitchFamily="34" charset="0"/>
+                <a:cs typeface="Arial" panose="020B0604020202020204" pitchFamily="34" charset="0"/>
+              </a:rPr>
+              <a:t>MỤC TIÊU NGẮN HẠN</a:t>
+            </a:r>
+            <a:endParaRPr lang="en-US" dirty="0">
+              <a:latin typeface="Arial" panose="020B0604020202020204" pitchFamily="34" charset="0"/>
+              <a:cs typeface="Arial" panose="020B0604020202020204" pitchFamily="34" charset="0"/>
+            </a:endParaRPr>
+          </a:p>
+        </p:txBody>
+      </p:sp>
+      <p:pic>
+        <p:nvPicPr>
+          <p:cNvPr id="1026" name="Picture 2" descr="https://www.thanthongnhat.vn/uploads/news/2018_04/2-cau-hoi-giup-ban-hoan-thanh-muc-tieu-da-de-ra-trong-nam-moi-1.jpg"/>
+          <p:cNvPicPr>
+            <a:picLocks noChangeAspect="1" noChangeArrowheads="1"/>
+          </p:cNvPicPr>
+          <p:nvPr/>
+        </p:nvPicPr>
+        <p:blipFill>
+          <a:blip r:embed="rId2">
+            <a:extLst>
+              <a:ext uri="{28A0092B-C50C-407E-A947-70E740481C1C}">
+                <a14:useLocalDpi xmlns:a14="http://schemas.microsoft.com/office/drawing/2010/main" val="0"/>
+              </a:ext>
+            </a:extLst>
+          </a:blip>
+          <a:srcRect/>
+          <a:stretch>
+            <a:fillRect/>
+          </a:stretch>
+        </p:blipFill>
+        <p:spPr bwMode="auto">
+          <a:xfrm>
+            <a:off x="12080631" y="3006969"/>
+            <a:ext cx="11274250" cy="6576646"/>
+          </a:xfrm>
+          <a:prstGeom prst="rect">
+            <a:avLst/>
+          </a:prstGeom>
+          <a:noFill/>
+          <a:extLst>
+            <a:ext uri="{909E8E84-426E-40DD-AFC4-6F175D3DCCD1}">
+              <a14:hiddenFill xmlns:a14="http://schemas.microsoft.com/office/drawing/2010/main">
+                <a:solidFill>
+                  <a:srgbClr val="FFFFFF"/>
+                </a:solidFill>
+              </a14:hiddenFill>
+            </a:ext>
+          </a:extLst>
+        </p:spPr>
+      </p:pic>
     </p:spTree>
     <p:extLst>
       <p:ext uri="{BB962C8B-B14F-4D97-AF65-F5344CB8AC3E}">
-        <p14:creationId xmlns:p14="http://schemas.microsoft.com/office/powerpoint/2010/main" val="4164381806"/>
+        <p14:creationId xmlns:p14="http://schemas.microsoft.com/office/powerpoint/2010/main" val="1644050429"/>
       </p:ext>
     </p:extLst>
   </p:cSld>
@@ -19162,7 +18970,180 @@
   <p:timing>
     <p:tnLst>
       <p:par>
-        <p:cTn id="1" dur="indefinite" restart="never" nodeType="tmRoot"/>
+        <p:cTn id="1" dur="indefinite" restart="never" nodeType="tmRoot">
+          <p:childTnLst>
+            <p:seq concurrent="1" nextAc="seek">
+              <p:cTn id="2" dur="indefinite" nodeType="mainSeq">
+                <p:childTnLst>
+                  <p:par>
+                    <p:cTn id="3" fill="hold">
+                      <p:stCondLst>
+                        <p:cond delay="indefinite"/>
+                        <p:cond evt="onBegin" delay="0">
+                          <p:tn val="2"/>
+                        </p:cond>
+                      </p:stCondLst>
+                      <p:childTnLst>
+                        <p:par>
+                          <p:cTn id="4" fill="hold">
+                            <p:stCondLst>
+                              <p:cond delay="0"/>
+                            </p:stCondLst>
+                            <p:childTnLst>
+                              <p:par>
+                                <p:cTn id="5" presetID="10" presetClass="entr" presetSubtype="0" fill="hold" nodeType="withEffect">
+                                  <p:stCondLst>
+                                    <p:cond delay="0"/>
+                                  </p:stCondLst>
+                                  <p:childTnLst>
+                                    <p:set>
+                                      <p:cBhvr>
+                                        <p:cTn id="6" dur="1" fill="hold">
+                                          <p:stCondLst>
+                                            <p:cond delay="0"/>
+                                          </p:stCondLst>
+                                        </p:cTn>
+                                        <p:tgtEl>
+                                          <p:spTgt spid="5">
+                                            <p:txEl>
+                                              <p:pRg st="1" end="1"/>
+                                            </p:txEl>
+                                          </p:spTgt>
+                                        </p:tgtEl>
+                                        <p:attrNameLst>
+                                          <p:attrName>style.visibility</p:attrName>
+                                        </p:attrNameLst>
+                                      </p:cBhvr>
+                                      <p:to>
+                                        <p:strVal val="visible"/>
+                                      </p:to>
+                                    </p:set>
+                                    <p:animEffect transition="in" filter="fade">
+                                      <p:cBhvr>
+                                        <p:cTn id="7" dur="500"/>
+                                        <p:tgtEl>
+                                          <p:spTgt spid="5">
+                                            <p:txEl>
+                                              <p:pRg st="1" end="1"/>
+                                            </p:txEl>
+                                          </p:spTgt>
+                                        </p:tgtEl>
+                                      </p:cBhvr>
+                                    </p:animEffect>
+                                  </p:childTnLst>
+                                </p:cTn>
+                              </p:par>
+                              <p:par>
+                                <p:cTn id="8" presetID="10" presetClass="entr" presetSubtype="0" fill="hold" nodeType="withEffect">
+                                  <p:stCondLst>
+                                    <p:cond delay="0"/>
+                                  </p:stCondLst>
+                                  <p:childTnLst>
+                                    <p:set>
+                                      <p:cBhvr>
+                                        <p:cTn id="9" dur="1" fill="hold">
+                                          <p:stCondLst>
+                                            <p:cond delay="0"/>
+                                          </p:stCondLst>
+                                        </p:cTn>
+                                        <p:tgtEl>
+                                          <p:spTgt spid="5">
+                                            <p:txEl>
+                                              <p:pRg st="2" end="2"/>
+                                            </p:txEl>
+                                          </p:spTgt>
+                                        </p:tgtEl>
+                                        <p:attrNameLst>
+                                          <p:attrName>style.visibility</p:attrName>
+                                        </p:attrNameLst>
+                                      </p:cBhvr>
+                                      <p:to>
+                                        <p:strVal val="visible"/>
+                                      </p:to>
+                                    </p:set>
+                                    <p:animEffect transition="in" filter="fade">
+                                      <p:cBhvr>
+                                        <p:cTn id="10" dur="500"/>
+                                        <p:tgtEl>
+                                          <p:spTgt spid="5">
+                                            <p:txEl>
+                                              <p:pRg st="2" end="2"/>
+                                            </p:txEl>
+                                          </p:spTgt>
+                                        </p:tgtEl>
+                                      </p:cBhvr>
+                                    </p:animEffect>
+                                  </p:childTnLst>
+                                </p:cTn>
+                              </p:par>
+                              <p:par>
+                                <p:cTn id="11" presetID="10" presetClass="entr" presetSubtype="0" fill="hold" nodeType="withEffect">
+                                  <p:stCondLst>
+                                    <p:cond delay="0"/>
+                                  </p:stCondLst>
+                                  <p:childTnLst>
+                                    <p:set>
+                                      <p:cBhvr>
+                                        <p:cTn id="12" dur="1" fill="hold">
+                                          <p:stCondLst>
+                                            <p:cond delay="0"/>
+                                          </p:stCondLst>
+                                        </p:cTn>
+                                        <p:tgtEl>
+                                          <p:spTgt spid="5">
+                                            <p:txEl>
+                                              <p:pRg st="3" end="3"/>
+                                            </p:txEl>
+                                          </p:spTgt>
+                                        </p:tgtEl>
+                                        <p:attrNameLst>
+                                          <p:attrName>style.visibility</p:attrName>
+                                        </p:attrNameLst>
+                                      </p:cBhvr>
+                                      <p:to>
+                                        <p:strVal val="visible"/>
+                                      </p:to>
+                                    </p:set>
+                                    <p:animEffect transition="in" filter="fade">
+                                      <p:cBhvr>
+                                        <p:cTn id="13" dur="500"/>
+                                        <p:tgtEl>
+                                          <p:spTgt spid="5">
+                                            <p:txEl>
+                                              <p:pRg st="3" end="3"/>
+                                            </p:txEl>
+                                          </p:spTgt>
+                                        </p:tgtEl>
+                                      </p:cBhvr>
+                                    </p:animEffect>
+                                  </p:childTnLst>
+                                </p:cTn>
+                              </p:par>
+                            </p:childTnLst>
+                          </p:cTn>
+                        </p:par>
+                      </p:childTnLst>
+                    </p:cTn>
+                  </p:par>
+                </p:childTnLst>
+              </p:cTn>
+              <p:prevCondLst>
+                <p:cond evt="onPrev" delay="0">
+                  <p:tgtEl>
+                    <p:sldTgt/>
+                  </p:tgtEl>
+                </p:cond>
+              </p:prevCondLst>
+              <p:nextCondLst>
+                <p:cond evt="onNext" delay="0">
+                  <p:tgtEl>
+                    <p:sldTgt/>
+                  </p:tgtEl>
+                </p:cond>
+              </p:nextCondLst>
+            </p:seq>
+          </p:childTnLst>
+        </p:cTn>
       </p:par>
     </p:tnLst>
   </p:timing>
